--- a/Report/PRESENTATION/New Microsoft PowerPoint Presentation.pptx
+++ b/Report/PRESENTATION/New Microsoft PowerPoint Presentation.pptx
@@ -44,11 +44,10 @@
     <p:sldId id="295" r:id="rId38"/>
     <p:sldId id="296" r:id="rId39"/>
     <p:sldId id="297" r:id="rId40"/>
-    <p:sldId id="298" r:id="rId41"/>
-    <p:sldId id="299" r:id="rId42"/>
-    <p:sldId id="300" r:id="rId43"/>
-    <p:sldId id="301" r:id="rId44"/>
-    <p:sldId id="302" r:id="rId45"/>
+    <p:sldId id="299" r:id="rId41"/>
+    <p:sldId id="300" r:id="rId42"/>
+    <p:sldId id="301" r:id="rId43"/>
+    <p:sldId id="302" r:id="rId44"/>
   </p:sldIdLst>
   <p:sldSz cx="12192000" cy="6858000"/>
   <p:notesSz cx="6858000" cy="9144000"/>
@@ -324,7 +323,7 @@
           <a:p>
             <a:fld id="{A840CD70-04EB-4289-BDC9-6FC404C6E220}" type="datetimeFigureOut">
               <a:rPr lang="en-US" smtClean="0"/>
-              <a:t>10-May-21</a:t>
+              <a:t>16-May-21</a:t>
             </a:fld>
             <a:endParaRPr lang="en-US"/>
           </a:p>
@@ -654,7 +653,7 @@
           <a:p>
             <a:fld id="{A840CD70-04EB-4289-BDC9-6FC404C6E220}" type="datetimeFigureOut">
               <a:rPr lang="en-US" smtClean="0"/>
-              <a:t>10-May-21</a:t>
+              <a:t>16-May-21</a:t>
             </a:fld>
             <a:endParaRPr lang="en-US"/>
           </a:p>
@@ -834,7 +833,7 @@
           <a:p>
             <a:fld id="{A840CD70-04EB-4289-BDC9-6FC404C6E220}" type="datetimeFigureOut">
               <a:rPr lang="en-US" smtClean="0"/>
-              <a:t>10-May-21</a:t>
+              <a:t>16-May-21</a:t>
             </a:fld>
             <a:endParaRPr lang="en-US"/>
           </a:p>
@@ -1004,7 +1003,7 @@
           <a:p>
             <a:fld id="{A840CD70-04EB-4289-BDC9-6FC404C6E220}" type="datetimeFigureOut">
               <a:rPr lang="en-US" smtClean="0"/>
-              <a:t>10-May-21</a:t>
+              <a:t>16-May-21</a:t>
             </a:fld>
             <a:endParaRPr lang="en-US"/>
           </a:p>
@@ -1281,7 +1280,7 @@
           <a:p>
             <a:fld id="{A840CD70-04EB-4289-BDC9-6FC404C6E220}" type="datetimeFigureOut">
               <a:rPr lang="en-US" smtClean="0"/>
-              <a:t>10-May-21</a:t>
+              <a:t>16-May-21</a:t>
             </a:fld>
             <a:endParaRPr lang="en-US"/>
           </a:p>
@@ -1675,7 +1674,7 @@
           <a:p>
             <a:fld id="{A840CD70-04EB-4289-BDC9-6FC404C6E220}" type="datetimeFigureOut">
               <a:rPr lang="en-US" smtClean="0"/>
-              <a:t>10-May-21</a:t>
+              <a:t>16-May-21</a:t>
             </a:fld>
             <a:endParaRPr lang="en-US"/>
           </a:p>
@@ -2152,7 +2151,7 @@
           <a:p>
             <a:fld id="{A840CD70-04EB-4289-BDC9-6FC404C6E220}" type="datetimeFigureOut">
               <a:rPr lang="en-US" smtClean="0"/>
-              <a:t>10-May-21</a:t>
+              <a:t>16-May-21</a:t>
             </a:fld>
             <a:endParaRPr lang="en-US"/>
           </a:p>
@@ -2270,7 +2269,7 @@
           <a:p>
             <a:fld id="{A840CD70-04EB-4289-BDC9-6FC404C6E220}" type="datetimeFigureOut">
               <a:rPr lang="en-US" smtClean="0"/>
-              <a:t>10-May-21</a:t>
+              <a:t>16-May-21</a:t>
             </a:fld>
             <a:endParaRPr lang="en-US"/>
           </a:p>
@@ -2365,7 +2364,7 @@
           <a:p>
             <a:fld id="{A840CD70-04EB-4289-BDC9-6FC404C6E220}" type="datetimeFigureOut">
               <a:rPr lang="en-US" smtClean="0"/>
-              <a:t>10-May-21</a:t>
+              <a:t>16-May-21</a:t>
             </a:fld>
             <a:endParaRPr lang="en-US"/>
           </a:p>
@@ -2711,7 +2710,7 @@
           <a:p>
             <a:fld id="{A840CD70-04EB-4289-BDC9-6FC404C6E220}" type="datetimeFigureOut">
               <a:rPr lang="en-US" smtClean="0"/>
-              <a:t>10-May-21</a:t>
+              <a:t>16-May-21</a:t>
             </a:fld>
             <a:endParaRPr lang="en-US"/>
           </a:p>
@@ -3099,7 +3098,7 @@
           <a:p>
             <a:fld id="{A840CD70-04EB-4289-BDC9-6FC404C6E220}" type="datetimeFigureOut">
               <a:rPr lang="en-US" smtClean="0"/>
-              <a:t>10-May-21</a:t>
+              <a:t>16-May-21</a:t>
             </a:fld>
             <a:endParaRPr lang="en-US"/>
           </a:p>
@@ -3377,7 +3376,7 @@
           <a:p>
             <a:fld id="{A840CD70-04EB-4289-BDC9-6FC404C6E220}" type="datetimeFigureOut">
               <a:rPr lang="en-US" smtClean="0"/>
-              <a:t>10-May-21</a:t>
+              <a:t>16-May-21</a:t>
             </a:fld>
             <a:endParaRPr lang="en-US"/>
           </a:p>
@@ -6496,8 +6495,10 @@
       </p:sp>
       <p:pic>
         <p:nvPicPr>
-          <p:cNvPr id="5" name="Picture 4" descr="RelationalSchma new"/>
-          <p:cNvPicPr/>
+          <p:cNvPr id="2" name="Picture 1"/>
+          <p:cNvPicPr>
+            <a:picLocks noChangeAspect="1"/>
+          </p:cNvPicPr>
           <p:nvPr/>
         </p:nvPicPr>
         <p:blipFill>
@@ -6508,23 +6509,18 @@
               </a:ext>
             </a:extLst>
           </a:blip>
-          <a:srcRect/>
           <a:stretch>
             <a:fillRect/>
           </a:stretch>
         </p:blipFill>
-        <p:spPr bwMode="auto">
-          <a:xfrm>
-            <a:off x="2086495" y="124691"/>
-            <a:ext cx="8836430" cy="6600305"/>
-          </a:xfrm>
-          <a:prstGeom prst="rect">
-            <a:avLst/>
-          </a:prstGeom>
-          <a:noFill/>
-          <a:ln>
-            <a:noFill/>
-          </a:ln>
+        <p:spPr>
+          <a:xfrm>
+            <a:off x="2194560" y="99752"/>
+            <a:ext cx="8711738" cy="6683433"/>
+          </a:xfrm>
+          <a:prstGeom prst="rect">
+            <a:avLst/>
+          </a:prstGeom>
         </p:spPr>
       </p:pic>
     </p:spTree>
@@ -8428,8 +8424,8 @@
         </p:blipFill>
         <p:spPr>
           <a:xfrm>
-            <a:off x="1330527" y="1577524"/>
-            <a:ext cx="10345594" cy="3917189"/>
+            <a:off x="2886987" y="767330"/>
+            <a:ext cx="6991770" cy="4793883"/>
           </a:xfrm>
           <a:prstGeom prst="rect">
             <a:avLst/>
@@ -8438,37 +8434,52 @@
       </p:pic>
       <p:sp>
         <p:nvSpPr>
-          <p:cNvPr id="5" name="Rectangle 4"/>
-          <p:cNvSpPr/>
+          <p:cNvPr id="5" name="TextBox 4"/>
+          <p:cNvSpPr txBox="1"/>
           <p:nvPr/>
         </p:nvSpPr>
         <p:spPr>
           <a:xfrm>
-            <a:off x="5766936" y="1091338"/>
-            <a:ext cx="1472775" cy="369332"/>
-          </a:xfrm>
-          <a:prstGeom prst="rect">
-            <a:avLst/>
-          </a:prstGeom>
-        </p:spPr>
-        <p:txBody>
-          <a:bodyPr wrap="none">
+            <a:off x="5564474" y="5760719"/>
+            <a:ext cx="1929503" cy="369332"/>
+          </a:xfrm>
+          <a:prstGeom prst="rect">
+            <a:avLst/>
+          </a:prstGeom>
+          <a:noFill/>
+        </p:spPr>
+        <p:txBody>
+          <a:bodyPr wrap="none" rtlCol="0">
             <a:spAutoFit/>
           </a:bodyPr>
           <a:lstStyle/>
           <a:p>
             <a:r>
-              <a:rPr lang="en-US" dirty="0" err="1"/>
-              <a:t>tblmarksheet</a:t>
-            </a:r>
-            <a:endParaRPr lang="en-US" dirty="0"/>
+              <a:rPr lang="en-US" b="1" dirty="0" smtClean="0">
+                <a:solidFill>
+                  <a:schemeClr val="tx2">
+                    <a:lumMod val="50000"/>
+                    <a:lumOff val="50000"/>
+                  </a:schemeClr>
+                </a:solidFill>
+              </a:rPr>
+              <a:t>LOGIN INTERFACE</a:t>
+            </a:r>
+            <a:endParaRPr lang="en-US" b="1" dirty="0">
+              <a:solidFill>
+                <a:schemeClr val="tx2">
+                  <a:lumMod val="50000"/>
+                  <a:lumOff val="50000"/>
+                </a:schemeClr>
+              </a:solidFill>
+            </a:endParaRPr>
           </a:p>
         </p:txBody>
       </p:sp>
     </p:spTree>
     <p:extLst>
       <p:ext uri="{BB962C8B-B14F-4D97-AF65-F5344CB8AC3E}">
-        <p14:creationId xmlns:p14="http://schemas.microsoft.com/office/powerpoint/2010/main" val="2172767545"/>
+        <p14:creationId xmlns:p14="http://schemas.microsoft.com/office/powerpoint/2010/main" val="1467340380"/>
       </p:ext>
     </p:extLst>
   </p:cSld>
@@ -8524,8 +8535,8 @@
         </p:blipFill>
         <p:spPr>
           <a:xfrm>
-            <a:off x="2886987" y="767330"/>
-            <a:ext cx="6991770" cy="4793883"/>
+            <a:off x="2318481" y="497316"/>
+            <a:ext cx="8657684" cy="3891804"/>
           </a:xfrm>
           <a:prstGeom prst="rect">
             <a:avLst/>
@@ -8540,8 +8551,8 @@
         </p:nvSpPr>
         <p:spPr>
           <a:xfrm>
-            <a:off x="5564474" y="5760719"/>
-            <a:ext cx="1929503" cy="369332"/>
+            <a:off x="5843847" y="4588626"/>
+            <a:ext cx="2544223" cy="369332"/>
           </a:xfrm>
           <a:prstGeom prst="rect">
             <a:avLst/>
@@ -8563,7 +8574,7 @@
                   </a:schemeClr>
                 </a:solidFill>
               </a:rPr>
-              <a:t>LOGIN INTERFACE</a:t>
+              <a:t>ANALYTICS DASHBOARD</a:t>
             </a:r>
             <a:endParaRPr lang="en-US" b="1" dirty="0">
               <a:solidFill>
@@ -8579,7 +8590,7 @@
     </p:spTree>
     <p:extLst>
       <p:ext uri="{BB962C8B-B14F-4D97-AF65-F5344CB8AC3E}">
-        <p14:creationId xmlns:p14="http://schemas.microsoft.com/office/powerpoint/2010/main" val="1467340380"/>
+        <p14:creationId xmlns:p14="http://schemas.microsoft.com/office/powerpoint/2010/main" val="3851175976"/>
       </p:ext>
     </p:extLst>
   </p:cSld>
@@ -8635,117 +8646,6 @@
         </p:blipFill>
         <p:spPr>
           <a:xfrm>
-            <a:off x="2318481" y="497316"/>
-            <a:ext cx="8657684" cy="3891804"/>
-          </a:xfrm>
-          <a:prstGeom prst="rect">
-            <a:avLst/>
-          </a:prstGeom>
-        </p:spPr>
-      </p:pic>
-      <p:sp>
-        <p:nvSpPr>
-          <p:cNvPr id="5" name="TextBox 4"/>
-          <p:cNvSpPr txBox="1"/>
-          <p:nvPr/>
-        </p:nvSpPr>
-        <p:spPr>
-          <a:xfrm>
-            <a:off x="5843847" y="4588626"/>
-            <a:ext cx="2544223" cy="369332"/>
-          </a:xfrm>
-          <a:prstGeom prst="rect">
-            <a:avLst/>
-          </a:prstGeom>
-          <a:noFill/>
-        </p:spPr>
-        <p:txBody>
-          <a:bodyPr wrap="none" rtlCol="0">
-            <a:spAutoFit/>
-          </a:bodyPr>
-          <a:lstStyle/>
-          <a:p>
-            <a:r>
-              <a:rPr lang="en-US" b="1" dirty="0" smtClean="0">
-                <a:solidFill>
-                  <a:schemeClr val="tx2">
-                    <a:lumMod val="50000"/>
-                    <a:lumOff val="50000"/>
-                  </a:schemeClr>
-                </a:solidFill>
-              </a:rPr>
-              <a:t>ANALYTICS DASHBOARD</a:t>
-            </a:r>
-            <a:endParaRPr lang="en-US" b="1" dirty="0">
-              <a:solidFill>
-                <a:schemeClr val="tx2">
-                  <a:lumMod val="50000"/>
-                  <a:lumOff val="50000"/>
-                </a:schemeClr>
-              </a:solidFill>
-            </a:endParaRPr>
-          </a:p>
-        </p:txBody>
-      </p:sp>
-    </p:spTree>
-    <p:extLst>
-      <p:ext uri="{BB962C8B-B14F-4D97-AF65-F5344CB8AC3E}">
-        <p14:creationId xmlns:p14="http://schemas.microsoft.com/office/powerpoint/2010/main" val="3851175976"/>
-      </p:ext>
-    </p:extLst>
-  </p:cSld>
-  <p:clrMapOvr>
-    <a:masterClrMapping/>
-  </p:clrMapOvr>
-  <p:timing>
-    <p:tnLst>
-      <p:par>
-        <p:cTn id="1" dur="indefinite" restart="never" nodeType="tmRoot"/>
-      </p:par>
-    </p:tnLst>
-  </p:timing>
-</p:sld>
-</file>
-
-<file path=ppt/slides/slide43.xml><?xml version="1.0" encoding="utf-8"?>
-<p:sld xmlns:a="http://schemas.openxmlformats.org/drawingml/2006/main" xmlns:r="http://schemas.openxmlformats.org/officeDocument/2006/relationships" xmlns:p="http://schemas.openxmlformats.org/presentationml/2006/main">
-  <p:cSld>
-    <p:spTree>
-      <p:nvGrpSpPr>
-        <p:cNvPr id="1" name=""/>
-        <p:cNvGrpSpPr/>
-        <p:nvPr/>
-      </p:nvGrpSpPr>
-      <p:grpSpPr>
-        <a:xfrm>
-          <a:off x="0" y="0"/>
-          <a:ext cx="0" cy="0"/>
-          <a:chOff x="0" y="0"/>
-          <a:chExt cx="0" cy="0"/>
-        </a:xfrm>
-      </p:grpSpPr>
-      <p:pic>
-        <p:nvPicPr>
-          <p:cNvPr id="4" name="Picture 3"/>
-          <p:cNvPicPr>
-            <a:picLocks noChangeAspect="1"/>
-          </p:cNvPicPr>
-          <p:nvPr/>
-        </p:nvPicPr>
-        <p:blipFill>
-          <a:blip r:embed="rId2">
-            <a:extLst>
-              <a:ext uri="{28A0092B-C50C-407E-A947-70E740481C1C}">
-                <a14:useLocalDpi xmlns:a14="http://schemas.microsoft.com/office/drawing/2010/main" val="0"/>
-              </a:ext>
-            </a:extLst>
-          </a:blip>
-          <a:stretch>
-            <a:fillRect/>
-          </a:stretch>
-        </p:blipFill>
-        <p:spPr>
-          <a:xfrm>
             <a:off x="1479664" y="247235"/>
             <a:ext cx="10163695" cy="5041537"/>
           </a:xfrm>
@@ -8818,7 +8718,7 @@
 </p:sld>
 </file>
 
-<file path=ppt/slides/slide44.xml><?xml version="1.0" encoding="utf-8"?>
+<file path=ppt/slides/slide43.xml><?xml version="1.0" encoding="utf-8"?>
 <p:sld xmlns:a="http://schemas.openxmlformats.org/drawingml/2006/main" xmlns:r="http://schemas.openxmlformats.org/officeDocument/2006/relationships" xmlns:p="http://schemas.openxmlformats.org/presentationml/2006/main">
   <p:cSld>
     <p:spTree>

--- a/Report/PRESENTATION/New Microsoft PowerPoint Presentation.pptx
+++ b/Report/PRESENTATION/New Microsoft PowerPoint Presentation.pptx
@@ -30,24 +30,29 @@
     <p:sldId id="281" r:id="rId24"/>
     <p:sldId id="282" r:id="rId25"/>
     <p:sldId id="283" r:id="rId26"/>
-    <p:sldId id="284" r:id="rId27"/>
-    <p:sldId id="285" r:id="rId28"/>
-    <p:sldId id="286" r:id="rId29"/>
-    <p:sldId id="287" r:id="rId30"/>
-    <p:sldId id="288" r:id="rId31"/>
-    <p:sldId id="289" r:id="rId32"/>
-    <p:sldId id="290" r:id="rId33"/>
-    <p:sldId id="291" r:id="rId34"/>
-    <p:sldId id="292" r:id="rId35"/>
-    <p:sldId id="293" r:id="rId36"/>
-    <p:sldId id="294" r:id="rId37"/>
-    <p:sldId id="295" r:id="rId38"/>
-    <p:sldId id="296" r:id="rId39"/>
-    <p:sldId id="297" r:id="rId40"/>
-    <p:sldId id="299" r:id="rId41"/>
-    <p:sldId id="300" r:id="rId42"/>
-    <p:sldId id="301" r:id="rId43"/>
-    <p:sldId id="302" r:id="rId44"/>
+    <p:sldId id="303" r:id="rId27"/>
+    <p:sldId id="284" r:id="rId28"/>
+    <p:sldId id="285" r:id="rId29"/>
+    <p:sldId id="286" r:id="rId30"/>
+    <p:sldId id="287" r:id="rId31"/>
+    <p:sldId id="288" r:id="rId32"/>
+    <p:sldId id="289" r:id="rId33"/>
+    <p:sldId id="290" r:id="rId34"/>
+    <p:sldId id="291" r:id="rId35"/>
+    <p:sldId id="292" r:id="rId36"/>
+    <p:sldId id="293" r:id="rId37"/>
+    <p:sldId id="294" r:id="rId38"/>
+    <p:sldId id="295" r:id="rId39"/>
+    <p:sldId id="296" r:id="rId40"/>
+    <p:sldId id="297" r:id="rId41"/>
+    <p:sldId id="304" r:id="rId42"/>
+    <p:sldId id="299" r:id="rId43"/>
+    <p:sldId id="305" r:id="rId44"/>
+    <p:sldId id="306" r:id="rId45"/>
+    <p:sldId id="300" r:id="rId46"/>
+    <p:sldId id="301" r:id="rId47"/>
+    <p:sldId id="302" r:id="rId48"/>
+    <p:sldId id="307" r:id="rId49"/>
   </p:sldIdLst>
   <p:sldSz cx="12192000" cy="6858000"/>
   <p:notesSz cx="6858000" cy="9144000"/>
@@ -210,7 +215,7 @@
           </a:lstStyle>
           <a:p>
             <a:r>
-              <a:rPr lang="en-US" smtClean="0"/>
+              <a:rPr lang="en-US"/>
               <a:t>Click to edit Master title style</a:t>
             </a:r>
             <a:endParaRPr lang="en-US" dirty="0"/>
@@ -286,7 +291,7 @@
           </a:lstStyle>
           <a:p>
             <a:r>
-              <a:rPr lang="en-US" smtClean="0"/>
+              <a:rPr lang="en-US"/>
               <a:t>Click to edit Master subtitle style</a:t>
             </a:r>
             <a:endParaRPr lang="en-US" dirty="0"/>
@@ -323,7 +328,7 @@
           <a:p>
             <a:fld id="{A840CD70-04EB-4289-BDC9-6FC404C6E220}" type="datetimeFigureOut">
               <a:rPr lang="en-US" smtClean="0"/>
-              <a:t>16-May-21</a:t>
+              <a:t>5/20/2021</a:t>
             </a:fld>
             <a:endParaRPr lang="en-US"/>
           </a:p>
@@ -572,7 +577,7 @@
           <a:lstStyle/>
           <a:p>
             <a:r>
-              <a:rPr lang="en-US" smtClean="0"/>
+              <a:rPr lang="en-US"/>
               <a:t>Click to edit Master title style</a:t>
             </a:r>
             <a:endParaRPr lang="en-US" dirty="0"/>
@@ -601,35 +606,35 @@
           <a:p>
             <a:pPr lvl="0"/>
             <a:r>
-              <a:rPr lang="en-US" smtClean="0"/>
+              <a:rPr lang="en-US"/>
               <a:t>Click to edit Master text styles</a:t>
             </a:r>
           </a:p>
           <a:p>
             <a:pPr lvl="1"/>
             <a:r>
-              <a:rPr lang="en-US" smtClean="0"/>
+              <a:rPr lang="en-US"/>
               <a:t>Second level</a:t>
             </a:r>
           </a:p>
           <a:p>
             <a:pPr lvl="2"/>
             <a:r>
-              <a:rPr lang="en-US" smtClean="0"/>
+              <a:rPr lang="en-US"/>
               <a:t>Third level</a:t>
             </a:r>
           </a:p>
           <a:p>
             <a:pPr lvl="3"/>
             <a:r>
-              <a:rPr lang="en-US" smtClean="0"/>
+              <a:rPr lang="en-US"/>
               <a:t>Fourth level</a:t>
             </a:r>
           </a:p>
           <a:p>
             <a:pPr lvl="4"/>
             <a:r>
-              <a:rPr lang="en-US" smtClean="0"/>
+              <a:rPr lang="en-US"/>
               <a:t>Fifth level</a:t>
             </a:r>
             <a:endParaRPr lang="en-US" dirty="0"/>
@@ -653,7 +658,7 @@
           <a:p>
             <a:fld id="{A840CD70-04EB-4289-BDC9-6FC404C6E220}" type="datetimeFigureOut">
               <a:rPr lang="en-US" smtClean="0"/>
-              <a:t>16-May-21</a:t>
+              <a:t>5/20/2021</a:t>
             </a:fld>
             <a:endParaRPr lang="en-US"/>
           </a:p>
@@ -752,7 +757,7 @@
           <a:lstStyle/>
           <a:p>
             <a:r>
-              <a:rPr lang="en-US" smtClean="0"/>
+              <a:rPr lang="en-US"/>
               <a:t>Click to edit Master title style</a:t>
             </a:r>
             <a:endParaRPr lang="en-US" dirty="0"/>
@@ -781,35 +786,35 @@
           <a:p>
             <a:pPr lvl="0"/>
             <a:r>
-              <a:rPr lang="en-US" smtClean="0"/>
+              <a:rPr lang="en-US"/>
               <a:t>Click to edit Master text styles</a:t>
             </a:r>
           </a:p>
           <a:p>
             <a:pPr lvl="1"/>
             <a:r>
-              <a:rPr lang="en-US" smtClean="0"/>
+              <a:rPr lang="en-US"/>
               <a:t>Second level</a:t>
             </a:r>
           </a:p>
           <a:p>
             <a:pPr lvl="2"/>
             <a:r>
-              <a:rPr lang="en-US" smtClean="0"/>
+              <a:rPr lang="en-US"/>
               <a:t>Third level</a:t>
             </a:r>
           </a:p>
           <a:p>
             <a:pPr lvl="3"/>
             <a:r>
-              <a:rPr lang="en-US" smtClean="0"/>
+              <a:rPr lang="en-US"/>
               <a:t>Fourth level</a:t>
             </a:r>
           </a:p>
           <a:p>
             <a:pPr lvl="4"/>
             <a:r>
-              <a:rPr lang="en-US" smtClean="0"/>
+              <a:rPr lang="en-US"/>
               <a:t>Fifth level</a:t>
             </a:r>
             <a:endParaRPr lang="en-US" dirty="0"/>
@@ -833,7 +838,7 @@
           <a:p>
             <a:fld id="{A840CD70-04EB-4289-BDC9-6FC404C6E220}" type="datetimeFigureOut">
               <a:rPr lang="en-US" smtClean="0"/>
-              <a:t>16-May-21</a:t>
+              <a:t>5/20/2021</a:t>
             </a:fld>
             <a:endParaRPr lang="en-US"/>
           </a:p>
@@ -927,7 +932,7 @@
           <a:lstStyle/>
           <a:p>
             <a:r>
-              <a:rPr lang="en-US" smtClean="0"/>
+              <a:rPr lang="en-US"/>
               <a:t>Click to edit Master title style</a:t>
             </a:r>
             <a:endParaRPr lang="en-US" dirty="0"/>
@@ -951,35 +956,35 @@
           <a:p>
             <a:pPr lvl="0"/>
             <a:r>
-              <a:rPr lang="en-US" smtClean="0"/>
+              <a:rPr lang="en-US"/>
               <a:t>Click to edit Master text styles</a:t>
             </a:r>
           </a:p>
           <a:p>
             <a:pPr lvl="1"/>
             <a:r>
-              <a:rPr lang="en-US" smtClean="0"/>
+              <a:rPr lang="en-US"/>
               <a:t>Second level</a:t>
             </a:r>
           </a:p>
           <a:p>
             <a:pPr lvl="2"/>
             <a:r>
-              <a:rPr lang="en-US" smtClean="0"/>
+              <a:rPr lang="en-US"/>
               <a:t>Third level</a:t>
             </a:r>
           </a:p>
           <a:p>
             <a:pPr lvl="3"/>
             <a:r>
-              <a:rPr lang="en-US" smtClean="0"/>
+              <a:rPr lang="en-US"/>
               <a:t>Fourth level</a:t>
             </a:r>
           </a:p>
           <a:p>
             <a:pPr lvl="4"/>
             <a:r>
-              <a:rPr lang="en-US" smtClean="0"/>
+              <a:rPr lang="en-US"/>
               <a:t>Fifth level</a:t>
             </a:r>
             <a:endParaRPr lang="en-US" dirty="0"/>
@@ -1003,7 +1008,7 @@
           <a:p>
             <a:fld id="{A840CD70-04EB-4289-BDC9-6FC404C6E220}" type="datetimeFigureOut">
               <a:rPr lang="en-US" smtClean="0"/>
-              <a:t>16-May-21</a:t>
+              <a:t>5/20/2021</a:t>
             </a:fld>
             <a:endParaRPr lang="en-US"/>
           </a:p>
@@ -1117,7 +1122,7 @@
           </a:lstStyle>
           <a:p>
             <a:r>
-              <a:rPr lang="en-US" smtClean="0"/>
+              <a:rPr lang="en-US"/>
               <a:t>Click to edit Master title style</a:t>
             </a:r>
             <a:endParaRPr lang="en-US" dirty="0"/>
@@ -1244,7 +1249,7 @@
           <a:p>
             <a:pPr lvl="0"/>
             <a:r>
-              <a:rPr lang="en-US" smtClean="0"/>
+              <a:rPr lang="en-US"/>
               <a:t>Click to edit Master text styles</a:t>
             </a:r>
           </a:p>
@@ -1280,7 +1285,7 @@
           <a:p>
             <a:fld id="{A840CD70-04EB-4289-BDC9-6FC404C6E220}" type="datetimeFigureOut">
               <a:rPr lang="en-US" smtClean="0"/>
-              <a:t>16-May-21</a:t>
+              <a:t>5/20/2021</a:t>
             </a:fld>
             <a:endParaRPr lang="en-US"/>
           </a:p>
@@ -1464,7 +1469,7 @@
           </a:lstStyle>
           <a:p>
             <a:r>
-              <a:rPr lang="en-US" smtClean="0"/>
+              <a:rPr lang="en-US"/>
               <a:t>Click to edit Master title style</a:t>
             </a:r>
             <a:endParaRPr lang="en-US" dirty="0"/>
@@ -1529,35 +1534,35 @@
           <a:p>
             <a:pPr lvl="0"/>
             <a:r>
-              <a:rPr lang="en-US" smtClean="0"/>
+              <a:rPr lang="en-US"/>
               <a:t>Click to edit Master text styles</a:t>
             </a:r>
           </a:p>
           <a:p>
             <a:pPr lvl="1"/>
             <a:r>
-              <a:rPr lang="en-US" smtClean="0"/>
+              <a:rPr lang="en-US"/>
               <a:t>Second level</a:t>
             </a:r>
           </a:p>
           <a:p>
             <a:pPr lvl="2"/>
             <a:r>
-              <a:rPr lang="en-US" smtClean="0"/>
+              <a:rPr lang="en-US"/>
               <a:t>Third level</a:t>
             </a:r>
           </a:p>
           <a:p>
             <a:pPr lvl="3"/>
             <a:r>
-              <a:rPr lang="en-US" smtClean="0"/>
+              <a:rPr lang="en-US"/>
               <a:t>Fourth level</a:t>
             </a:r>
           </a:p>
           <a:p>
             <a:pPr lvl="4"/>
             <a:r>
-              <a:rPr lang="en-US" smtClean="0"/>
+              <a:rPr lang="en-US"/>
               <a:t>Fifth level</a:t>
             </a:r>
             <a:endParaRPr lang="en-US" dirty="0"/>
@@ -1622,35 +1627,35 @@
           <a:p>
             <a:pPr lvl="0"/>
             <a:r>
-              <a:rPr lang="en-US" smtClean="0"/>
+              <a:rPr lang="en-US"/>
               <a:t>Click to edit Master text styles</a:t>
             </a:r>
           </a:p>
           <a:p>
             <a:pPr lvl="1"/>
             <a:r>
-              <a:rPr lang="en-US" smtClean="0"/>
+              <a:rPr lang="en-US"/>
               <a:t>Second level</a:t>
             </a:r>
           </a:p>
           <a:p>
             <a:pPr lvl="2"/>
             <a:r>
-              <a:rPr lang="en-US" smtClean="0"/>
+              <a:rPr lang="en-US"/>
               <a:t>Third level</a:t>
             </a:r>
           </a:p>
           <a:p>
             <a:pPr lvl="3"/>
             <a:r>
-              <a:rPr lang="en-US" smtClean="0"/>
+              <a:rPr lang="en-US"/>
               <a:t>Fourth level</a:t>
             </a:r>
           </a:p>
           <a:p>
             <a:pPr lvl="4"/>
             <a:r>
-              <a:rPr lang="en-US" smtClean="0"/>
+              <a:rPr lang="en-US"/>
               <a:t>Fifth level</a:t>
             </a:r>
             <a:endParaRPr lang="en-US" dirty="0"/>
@@ -1674,7 +1679,7 @@
           <a:p>
             <a:fld id="{A840CD70-04EB-4289-BDC9-6FC404C6E220}" type="datetimeFigureOut">
               <a:rPr lang="en-US" smtClean="0"/>
-              <a:t>16-May-21</a:t>
+              <a:t>5/20/2021</a:t>
             </a:fld>
             <a:endParaRPr lang="en-US"/>
           </a:p>
@@ -1781,7 +1786,7 @@
           </a:lstStyle>
           <a:p>
             <a:r>
-              <a:rPr lang="en-US" smtClean="0"/>
+              <a:rPr lang="en-US"/>
               <a:t>Click to edit Master title style</a:t>
             </a:r>
             <a:endParaRPr lang="en-US" dirty="0"/>
@@ -1862,7 +1867,7 @@
           <a:p>
             <a:pPr lvl="0"/>
             <a:r>
-              <a:rPr lang="en-US" smtClean="0"/>
+              <a:rPr lang="en-US"/>
               <a:t>Click to edit Master text styles</a:t>
             </a:r>
           </a:p>
@@ -1926,35 +1931,35 @@
           <a:p>
             <a:pPr lvl="0"/>
             <a:r>
-              <a:rPr lang="en-US" smtClean="0"/>
+              <a:rPr lang="en-US"/>
               <a:t>Click to edit Master text styles</a:t>
             </a:r>
           </a:p>
           <a:p>
             <a:pPr lvl="1"/>
             <a:r>
-              <a:rPr lang="en-US" smtClean="0"/>
+              <a:rPr lang="en-US"/>
               <a:t>Second level</a:t>
             </a:r>
           </a:p>
           <a:p>
             <a:pPr lvl="2"/>
             <a:r>
-              <a:rPr lang="en-US" smtClean="0"/>
+              <a:rPr lang="en-US"/>
               <a:t>Third level</a:t>
             </a:r>
           </a:p>
           <a:p>
             <a:pPr lvl="3"/>
             <a:r>
-              <a:rPr lang="en-US" smtClean="0"/>
+              <a:rPr lang="en-US"/>
               <a:t>Fourth level</a:t>
             </a:r>
           </a:p>
           <a:p>
             <a:pPr lvl="4"/>
             <a:r>
-              <a:rPr lang="en-US" smtClean="0"/>
+              <a:rPr lang="en-US"/>
               <a:t>Fifth level</a:t>
             </a:r>
             <a:endParaRPr lang="en-US" dirty="0"/>
@@ -2035,7 +2040,7 @@
           <a:p>
             <a:pPr lvl="0"/>
             <a:r>
-              <a:rPr lang="en-US" smtClean="0"/>
+              <a:rPr lang="en-US"/>
               <a:t>Click to edit Master text styles</a:t>
             </a:r>
           </a:p>
@@ -2099,35 +2104,35 @@
           <a:p>
             <a:pPr lvl="0"/>
             <a:r>
-              <a:rPr lang="en-US" smtClean="0"/>
+              <a:rPr lang="en-US"/>
               <a:t>Click to edit Master text styles</a:t>
             </a:r>
           </a:p>
           <a:p>
             <a:pPr lvl="1"/>
             <a:r>
-              <a:rPr lang="en-US" smtClean="0"/>
+              <a:rPr lang="en-US"/>
               <a:t>Second level</a:t>
             </a:r>
           </a:p>
           <a:p>
             <a:pPr lvl="2"/>
             <a:r>
-              <a:rPr lang="en-US" smtClean="0"/>
+              <a:rPr lang="en-US"/>
               <a:t>Third level</a:t>
             </a:r>
           </a:p>
           <a:p>
             <a:pPr lvl="3"/>
             <a:r>
-              <a:rPr lang="en-US" smtClean="0"/>
+              <a:rPr lang="en-US"/>
               <a:t>Fourth level</a:t>
             </a:r>
           </a:p>
           <a:p>
             <a:pPr lvl="4"/>
             <a:r>
-              <a:rPr lang="en-US" smtClean="0"/>
+              <a:rPr lang="en-US"/>
               <a:t>Fifth level</a:t>
             </a:r>
             <a:endParaRPr lang="en-US" dirty="0"/>
@@ -2151,7 +2156,7 @@
           <a:p>
             <a:fld id="{A840CD70-04EB-4289-BDC9-6FC404C6E220}" type="datetimeFigureOut">
               <a:rPr lang="en-US" smtClean="0"/>
-              <a:t>16-May-21</a:t>
+              <a:t>5/20/2021</a:t>
             </a:fld>
             <a:endParaRPr lang="en-US"/>
           </a:p>
@@ -2245,7 +2250,7 @@
           <a:lstStyle/>
           <a:p>
             <a:r>
-              <a:rPr lang="en-US" smtClean="0"/>
+              <a:rPr lang="en-US"/>
               <a:t>Click to edit Master title style</a:t>
             </a:r>
             <a:endParaRPr lang="en-US" dirty="0"/>
@@ -2269,7 +2274,7 @@
           <a:p>
             <a:fld id="{A840CD70-04EB-4289-BDC9-6FC404C6E220}" type="datetimeFigureOut">
               <a:rPr lang="en-US" smtClean="0"/>
-              <a:t>16-May-21</a:t>
+              <a:t>5/20/2021</a:t>
             </a:fld>
             <a:endParaRPr lang="en-US"/>
           </a:p>
@@ -2364,7 +2369,7 @@
           <a:p>
             <a:fld id="{A840CD70-04EB-4289-BDC9-6FC404C6E220}" type="datetimeFigureOut">
               <a:rPr lang="en-US" smtClean="0"/>
-              <a:t>16-May-21</a:t>
+              <a:t>5/20/2021</a:t>
             </a:fld>
             <a:endParaRPr lang="en-US"/>
           </a:p>
@@ -2514,7 +2519,7 @@
           </a:lstStyle>
           <a:p>
             <a:r>
-              <a:rPr lang="en-US" smtClean="0"/>
+              <a:rPr lang="en-US"/>
               <a:t>Click to edit Master title style</a:t>
             </a:r>
             <a:endParaRPr lang="en-US" dirty="0"/>
@@ -2571,35 +2576,35 @@
           <a:p>
             <a:pPr lvl="0"/>
             <a:r>
-              <a:rPr lang="en-US" smtClean="0"/>
+              <a:rPr lang="en-US"/>
               <a:t>Click to edit Master text styles</a:t>
             </a:r>
           </a:p>
           <a:p>
             <a:pPr lvl="1"/>
             <a:r>
-              <a:rPr lang="en-US" smtClean="0"/>
+              <a:rPr lang="en-US"/>
               <a:t>Second level</a:t>
             </a:r>
           </a:p>
           <a:p>
             <a:pPr lvl="2"/>
             <a:r>
-              <a:rPr lang="en-US" smtClean="0"/>
+              <a:rPr lang="en-US"/>
               <a:t>Third level</a:t>
             </a:r>
           </a:p>
           <a:p>
             <a:pPr lvl="3"/>
             <a:r>
-              <a:rPr lang="en-US" smtClean="0"/>
+              <a:rPr lang="en-US"/>
               <a:t>Fourth level</a:t>
             </a:r>
           </a:p>
           <a:p>
             <a:pPr lvl="4"/>
             <a:r>
-              <a:rPr lang="en-US" smtClean="0"/>
+              <a:rPr lang="en-US"/>
               <a:t>Fifth level</a:t>
             </a:r>
             <a:endParaRPr lang="en-US" dirty="0"/>
@@ -2674,7 +2679,7 @@
           <a:p>
             <a:pPr lvl="0"/>
             <a:r>
-              <a:rPr lang="en-US" smtClean="0"/>
+              <a:rPr lang="en-US"/>
               <a:t>Click to edit Master text styles</a:t>
             </a:r>
           </a:p>
@@ -2710,7 +2715,7 @@
           <a:p>
             <a:fld id="{A840CD70-04EB-4289-BDC9-6FC404C6E220}" type="datetimeFigureOut">
               <a:rPr lang="en-US" smtClean="0"/>
-              <a:t>16-May-21</a:t>
+              <a:t>5/20/2021</a:t>
             </a:fld>
             <a:endParaRPr lang="en-US"/>
           </a:p>
@@ -2920,7 +2925,7 @@
           </a:lstStyle>
           <a:p>
             <a:r>
-              <a:rPr lang="en-US" smtClean="0"/>
+              <a:rPr lang="en-US"/>
               <a:t>Click to edit Master title style</a:t>
             </a:r>
             <a:endParaRPr lang="en-US" dirty="0"/>
@@ -2987,7 +2992,7 @@
           </a:lstStyle>
           <a:p>
             <a:r>
-              <a:rPr lang="en-US" smtClean="0"/>
+              <a:rPr lang="en-US"/>
               <a:t>Click icon to add picture</a:t>
             </a:r>
             <a:endParaRPr lang="en-US" dirty="0"/>
@@ -3062,7 +3067,7 @@
           <a:p>
             <a:pPr lvl="0"/>
             <a:r>
-              <a:rPr lang="en-US" smtClean="0"/>
+              <a:rPr lang="en-US"/>
               <a:t>Click to edit Master text styles</a:t>
             </a:r>
           </a:p>
@@ -3098,7 +3103,7 @@
           <a:p>
             <a:fld id="{A840CD70-04EB-4289-BDC9-6FC404C6E220}" type="datetimeFigureOut">
               <a:rPr lang="en-US" smtClean="0"/>
-              <a:t>16-May-21</a:t>
+              <a:t>5/20/2021</a:t>
             </a:fld>
             <a:endParaRPr lang="en-US"/>
           </a:p>
@@ -3274,7 +3279,7 @@
           <a:lstStyle/>
           <a:p>
             <a:r>
-              <a:rPr lang="en-US" smtClean="0"/>
+              <a:rPr lang="en-US"/>
               <a:t>Click to edit Master title style</a:t>
             </a:r>
             <a:endParaRPr lang="en-US" dirty="0"/>
@@ -3308,35 +3313,35 @@
           <a:p>
             <a:pPr lvl="0"/>
             <a:r>
-              <a:rPr lang="en-US" smtClean="0"/>
+              <a:rPr lang="en-US"/>
               <a:t>Click to edit Master text styles</a:t>
             </a:r>
           </a:p>
           <a:p>
             <a:pPr lvl="1"/>
             <a:r>
-              <a:rPr lang="en-US" smtClean="0"/>
+              <a:rPr lang="en-US"/>
               <a:t>Second level</a:t>
             </a:r>
           </a:p>
           <a:p>
             <a:pPr lvl="2"/>
             <a:r>
-              <a:rPr lang="en-US" smtClean="0"/>
+              <a:rPr lang="en-US"/>
               <a:t>Third level</a:t>
             </a:r>
           </a:p>
           <a:p>
             <a:pPr lvl="3"/>
             <a:r>
-              <a:rPr lang="en-US" smtClean="0"/>
+              <a:rPr lang="en-US"/>
               <a:t>Fourth level</a:t>
             </a:r>
           </a:p>
           <a:p>
             <a:pPr lvl="4"/>
             <a:r>
-              <a:rPr lang="en-US" smtClean="0"/>
+              <a:rPr lang="en-US"/>
               <a:t>Fifth level</a:t>
             </a:r>
             <a:endParaRPr lang="en-US" dirty="0"/>
@@ -3376,7 +3381,7 @@
           <a:p>
             <a:fld id="{A840CD70-04EB-4289-BDC9-6FC404C6E220}" type="datetimeFigureOut">
               <a:rPr lang="en-US" smtClean="0"/>
-              <a:t>16-May-21</a:t>
+              <a:t>5/20/2021</a:t>
             </a:fld>
             <a:endParaRPr lang="en-US"/>
           </a:p>
@@ -3822,7 +3827,7 @@
       </a:lvl9pPr>
     </p:otherStyle>
   </p:txStyles>
-  <p:extLst mod="1">
+  <p:extLst>
     <p:ext uri="{27BBF7A9-308A-43DC-89C8-2F10F3537804}">
       <p15:sldGuideLst xmlns:p15="http://schemas.microsoft.com/office/powerpoint/2012/main">
         <p15:guide id="1" orient="horz" pos="1368">
@@ -3909,7 +3914,7 @@
           <a:lstStyle/>
           <a:p>
             <a:r>
-              <a:rPr lang="en-US" sz="2800" b="1" dirty="0" smtClean="0"/>
+              <a:rPr lang="en-US" sz="2800" b="1" dirty="0"/>
               <a:t>STUDENT</a:t>
             </a:r>
             <a:r>
@@ -3917,16 +3922,8 @@
               <a:t> </a:t>
             </a:r>
             <a:r>
-              <a:rPr lang="en-US" sz="2800" b="1" dirty="0" smtClean="0"/>
-              <a:t>PERFORMANCE </a:t>
-            </a:r>
-            <a:r>
               <a:rPr lang="en-US" sz="2800" b="1" dirty="0"/>
-              <a:t>MONITORING SYSTEM</a:t>
-            </a:r>
-            <a:r>
-              <a:rPr lang="en-US" b="1" dirty="0"/>
-              <a:t/>
+              <a:t>PERFORMANCE MONITORING SYSTEM</a:t>
             </a:r>
             <a:br>
               <a:rPr lang="en-US" b="1" dirty="0"/>
@@ -3976,13 +3973,6 @@
   <p:clrMapOvr>
     <a:masterClrMapping/>
   </p:clrMapOvr>
-  <p:timing>
-    <p:tnLst>
-      <p:par>
-        <p:cTn id="1" dur="indefinite" restart="never" nodeType="tmRoot"/>
-      </p:par>
-    </p:tnLst>
-  </p:timing>
 </p:sld>
 </file>
 
@@ -4043,13 +4033,6 @@
   <p:clrMapOvr>
     <a:masterClrMapping/>
   </p:clrMapOvr>
-  <p:timing>
-    <p:tnLst>
-      <p:par>
-        <p:cTn id="1" dur="indefinite" restart="never" nodeType="tmRoot"/>
-      </p:par>
-    </p:tnLst>
-  </p:timing>
 </p:sld>
 </file>
 
@@ -4110,13 +4093,6 @@
   <p:clrMapOvr>
     <a:masterClrMapping/>
   </p:clrMapOvr>
-  <p:timing>
-    <p:tnLst>
-      <p:par>
-        <p:cTn id="1" dur="indefinite" restart="never" nodeType="tmRoot"/>
-      </p:par>
-    </p:tnLst>
-  </p:timing>
 </p:sld>
 </file>
 
@@ -4167,7 +4143,7 @@
               </a:spcAft>
             </a:pPr>
             <a:r>
-              <a:rPr lang="en-US" b="1" kern="100" dirty="0" smtClean="0">
+              <a:rPr lang="en-US" b="1" kern="100" dirty="0">
                 <a:solidFill>
                   <a:srgbClr val="000000"/>
                 </a:solidFill>
@@ -4178,15 +4154,6 @@
               </a:rPr>
               <a:t>BUSINESS PROCESS DIAGRAM (AS-IS)</a:t>
             </a:r>
-            <a:endParaRPr lang="en-US" b="1" kern="100" dirty="0">
-              <a:solidFill>
-                <a:srgbClr val="000000"/>
-              </a:solidFill>
-              <a:effectLst/>
-              <a:latin typeface="Arial" panose="020B0604020202020204" pitchFamily="34" charset="0"/>
-              <a:ea typeface="Times New Roman" panose="02020603050405020304" pitchFamily="18" charset="0"/>
-              <a:cs typeface="Mangal"/>
-            </a:endParaRPr>
           </a:p>
         </p:txBody>
       </p:sp>
@@ -4241,7 +4208,7 @@
               </a:spcAft>
             </a:pPr>
             <a:r>
-              <a:rPr lang="en-US" sz="1000" b="1" kern="100" dirty="0" smtClean="0">
+              <a:rPr lang="en-US" sz="1000" b="1" kern="100" dirty="0">
                 <a:solidFill>
                   <a:srgbClr val="5B9BD5"/>
                 </a:solidFill>
@@ -4252,15 +4219,6 @@
               </a:rPr>
               <a:t>BPMN (AS-IS) FIGURE 1: View new enrollment data</a:t>
             </a:r>
-            <a:endParaRPr lang="en-US" sz="1000" b="1" kern="100" dirty="0">
-              <a:solidFill>
-                <a:srgbClr val="5B9BD5"/>
-              </a:solidFill>
-              <a:effectLst/>
-              <a:latin typeface="Arial" panose="020B0604020202020204" pitchFamily="34" charset="0"/>
-              <a:ea typeface="Noto Serif CJK SC"/>
-              <a:cs typeface="Mangal"/>
-            </a:endParaRPr>
           </a:p>
         </p:txBody>
       </p:sp>
@@ -4313,7 +4271,7 @@
               </a:spcAft>
             </a:pPr>
             <a:r>
-              <a:rPr lang="en-US" sz="1000" b="1" kern="100" dirty="0" smtClean="0">
+              <a:rPr lang="en-US" sz="1000" b="1" kern="100" dirty="0">
                 <a:solidFill>
                   <a:srgbClr val="5B9BD5"/>
                 </a:solidFill>
@@ -4324,15 +4282,6 @@
               </a:rPr>
               <a:t>BPMN (AS-IS) FIGURE 2: View Student Mark-sheet by VC, Dean, Head, and Faculty</a:t>
             </a:r>
-            <a:endParaRPr lang="en-US" sz="1000" b="1" kern="100" dirty="0">
-              <a:solidFill>
-                <a:srgbClr val="5B9BD5"/>
-              </a:solidFill>
-              <a:effectLst/>
-              <a:latin typeface="Arial" panose="020B0604020202020204" pitchFamily="34" charset="0"/>
-              <a:ea typeface="Noto Serif CJK SC"/>
-              <a:cs typeface="Mangal"/>
-            </a:endParaRPr>
           </a:p>
         </p:txBody>
       </p:sp>
@@ -4346,13 +4295,6 @@
   <p:clrMapOvr>
     <a:masterClrMapping/>
   </p:clrMapOvr>
-  <p:timing>
-    <p:tnLst>
-      <p:par>
-        <p:cTn id="1" dur="indefinite" restart="never" nodeType="tmRoot"/>
-      </p:par>
-    </p:tnLst>
-  </p:timing>
 </p:sld>
 </file>
 
@@ -4422,7 +4364,7 @@
               </a:spcAft>
             </a:pPr>
             <a:r>
-              <a:rPr lang="en-US" sz="1000" b="1" kern="100" dirty="0" smtClean="0">
+              <a:rPr lang="en-US" sz="1000" b="1" kern="100" dirty="0">
                 <a:solidFill>
                   <a:srgbClr val="5B9BD5"/>
                 </a:solidFill>
@@ -4433,15 +4375,6 @@
               </a:rPr>
               <a:t>BPMN (AS-IS) FIGURE 3: View Transcript by Students</a:t>
             </a:r>
-            <a:endParaRPr lang="en-US" sz="1000" b="1" kern="100" dirty="0">
-              <a:solidFill>
-                <a:srgbClr val="5B9BD5"/>
-              </a:solidFill>
-              <a:effectLst/>
-              <a:latin typeface="Arial" panose="020B0604020202020204" pitchFamily="34" charset="0"/>
-              <a:ea typeface="Noto Serif CJK SC"/>
-              <a:cs typeface="Mangal"/>
-            </a:endParaRPr>
           </a:p>
         </p:txBody>
       </p:sp>
@@ -4494,7 +4427,7 @@
               </a:spcAft>
             </a:pPr>
             <a:r>
-              <a:rPr lang="en-US" sz="1000" b="1" kern="100" dirty="0" smtClean="0">
+              <a:rPr lang="en-US" sz="1000" b="1" kern="100" dirty="0">
                 <a:solidFill>
                   <a:srgbClr val="5B9BD5"/>
                 </a:solidFill>
@@ -4505,15 +4438,6 @@
               </a:rPr>
               <a:t>BPMN (AS-IS) FIGURE 4: Record Student Assessment</a:t>
             </a:r>
-            <a:endParaRPr lang="en-US" sz="1000" b="1" kern="100" dirty="0">
-              <a:solidFill>
-                <a:srgbClr val="5B9BD5"/>
-              </a:solidFill>
-              <a:effectLst/>
-              <a:latin typeface="Arial" panose="020B0604020202020204" pitchFamily="34" charset="0"/>
-              <a:ea typeface="Noto Serif CJK SC"/>
-              <a:cs typeface="Mangal"/>
-            </a:endParaRPr>
           </a:p>
         </p:txBody>
       </p:sp>
@@ -4527,13 +4451,6 @@
   <p:clrMapOvr>
     <a:masterClrMapping/>
   </p:clrMapOvr>
-  <p:timing>
-    <p:tnLst>
-      <p:par>
-        <p:cTn id="1" dur="indefinite" restart="never" nodeType="tmRoot"/>
-      </p:par>
-    </p:tnLst>
-  </p:timing>
 </p:sld>
 </file>
 
@@ -4603,7 +4520,7 @@
               </a:spcAft>
             </a:pPr>
             <a:r>
-              <a:rPr lang="en-US" sz="1000" b="1" kern="100" dirty="0" smtClean="0">
+              <a:rPr lang="en-US" sz="1000" b="1" kern="100" dirty="0">
                 <a:solidFill>
                   <a:srgbClr val="5B9BD5"/>
                 </a:solidFill>
@@ -4614,15 +4531,6 @@
               </a:rPr>
               <a:t>BPMN (AS-IS) FIGURE 5: Map PLO to CO</a:t>
             </a:r>
-            <a:endParaRPr lang="en-US" sz="1000" b="1" kern="100" dirty="0">
-              <a:solidFill>
-                <a:srgbClr val="5B9BD5"/>
-              </a:solidFill>
-              <a:effectLst/>
-              <a:latin typeface="Arial" panose="020B0604020202020204" pitchFamily="34" charset="0"/>
-              <a:ea typeface="Noto Serif CJK SC"/>
-              <a:cs typeface="Mangal"/>
-            </a:endParaRPr>
           </a:p>
         </p:txBody>
       </p:sp>
@@ -4636,13 +4544,6 @@
   <p:clrMapOvr>
     <a:masterClrMapping/>
   </p:clrMapOvr>
-  <p:timing>
-    <p:tnLst>
-      <p:par>
-        <p:cTn id="1" dur="indefinite" restart="never" nodeType="tmRoot"/>
-      </p:par>
-    </p:tnLst>
-  </p:timing>
 </p:sld>
 </file>
 
@@ -4693,7 +4594,7 @@
               </a:spcAft>
             </a:pPr>
             <a:r>
-              <a:rPr lang="en-US" b="1" kern="100" dirty="0" smtClean="0">
+              <a:rPr lang="en-US" b="1" kern="100" dirty="0">
                 <a:solidFill>
                   <a:srgbClr val="000000"/>
                 </a:solidFill>
@@ -4704,15 +4605,6 @@
               </a:rPr>
               <a:t>PROBLEM ANALYSIS</a:t>
             </a:r>
-            <a:endParaRPr lang="en-US" b="1" kern="100" dirty="0">
-              <a:solidFill>
-                <a:srgbClr val="000000"/>
-              </a:solidFill>
-              <a:effectLst/>
-              <a:latin typeface="Arial" panose="020B0604020202020204" pitchFamily="34" charset="0"/>
-              <a:ea typeface="Times New Roman" panose="02020603050405020304" pitchFamily="18" charset="0"/>
-              <a:cs typeface="Mangal"/>
-            </a:endParaRPr>
           </a:p>
         </p:txBody>
       </p:sp>
@@ -4756,13 +4648,6 @@
   <p:clrMapOvr>
     <a:masterClrMapping/>
   </p:clrMapOvr>
-  <p:timing>
-    <p:tnLst>
-      <p:par>
-        <p:cTn id="1" dur="indefinite" restart="never" nodeType="tmRoot"/>
-      </p:par>
-    </p:tnLst>
-  </p:timing>
 </p:sld>
 </file>
 
@@ -4823,13 +4708,6 @@
   <p:clrMapOvr>
     <a:masterClrMapping/>
   </p:clrMapOvr>
-  <p:timing>
-    <p:tnLst>
-      <p:par>
-        <p:cTn id="1" dur="indefinite" restart="never" nodeType="tmRoot"/>
-      </p:par>
-    </p:tnLst>
-  </p:timing>
 </p:sld>
 </file>
 
@@ -4880,7 +4758,7 @@
               </a:spcAft>
             </a:pPr>
             <a:r>
-              <a:rPr lang="en-US" b="1" kern="100" dirty="0" smtClean="0">
+              <a:rPr lang="en-US" b="1" kern="100" dirty="0">
                 <a:solidFill>
                   <a:srgbClr val="000000"/>
                 </a:solidFill>
@@ -4891,15 +4769,6 @@
               </a:rPr>
               <a:t>RICH PICTURE (TO-BE)</a:t>
             </a:r>
-            <a:endParaRPr lang="en-US" b="1" kern="100" dirty="0">
-              <a:solidFill>
-                <a:srgbClr val="000000"/>
-              </a:solidFill>
-              <a:effectLst/>
-              <a:latin typeface="Arial" panose="020B0604020202020204" pitchFamily="34" charset="0"/>
-              <a:ea typeface="Times New Roman" panose="02020603050405020304" pitchFamily="18" charset="0"/>
-              <a:cs typeface="Mangal"/>
-            </a:endParaRPr>
           </a:p>
         </p:txBody>
       </p:sp>
@@ -4952,7 +4821,7 @@
               </a:spcAft>
             </a:pPr>
             <a:r>
-              <a:rPr lang="en-US" sz="1000" b="1" kern="100" dirty="0" smtClean="0">
+              <a:rPr lang="en-US" sz="1000" b="1" kern="100" dirty="0">
                 <a:solidFill>
                   <a:srgbClr val="5B9BD5"/>
                 </a:solidFill>
@@ -4963,15 +4832,6 @@
               </a:rPr>
               <a:t>Figure: Rich Picture TO-BE</a:t>
             </a:r>
-            <a:endParaRPr lang="en-US" sz="1000" b="1" kern="100" dirty="0">
-              <a:solidFill>
-                <a:srgbClr val="5B9BD5"/>
-              </a:solidFill>
-              <a:effectLst/>
-              <a:latin typeface="Arial" panose="020B0604020202020204" pitchFamily="34" charset="0"/>
-              <a:ea typeface="Noto Serif CJK SC"/>
-              <a:cs typeface="Mangal"/>
-            </a:endParaRPr>
           </a:p>
         </p:txBody>
       </p:sp>
@@ -4985,13 +4845,6 @@
   <p:clrMapOvr>
     <a:masterClrMapping/>
   </p:clrMapOvr>
-  <p:timing>
-    <p:tnLst>
-      <p:par>
-        <p:cTn id="1" dur="indefinite" restart="never" nodeType="tmRoot"/>
-      </p:par>
-    </p:tnLst>
-  </p:timing>
 </p:sld>
 </file>
 
@@ -5042,7 +4895,7 @@
               </a:spcAft>
             </a:pPr>
             <a:r>
-              <a:rPr lang="en-US" b="1" kern="100" dirty="0" smtClean="0">
+              <a:rPr lang="en-US" b="1" kern="100" dirty="0">
                 <a:solidFill>
                   <a:srgbClr val="000000"/>
                 </a:solidFill>
@@ -5053,15 +4906,6 @@
               </a:rPr>
               <a:t>SIX ELEMENT ANALYSIS (TO-BE)</a:t>
             </a:r>
-            <a:endParaRPr lang="en-US" b="1" kern="100" dirty="0">
-              <a:solidFill>
-                <a:srgbClr val="000000"/>
-              </a:solidFill>
-              <a:effectLst/>
-              <a:latin typeface="Arial" panose="020B0604020202020204" pitchFamily="34" charset="0"/>
-              <a:ea typeface="Times New Roman" panose="02020603050405020304" pitchFamily="18" charset="0"/>
-              <a:cs typeface="Mangal"/>
-            </a:endParaRPr>
           </a:p>
         </p:txBody>
       </p:sp>
@@ -5105,13 +4949,6 @@
   <p:clrMapOvr>
     <a:masterClrMapping/>
   </p:clrMapOvr>
-  <p:timing>
-    <p:tnLst>
-      <p:par>
-        <p:cTn id="1" dur="indefinite" restart="never" nodeType="tmRoot"/>
-      </p:par>
-    </p:tnLst>
-  </p:timing>
 </p:sld>
 </file>
 
@@ -5172,13 +5009,6 @@
   <p:clrMapOvr>
     <a:masterClrMapping/>
   </p:clrMapOvr>
-  <p:timing>
-    <p:tnLst>
-      <p:par>
-        <p:cTn id="1" dur="indefinite" restart="never" nodeType="tmRoot"/>
-      </p:par>
-    </p:tnLst>
-  </p:timing>
 </p:sld>
 </file>
 
@@ -5215,12 +5045,8 @@
           <a:lstStyle/>
           <a:p>
             <a:r>
-              <a:rPr lang="en-US" b="1" dirty="0" smtClean="0"/>
-              <a:t>                           GROUP </a:t>
-            </a:r>
-            <a:r>
               <a:rPr lang="en-US" b="1" dirty="0"/>
-              <a:t>3</a:t>
+              <a:t>                           GROUP 3</a:t>
             </a:r>
             <a:br>
               <a:rPr lang="en-US" b="1" dirty="0"/>
@@ -5318,13 +5144,6 @@
   <p:clrMapOvr>
     <a:masterClrMapping/>
   </p:clrMapOvr>
-  <p:timing>
-    <p:tnLst>
-      <p:par>
-        <p:cTn id="1" dur="indefinite" restart="never" nodeType="tmRoot"/>
-      </p:par>
-    </p:tnLst>
-  </p:timing>
 </p:sld>
 </file>
 
@@ -5385,13 +5204,6 @@
   <p:clrMapOvr>
     <a:masterClrMapping/>
   </p:clrMapOvr>
-  <p:timing>
-    <p:tnLst>
-      <p:par>
-        <p:cTn id="1" dur="indefinite" restart="never" nodeType="tmRoot"/>
-      </p:par>
-    </p:tnLst>
-  </p:timing>
 </p:sld>
 </file>
 
@@ -5452,13 +5264,6 @@
   <p:clrMapOvr>
     <a:masterClrMapping/>
   </p:clrMapOvr>
-  <p:timing>
-    <p:tnLst>
-      <p:par>
-        <p:cTn id="1" dur="indefinite" restart="never" nodeType="tmRoot"/>
-      </p:par>
-    </p:tnLst>
-  </p:timing>
 </p:sld>
 </file>
 
@@ -5519,13 +5324,6 @@
   <p:clrMapOvr>
     <a:masterClrMapping/>
   </p:clrMapOvr>
-  <p:timing>
-    <p:tnLst>
-      <p:par>
-        <p:cTn id="1" dur="indefinite" restart="never" nodeType="tmRoot"/>
-      </p:par>
-    </p:tnLst>
-  </p:timing>
 </p:sld>
 </file>
 
@@ -5576,7 +5374,7 @@
               </a:spcAft>
             </a:pPr>
             <a:r>
-              <a:rPr lang="en-US" b="1" kern="100" dirty="0" smtClean="0">
+              <a:rPr lang="en-US" b="1" kern="100" dirty="0">
                 <a:solidFill>
                   <a:srgbClr val="000000"/>
                 </a:solidFill>
@@ -5587,15 +5385,6 @@
               </a:rPr>
               <a:t>BUSINESS PROCESS DIAGRAM (TO-BE)</a:t>
             </a:r>
-            <a:endParaRPr lang="en-US" b="1" kern="100" dirty="0">
-              <a:solidFill>
-                <a:srgbClr val="000000"/>
-              </a:solidFill>
-              <a:effectLst/>
-              <a:latin typeface="Arial" panose="020B0604020202020204" pitchFamily="34" charset="0"/>
-              <a:ea typeface="Times New Roman" panose="02020603050405020304" pitchFamily="18" charset="0"/>
-              <a:cs typeface="Mangal"/>
-            </a:endParaRPr>
           </a:p>
         </p:txBody>
       </p:sp>
@@ -5654,7 +5443,7 @@
               </a:spcAft>
             </a:pPr>
             <a:r>
-              <a:rPr lang="en-US" sz="1000" b="1" kern="100" dirty="0" smtClean="0">
+              <a:rPr lang="en-US" sz="1000" b="1" kern="100" dirty="0">
                 <a:solidFill>
                   <a:srgbClr val="5B9BD5"/>
                 </a:solidFill>
@@ -5666,7 +5455,7 @@
               <a:t>BPMN (TO-</a:t>
             </a:r>
             <a:r>
-              <a:rPr lang="en-US" sz="1000" b="0" kern="100" dirty="0" smtClean="0">
+              <a:rPr lang="en-US" sz="1000" b="0" kern="100" dirty="0">
                 <a:solidFill>
                   <a:srgbClr val="5B9BD5"/>
                 </a:solidFill>
@@ -5678,7 +5467,7 @@
               <a:t>BE</a:t>
             </a:r>
             <a:r>
-              <a:rPr lang="en-US" sz="1000" b="1" kern="100" dirty="0" smtClean="0">
+              <a:rPr lang="en-US" sz="1000" b="1" kern="100" dirty="0">
                 <a:solidFill>
                   <a:srgbClr val="5B9BD5"/>
                 </a:solidFill>
@@ -5690,7 +5479,7 @@
               <a:t>) FIGURE 1: Create new </a:t>
             </a:r>
             <a:r>
-              <a:rPr lang="en-US" sz="1000" b="1" kern="100" dirty="0" err="1" smtClean="0">
+              <a:rPr lang="en-US" sz="1000" b="1" kern="100" dirty="0" err="1">
                 <a:solidFill>
                   <a:srgbClr val="5B9BD5"/>
                 </a:solidFill>
@@ -5768,7 +5557,7 @@
               </a:spcAft>
             </a:pPr>
             <a:r>
-              <a:rPr lang="en-US" sz="1000" b="1" kern="100" dirty="0" smtClean="0">
+              <a:rPr lang="en-US" sz="1000" b="1" kern="100" dirty="0">
                 <a:solidFill>
                   <a:srgbClr val="5B9BD5"/>
                 </a:solidFill>
@@ -5780,7 +5569,7 @@
               <a:t>BPMN (TO-</a:t>
             </a:r>
             <a:r>
-              <a:rPr lang="en-US" sz="1000" b="0" kern="100" dirty="0" smtClean="0">
+              <a:rPr lang="en-US" sz="1000" b="0" kern="100" dirty="0">
                 <a:solidFill>
                   <a:srgbClr val="5B9BD5"/>
                 </a:solidFill>
@@ -5792,7 +5581,7 @@
               <a:t>BE</a:t>
             </a:r>
             <a:r>
-              <a:rPr lang="en-US" sz="1000" b="1" kern="100" dirty="0" smtClean="0">
+              <a:rPr lang="en-US" sz="1000" b="1" kern="100" dirty="0">
                 <a:solidFill>
                   <a:srgbClr val="5B9BD5"/>
                 </a:solidFill>
@@ -5803,15 +5592,6 @@
               </a:rPr>
               <a:t>) FIGURE 2: Update PLO on SPM DB</a:t>
             </a:r>
-            <a:endParaRPr lang="en-US" sz="1000" b="1" kern="100" dirty="0">
-              <a:solidFill>
-                <a:srgbClr val="5B9BD5"/>
-              </a:solidFill>
-              <a:effectLst/>
-              <a:latin typeface="Arial" panose="020B0604020202020204" pitchFamily="34" charset="0"/>
-              <a:ea typeface="Noto Serif CJK SC"/>
-              <a:cs typeface="Mangal"/>
-            </a:endParaRPr>
           </a:p>
         </p:txBody>
       </p:sp>
@@ -5825,13 +5605,6 @@
   <p:clrMapOvr>
     <a:masterClrMapping/>
   </p:clrMapOvr>
-  <p:timing>
-    <p:tnLst>
-      <p:par>
-        <p:cTn id="1" dur="indefinite" restart="never" nodeType="tmRoot"/>
-      </p:par>
-    </p:tnLst>
-  </p:timing>
 </p:sld>
 </file>
 
@@ -5910,7 +5683,7 @@
               </a:spcAft>
             </a:pPr>
             <a:r>
-              <a:rPr lang="en-US" sz="1000" b="1" kern="100" dirty="0" smtClean="0">
+              <a:rPr lang="en-US" sz="1000" b="1" kern="100" dirty="0">
                 <a:solidFill>
                   <a:srgbClr val="5B9BD5"/>
                 </a:solidFill>
@@ -5985,7 +5758,7 @@
               </a:spcAft>
             </a:pPr>
             <a:r>
-              <a:rPr lang="en-US" sz="1000" b="1" kern="100" dirty="0" smtClean="0">
+              <a:rPr lang="en-US" sz="1000" b="1" kern="100" dirty="0">
                 <a:solidFill>
                   <a:srgbClr val="5B9BD5"/>
                 </a:solidFill>
@@ -5996,15 +5769,6 @@
               </a:rPr>
               <a:t>BPMN (TO-BE) FIGURE 4: Update PLO-CO mapping to SPM DB</a:t>
             </a:r>
-            <a:endParaRPr lang="en-US" sz="1000" b="1" kern="100" dirty="0">
-              <a:solidFill>
-                <a:srgbClr val="5B9BD5"/>
-              </a:solidFill>
-              <a:effectLst/>
-              <a:latin typeface="Arial" panose="020B0604020202020204" pitchFamily="34" charset="0"/>
-              <a:ea typeface="Noto Serif CJK SC"/>
-              <a:cs typeface="Mangal"/>
-            </a:endParaRPr>
           </a:p>
         </p:txBody>
       </p:sp>
@@ -6018,13 +5782,6 @@
   <p:clrMapOvr>
     <a:masterClrMapping/>
   </p:clrMapOvr>
-  <p:timing>
-    <p:tnLst>
-      <p:par>
-        <p:cTn id="1" dur="indefinite" restart="never" nodeType="tmRoot"/>
-      </p:par>
-    </p:tnLst>
-  </p:timing>
 </p:sld>
 </file>
 
@@ -6103,7 +5860,7 @@
               </a:spcAft>
             </a:pPr>
             <a:r>
-              <a:rPr lang="en-US" sz="1000" b="1" kern="100" dirty="0" smtClean="0">
+              <a:rPr lang="en-US" sz="1000" b="1" kern="100" dirty="0">
                 <a:solidFill>
                   <a:srgbClr val="5B9BD5"/>
                 </a:solidFill>
@@ -6181,7 +5938,7 @@
               </a:spcAft>
             </a:pPr>
             <a:r>
-              <a:rPr lang="en-US" sz="1000" b="1" kern="100" dirty="0" smtClean="0">
+              <a:rPr lang="en-US" sz="1000" b="1" kern="100" dirty="0">
                 <a:solidFill>
                   <a:srgbClr val="5B9BD5"/>
                 </a:solidFill>
@@ -6211,13 +5968,6 @@
   <p:clrMapOvr>
     <a:masterClrMapping/>
   </p:clrMapOvr>
-  <p:timing>
-    <p:tnLst>
-      <p:par>
-        <p:cTn id="1" dur="indefinite" restart="never" nodeType="tmRoot"/>
-      </p:par>
-    </p:tnLst>
-  </p:timing>
 </p:sld>
 </file>
 
@@ -6240,64 +5990,84 @@
       </p:grpSpPr>
       <p:sp>
         <p:nvSpPr>
-          <p:cNvPr id="2" name="Rectangle 1"/>
-          <p:cNvSpPr/>
-          <p:nvPr/>
-        </p:nvSpPr>
-        <p:spPr>
-          <a:xfrm>
-            <a:off x="847133" y="243440"/>
-            <a:ext cx="1619739" cy="369332"/>
-          </a:xfrm>
-          <a:prstGeom prst="rect">
-            <a:avLst/>
-          </a:prstGeom>
-        </p:spPr>
-        <p:txBody>
-          <a:bodyPr wrap="none">
-            <a:spAutoFit/>
-          </a:bodyPr>
+          <p:cNvPr id="2" name="Title 1">
+            <a:extLst>
+              <a:ext uri="{FF2B5EF4-FFF2-40B4-BE49-F238E27FC236}">
+                <a16:creationId xmlns:a16="http://schemas.microsoft.com/office/drawing/2014/main" id="{FA6C5C99-C5CC-4128-AEC1-BB01CFA19E4C}"/>
+              </a:ext>
+            </a:extLst>
+          </p:cNvPr>
+          <p:cNvSpPr>
+            <a:spLocks noGrp="1"/>
+          </p:cNvSpPr>
+          <p:nvPr>
+            <p:ph type="title"/>
+          </p:nvPr>
+        </p:nvSpPr>
+        <p:spPr/>
+        <p:txBody>
+          <a:bodyPr/>
           <a:lstStyle/>
           <a:p>
             <a:r>
               <a:rPr lang="en-US" dirty="0"/>
-              <a:t>Business Rule </a:t>
-            </a:r>
-          </a:p>
-        </p:txBody>
-      </p:sp>
-      <p:sp>
-        <p:nvSpPr>
-          <p:cNvPr id="3" name="Rectangle 2"/>
-          <p:cNvSpPr/>
-          <p:nvPr/>
-        </p:nvSpPr>
-        <p:spPr>
-          <a:xfrm>
-            <a:off x="1446415" y="1202975"/>
-            <a:ext cx="10208029" cy="4801314"/>
-          </a:xfrm>
-          <a:prstGeom prst="rect">
-            <a:avLst/>
-          </a:prstGeom>
-        </p:spPr>
-        <p:txBody>
-          <a:bodyPr wrap="square">
-            <a:spAutoFit/>
-          </a:bodyPr>
+              <a:t>CHAPTER 3: LOGICAL SYSTEM DESIGN</a:t>
+            </a:r>
+            <a:br>
+              <a:rPr lang="en-US" dirty="0"/>
+            </a:br>
+            <a:endParaRPr lang="en-US" dirty="0"/>
+          </a:p>
+        </p:txBody>
+      </p:sp>
+      <p:sp>
+        <p:nvSpPr>
+          <p:cNvPr id="3" name="Content Placeholder 2">
+            <a:extLst>
+              <a:ext uri="{FF2B5EF4-FFF2-40B4-BE49-F238E27FC236}">
+                <a16:creationId xmlns:a16="http://schemas.microsoft.com/office/drawing/2014/main" id="{DF74281C-C057-4929-9F65-962EA3ABC64D}"/>
+              </a:ext>
+            </a:extLst>
+          </p:cNvPr>
+          <p:cNvSpPr>
+            <a:spLocks noGrp="1"/>
+          </p:cNvSpPr>
+          <p:nvPr>
+            <p:ph idx="1"/>
+          </p:nvPr>
+        </p:nvSpPr>
+        <p:spPr/>
+        <p:txBody>
+          <a:bodyPr/>
           <a:lstStyle/>
           <a:p>
             <a:r>
               <a:rPr lang="en-US" dirty="0"/>
-              <a:t>A department is enrolls multiple students. Each student is enrolled by exactly one department. A department must belongs to exactly one school. A school is consist of many department. A department must have exactly one head of department. A head of department is belongs to exactly one department. A department must employee many faculty. A faculty is employed by exactly one department. A student is enrolls to exactly one section. Each section must have many students. A faculty is assign to many section. A section must have exactly one faculty. A course is assign to many section. A section must contains exactly one course. A section may assign many assessment. Each assessment is assign by exactly one section. An assessment is assign to many student. Each student must receive many assessment. An assessment must have multiple Cos. A CO is belongs to exactly one assessment. A CO is belongs to exactly one course. A course must have many Cos. A CO is belongs to exactly one PLO. A PLO must have many </a:t>
-            </a:r>
-            <a:r>
-              <a:rPr lang="en-US" dirty="0" smtClean="0"/>
-              <a:t>CO’s. </a:t>
-            </a:r>
+              <a:t>BUSINESS RULE</a:t>
+            </a:r>
+          </a:p>
+          <a:p>
             <a:r>
               <a:rPr lang="en-US" dirty="0"/>
-              <a:t>A PLO is stored by exactly one department. A department must store many PLOs. A PLO is contain by exactly one program. A program must consist of many PLOs. A program is enrolls many student. Each student is enrolled by exactly one program. A program must belongs to exactly one department. A department is consist of many program. A school must have exactly one dean of school. A dean of school is belongs to exactly one school. A school must belongs to exactly one university. A university is consist of many school. A university must have exactly one VC. A VC is belongs to exactly one university.</a:t>
+              <a:t>ENTITY RELATIONSHIP DIAGRAM</a:t>
+            </a:r>
+          </a:p>
+          <a:p>
+            <a:r>
+              <a:rPr lang="en-US" dirty="0"/>
+              <a:t>ENTITY RELATIONSHIP DIAGRAM TO RELATIONAL SCHEMA</a:t>
+            </a:r>
+          </a:p>
+          <a:p>
+            <a:r>
+              <a:rPr lang="en-US" dirty="0"/>
+              <a:t>NORMALIZATION</a:t>
+            </a:r>
+          </a:p>
+          <a:p>
+            <a:r>
+              <a:rPr lang="en-US" dirty="0"/>
+              <a:t>DATA DICTIONARY</a:t>
             </a:r>
           </a:p>
         </p:txBody>
@@ -6305,20 +6075,13 @@
     </p:spTree>
     <p:extLst>
       <p:ext uri="{BB962C8B-B14F-4D97-AF65-F5344CB8AC3E}">
-        <p14:creationId xmlns:p14="http://schemas.microsoft.com/office/powerpoint/2010/main" val="115040500"/>
+        <p14:creationId xmlns:p14="http://schemas.microsoft.com/office/powerpoint/2010/main" val="1842010470"/>
       </p:ext>
     </p:extLst>
   </p:cSld>
   <p:clrMapOvr>
     <a:masterClrMapping/>
   </p:clrMapOvr>
-  <p:timing>
-    <p:tnLst>
-      <p:par>
-        <p:cTn id="1" dur="indefinite" restart="never" nodeType="tmRoot"/>
-      </p:par>
-    </p:tnLst>
-  </p:timing>
 </p:sld>
 </file>
 
@@ -6341,14 +6104,42 @@
       </p:grpSpPr>
       <p:sp>
         <p:nvSpPr>
-          <p:cNvPr id="4" name="Rectangle 3"/>
+          <p:cNvPr id="2" name="Rectangle 1"/>
           <p:cNvSpPr/>
           <p:nvPr/>
         </p:nvSpPr>
         <p:spPr>
           <a:xfrm>
-            <a:off x="706582" y="0"/>
-            <a:ext cx="11330248" cy="646331"/>
+            <a:off x="847133" y="243440"/>
+            <a:ext cx="1619739" cy="369332"/>
+          </a:xfrm>
+          <a:prstGeom prst="rect">
+            <a:avLst/>
+          </a:prstGeom>
+        </p:spPr>
+        <p:txBody>
+          <a:bodyPr wrap="none">
+            <a:spAutoFit/>
+          </a:bodyPr>
+          <a:lstStyle/>
+          <a:p>
+            <a:r>
+              <a:rPr lang="en-US" dirty="0"/>
+              <a:t>Business Rule </a:t>
+            </a:r>
+          </a:p>
+        </p:txBody>
+      </p:sp>
+      <p:sp>
+        <p:nvSpPr>
+          <p:cNvPr id="3" name="Rectangle 2"/>
+          <p:cNvSpPr/>
+          <p:nvPr/>
+        </p:nvSpPr>
+        <p:spPr>
+          <a:xfrm>
+            <a:off x="1446415" y="1202974"/>
+            <a:ext cx="10398582" cy="5477846"/>
           </a:xfrm>
           <a:prstGeom prst="rect">
             <a:avLst/>
@@ -6360,91 +6151,294 @@
           </a:bodyPr>
           <a:lstStyle/>
           <a:p>
-            <a:r>
-              <a:rPr lang="en-US" dirty="0"/>
-              <a:t>A student may submit many assessment answer. An assessment answer must submitted by exactly one student. A student must receive grade from exactly one mark sheet. A mark sheet must send grade to many students.</a:t>
-            </a:r>
-          </a:p>
-        </p:txBody>
-      </p:sp>
-      <p:sp>
-        <p:nvSpPr>
-          <p:cNvPr id="5" name="Rectangle 4"/>
-          <p:cNvSpPr/>
-          <p:nvPr/>
-        </p:nvSpPr>
-        <p:spPr>
-          <a:xfrm>
-            <a:off x="6070982" y="646331"/>
-            <a:ext cx="601447" cy="369332"/>
-          </a:xfrm>
-          <a:prstGeom prst="rect">
-            <a:avLst/>
-          </a:prstGeom>
-        </p:spPr>
-        <p:txBody>
-          <a:bodyPr wrap="none">
-            <a:spAutoFit/>
-          </a:bodyPr>
-          <a:lstStyle/>
-          <a:p>
-            <a:r>
-              <a:rPr lang="en-US" b="1" dirty="0"/>
-              <a:t>ERD</a:t>
-            </a:r>
-          </a:p>
-        </p:txBody>
-      </p:sp>
-      <p:pic>
-        <p:nvPicPr>
-          <p:cNvPr id="6" name="Picture 5" descr="erdNEWedited"/>
-          <p:cNvPicPr/>
-          <p:nvPr/>
-        </p:nvPicPr>
-        <p:blipFill>
-          <a:blip r:embed="rId2" cstate="print">
-            <a:extLst>
-              <a:ext uri="{28A0092B-C50C-407E-A947-70E740481C1C}">
-                <a14:useLocalDpi xmlns:a14="http://schemas.microsoft.com/office/drawing/2010/main" val="0"/>
-              </a:ext>
-            </a:extLst>
-          </a:blip>
-          <a:srcRect/>
-          <a:stretch>
-            <a:fillRect/>
-          </a:stretch>
-        </p:blipFill>
-        <p:spPr bwMode="auto">
-          <a:xfrm>
-            <a:off x="2069870" y="1173248"/>
-            <a:ext cx="8620298" cy="5368867"/>
-          </a:xfrm>
-          <a:prstGeom prst="rect">
-            <a:avLst/>
-          </a:prstGeom>
-          <a:noFill/>
-          <a:ln>
-            <a:noFill/>
-          </a:ln>
-        </p:spPr>
-      </p:pic>
+            <a:pPr marL="0" marR="0">
+              <a:lnSpc>
+                <a:spcPct val="107000"/>
+              </a:lnSpc>
+              <a:spcBef>
+                <a:spcPts val="0"/>
+              </a:spcBef>
+              <a:spcAft>
+                <a:spcPts val="800"/>
+              </a:spcAft>
+            </a:pPr>
+            <a:r>
+              <a:rPr lang="en-US" sz="1600" dirty="0">
+                <a:effectLst/>
+                <a:latin typeface="Calibri" panose="020F0502020204030204" pitchFamily="34" charset="0"/>
+                <a:ea typeface="Calibri" panose="020F0502020204030204" pitchFamily="34" charset="0"/>
+                <a:cs typeface="Times New Roman" panose="02020603050405020304" pitchFamily="18" charset="0"/>
+              </a:rPr>
+              <a:t>A university must assign many employee. Each employee is assigned by exactly one university. A university must consist of  many school. Each school is belongs to exactly one </a:t>
+            </a:r>
+            <a:r>
+              <a:rPr lang="en-US" sz="1600" dirty="0" err="1">
+                <a:effectLst/>
+                <a:latin typeface="Calibri" panose="020F0502020204030204" pitchFamily="34" charset="0"/>
+                <a:ea typeface="Calibri" panose="020F0502020204030204" pitchFamily="34" charset="0"/>
+                <a:cs typeface="Times New Roman" panose="02020603050405020304" pitchFamily="18" charset="0"/>
+              </a:rPr>
+              <a:t>university.An</a:t>
+            </a:r>
+            <a:r>
+              <a:rPr lang="en-US" sz="1600" dirty="0">
+                <a:effectLst/>
+                <a:latin typeface="Calibri" panose="020F0502020204030204" pitchFamily="34" charset="0"/>
+                <a:ea typeface="Calibri" panose="020F0502020204030204" pitchFamily="34" charset="0"/>
+                <a:cs typeface="Times New Roman" panose="02020603050405020304" pitchFamily="18" charset="0"/>
+              </a:rPr>
+              <a:t> employee can be faculty or VC. And a faculty can be dean of school or department </a:t>
+            </a:r>
+            <a:r>
+              <a:rPr lang="en-US" sz="1600" dirty="0" err="1">
+                <a:effectLst/>
+                <a:latin typeface="Calibri" panose="020F0502020204030204" pitchFamily="34" charset="0"/>
+                <a:ea typeface="Calibri" panose="020F0502020204030204" pitchFamily="34" charset="0"/>
+                <a:cs typeface="Times New Roman" panose="02020603050405020304" pitchFamily="18" charset="0"/>
+              </a:rPr>
+              <a:t>head.A</a:t>
+            </a:r>
+            <a:r>
+              <a:rPr lang="en-US" sz="1600" dirty="0">
+                <a:effectLst/>
+                <a:latin typeface="Calibri" panose="020F0502020204030204" pitchFamily="34" charset="0"/>
+                <a:ea typeface="Calibri" panose="020F0502020204030204" pitchFamily="34" charset="0"/>
+                <a:cs typeface="Times New Roman" panose="02020603050405020304" pitchFamily="18" charset="0"/>
+              </a:rPr>
+              <a:t> university must assign exactly one VC. Each VC is assigned by exactly one university. A faculty must assign to a section. Each section must have a faculty. A department must employee many faculty. Each faculty is employed by exactly one department.  a semester must consist of many faculty. Each faculty is assigned to exactly one semester. A dean of school is belongs to exactly one school. Each school must have exactly one dean of school. A department head is belongs to exactly one department. each department must have exactly one department </a:t>
+            </a:r>
+            <a:r>
+              <a:rPr lang="en-US" sz="1600" dirty="0" err="1">
+                <a:effectLst/>
+                <a:latin typeface="Calibri" panose="020F0502020204030204" pitchFamily="34" charset="0"/>
+                <a:ea typeface="Calibri" panose="020F0502020204030204" pitchFamily="34" charset="0"/>
+                <a:cs typeface="Times New Roman" panose="02020603050405020304" pitchFamily="18" charset="0"/>
+              </a:rPr>
+              <a:t>head.A</a:t>
+            </a:r>
+            <a:r>
+              <a:rPr lang="en-US" sz="1600" dirty="0">
+                <a:effectLst/>
+                <a:latin typeface="Calibri" panose="020F0502020204030204" pitchFamily="34" charset="0"/>
+                <a:ea typeface="Calibri" panose="020F0502020204030204" pitchFamily="34" charset="0"/>
+                <a:cs typeface="Times New Roman" panose="02020603050405020304" pitchFamily="18" charset="0"/>
+              </a:rPr>
+              <a:t> school is consist of many department. each department must belongs to exactly one </a:t>
+            </a:r>
+            <a:r>
+              <a:rPr lang="en-US" sz="1600" dirty="0" err="1">
+                <a:effectLst/>
+                <a:latin typeface="Calibri" panose="020F0502020204030204" pitchFamily="34" charset="0"/>
+                <a:ea typeface="Calibri" panose="020F0502020204030204" pitchFamily="34" charset="0"/>
+                <a:cs typeface="Times New Roman" panose="02020603050405020304" pitchFamily="18" charset="0"/>
+              </a:rPr>
+              <a:t>school.A</a:t>
+            </a:r>
+            <a:r>
+              <a:rPr lang="en-US" sz="1600" dirty="0">
+                <a:effectLst/>
+                <a:latin typeface="Calibri" panose="020F0502020204030204" pitchFamily="34" charset="0"/>
+                <a:ea typeface="Calibri" panose="020F0502020204030204" pitchFamily="34" charset="0"/>
+                <a:cs typeface="Times New Roman" panose="02020603050405020304" pitchFamily="18" charset="0"/>
+              </a:rPr>
+              <a:t> department must enrolls many student. Each student is enrolled by exactly one department. a department is consist of many program. Each program must belongs to exactly one </a:t>
+            </a:r>
+            <a:r>
+              <a:rPr lang="en-US" sz="1600" dirty="0" err="1">
+                <a:effectLst/>
+                <a:latin typeface="Calibri" panose="020F0502020204030204" pitchFamily="34" charset="0"/>
+                <a:ea typeface="Calibri" panose="020F0502020204030204" pitchFamily="34" charset="0"/>
+                <a:cs typeface="Times New Roman" panose="02020603050405020304" pitchFamily="18" charset="0"/>
+              </a:rPr>
+              <a:t>department.A</a:t>
+            </a:r>
+            <a:r>
+              <a:rPr lang="en-US" sz="1600" dirty="0">
+                <a:effectLst/>
+                <a:latin typeface="Calibri" panose="020F0502020204030204" pitchFamily="34" charset="0"/>
+                <a:ea typeface="Calibri" panose="020F0502020204030204" pitchFamily="34" charset="0"/>
+                <a:cs typeface="Times New Roman" panose="02020603050405020304" pitchFamily="18" charset="0"/>
+              </a:rPr>
+              <a:t> program must enrolls many student. Each student is enrolled by exactly one program. A program must provide many course. Each course is provided by exactly one program. A program is consist of many </a:t>
+            </a:r>
+            <a:r>
+              <a:rPr lang="en-US" sz="1600" dirty="0" err="1">
+                <a:effectLst/>
+                <a:latin typeface="Calibri" panose="020F0502020204030204" pitchFamily="34" charset="0"/>
+                <a:ea typeface="Calibri" panose="020F0502020204030204" pitchFamily="34" charset="0"/>
+                <a:cs typeface="Times New Roman" panose="02020603050405020304" pitchFamily="18" charset="0"/>
+              </a:rPr>
+              <a:t>plo</a:t>
+            </a:r>
+            <a:r>
+              <a:rPr lang="en-US" sz="1600" dirty="0">
+                <a:effectLst/>
+                <a:latin typeface="Calibri" panose="020F0502020204030204" pitchFamily="34" charset="0"/>
+                <a:ea typeface="Calibri" panose="020F0502020204030204" pitchFamily="34" charset="0"/>
+                <a:cs typeface="Times New Roman" panose="02020603050405020304" pitchFamily="18" charset="0"/>
+              </a:rPr>
+              <a:t>. Each </a:t>
+            </a:r>
+            <a:r>
+              <a:rPr lang="en-US" sz="1600" dirty="0" err="1">
+                <a:effectLst/>
+                <a:latin typeface="Calibri" panose="020F0502020204030204" pitchFamily="34" charset="0"/>
+                <a:ea typeface="Calibri" panose="020F0502020204030204" pitchFamily="34" charset="0"/>
+                <a:cs typeface="Times New Roman" panose="02020603050405020304" pitchFamily="18" charset="0"/>
+              </a:rPr>
+              <a:t>plo</a:t>
+            </a:r>
+            <a:r>
+              <a:rPr lang="en-US" sz="1600" dirty="0">
+                <a:effectLst/>
+                <a:latin typeface="Calibri" panose="020F0502020204030204" pitchFamily="34" charset="0"/>
+                <a:ea typeface="Calibri" panose="020F0502020204030204" pitchFamily="34" charset="0"/>
+                <a:cs typeface="Times New Roman" panose="02020603050405020304" pitchFamily="18" charset="0"/>
+              </a:rPr>
+              <a:t> is contain by exactly one </a:t>
+            </a:r>
+            <a:r>
+              <a:rPr lang="en-US" sz="1600" dirty="0" err="1">
+                <a:effectLst/>
+                <a:latin typeface="Calibri" panose="020F0502020204030204" pitchFamily="34" charset="0"/>
+                <a:ea typeface="Calibri" panose="020F0502020204030204" pitchFamily="34" charset="0"/>
+                <a:cs typeface="Times New Roman" panose="02020603050405020304" pitchFamily="18" charset="0"/>
+              </a:rPr>
+              <a:t>program.A</a:t>
+            </a:r>
+            <a:r>
+              <a:rPr lang="en-US" sz="1600" dirty="0">
+                <a:effectLst/>
+                <a:latin typeface="Calibri" panose="020F0502020204030204" pitchFamily="34" charset="0"/>
+                <a:ea typeface="Calibri" panose="020F0502020204030204" pitchFamily="34" charset="0"/>
+                <a:cs typeface="Times New Roman" panose="02020603050405020304" pitchFamily="18" charset="0"/>
+              </a:rPr>
+              <a:t> semester must contain many student. Each student enrolled to exactly one semester. A semester must contain many courses. Each course is assign to exactly one semester. A semester must consist of many section. Each section is assign to exactly one </a:t>
+            </a:r>
+            <a:r>
+              <a:rPr lang="en-US" sz="1600" dirty="0" err="1">
+                <a:effectLst/>
+                <a:latin typeface="Calibri" panose="020F0502020204030204" pitchFamily="34" charset="0"/>
+                <a:ea typeface="Calibri" panose="020F0502020204030204" pitchFamily="34" charset="0"/>
+                <a:cs typeface="Times New Roman" panose="02020603050405020304" pitchFamily="18" charset="0"/>
+              </a:rPr>
+              <a:t>semester.A</a:t>
+            </a:r>
+            <a:r>
+              <a:rPr lang="en-US" sz="1600" dirty="0">
+                <a:effectLst/>
+                <a:latin typeface="Calibri" panose="020F0502020204030204" pitchFamily="34" charset="0"/>
+                <a:ea typeface="Calibri" panose="020F0502020204030204" pitchFamily="34" charset="0"/>
+                <a:cs typeface="Times New Roman" panose="02020603050405020304" pitchFamily="18" charset="0"/>
+              </a:rPr>
+              <a:t> course is consist of many cos. Each co belongs to exactly one course. A course is assign to many sections. Each section assigned by exactly one </a:t>
+            </a:r>
+            <a:r>
+              <a:rPr lang="en-US" sz="1600" dirty="0" err="1">
+                <a:effectLst/>
+                <a:latin typeface="Calibri" panose="020F0502020204030204" pitchFamily="34" charset="0"/>
+                <a:ea typeface="Calibri" panose="020F0502020204030204" pitchFamily="34" charset="0"/>
+                <a:cs typeface="Times New Roman" panose="02020603050405020304" pitchFamily="18" charset="0"/>
+              </a:rPr>
+              <a:t>course.A</a:t>
+            </a:r>
+            <a:r>
+              <a:rPr lang="en-US" sz="1600" dirty="0">
+                <a:effectLst/>
+                <a:latin typeface="Calibri" panose="020F0502020204030204" pitchFamily="34" charset="0"/>
+                <a:ea typeface="Calibri" panose="020F0502020204030204" pitchFamily="34" charset="0"/>
+                <a:cs typeface="Times New Roman" panose="02020603050405020304" pitchFamily="18" charset="0"/>
+              </a:rPr>
+              <a:t> assessment must provide many assessment submission. A assessment submission is provided by exactly one assessment. A section may assign many assessment. Each assessment is assigned by exactly one </a:t>
+            </a:r>
+            <a:r>
+              <a:rPr lang="en-US" sz="1600" dirty="0" err="1">
+                <a:effectLst/>
+                <a:latin typeface="Calibri" panose="020F0502020204030204" pitchFamily="34" charset="0"/>
+                <a:ea typeface="Calibri" panose="020F0502020204030204" pitchFamily="34" charset="0"/>
+                <a:cs typeface="Times New Roman" panose="02020603050405020304" pitchFamily="18" charset="0"/>
+              </a:rPr>
+              <a:t>section.A</a:t>
+            </a:r>
+            <a:r>
+              <a:rPr lang="en-US" sz="1600" dirty="0">
+                <a:effectLst/>
+                <a:latin typeface="Calibri" panose="020F0502020204030204" pitchFamily="34" charset="0"/>
+                <a:ea typeface="Calibri" panose="020F0502020204030204" pitchFamily="34" charset="0"/>
+                <a:cs typeface="Times New Roman" panose="02020603050405020304" pitchFamily="18" charset="0"/>
+              </a:rPr>
+              <a:t> student may submit many assessment submission. Each assessment submission is submitted by exactly one </a:t>
+            </a:r>
+            <a:r>
+              <a:rPr lang="en-US" sz="1600" dirty="0" err="1">
+                <a:effectLst/>
+                <a:latin typeface="Calibri" panose="020F0502020204030204" pitchFamily="34" charset="0"/>
+                <a:ea typeface="Calibri" panose="020F0502020204030204" pitchFamily="34" charset="0"/>
+                <a:cs typeface="Times New Roman" panose="02020603050405020304" pitchFamily="18" charset="0"/>
+              </a:rPr>
+              <a:t>student.A</a:t>
+            </a:r>
+            <a:r>
+              <a:rPr lang="en-US" sz="1600" dirty="0">
+                <a:effectLst/>
+                <a:latin typeface="Calibri" panose="020F0502020204030204" pitchFamily="34" charset="0"/>
+                <a:ea typeface="Calibri" panose="020F0502020204030204" pitchFamily="34" charset="0"/>
+                <a:cs typeface="Times New Roman" panose="02020603050405020304" pitchFamily="18" charset="0"/>
+              </a:rPr>
+              <a:t> </a:t>
+            </a:r>
+            <a:r>
+              <a:rPr lang="en-US" sz="1600" dirty="0" err="1">
+                <a:effectLst/>
+                <a:latin typeface="Calibri" panose="020F0502020204030204" pitchFamily="34" charset="0"/>
+                <a:ea typeface="Calibri" panose="020F0502020204030204" pitchFamily="34" charset="0"/>
+                <a:cs typeface="Times New Roman" panose="02020603050405020304" pitchFamily="18" charset="0"/>
+              </a:rPr>
+              <a:t>plo</a:t>
+            </a:r>
+            <a:r>
+              <a:rPr lang="en-US" sz="1600" dirty="0">
+                <a:effectLst/>
+                <a:latin typeface="Calibri" panose="020F0502020204030204" pitchFamily="34" charset="0"/>
+                <a:ea typeface="Calibri" panose="020F0502020204030204" pitchFamily="34" charset="0"/>
+                <a:cs typeface="Times New Roman" panose="02020603050405020304" pitchFamily="18" charset="0"/>
+              </a:rPr>
+              <a:t> must have many cos. Each co is belongs to exactly one </a:t>
+            </a:r>
+            <a:r>
+              <a:rPr lang="en-US" sz="1600" dirty="0" err="1">
+                <a:effectLst/>
+                <a:latin typeface="Calibri" panose="020F0502020204030204" pitchFamily="34" charset="0"/>
+                <a:ea typeface="Calibri" panose="020F0502020204030204" pitchFamily="34" charset="0"/>
+                <a:cs typeface="Times New Roman" panose="02020603050405020304" pitchFamily="18" charset="0"/>
+              </a:rPr>
+              <a:t>plo.A</a:t>
+            </a:r>
+            <a:r>
+              <a:rPr lang="en-US" sz="1600" dirty="0">
+                <a:effectLst/>
+                <a:latin typeface="Calibri" panose="020F0502020204030204" pitchFamily="34" charset="0"/>
+                <a:ea typeface="Calibri" panose="020F0502020204030204" pitchFamily="34" charset="0"/>
+                <a:cs typeface="Times New Roman" panose="02020603050405020304" pitchFamily="18" charset="0"/>
+              </a:rPr>
+              <a:t> co must have many assessment. Each assessment is belongs to exactly one co.</a:t>
+            </a:r>
+          </a:p>
+          <a:p>
+            <a:endParaRPr lang="en-US" dirty="0"/>
+          </a:p>
+        </p:txBody>
+      </p:sp>
     </p:spTree>
     <p:extLst>
       <p:ext uri="{BB962C8B-B14F-4D97-AF65-F5344CB8AC3E}">
-        <p14:creationId xmlns:p14="http://schemas.microsoft.com/office/powerpoint/2010/main" val="1875485135"/>
+        <p14:creationId xmlns:p14="http://schemas.microsoft.com/office/powerpoint/2010/main" val="115040500"/>
       </p:ext>
     </p:extLst>
   </p:cSld>
   <p:clrMapOvr>
     <a:masterClrMapping/>
   </p:clrMapOvr>
-  <p:timing>
-    <p:tnLst>
-      <p:par>
-        <p:cTn id="1" dur="indefinite" restart="never" nodeType="tmRoot"/>
-      </p:par>
-    </p:tnLst>
-  </p:timing>
 </p:sld>
 </file>
 
@@ -6465,44 +6459,22 @@
           <a:chExt cx="0" cy="0"/>
         </a:xfrm>
       </p:grpSpPr>
-      <p:sp>
-        <p:nvSpPr>
-          <p:cNvPr id="4" name="Rectangle 3"/>
-          <p:cNvSpPr/>
-          <p:nvPr/>
-        </p:nvSpPr>
-        <p:spPr>
-          <a:xfrm rot="16200000">
-            <a:off x="348040" y="3094706"/>
-            <a:ext cx="2619603" cy="369332"/>
-          </a:xfrm>
-          <a:prstGeom prst="rect">
-            <a:avLst/>
-          </a:prstGeom>
-        </p:spPr>
-        <p:txBody>
-          <a:bodyPr wrap="square">
-            <a:spAutoFit/>
-          </a:bodyPr>
-          <a:lstStyle/>
-          <a:p>
-            <a:r>
-              <a:rPr lang="en-US" b="1" dirty="0"/>
-              <a:t>RELATIONAL SCHEMA</a:t>
-            </a:r>
-          </a:p>
-        </p:txBody>
-      </p:sp>
       <p:pic>
         <p:nvPicPr>
-          <p:cNvPr id="2" name="Picture 1"/>
+          <p:cNvPr id="8" name="Picture 7">
+            <a:extLst>
+              <a:ext uri="{FF2B5EF4-FFF2-40B4-BE49-F238E27FC236}">
+                <a16:creationId xmlns:a16="http://schemas.microsoft.com/office/drawing/2014/main" id="{40341967-EDB8-4740-8E70-5B1E27690509}"/>
+              </a:ext>
+            </a:extLst>
+          </p:cNvPr>
           <p:cNvPicPr>
             <a:picLocks noChangeAspect="1"/>
           </p:cNvPicPr>
           <p:nvPr/>
         </p:nvPicPr>
         <p:blipFill>
-          <a:blip r:embed="rId2" cstate="print">
+          <a:blip r:embed="rId2">
             <a:extLst>
               <a:ext uri="{28A0092B-C50C-407E-A947-70E740481C1C}">
                 <a14:useLocalDpi xmlns:a14="http://schemas.microsoft.com/office/drawing/2010/main" val="0"/>
@@ -6515,8 +6487,8 @@
         </p:blipFill>
         <p:spPr>
           <a:xfrm>
-            <a:off x="2194560" y="99752"/>
-            <a:ext cx="8711738" cy="6683433"/>
+            <a:off x="2124222" y="0"/>
+            <a:ext cx="8243667" cy="6858000"/>
           </a:xfrm>
           <a:prstGeom prst="rect">
             <a:avLst/>
@@ -6526,20 +6498,13 @@
     </p:spTree>
     <p:extLst>
       <p:ext uri="{BB962C8B-B14F-4D97-AF65-F5344CB8AC3E}">
-        <p14:creationId xmlns:p14="http://schemas.microsoft.com/office/powerpoint/2010/main" val="4157955574"/>
+        <p14:creationId xmlns:p14="http://schemas.microsoft.com/office/powerpoint/2010/main" val="1875485135"/>
       </p:ext>
     </p:extLst>
   </p:cSld>
   <p:clrMapOvr>
     <a:masterClrMapping/>
   </p:clrMapOvr>
-  <p:timing>
-    <p:tnLst>
-      <p:par>
-        <p:cTn id="1" dur="indefinite" restart="never" nodeType="tmRoot"/>
-      </p:par>
-    </p:tnLst>
-  </p:timing>
 </p:sld>
 </file>
 
@@ -6567,43 +6532,9 @@
           <p:nvPr/>
         </p:nvSpPr>
         <p:spPr>
-          <a:xfrm>
-            <a:off x="5013868" y="812632"/>
-            <a:ext cx="2103974" cy="369332"/>
-          </a:xfrm>
-          <a:prstGeom prst="rect">
-            <a:avLst/>
-          </a:prstGeom>
-        </p:spPr>
-        <p:txBody>
-          <a:bodyPr wrap="none">
-            <a:spAutoFit/>
-          </a:bodyPr>
-          <a:lstStyle/>
-          <a:p>
-            <a:r>
-              <a:rPr lang="en-US" b="1" kern="100" dirty="0" smtClean="0">
-                <a:effectLst/>
-                <a:latin typeface="Arial" panose="020B0604020202020204" pitchFamily="34" charset="0"/>
-                <a:ea typeface="Noto Serif CJK SC"/>
-                <a:cs typeface="Lohit Devanagari"/>
-              </a:rPr>
-              <a:t>NORMALIZATION</a:t>
-            </a:r>
-            <a:endParaRPr lang="en-US" dirty="0"/>
-          </a:p>
-        </p:txBody>
-      </p:sp>
-      <p:sp>
-        <p:nvSpPr>
-          <p:cNvPr id="5" name="Rectangle 4"/>
-          <p:cNvSpPr/>
-          <p:nvPr/>
-        </p:nvSpPr>
-        <p:spPr>
-          <a:xfrm>
-            <a:off x="1959428" y="2061852"/>
-            <a:ext cx="9234435" cy="2646878"/>
+          <a:xfrm rot="16200000">
+            <a:off x="348040" y="3094706"/>
+            <a:ext cx="2619603" cy="369332"/>
           </a:xfrm>
           <a:prstGeom prst="rect">
             <a:avLst/>
@@ -6615,253 +6546,59 @@
           </a:bodyPr>
           <a:lstStyle/>
           <a:p>
-            <a:pPr algn="just">
-              <a:spcBef>
-                <a:spcPts val="150"/>
-              </a:spcBef>
-              <a:spcAft>
-                <a:spcPts val="600"/>
-              </a:spcAft>
-            </a:pPr>
-            <a:r>
-              <a:rPr lang="en-US" b="1" kern="100" dirty="0" smtClean="0">
-                <a:effectLst/>
-                <a:latin typeface="Arial" panose="020B0604020202020204" pitchFamily="34" charset="0"/>
-                <a:ea typeface="Noto Serif CJK SC"/>
-                <a:cs typeface="Lohit Devanagari"/>
-              </a:rPr>
-              <a:t>1NF: </a:t>
-            </a:r>
-            <a:r>
-              <a:rPr lang="en-US" kern="100" dirty="0" smtClean="0">
-                <a:effectLst/>
-                <a:latin typeface="Arial" panose="020B0604020202020204" pitchFamily="34" charset="0"/>
-                <a:ea typeface="Noto Serif CJK SC"/>
-                <a:cs typeface="Lohit Devanagari"/>
-              </a:rPr>
-              <a:t>In the schema we need to remove all the multivalued attributes. </a:t>
-            </a:r>
-            <a:endParaRPr lang="en-US" sz="1100" kern="100" dirty="0" smtClean="0">
-              <a:effectLst/>
-              <a:latin typeface="Arial" panose="020B0604020202020204" pitchFamily="34" charset="0"/>
-              <a:ea typeface="Noto Serif CJK SC"/>
-              <a:cs typeface="Lohit Devanagari"/>
-            </a:endParaRPr>
-          </a:p>
-          <a:p>
-            <a:pPr algn="just">
-              <a:spcBef>
-                <a:spcPts val="150"/>
-              </a:spcBef>
-              <a:spcAft>
-                <a:spcPts val="600"/>
-              </a:spcAft>
-            </a:pPr>
-            <a:r>
-              <a:rPr lang="en-US" b="1" kern="100" dirty="0" smtClean="0">
-                <a:effectLst/>
-                <a:latin typeface="Arial" panose="020B0604020202020204" pitchFamily="34" charset="0"/>
-                <a:ea typeface="Noto Serif CJK SC"/>
-                <a:cs typeface="Lohit Devanagari"/>
-              </a:rPr>
-              <a:t> </a:t>
-            </a:r>
-            <a:endParaRPr lang="en-US" sz="1100" kern="100" dirty="0" smtClean="0">
-              <a:effectLst/>
-              <a:latin typeface="Arial" panose="020B0604020202020204" pitchFamily="34" charset="0"/>
-              <a:ea typeface="Noto Serif CJK SC"/>
-              <a:cs typeface="Lohit Devanagari"/>
-            </a:endParaRPr>
-          </a:p>
-          <a:p>
-            <a:pPr algn="just">
-              <a:spcBef>
-                <a:spcPts val="150"/>
-              </a:spcBef>
-              <a:spcAft>
-                <a:spcPts val="600"/>
-              </a:spcAft>
-            </a:pPr>
-            <a:r>
-              <a:rPr lang="en-US" b="1" kern="100" dirty="0" smtClean="0">
-                <a:effectLst/>
-                <a:latin typeface="Arial" panose="020B0604020202020204" pitchFamily="34" charset="0"/>
-                <a:ea typeface="Noto Serif CJK SC"/>
-                <a:cs typeface="Lohit Devanagari"/>
-              </a:rPr>
-              <a:t>2NF: </a:t>
-            </a:r>
-            <a:r>
-              <a:rPr lang="en-US" kern="100" dirty="0" smtClean="0">
-                <a:effectLst/>
-                <a:latin typeface="Arial" panose="020B0604020202020204" pitchFamily="34" charset="0"/>
-                <a:ea typeface="Noto Serif CJK SC"/>
-                <a:cs typeface="Lohit Devanagari"/>
-              </a:rPr>
-              <a:t>In this</a:t>
-            </a:r>
-            <a:r>
-              <a:rPr lang="en-US" b="1" kern="100" dirty="0" smtClean="0">
-                <a:effectLst/>
-                <a:latin typeface="Arial" panose="020B0604020202020204" pitchFamily="34" charset="0"/>
-                <a:ea typeface="Noto Serif CJK SC"/>
-                <a:cs typeface="Lohit Devanagari"/>
-              </a:rPr>
-              <a:t> </a:t>
-            </a:r>
-            <a:r>
-              <a:rPr lang="en-US" kern="100" dirty="0" smtClean="0">
-                <a:effectLst/>
-                <a:latin typeface="Arial" panose="020B0604020202020204" pitchFamily="34" charset="0"/>
-                <a:ea typeface="Noto Serif CJK SC"/>
-                <a:cs typeface="Lohit Devanagari"/>
-              </a:rPr>
-              <a:t>schema there will be no partial dependencies.</a:t>
-            </a:r>
-            <a:endParaRPr lang="en-US" sz="1100" kern="100" dirty="0" smtClean="0">
-              <a:effectLst/>
-              <a:latin typeface="Arial" panose="020B0604020202020204" pitchFamily="34" charset="0"/>
-              <a:ea typeface="Noto Serif CJK SC"/>
-              <a:cs typeface="Lohit Devanagari"/>
-            </a:endParaRPr>
-          </a:p>
-          <a:p>
-            <a:pPr algn="just">
-              <a:spcBef>
-                <a:spcPts val="150"/>
-              </a:spcBef>
-              <a:spcAft>
-                <a:spcPts val="600"/>
-              </a:spcAft>
-            </a:pPr>
-            <a:r>
-              <a:rPr lang="en-US" kern="100" dirty="0" smtClean="0">
-                <a:effectLst/>
-                <a:latin typeface="Arial" panose="020B0604020202020204" pitchFamily="34" charset="0"/>
-                <a:ea typeface="Noto Serif CJK SC"/>
-                <a:cs typeface="Lohit Devanagari"/>
-              </a:rPr>
-              <a:t> </a:t>
-            </a:r>
-            <a:endParaRPr lang="en-US" sz="1100" kern="100" dirty="0" smtClean="0">
-              <a:effectLst/>
-              <a:latin typeface="Arial" panose="020B0604020202020204" pitchFamily="34" charset="0"/>
-              <a:ea typeface="Noto Serif CJK SC"/>
-              <a:cs typeface="Lohit Devanagari"/>
-            </a:endParaRPr>
-          </a:p>
-          <a:p>
-            <a:pPr algn="just">
-              <a:spcBef>
-                <a:spcPts val="150"/>
-              </a:spcBef>
-              <a:spcAft>
-                <a:spcPts val="600"/>
-              </a:spcAft>
-            </a:pPr>
-            <a:r>
-              <a:rPr lang="en-US" b="1" kern="100" dirty="0" smtClean="0">
-                <a:effectLst/>
-                <a:latin typeface="Arial" panose="020B0604020202020204" pitchFamily="34" charset="0"/>
-                <a:ea typeface="Noto Serif CJK SC"/>
-                <a:cs typeface="Lohit Devanagari"/>
-              </a:rPr>
-              <a:t>3NF: </a:t>
-            </a:r>
-            <a:r>
-              <a:rPr lang="en-US" kern="100" dirty="0" smtClean="0">
-                <a:effectLst/>
-                <a:latin typeface="Arial" panose="020B0604020202020204" pitchFamily="34" charset="0"/>
-                <a:ea typeface="Noto Serif CJK SC"/>
-                <a:cs typeface="Lohit Devanagari"/>
-              </a:rPr>
-              <a:t>In this schema we have to remove transitive dependencies. </a:t>
-            </a:r>
-            <a:endParaRPr lang="en-US" sz="1100" kern="100" dirty="0" smtClean="0">
-              <a:effectLst/>
-              <a:latin typeface="Arial" panose="020B0604020202020204" pitchFamily="34" charset="0"/>
-              <a:ea typeface="Noto Serif CJK SC"/>
-              <a:cs typeface="Lohit Devanagari"/>
-            </a:endParaRPr>
-          </a:p>
-          <a:p>
-            <a:pPr algn="just">
-              <a:spcBef>
-                <a:spcPts val="150"/>
-              </a:spcBef>
-              <a:spcAft>
-                <a:spcPts val="600"/>
-              </a:spcAft>
-            </a:pPr>
-            <a:r>
-              <a:rPr lang="en-US" kern="100" dirty="0" smtClean="0">
-                <a:effectLst/>
-                <a:latin typeface="Arial" panose="020B0604020202020204" pitchFamily="34" charset="0"/>
-                <a:ea typeface="Noto Serif CJK SC"/>
-                <a:cs typeface="Lohit Devanagari"/>
-              </a:rPr>
-              <a:t> </a:t>
-            </a:r>
-            <a:endParaRPr lang="en-US" sz="1100" kern="100" dirty="0" smtClean="0">
-              <a:effectLst/>
-              <a:latin typeface="Arial" panose="020B0604020202020204" pitchFamily="34" charset="0"/>
-              <a:ea typeface="Noto Serif CJK SC"/>
-              <a:cs typeface="Lohit Devanagari"/>
-            </a:endParaRPr>
-          </a:p>
-          <a:p>
-            <a:pPr algn="just">
-              <a:spcBef>
-                <a:spcPts val="150"/>
-              </a:spcBef>
-              <a:spcAft>
-                <a:spcPts val="600"/>
-              </a:spcAft>
-            </a:pPr>
-            <a:r>
-              <a:rPr lang="en-US" b="1" kern="100" dirty="0" smtClean="0">
-                <a:effectLst/>
-                <a:latin typeface="Arial" panose="020B0604020202020204" pitchFamily="34" charset="0"/>
-                <a:ea typeface="Noto Serif CJK SC"/>
-                <a:cs typeface="Lohit Devanagari"/>
-              </a:rPr>
-              <a:t>BCNF: </a:t>
-            </a:r>
-            <a:r>
-              <a:rPr lang="en-US" kern="100" dirty="0" smtClean="0">
-                <a:effectLst/>
-                <a:latin typeface="Arial" panose="020B0604020202020204" pitchFamily="34" charset="0"/>
-                <a:ea typeface="Noto Serif CJK SC"/>
-                <a:cs typeface="Lohit Devanagari"/>
-              </a:rPr>
-              <a:t>Remove remaining anomalies resulting from multiple candidate keys.</a:t>
-            </a:r>
-            <a:endParaRPr lang="en-US" sz="1100" kern="100" dirty="0">
-              <a:effectLst/>
-              <a:latin typeface="Arial" panose="020B0604020202020204" pitchFamily="34" charset="0"/>
-              <a:ea typeface="Noto Serif CJK SC"/>
-              <a:cs typeface="Lohit Devanagari"/>
-            </a:endParaRPr>
-          </a:p>
-        </p:txBody>
-      </p:sp>
+            <a:r>
+              <a:rPr lang="en-US" b="1" dirty="0"/>
+              <a:t>RELATIONAL SCHEMA</a:t>
+            </a:r>
+          </a:p>
+        </p:txBody>
+      </p:sp>
+      <p:pic>
+        <p:nvPicPr>
+          <p:cNvPr id="5" name="Picture 4">
+            <a:extLst>
+              <a:ext uri="{FF2B5EF4-FFF2-40B4-BE49-F238E27FC236}">
+                <a16:creationId xmlns:a16="http://schemas.microsoft.com/office/drawing/2014/main" id="{EF85605A-3E1D-4E90-B105-02687B8EC017}"/>
+              </a:ext>
+            </a:extLst>
+          </p:cNvPr>
+          <p:cNvPicPr>
+            <a:picLocks noChangeAspect="1"/>
+          </p:cNvPicPr>
+          <p:nvPr/>
+        </p:nvPicPr>
+        <p:blipFill>
+          <a:blip r:embed="rId2">
+            <a:extLst>
+              <a:ext uri="{28A0092B-C50C-407E-A947-70E740481C1C}">
+                <a14:useLocalDpi xmlns:a14="http://schemas.microsoft.com/office/drawing/2010/main" val="0"/>
+              </a:ext>
+            </a:extLst>
+          </a:blip>
+          <a:stretch>
+            <a:fillRect/>
+          </a:stretch>
+        </p:blipFill>
+        <p:spPr>
+          <a:xfrm>
+            <a:off x="1842508" y="0"/>
+            <a:ext cx="10287000" cy="6858000"/>
+          </a:xfrm>
+          <a:prstGeom prst="rect">
+            <a:avLst/>
+          </a:prstGeom>
+        </p:spPr>
+      </p:pic>
     </p:spTree>
     <p:extLst>
       <p:ext uri="{BB962C8B-B14F-4D97-AF65-F5344CB8AC3E}">
-        <p14:creationId xmlns:p14="http://schemas.microsoft.com/office/powerpoint/2010/main" val="744035104"/>
+        <p14:creationId xmlns:p14="http://schemas.microsoft.com/office/powerpoint/2010/main" val="4157955574"/>
       </p:ext>
     </p:extLst>
   </p:cSld>
   <p:clrMapOvr>
     <a:masterClrMapping/>
   </p:clrMapOvr>
-  <p:timing>
-    <p:tnLst>
-      <p:par>
-        <p:cTn id="1" dur="indefinite" restart="never" nodeType="tmRoot"/>
-      </p:par>
-    </p:tnLst>
-  </p:timing>
 </p:sld>
 </file>
 
@@ -6916,89 +6653,127 @@
         </p:nvSpPr>
         <p:spPr>
           <a:xfrm>
-            <a:off x="1371600" y="1652954"/>
-            <a:ext cx="9601200" cy="4185138"/>
+            <a:off x="1371600" y="1266092"/>
+            <a:ext cx="9601200" cy="5591908"/>
           </a:xfrm>
         </p:spPr>
         <p:txBody>
           <a:bodyPr>
-            <a:normAutofit fontScale="40000" lnSpcReduction="20000"/>
+            <a:normAutofit fontScale="85000" lnSpcReduction="20000"/>
           </a:bodyPr>
           <a:lstStyle/>
           <a:p>
             <a:r>
-              <a:rPr lang="en-US" sz="4300" dirty="0"/>
+              <a:rPr lang="en-US" sz="1400" dirty="0"/>
               <a:t>CHAPTER 1: INTRODUCTION</a:t>
             </a:r>
           </a:p>
           <a:p>
             <a:r>
-              <a:rPr lang="en-US" sz="4300" dirty="0" smtClean="0"/>
-              <a:t>CHAPTER </a:t>
-            </a:r>
-            <a:r>
-              <a:rPr lang="en-US" sz="4300" dirty="0"/>
-              <a:t>2: REQUIREMENT ANALYSIS</a:t>
-            </a:r>
-          </a:p>
-          <a:p>
-            <a:r>
-              <a:rPr lang="en-US" sz="4300" dirty="0"/>
+              <a:rPr lang="en-US" sz="1400" dirty="0"/>
+              <a:t>CHAPTER 2: REQUIREMENT ANALYSIS</a:t>
+            </a:r>
+          </a:p>
+          <a:p>
+            <a:r>
+              <a:rPr lang="en-US" sz="1400" dirty="0"/>
               <a:t>RICH PICTURE (AS-IS)</a:t>
             </a:r>
           </a:p>
           <a:p>
             <a:r>
-              <a:rPr lang="en-US" sz="4300" dirty="0"/>
+              <a:rPr lang="en-US" sz="1400" dirty="0"/>
               <a:t>SIX ELEMENTS (AS-IS)</a:t>
             </a:r>
           </a:p>
           <a:p>
             <a:r>
-              <a:rPr lang="en-US" sz="4300" dirty="0"/>
+              <a:rPr lang="en-US" sz="1400" dirty="0"/>
               <a:t>PROCESS DIAGRAM (AS-IS)</a:t>
             </a:r>
           </a:p>
           <a:p>
             <a:r>
-              <a:rPr lang="en-US" sz="4300" dirty="0"/>
+              <a:rPr lang="en-US" sz="1400" dirty="0"/>
               <a:t>PROBLEM ANALYSIS</a:t>
             </a:r>
           </a:p>
           <a:p>
             <a:r>
-              <a:rPr lang="en-US" sz="4300" dirty="0"/>
+              <a:rPr lang="en-US" sz="1400" dirty="0"/>
               <a:t>RICH PICTURE (TO-BE)</a:t>
             </a:r>
           </a:p>
           <a:p>
             <a:r>
-              <a:rPr lang="en-US" sz="4300" dirty="0"/>
+              <a:rPr lang="en-US" sz="1400" dirty="0"/>
               <a:t>SIX ELEMENTS (TO-BE)</a:t>
             </a:r>
           </a:p>
           <a:p>
             <a:r>
-              <a:rPr lang="en-US" sz="4300" dirty="0"/>
+              <a:rPr lang="en-US" sz="1400" dirty="0"/>
               <a:t>PROCESS DIAGRAM (TO-BE)</a:t>
             </a:r>
           </a:p>
           <a:p>
             <a:r>
-              <a:rPr lang="en-US" sz="4300" dirty="0"/>
+              <a:rPr lang="en-US" sz="1400" dirty="0"/>
               <a:t>CHAPTER 3: LOGICAL SYSTEM DESIGN</a:t>
             </a:r>
           </a:p>
           <a:p>
             <a:r>
-              <a:rPr lang="en-US" sz="4300" dirty="0"/>
+              <a:rPr lang="en-US" sz="1400" dirty="0"/>
               <a:t>BUSINESS RULE</a:t>
             </a:r>
           </a:p>
           <a:p>
             <a:r>
-              <a:rPr lang="en-US" sz="4300" dirty="0"/>
+              <a:rPr lang="en-US" sz="1400" dirty="0"/>
               <a:t>ENTITY RELATIONSHIP DIAGRAM</a:t>
+            </a:r>
+          </a:p>
+          <a:p>
+            <a:r>
+              <a:rPr lang="en-US" sz="1400" dirty="0"/>
+              <a:t>ENTITY RELATIONSHIP DIAGRAM TO RELATIONAL SCHEMA</a:t>
+            </a:r>
+          </a:p>
+          <a:p>
+            <a:r>
+              <a:rPr lang="en-US" sz="1400" dirty="0"/>
+              <a:t>NORMALIZATION</a:t>
+            </a:r>
+          </a:p>
+          <a:p>
+            <a:r>
+              <a:rPr lang="en-US" sz="1400" dirty="0"/>
+              <a:t>DATA DICTIONARY</a:t>
+            </a:r>
+          </a:p>
+          <a:p>
+            <a:r>
+              <a:rPr lang="en-US" sz="1400" dirty="0"/>
+              <a:t>CHAPTER 4: PHYSICAL SYSTEM DESIGN</a:t>
+            </a:r>
+          </a:p>
+          <a:p>
+            <a:r>
+              <a:rPr lang="en-US" sz="1400" dirty="0"/>
+              <a:t>INPUT FORMS</a:t>
+            </a:r>
+          </a:p>
+          <a:p>
+            <a:r>
+              <a:rPr lang="en-US" sz="1400" dirty="0"/>
+              <a:t> OUTPUT FORMS</a:t>
+            </a:r>
+          </a:p>
+          <a:p>
+            <a:r>
+              <a:rPr lang="en-US" sz="1400" dirty="0"/>
+              <a:t>CHAPTER 5: CONCLUSION</a:t>
             </a:r>
           </a:p>
           <a:p>
@@ -7019,13 +6794,6 @@
   <p:clrMapOvr>
     <a:masterClrMapping/>
   </p:clrMapOvr>
-  <p:timing>
-    <p:tnLst>
-      <p:par>
-        <p:cTn id="1" dur="indefinite" restart="never" nodeType="tmRoot"/>
-      </p:par>
-    </p:tnLst>
-  </p:timing>
 </p:sld>
 </file>
 
@@ -7054,8 +6822,8 @@
         </p:nvSpPr>
         <p:spPr>
           <a:xfrm>
-            <a:off x="943465" y="360457"/>
-            <a:ext cx="2266390" cy="369332"/>
+            <a:off x="5013868" y="812632"/>
+            <a:ext cx="2103974" cy="369332"/>
           </a:xfrm>
           <a:prstGeom prst="rect">
             <a:avLst/>
@@ -7063,6 +6831,40 @@
         </p:spPr>
         <p:txBody>
           <a:bodyPr wrap="none">
+            <a:spAutoFit/>
+          </a:bodyPr>
+          <a:lstStyle/>
+          <a:p>
+            <a:r>
+              <a:rPr lang="en-US" b="1" kern="100" dirty="0">
+                <a:effectLst/>
+                <a:latin typeface="Arial" panose="020B0604020202020204" pitchFamily="34" charset="0"/>
+                <a:ea typeface="Noto Serif CJK SC"/>
+                <a:cs typeface="Lohit Devanagari"/>
+              </a:rPr>
+              <a:t>NORMALIZATION</a:t>
+            </a:r>
+            <a:endParaRPr lang="en-US" dirty="0"/>
+          </a:p>
+        </p:txBody>
+      </p:sp>
+      <p:sp>
+        <p:nvSpPr>
+          <p:cNvPr id="5" name="Rectangle 4"/>
+          <p:cNvSpPr/>
+          <p:nvPr/>
+        </p:nvSpPr>
+        <p:spPr>
+          <a:xfrm>
+            <a:off x="1959428" y="2061852"/>
+            <a:ext cx="9234435" cy="2646878"/>
+          </a:xfrm>
+          <a:prstGeom prst="rect">
+            <a:avLst/>
+          </a:prstGeom>
+        </p:spPr>
+        <p:txBody>
+          <a:bodyPr wrap="square">
             <a:spAutoFit/>
           </a:bodyPr>
           <a:lstStyle/>
@@ -7076,13 +6878,22 @@
               </a:spcAft>
             </a:pPr>
             <a:r>
-              <a:rPr lang="en-US" b="1" kern="100" dirty="0" smtClean="0">
+              <a:rPr lang="en-US" b="1" kern="100" dirty="0">
                 <a:effectLst/>
                 <a:latin typeface="Arial" panose="020B0604020202020204" pitchFamily="34" charset="0"/>
                 <a:ea typeface="Noto Serif CJK SC"/>
                 <a:cs typeface="Lohit Devanagari"/>
               </a:rPr>
-              <a:t>DATA DICTONARY:</a:t>
+              <a:t>1NF: </a:t>
+            </a:r>
+            <a:r>
+              <a:rPr lang="en-US" kern="100" dirty="0">
+                <a:effectLst/>
+                <a:latin typeface="Arial" panose="020B0604020202020204" pitchFamily="34" charset="0"/>
+                <a:ea typeface="Noto Serif CJK SC"/>
+                <a:cs typeface="Lohit Devanagari"/>
+              </a:rPr>
+              <a:t>In the schema we need to remove all the multivalued attributes. </a:t>
             </a:r>
             <a:endParaRPr lang="en-US" sz="1100" kern="100" dirty="0">
               <a:effectLst/>
@@ -7091,28 +6902,6 @@
               <a:cs typeface="Lohit Devanagari"/>
             </a:endParaRPr>
           </a:p>
-        </p:txBody>
-      </p:sp>
-      <p:sp>
-        <p:nvSpPr>
-          <p:cNvPr id="5" name="Rectangle 4"/>
-          <p:cNvSpPr/>
-          <p:nvPr/>
-        </p:nvSpPr>
-        <p:spPr>
-          <a:xfrm>
-            <a:off x="5924721" y="950893"/>
-            <a:ext cx="1120820" cy="369332"/>
-          </a:xfrm>
-          <a:prstGeom prst="rect">
-            <a:avLst/>
-          </a:prstGeom>
-        </p:spPr>
-        <p:txBody>
-          <a:bodyPr wrap="none">
-            <a:spAutoFit/>
-          </a:bodyPr>
-          <a:lstStyle/>
           <a:p>
             <a:pPr algn="just">
               <a:spcBef>
@@ -7123,7 +6912,301 @@
               </a:spcAft>
             </a:pPr>
             <a:r>
-              <a:rPr lang="en-US" kern="100" dirty="0" err="1" smtClean="0">
+              <a:rPr lang="en-US" b="1" kern="100" dirty="0">
+                <a:effectLst/>
+                <a:latin typeface="Arial" panose="020B0604020202020204" pitchFamily="34" charset="0"/>
+                <a:ea typeface="Noto Serif CJK SC"/>
+                <a:cs typeface="Lohit Devanagari"/>
+              </a:rPr>
+              <a:t> </a:t>
+            </a:r>
+            <a:endParaRPr lang="en-US" sz="1100" kern="100" dirty="0">
+              <a:effectLst/>
+              <a:latin typeface="Arial" panose="020B0604020202020204" pitchFamily="34" charset="0"/>
+              <a:ea typeface="Noto Serif CJK SC"/>
+              <a:cs typeface="Lohit Devanagari"/>
+            </a:endParaRPr>
+          </a:p>
+          <a:p>
+            <a:pPr algn="just">
+              <a:spcBef>
+                <a:spcPts val="150"/>
+              </a:spcBef>
+              <a:spcAft>
+                <a:spcPts val="600"/>
+              </a:spcAft>
+            </a:pPr>
+            <a:r>
+              <a:rPr lang="en-US" b="1" kern="100" dirty="0">
+                <a:effectLst/>
+                <a:latin typeface="Arial" panose="020B0604020202020204" pitchFamily="34" charset="0"/>
+                <a:ea typeface="Noto Serif CJK SC"/>
+                <a:cs typeface="Lohit Devanagari"/>
+              </a:rPr>
+              <a:t>2NF: </a:t>
+            </a:r>
+            <a:r>
+              <a:rPr lang="en-US" kern="100" dirty="0">
+                <a:effectLst/>
+                <a:latin typeface="Arial" panose="020B0604020202020204" pitchFamily="34" charset="0"/>
+                <a:ea typeface="Noto Serif CJK SC"/>
+                <a:cs typeface="Lohit Devanagari"/>
+              </a:rPr>
+              <a:t>In this</a:t>
+            </a:r>
+            <a:r>
+              <a:rPr lang="en-US" b="1" kern="100" dirty="0">
+                <a:effectLst/>
+                <a:latin typeface="Arial" panose="020B0604020202020204" pitchFamily="34" charset="0"/>
+                <a:ea typeface="Noto Serif CJK SC"/>
+                <a:cs typeface="Lohit Devanagari"/>
+              </a:rPr>
+              <a:t> </a:t>
+            </a:r>
+            <a:r>
+              <a:rPr lang="en-US" kern="100" dirty="0">
+                <a:effectLst/>
+                <a:latin typeface="Arial" panose="020B0604020202020204" pitchFamily="34" charset="0"/>
+                <a:ea typeface="Noto Serif CJK SC"/>
+                <a:cs typeface="Lohit Devanagari"/>
+              </a:rPr>
+              <a:t>schema there will be no partial dependencies.</a:t>
+            </a:r>
+            <a:endParaRPr lang="en-US" sz="1100" kern="100" dirty="0">
+              <a:effectLst/>
+              <a:latin typeface="Arial" panose="020B0604020202020204" pitchFamily="34" charset="0"/>
+              <a:ea typeface="Noto Serif CJK SC"/>
+              <a:cs typeface="Lohit Devanagari"/>
+            </a:endParaRPr>
+          </a:p>
+          <a:p>
+            <a:pPr algn="just">
+              <a:spcBef>
+                <a:spcPts val="150"/>
+              </a:spcBef>
+              <a:spcAft>
+                <a:spcPts val="600"/>
+              </a:spcAft>
+            </a:pPr>
+            <a:r>
+              <a:rPr lang="en-US" kern="100" dirty="0">
+                <a:effectLst/>
+                <a:latin typeface="Arial" panose="020B0604020202020204" pitchFamily="34" charset="0"/>
+                <a:ea typeface="Noto Serif CJK SC"/>
+                <a:cs typeface="Lohit Devanagari"/>
+              </a:rPr>
+              <a:t> </a:t>
+            </a:r>
+            <a:endParaRPr lang="en-US" sz="1100" kern="100" dirty="0">
+              <a:effectLst/>
+              <a:latin typeface="Arial" panose="020B0604020202020204" pitchFamily="34" charset="0"/>
+              <a:ea typeface="Noto Serif CJK SC"/>
+              <a:cs typeface="Lohit Devanagari"/>
+            </a:endParaRPr>
+          </a:p>
+          <a:p>
+            <a:pPr algn="just">
+              <a:spcBef>
+                <a:spcPts val="150"/>
+              </a:spcBef>
+              <a:spcAft>
+                <a:spcPts val="600"/>
+              </a:spcAft>
+            </a:pPr>
+            <a:r>
+              <a:rPr lang="en-US" b="1" kern="100" dirty="0">
+                <a:effectLst/>
+                <a:latin typeface="Arial" panose="020B0604020202020204" pitchFamily="34" charset="0"/>
+                <a:ea typeface="Noto Serif CJK SC"/>
+                <a:cs typeface="Lohit Devanagari"/>
+              </a:rPr>
+              <a:t>3NF: </a:t>
+            </a:r>
+            <a:r>
+              <a:rPr lang="en-US" kern="100" dirty="0">
+                <a:effectLst/>
+                <a:latin typeface="Arial" panose="020B0604020202020204" pitchFamily="34" charset="0"/>
+                <a:ea typeface="Noto Serif CJK SC"/>
+                <a:cs typeface="Lohit Devanagari"/>
+              </a:rPr>
+              <a:t>In this schema we have to remove transitive dependencies. </a:t>
+            </a:r>
+            <a:endParaRPr lang="en-US" sz="1100" kern="100" dirty="0">
+              <a:effectLst/>
+              <a:latin typeface="Arial" panose="020B0604020202020204" pitchFamily="34" charset="0"/>
+              <a:ea typeface="Noto Serif CJK SC"/>
+              <a:cs typeface="Lohit Devanagari"/>
+            </a:endParaRPr>
+          </a:p>
+          <a:p>
+            <a:pPr algn="just">
+              <a:spcBef>
+                <a:spcPts val="150"/>
+              </a:spcBef>
+              <a:spcAft>
+                <a:spcPts val="600"/>
+              </a:spcAft>
+            </a:pPr>
+            <a:r>
+              <a:rPr lang="en-US" kern="100" dirty="0">
+                <a:effectLst/>
+                <a:latin typeface="Arial" panose="020B0604020202020204" pitchFamily="34" charset="0"/>
+                <a:ea typeface="Noto Serif CJK SC"/>
+                <a:cs typeface="Lohit Devanagari"/>
+              </a:rPr>
+              <a:t> </a:t>
+            </a:r>
+            <a:endParaRPr lang="en-US" sz="1100" kern="100" dirty="0">
+              <a:effectLst/>
+              <a:latin typeface="Arial" panose="020B0604020202020204" pitchFamily="34" charset="0"/>
+              <a:ea typeface="Noto Serif CJK SC"/>
+              <a:cs typeface="Lohit Devanagari"/>
+            </a:endParaRPr>
+          </a:p>
+          <a:p>
+            <a:pPr algn="just">
+              <a:spcBef>
+                <a:spcPts val="150"/>
+              </a:spcBef>
+              <a:spcAft>
+                <a:spcPts val="600"/>
+              </a:spcAft>
+            </a:pPr>
+            <a:r>
+              <a:rPr lang="en-US" b="1" kern="100" dirty="0">
+                <a:effectLst/>
+                <a:latin typeface="Arial" panose="020B0604020202020204" pitchFamily="34" charset="0"/>
+                <a:ea typeface="Noto Serif CJK SC"/>
+                <a:cs typeface="Lohit Devanagari"/>
+              </a:rPr>
+              <a:t>BCNF: </a:t>
+            </a:r>
+            <a:r>
+              <a:rPr lang="en-US" kern="100" dirty="0">
+                <a:effectLst/>
+                <a:latin typeface="Arial" panose="020B0604020202020204" pitchFamily="34" charset="0"/>
+                <a:ea typeface="Noto Serif CJK SC"/>
+                <a:cs typeface="Lohit Devanagari"/>
+              </a:rPr>
+              <a:t>Remove remaining anomalies resulting from multiple candidate keys.</a:t>
+            </a:r>
+            <a:endParaRPr lang="en-US" sz="1100" kern="100" dirty="0">
+              <a:effectLst/>
+              <a:latin typeface="Arial" panose="020B0604020202020204" pitchFamily="34" charset="0"/>
+              <a:ea typeface="Noto Serif CJK SC"/>
+              <a:cs typeface="Lohit Devanagari"/>
+            </a:endParaRPr>
+          </a:p>
+        </p:txBody>
+      </p:sp>
+    </p:spTree>
+    <p:extLst>
+      <p:ext uri="{BB962C8B-B14F-4D97-AF65-F5344CB8AC3E}">
+        <p14:creationId xmlns:p14="http://schemas.microsoft.com/office/powerpoint/2010/main" val="744035104"/>
+      </p:ext>
+    </p:extLst>
+  </p:cSld>
+  <p:clrMapOvr>
+    <a:masterClrMapping/>
+  </p:clrMapOvr>
+</p:sld>
+</file>
+
+<file path=ppt/slides/slide31.xml><?xml version="1.0" encoding="utf-8"?>
+<p:sld xmlns:a="http://schemas.openxmlformats.org/drawingml/2006/main" xmlns:r="http://schemas.openxmlformats.org/officeDocument/2006/relationships" xmlns:p="http://schemas.openxmlformats.org/presentationml/2006/main">
+  <p:cSld>
+    <p:spTree>
+      <p:nvGrpSpPr>
+        <p:cNvPr id="1" name=""/>
+        <p:cNvGrpSpPr/>
+        <p:nvPr/>
+      </p:nvGrpSpPr>
+      <p:grpSpPr>
+        <a:xfrm>
+          <a:off x="0" y="0"/>
+          <a:ext cx="0" cy="0"/>
+          <a:chOff x="0" y="0"/>
+          <a:chExt cx="0" cy="0"/>
+        </a:xfrm>
+      </p:grpSpPr>
+      <p:sp>
+        <p:nvSpPr>
+          <p:cNvPr id="4" name="Rectangle 3"/>
+          <p:cNvSpPr/>
+          <p:nvPr/>
+        </p:nvSpPr>
+        <p:spPr>
+          <a:xfrm>
+            <a:off x="943465" y="360457"/>
+            <a:ext cx="2266390" cy="369332"/>
+          </a:xfrm>
+          <a:prstGeom prst="rect">
+            <a:avLst/>
+          </a:prstGeom>
+        </p:spPr>
+        <p:txBody>
+          <a:bodyPr wrap="none">
+            <a:spAutoFit/>
+          </a:bodyPr>
+          <a:lstStyle/>
+          <a:p>
+            <a:pPr algn="just">
+              <a:spcBef>
+                <a:spcPts val="150"/>
+              </a:spcBef>
+              <a:spcAft>
+                <a:spcPts val="600"/>
+              </a:spcAft>
+            </a:pPr>
+            <a:r>
+              <a:rPr lang="en-US" b="1" kern="100" dirty="0">
+                <a:effectLst/>
+                <a:latin typeface="Arial" panose="020B0604020202020204" pitchFamily="34" charset="0"/>
+                <a:ea typeface="Noto Serif CJK SC"/>
+                <a:cs typeface="Lohit Devanagari"/>
+              </a:rPr>
+              <a:t>DATA DICTONARY:</a:t>
+            </a:r>
+            <a:endParaRPr lang="en-US" sz="1100" kern="100" dirty="0">
+              <a:effectLst/>
+              <a:latin typeface="Arial" panose="020B0604020202020204" pitchFamily="34" charset="0"/>
+              <a:ea typeface="Noto Serif CJK SC"/>
+              <a:cs typeface="Lohit Devanagari"/>
+            </a:endParaRPr>
+          </a:p>
+        </p:txBody>
+      </p:sp>
+      <p:sp>
+        <p:nvSpPr>
+          <p:cNvPr id="5" name="Rectangle 4"/>
+          <p:cNvSpPr/>
+          <p:nvPr/>
+        </p:nvSpPr>
+        <p:spPr>
+          <a:xfrm>
+            <a:off x="5924721" y="950893"/>
+            <a:ext cx="1120820" cy="369332"/>
+          </a:xfrm>
+          <a:prstGeom prst="rect">
+            <a:avLst/>
+          </a:prstGeom>
+        </p:spPr>
+        <p:txBody>
+          <a:bodyPr wrap="none">
+            <a:spAutoFit/>
+          </a:bodyPr>
+          <a:lstStyle/>
+          <a:p>
+            <a:pPr algn="just">
+              <a:spcBef>
+                <a:spcPts val="150"/>
+              </a:spcBef>
+              <a:spcAft>
+                <a:spcPts val="600"/>
+              </a:spcAft>
+            </a:pPr>
+            <a:r>
+              <a:rPr lang="en-US" kern="100" dirty="0" err="1">
                 <a:effectLst/>
                 <a:latin typeface="Arial" panose="020B0604020202020204" pitchFamily="34" charset="0"/>
                 <a:ea typeface="Noto Serif CJK SC"/>
@@ -7256,17 +7339,10 @@
   <p:clrMapOvr>
     <a:masterClrMapping/>
   </p:clrMapOvr>
-  <p:timing>
-    <p:tnLst>
-      <p:par>
-        <p:cTn id="1" dur="indefinite" restart="never" nodeType="tmRoot"/>
-      </p:par>
-    </p:tnLst>
-  </p:timing>
 </p:sld>
 </file>
 
-<file path=ppt/slides/slide31.xml><?xml version="1.0" encoding="utf-8"?>
+<file path=ppt/slides/slide32.xml><?xml version="1.0" encoding="utf-8"?>
 <p:sld xmlns:a="http://schemas.openxmlformats.org/drawingml/2006/main" xmlns:r="http://schemas.openxmlformats.org/officeDocument/2006/relationships" xmlns:p="http://schemas.openxmlformats.org/presentationml/2006/main">
   <p:cSld>
     <p:spTree>
@@ -7439,149 +7515,6 @@
     <p:extLst>
       <p:ext uri="{BB962C8B-B14F-4D97-AF65-F5344CB8AC3E}">
         <p14:creationId xmlns:p14="http://schemas.microsoft.com/office/powerpoint/2010/main" val="4071642362"/>
-      </p:ext>
-    </p:extLst>
-  </p:cSld>
-  <p:clrMapOvr>
-    <a:masterClrMapping/>
-  </p:clrMapOvr>
-  <p:timing>
-    <p:tnLst>
-      <p:par>
-        <p:cTn id="1" dur="indefinite" restart="never" nodeType="tmRoot"/>
-      </p:par>
-    </p:tnLst>
-  </p:timing>
-</p:sld>
-</file>
-
-<file path=ppt/slides/slide32.xml><?xml version="1.0" encoding="utf-8"?>
-<p:sld xmlns:a="http://schemas.openxmlformats.org/drawingml/2006/main" xmlns:r="http://schemas.openxmlformats.org/officeDocument/2006/relationships" xmlns:p="http://schemas.openxmlformats.org/presentationml/2006/main">
-  <p:cSld>
-    <p:spTree>
-      <p:nvGrpSpPr>
-        <p:cNvPr id="1" name=""/>
-        <p:cNvGrpSpPr/>
-        <p:nvPr/>
-      </p:nvGrpSpPr>
-      <p:grpSpPr>
-        <a:xfrm>
-          <a:off x="0" y="0"/>
-          <a:ext cx="0" cy="0"/>
-          <a:chOff x="0" y="0"/>
-          <a:chExt cx="0" cy="0"/>
-        </a:xfrm>
-      </p:grpSpPr>
-      <p:sp>
-        <p:nvSpPr>
-          <p:cNvPr id="4" name="Rectangle 3"/>
-          <p:cNvSpPr/>
-          <p:nvPr/>
-        </p:nvSpPr>
-        <p:spPr>
-          <a:xfrm>
-            <a:off x="5743180" y="911582"/>
-            <a:ext cx="1287532" cy="369332"/>
-          </a:xfrm>
-          <a:prstGeom prst="rect">
-            <a:avLst/>
-          </a:prstGeom>
-        </p:spPr>
-        <p:txBody>
-          <a:bodyPr wrap="none">
-            <a:spAutoFit/>
-          </a:bodyPr>
-          <a:lstStyle/>
-          <a:p>
-            <a:pPr algn="just">
-              <a:spcBef>
-                <a:spcPts val="150"/>
-              </a:spcBef>
-              <a:spcAft>
-                <a:spcPts val="600"/>
-              </a:spcAft>
-            </a:pPr>
-            <a:r>
-              <a:rPr lang="en-US" kern="100" dirty="0" err="1">
-                <a:latin typeface="Arial" panose="020B0604020202020204" pitchFamily="34" charset="0"/>
-                <a:ea typeface="Noto Serif CJK SC"/>
-                <a:cs typeface="Lohit Devanagari"/>
-              </a:rPr>
-              <a:t>tblprogram</a:t>
-            </a:r>
-            <a:endParaRPr lang="en-US" kern="100" dirty="0">
-              <a:effectLst/>
-              <a:latin typeface="Arial" panose="020B0604020202020204" pitchFamily="34" charset="0"/>
-              <a:ea typeface="Noto Serif CJK SC"/>
-              <a:cs typeface="Lohit Devanagari"/>
-            </a:endParaRPr>
-          </a:p>
-        </p:txBody>
-      </p:sp>
-      <p:pic>
-        <p:nvPicPr>
-          <p:cNvPr id="5" name="Picture 4"/>
-          <p:cNvPicPr>
-            <a:picLocks noChangeAspect="1"/>
-          </p:cNvPicPr>
-          <p:nvPr/>
-        </p:nvPicPr>
-        <p:blipFill>
-          <a:blip r:embed="rId2">
-            <a:extLst>
-              <a:ext uri="{28A0092B-C50C-407E-A947-70E740481C1C}">
-                <a14:useLocalDpi xmlns:a14="http://schemas.microsoft.com/office/drawing/2010/main" val="0"/>
-              </a:ext>
-            </a:extLst>
-          </a:blip>
-          <a:stretch>
-            <a:fillRect/>
-          </a:stretch>
-        </p:blipFill>
-        <p:spPr>
-          <a:xfrm>
-            <a:off x="2950104" y="1704109"/>
-            <a:ext cx="7021900" cy="2593393"/>
-          </a:xfrm>
-          <a:prstGeom prst="rect">
-            <a:avLst/>
-          </a:prstGeom>
-        </p:spPr>
-      </p:pic>
-      <p:pic>
-        <p:nvPicPr>
-          <p:cNvPr id="6" name="Picture 5"/>
-          <p:cNvPicPr>
-            <a:picLocks noChangeAspect="1"/>
-          </p:cNvPicPr>
-          <p:nvPr/>
-        </p:nvPicPr>
-        <p:blipFill>
-          <a:blip r:embed="rId3">
-            <a:extLst>
-              <a:ext uri="{28A0092B-C50C-407E-A947-70E740481C1C}">
-                <a14:useLocalDpi xmlns:a14="http://schemas.microsoft.com/office/drawing/2010/main" val="0"/>
-              </a:ext>
-            </a:extLst>
-          </a:blip>
-          <a:stretch>
-            <a:fillRect/>
-          </a:stretch>
-        </p:blipFill>
-        <p:spPr>
-          <a:xfrm>
-            <a:off x="2950104" y="4187230"/>
-            <a:ext cx="7021900" cy="533467"/>
-          </a:xfrm>
-          <a:prstGeom prst="rect">
-            <a:avLst/>
-          </a:prstGeom>
-        </p:spPr>
-      </p:pic>
-    </p:spTree>
-    <p:extLst>
-      <p:ext uri="{BB962C8B-B14F-4D97-AF65-F5344CB8AC3E}">
-        <p14:creationId xmlns:p14="http://schemas.microsoft.com/office/powerpoint/2010/main" val="1877683200"/>
       </p:ext>
     </p:extLst>
   </p:cSld>
@@ -7616,8 +7549,8 @@
         </p:nvSpPr>
         <p:spPr>
           <a:xfrm>
-            <a:off x="5351385" y="243440"/>
-            <a:ext cx="1184940" cy="369332"/>
+            <a:off x="5743180" y="911582"/>
+            <a:ext cx="1287532" cy="369332"/>
           </a:xfrm>
           <a:prstGeom prst="rect">
             <a:avLst/>
@@ -7643,7 +7576,7 @@
                 <a:ea typeface="Noto Serif CJK SC"/>
                 <a:cs typeface="Lohit Devanagari"/>
               </a:rPr>
-              <a:t>tblstudent</a:t>
+              <a:t>tblprogram</a:t>
             </a:r>
             <a:endParaRPr lang="en-US" kern="100" dirty="0">
               <a:effectLst/>
@@ -7676,8 +7609,38 @@
         </p:blipFill>
         <p:spPr>
           <a:xfrm>
-            <a:off x="3106949" y="612772"/>
-            <a:ext cx="5795982" cy="5869883"/>
+            <a:off x="2950104" y="1704109"/>
+            <a:ext cx="7021900" cy="2593393"/>
+          </a:xfrm>
+          <a:prstGeom prst="rect">
+            <a:avLst/>
+          </a:prstGeom>
+        </p:spPr>
+      </p:pic>
+      <p:pic>
+        <p:nvPicPr>
+          <p:cNvPr id="6" name="Picture 5"/>
+          <p:cNvPicPr>
+            <a:picLocks noChangeAspect="1"/>
+          </p:cNvPicPr>
+          <p:nvPr/>
+        </p:nvPicPr>
+        <p:blipFill>
+          <a:blip r:embed="rId3">
+            <a:extLst>
+              <a:ext uri="{28A0092B-C50C-407E-A947-70E740481C1C}">
+                <a14:useLocalDpi xmlns:a14="http://schemas.microsoft.com/office/drawing/2010/main" val="0"/>
+              </a:ext>
+            </a:extLst>
+          </a:blip>
+          <a:stretch>
+            <a:fillRect/>
+          </a:stretch>
+        </p:blipFill>
+        <p:spPr>
+          <a:xfrm>
+            <a:off x="2950104" y="4187230"/>
+            <a:ext cx="7021900" cy="533467"/>
           </a:xfrm>
           <a:prstGeom prst="rect">
             <a:avLst/>
@@ -7687,7 +7650,7 @@
     </p:spTree>
     <p:extLst>
       <p:ext uri="{BB962C8B-B14F-4D97-AF65-F5344CB8AC3E}">
-        <p14:creationId xmlns:p14="http://schemas.microsoft.com/office/powerpoint/2010/main" val="4150201559"/>
+        <p14:creationId xmlns:p14="http://schemas.microsoft.com/office/powerpoint/2010/main" val="1877683200"/>
       </p:ext>
     </p:extLst>
   </p:cSld>
@@ -7722,8 +7685,8 @@
         </p:nvSpPr>
         <p:spPr>
           <a:xfrm>
-            <a:off x="5930800" y="343604"/>
-            <a:ext cx="1095172" cy="369332"/>
+            <a:off x="5351385" y="243440"/>
+            <a:ext cx="1184940" cy="369332"/>
           </a:xfrm>
           <a:prstGeom prst="rect">
             <a:avLst/>
@@ -7749,7 +7712,7 @@
                 <a:ea typeface="Noto Serif CJK SC"/>
                 <a:cs typeface="Lohit Devanagari"/>
               </a:rPr>
-              <a:t>tblfaculty</a:t>
+              <a:t>tblstudent</a:t>
             </a:r>
             <a:endParaRPr lang="en-US" kern="100" dirty="0">
               <a:effectLst/>
@@ -7782,8 +7745,8 @@
         </p:blipFill>
         <p:spPr>
           <a:xfrm>
-            <a:off x="3375667" y="712936"/>
-            <a:ext cx="6674420" cy="5681131"/>
+            <a:off x="3106949" y="612772"/>
+            <a:ext cx="5795982" cy="5869883"/>
           </a:xfrm>
           <a:prstGeom prst="rect">
             <a:avLst/>
@@ -7793,7 +7756,7 @@
     </p:spTree>
     <p:extLst>
       <p:ext uri="{BB962C8B-B14F-4D97-AF65-F5344CB8AC3E}">
-        <p14:creationId xmlns:p14="http://schemas.microsoft.com/office/powerpoint/2010/main" val="1449441562"/>
+        <p14:creationId xmlns:p14="http://schemas.microsoft.com/office/powerpoint/2010/main" val="4150201559"/>
       </p:ext>
     </p:extLst>
   </p:cSld>
@@ -7828,8 +7791,8 @@
         </p:nvSpPr>
         <p:spPr>
           <a:xfrm>
-            <a:off x="5508041" y="127061"/>
-            <a:ext cx="1159292" cy="369332"/>
+            <a:off x="5930800" y="343604"/>
+            <a:ext cx="1095172" cy="369332"/>
           </a:xfrm>
           <a:prstGeom prst="rect">
             <a:avLst/>
@@ -7855,7 +7818,7 @@
                 <a:ea typeface="Noto Serif CJK SC"/>
                 <a:cs typeface="Lohit Devanagari"/>
               </a:rPr>
-              <a:t>tblsection</a:t>
+              <a:t>tblfaculty</a:t>
             </a:r>
             <a:endParaRPr lang="en-US" kern="100" dirty="0">
               <a:effectLst/>
@@ -7888,38 +7851,8 @@
         </p:blipFill>
         <p:spPr>
           <a:xfrm>
-            <a:off x="2292926" y="496393"/>
-            <a:ext cx="7906789" cy="2122116"/>
-          </a:xfrm>
-          <a:prstGeom prst="rect">
-            <a:avLst/>
-          </a:prstGeom>
-        </p:spPr>
-      </p:pic>
-      <p:pic>
-        <p:nvPicPr>
-          <p:cNvPr id="6" name="Picture 5"/>
-          <p:cNvPicPr>
-            <a:picLocks noChangeAspect="1"/>
-          </p:cNvPicPr>
-          <p:nvPr/>
-        </p:nvPicPr>
-        <p:blipFill>
-          <a:blip r:embed="rId3">
-            <a:extLst>
-              <a:ext uri="{28A0092B-C50C-407E-A947-70E740481C1C}">
-                <a14:useLocalDpi xmlns:a14="http://schemas.microsoft.com/office/drawing/2010/main" val="0"/>
-              </a:ext>
-            </a:extLst>
-          </a:blip>
-          <a:stretch>
-            <a:fillRect/>
-          </a:stretch>
-        </p:blipFill>
-        <p:spPr>
-          <a:xfrm>
-            <a:off x="2292926" y="3642274"/>
-            <a:ext cx="7906789" cy="2417703"/>
+            <a:off x="3375667" y="712936"/>
+            <a:ext cx="6674420" cy="5681131"/>
           </a:xfrm>
           <a:prstGeom prst="rect">
             <a:avLst/>
@@ -7929,7 +7862,7 @@
     </p:spTree>
     <p:extLst>
       <p:ext uri="{BB962C8B-B14F-4D97-AF65-F5344CB8AC3E}">
-        <p14:creationId xmlns:p14="http://schemas.microsoft.com/office/powerpoint/2010/main" val="1469288846"/>
+        <p14:creationId xmlns:p14="http://schemas.microsoft.com/office/powerpoint/2010/main" val="1449441562"/>
       </p:ext>
     </p:extLst>
   </p:cSld>
@@ -7964,8 +7897,8 @@
         </p:nvSpPr>
         <p:spPr>
           <a:xfrm>
-            <a:off x="5681317" y="775454"/>
-            <a:ext cx="728084" cy="369332"/>
+            <a:off x="5508041" y="127061"/>
+            <a:ext cx="1159292" cy="369332"/>
           </a:xfrm>
           <a:prstGeom prst="rect">
             <a:avLst/>
@@ -7977,11 +7910,28 @@
           </a:bodyPr>
           <a:lstStyle/>
           <a:p>
-            <a:r>
-              <a:rPr lang="en-US" dirty="0" err="1"/>
-              <a:t>tblplo</a:t>
-            </a:r>
-            <a:endParaRPr lang="en-US" dirty="0"/>
+            <a:pPr algn="just">
+              <a:spcBef>
+                <a:spcPts val="150"/>
+              </a:spcBef>
+              <a:spcAft>
+                <a:spcPts val="600"/>
+              </a:spcAft>
+            </a:pPr>
+            <a:r>
+              <a:rPr lang="en-US" kern="100" dirty="0" err="1">
+                <a:latin typeface="Arial" panose="020B0604020202020204" pitchFamily="34" charset="0"/>
+                <a:ea typeface="Noto Serif CJK SC"/>
+                <a:cs typeface="Lohit Devanagari"/>
+              </a:rPr>
+              <a:t>tblsection</a:t>
+            </a:r>
+            <a:endParaRPr lang="en-US" kern="100" dirty="0">
+              <a:effectLst/>
+              <a:latin typeface="Arial" panose="020B0604020202020204" pitchFamily="34" charset="0"/>
+              <a:ea typeface="Noto Serif CJK SC"/>
+              <a:cs typeface="Lohit Devanagari"/>
+            </a:endParaRPr>
           </a:p>
         </p:txBody>
       </p:sp>
@@ -8007,6 +7957,125 @@
         </p:blipFill>
         <p:spPr>
           <a:xfrm>
+            <a:off x="2292926" y="496393"/>
+            <a:ext cx="7906789" cy="2122116"/>
+          </a:xfrm>
+          <a:prstGeom prst="rect">
+            <a:avLst/>
+          </a:prstGeom>
+        </p:spPr>
+      </p:pic>
+      <p:pic>
+        <p:nvPicPr>
+          <p:cNvPr id="6" name="Picture 5"/>
+          <p:cNvPicPr>
+            <a:picLocks noChangeAspect="1"/>
+          </p:cNvPicPr>
+          <p:nvPr/>
+        </p:nvPicPr>
+        <p:blipFill>
+          <a:blip r:embed="rId3">
+            <a:extLst>
+              <a:ext uri="{28A0092B-C50C-407E-A947-70E740481C1C}">
+                <a14:useLocalDpi xmlns:a14="http://schemas.microsoft.com/office/drawing/2010/main" val="0"/>
+              </a:ext>
+            </a:extLst>
+          </a:blip>
+          <a:stretch>
+            <a:fillRect/>
+          </a:stretch>
+        </p:blipFill>
+        <p:spPr>
+          <a:xfrm>
+            <a:off x="2292926" y="3642274"/>
+            <a:ext cx="7906789" cy="2417703"/>
+          </a:xfrm>
+          <a:prstGeom prst="rect">
+            <a:avLst/>
+          </a:prstGeom>
+        </p:spPr>
+      </p:pic>
+    </p:spTree>
+    <p:extLst>
+      <p:ext uri="{BB962C8B-B14F-4D97-AF65-F5344CB8AC3E}">
+        <p14:creationId xmlns:p14="http://schemas.microsoft.com/office/powerpoint/2010/main" val="1469288846"/>
+      </p:ext>
+    </p:extLst>
+  </p:cSld>
+  <p:clrMapOvr>
+    <a:masterClrMapping/>
+  </p:clrMapOvr>
+</p:sld>
+</file>
+
+<file path=ppt/slides/slide37.xml><?xml version="1.0" encoding="utf-8"?>
+<p:sld xmlns:a="http://schemas.openxmlformats.org/drawingml/2006/main" xmlns:r="http://schemas.openxmlformats.org/officeDocument/2006/relationships" xmlns:p="http://schemas.openxmlformats.org/presentationml/2006/main">
+  <p:cSld>
+    <p:spTree>
+      <p:nvGrpSpPr>
+        <p:cNvPr id="1" name=""/>
+        <p:cNvGrpSpPr/>
+        <p:nvPr/>
+      </p:nvGrpSpPr>
+      <p:grpSpPr>
+        <a:xfrm>
+          <a:off x="0" y="0"/>
+          <a:ext cx="0" cy="0"/>
+          <a:chOff x="0" y="0"/>
+          <a:chExt cx="0" cy="0"/>
+        </a:xfrm>
+      </p:grpSpPr>
+      <p:sp>
+        <p:nvSpPr>
+          <p:cNvPr id="4" name="Rectangle 3"/>
+          <p:cNvSpPr/>
+          <p:nvPr/>
+        </p:nvSpPr>
+        <p:spPr>
+          <a:xfrm>
+            <a:off x="5681317" y="775454"/>
+            <a:ext cx="728084" cy="369332"/>
+          </a:xfrm>
+          <a:prstGeom prst="rect">
+            <a:avLst/>
+          </a:prstGeom>
+        </p:spPr>
+        <p:txBody>
+          <a:bodyPr wrap="none">
+            <a:spAutoFit/>
+          </a:bodyPr>
+          <a:lstStyle/>
+          <a:p>
+            <a:r>
+              <a:rPr lang="en-US" dirty="0" err="1"/>
+              <a:t>tblplo</a:t>
+            </a:r>
+            <a:endParaRPr lang="en-US" dirty="0"/>
+          </a:p>
+        </p:txBody>
+      </p:sp>
+      <p:pic>
+        <p:nvPicPr>
+          <p:cNvPr id="5" name="Picture 4"/>
+          <p:cNvPicPr>
+            <a:picLocks noChangeAspect="1"/>
+          </p:cNvPicPr>
+          <p:nvPr/>
+        </p:nvPicPr>
+        <p:blipFill>
+          <a:blip r:embed="rId2">
+            <a:extLst>
+              <a:ext uri="{28A0092B-C50C-407E-A947-70E740481C1C}">
+                <a14:useLocalDpi xmlns:a14="http://schemas.microsoft.com/office/drawing/2010/main" val="0"/>
+              </a:ext>
+            </a:extLst>
+          </a:blip>
+          <a:stretch>
+            <a:fillRect/>
+          </a:stretch>
+        </p:blipFill>
+        <p:spPr>
+          <a:xfrm>
             <a:off x="1241367" y="1298834"/>
             <a:ext cx="10336067" cy="4143953"/>
           </a:xfrm>
@@ -8028,7 +8097,7 @@
 </p:sld>
 </file>
 
-<file path=ppt/slides/slide37.xml><?xml version="1.0" encoding="utf-8"?>
+<file path=ppt/slides/slide38.xml><?xml version="1.0" encoding="utf-8"?>
 <p:sld xmlns:a="http://schemas.openxmlformats.org/drawingml/2006/main" xmlns:r="http://schemas.openxmlformats.org/officeDocument/2006/relationships" xmlns:p="http://schemas.openxmlformats.org/presentationml/2006/main">
   <p:cSld>
     <p:spTree>
@@ -8117,7 +8186,7 @@
 </p:sld>
 </file>
 
-<file path=ppt/slides/slide38.xml><?xml version="1.0" encoding="utf-8"?>
+<file path=ppt/slides/slide39.xml><?xml version="1.0" encoding="utf-8"?>
 <p:sld xmlns:a="http://schemas.openxmlformats.org/drawingml/2006/main" xmlns:r="http://schemas.openxmlformats.org/officeDocument/2006/relationships" xmlns:p="http://schemas.openxmlformats.org/presentationml/2006/main">
   <p:cSld>
     <p:spTree>
@@ -8197,98 +8266,6 @@
     <p:extLst>
       <p:ext uri="{BB962C8B-B14F-4D97-AF65-F5344CB8AC3E}">
         <p14:creationId xmlns:p14="http://schemas.microsoft.com/office/powerpoint/2010/main" val="1102613427"/>
-      </p:ext>
-    </p:extLst>
-  </p:cSld>
-  <p:clrMapOvr>
-    <a:masterClrMapping/>
-  </p:clrMapOvr>
-</p:sld>
-</file>
-
-<file path=ppt/slides/slide39.xml><?xml version="1.0" encoding="utf-8"?>
-<p:sld xmlns:a="http://schemas.openxmlformats.org/drawingml/2006/main" xmlns:r="http://schemas.openxmlformats.org/officeDocument/2006/relationships" xmlns:p="http://schemas.openxmlformats.org/presentationml/2006/main">
-  <p:cSld>
-    <p:spTree>
-      <p:nvGrpSpPr>
-        <p:cNvPr id="1" name=""/>
-        <p:cNvGrpSpPr/>
-        <p:nvPr/>
-      </p:nvGrpSpPr>
-      <p:grpSpPr>
-        <a:xfrm>
-          <a:off x="0" y="0"/>
-          <a:ext cx="0" cy="0"/>
-          <a:chOff x="0" y="0"/>
-          <a:chExt cx="0" cy="0"/>
-        </a:xfrm>
-      </p:grpSpPr>
-      <p:sp>
-        <p:nvSpPr>
-          <p:cNvPr id="4" name="Rectangle 3"/>
-          <p:cNvSpPr/>
-          <p:nvPr/>
-        </p:nvSpPr>
-        <p:spPr>
-          <a:xfrm>
-            <a:off x="5079398" y="950020"/>
-            <a:ext cx="2831224" cy="369332"/>
-          </a:xfrm>
-          <a:prstGeom prst="rect">
-            <a:avLst/>
-          </a:prstGeom>
-        </p:spPr>
-        <p:txBody>
-          <a:bodyPr wrap="none">
-            <a:spAutoFit/>
-          </a:bodyPr>
-          <a:lstStyle/>
-          <a:p>
-            <a:r>
-              <a:rPr lang="en-US" dirty="0" err="1"/>
-              <a:t>tblassessment</a:t>
-            </a:r>
-            <a:r>
-              <a:rPr lang="en-US" dirty="0"/>
-              <a:t> submission </a:t>
-            </a:r>
-          </a:p>
-        </p:txBody>
-      </p:sp>
-      <p:pic>
-        <p:nvPicPr>
-          <p:cNvPr id="5" name="Picture 4"/>
-          <p:cNvPicPr>
-            <a:picLocks noChangeAspect="1"/>
-          </p:cNvPicPr>
-          <p:nvPr/>
-        </p:nvPicPr>
-        <p:blipFill>
-          <a:blip r:embed="rId2">
-            <a:extLst>
-              <a:ext uri="{28A0092B-C50C-407E-A947-70E740481C1C}">
-                <a14:useLocalDpi xmlns:a14="http://schemas.microsoft.com/office/drawing/2010/main" val="0"/>
-              </a:ext>
-            </a:extLst>
-          </a:blip>
-          <a:stretch>
-            <a:fillRect/>
-          </a:stretch>
-        </p:blipFill>
-        <p:spPr>
-          <a:xfrm>
-            <a:off x="1326977" y="1477198"/>
-            <a:ext cx="10336067" cy="3784759"/>
-          </a:xfrm>
-          <a:prstGeom prst="rect">
-            <a:avLst/>
-          </a:prstGeom>
-        </p:spPr>
-      </p:pic>
-    </p:spTree>
-    <p:extLst>
-      <p:ext uri="{BB962C8B-B14F-4D97-AF65-F5344CB8AC3E}">
-        <p14:creationId xmlns:p14="http://schemas.microsoft.com/office/powerpoint/2010/main" val="613903727"/>
       </p:ext>
     </p:extLst>
   </p:cSld>
@@ -8375,13 +8352,6 @@
   <p:clrMapOvr>
     <a:masterClrMapping/>
   </p:clrMapOvr>
-  <p:timing>
-    <p:tnLst>
-      <p:par>
-        <p:cTn id="1" dur="indefinite" restart="never" nodeType="tmRoot"/>
-      </p:par>
-    </p:tnLst>
-  </p:timing>
 </p:sld>
 </file>
 
@@ -8402,9 +8372,41 @@
           <a:chExt cx="0" cy="0"/>
         </a:xfrm>
       </p:grpSpPr>
+      <p:sp>
+        <p:nvSpPr>
+          <p:cNvPr id="4" name="Rectangle 3"/>
+          <p:cNvSpPr/>
+          <p:nvPr/>
+        </p:nvSpPr>
+        <p:spPr>
+          <a:xfrm>
+            <a:off x="5079398" y="950020"/>
+            <a:ext cx="2831224" cy="369332"/>
+          </a:xfrm>
+          <a:prstGeom prst="rect">
+            <a:avLst/>
+          </a:prstGeom>
+        </p:spPr>
+        <p:txBody>
+          <a:bodyPr wrap="none">
+            <a:spAutoFit/>
+          </a:bodyPr>
+          <a:lstStyle/>
+          <a:p>
+            <a:r>
+              <a:rPr lang="en-US" dirty="0" err="1"/>
+              <a:t>tblassessment</a:t>
+            </a:r>
+            <a:r>
+              <a:rPr lang="en-US" dirty="0"/>
+              <a:t> submission </a:t>
+            </a:r>
+          </a:p>
+        </p:txBody>
+      </p:sp>
       <p:pic>
         <p:nvPicPr>
-          <p:cNvPr id="4" name="Picture 3"/>
+          <p:cNvPr id="5" name="Picture 4"/>
           <p:cNvPicPr>
             <a:picLocks noChangeAspect="1"/>
           </p:cNvPicPr>
@@ -8424,75 +8426,24 @@
         </p:blipFill>
         <p:spPr>
           <a:xfrm>
-            <a:off x="2886987" y="767330"/>
-            <a:ext cx="6991770" cy="4793883"/>
+            <a:off x="1326977" y="1477198"/>
+            <a:ext cx="10336067" cy="3784759"/>
           </a:xfrm>
           <a:prstGeom prst="rect">
             <a:avLst/>
           </a:prstGeom>
         </p:spPr>
       </p:pic>
-      <p:sp>
-        <p:nvSpPr>
-          <p:cNvPr id="5" name="TextBox 4"/>
-          <p:cNvSpPr txBox="1"/>
-          <p:nvPr/>
-        </p:nvSpPr>
-        <p:spPr>
-          <a:xfrm>
-            <a:off x="5564474" y="5760719"/>
-            <a:ext cx="1929503" cy="369332"/>
-          </a:xfrm>
-          <a:prstGeom prst="rect">
-            <a:avLst/>
-          </a:prstGeom>
-          <a:noFill/>
-        </p:spPr>
-        <p:txBody>
-          <a:bodyPr wrap="none" rtlCol="0">
-            <a:spAutoFit/>
-          </a:bodyPr>
-          <a:lstStyle/>
-          <a:p>
-            <a:r>
-              <a:rPr lang="en-US" b="1" dirty="0" smtClean="0">
-                <a:solidFill>
-                  <a:schemeClr val="tx2">
-                    <a:lumMod val="50000"/>
-                    <a:lumOff val="50000"/>
-                  </a:schemeClr>
-                </a:solidFill>
-              </a:rPr>
-              <a:t>LOGIN INTERFACE</a:t>
-            </a:r>
-            <a:endParaRPr lang="en-US" b="1" dirty="0">
-              <a:solidFill>
-                <a:schemeClr val="tx2">
-                  <a:lumMod val="50000"/>
-                  <a:lumOff val="50000"/>
-                </a:schemeClr>
-              </a:solidFill>
-            </a:endParaRPr>
-          </a:p>
-        </p:txBody>
-      </p:sp>
     </p:spTree>
     <p:extLst>
       <p:ext uri="{BB962C8B-B14F-4D97-AF65-F5344CB8AC3E}">
-        <p14:creationId xmlns:p14="http://schemas.microsoft.com/office/powerpoint/2010/main" val="1467340380"/>
+        <p14:creationId xmlns:p14="http://schemas.microsoft.com/office/powerpoint/2010/main" val="613903727"/>
       </p:ext>
     </p:extLst>
   </p:cSld>
   <p:clrMapOvr>
     <a:masterClrMapping/>
   </p:clrMapOvr>
-  <p:timing>
-    <p:tnLst>
-      <p:par>
-        <p:cTn id="1" dur="indefinite" restart="never" nodeType="tmRoot"/>
-      </p:par>
-    </p:tnLst>
-  </p:timing>
 </p:sld>
 </file>
 
@@ -8513,97 +8464,82 @@
           <a:chExt cx="0" cy="0"/>
         </a:xfrm>
       </p:grpSpPr>
-      <p:pic>
-        <p:nvPicPr>
-          <p:cNvPr id="4" name="Picture 3"/>
-          <p:cNvPicPr>
-            <a:picLocks noChangeAspect="1"/>
-          </p:cNvPicPr>
-          <p:nvPr/>
-        </p:nvPicPr>
-        <p:blipFill>
-          <a:blip r:embed="rId2">
+      <p:sp>
+        <p:nvSpPr>
+          <p:cNvPr id="2" name="Title 1">
             <a:extLst>
-              <a:ext uri="{28A0092B-C50C-407E-A947-70E740481C1C}">
-                <a14:useLocalDpi xmlns:a14="http://schemas.microsoft.com/office/drawing/2010/main" val="0"/>
+              <a:ext uri="{FF2B5EF4-FFF2-40B4-BE49-F238E27FC236}">
+                <a16:creationId xmlns:a16="http://schemas.microsoft.com/office/drawing/2014/main" id="{81B75A47-2FB1-446D-804D-1B6EBE28C474}"/>
               </a:ext>
             </a:extLst>
-          </a:blip>
-          <a:stretch>
-            <a:fillRect/>
-          </a:stretch>
-        </p:blipFill>
-        <p:spPr>
-          <a:xfrm>
-            <a:off x="2318481" y="497316"/>
-            <a:ext cx="8657684" cy="3891804"/>
-          </a:xfrm>
-          <a:prstGeom prst="rect">
-            <a:avLst/>
-          </a:prstGeom>
-        </p:spPr>
-      </p:pic>
-      <p:sp>
-        <p:nvSpPr>
-          <p:cNvPr id="5" name="TextBox 4"/>
-          <p:cNvSpPr txBox="1"/>
-          <p:nvPr/>
-        </p:nvSpPr>
-        <p:spPr>
-          <a:xfrm>
-            <a:off x="5843847" y="4588626"/>
-            <a:ext cx="2544223" cy="369332"/>
-          </a:xfrm>
-          <a:prstGeom prst="rect">
-            <a:avLst/>
-          </a:prstGeom>
-          <a:noFill/>
-        </p:spPr>
-        <p:txBody>
-          <a:bodyPr wrap="none" rtlCol="0">
-            <a:spAutoFit/>
-          </a:bodyPr>
+          </p:cNvPr>
+          <p:cNvSpPr>
+            <a:spLocks noGrp="1"/>
+          </p:cNvSpPr>
+          <p:nvPr>
+            <p:ph type="title"/>
+          </p:nvPr>
+        </p:nvSpPr>
+        <p:spPr/>
+        <p:txBody>
+          <a:bodyPr/>
           <a:lstStyle/>
           <a:p>
             <a:r>
-              <a:rPr lang="en-US" b="1" dirty="0" smtClean="0">
-                <a:solidFill>
-                  <a:schemeClr val="tx2">
-                    <a:lumMod val="50000"/>
-                    <a:lumOff val="50000"/>
-                  </a:schemeClr>
-                </a:solidFill>
-              </a:rPr>
-              <a:t>ANALYTICS DASHBOARD</a:t>
-            </a:r>
-            <a:endParaRPr lang="en-US" b="1" dirty="0">
-              <a:solidFill>
-                <a:schemeClr val="tx2">
-                  <a:lumMod val="50000"/>
-                  <a:lumOff val="50000"/>
-                </a:schemeClr>
-              </a:solidFill>
-            </a:endParaRPr>
+              <a:rPr lang="en-US" dirty="0"/>
+              <a:t>CHAPTER 4: PHYSICAL SYSTEM DESIGN</a:t>
+            </a:r>
+            <a:br>
+              <a:rPr lang="en-US" dirty="0"/>
+            </a:br>
+            <a:endParaRPr lang="en-US" dirty="0"/>
+          </a:p>
+        </p:txBody>
+      </p:sp>
+      <p:sp>
+        <p:nvSpPr>
+          <p:cNvPr id="3" name="Content Placeholder 2">
+            <a:extLst>
+              <a:ext uri="{FF2B5EF4-FFF2-40B4-BE49-F238E27FC236}">
+                <a16:creationId xmlns:a16="http://schemas.microsoft.com/office/drawing/2014/main" id="{AC16DA37-B59D-4666-B78D-B3E8130BAC99}"/>
+              </a:ext>
+            </a:extLst>
+          </p:cNvPr>
+          <p:cNvSpPr>
+            <a:spLocks noGrp="1"/>
+          </p:cNvSpPr>
+          <p:nvPr>
+            <p:ph idx="1"/>
+          </p:nvPr>
+        </p:nvSpPr>
+        <p:spPr/>
+        <p:txBody>
+          <a:bodyPr/>
+          <a:lstStyle/>
+          <a:p>
+            <a:r>
+              <a:rPr lang="en-US" dirty="0"/>
+              <a:t>INPUT FORMS</a:t>
+            </a:r>
+          </a:p>
+          <a:p>
+            <a:r>
+              <a:rPr lang="en-US" dirty="0"/>
+              <a:t>OUTPUT FORMS</a:t>
+            </a:r>
           </a:p>
         </p:txBody>
       </p:sp>
     </p:spTree>
     <p:extLst>
       <p:ext uri="{BB962C8B-B14F-4D97-AF65-F5344CB8AC3E}">
-        <p14:creationId xmlns:p14="http://schemas.microsoft.com/office/powerpoint/2010/main" val="3851175976"/>
+        <p14:creationId xmlns:p14="http://schemas.microsoft.com/office/powerpoint/2010/main" val="2068356492"/>
       </p:ext>
     </p:extLst>
   </p:cSld>
   <p:clrMapOvr>
     <a:masterClrMapping/>
   </p:clrMapOvr>
-  <p:timing>
-    <p:tnLst>
-      <p:par>
-        <p:cTn id="1" dur="indefinite" restart="never" nodeType="tmRoot"/>
-      </p:par>
-    </p:tnLst>
-  </p:timing>
 </p:sld>
 </file>
 
@@ -8646,8 +8582,8 @@
         </p:blipFill>
         <p:spPr>
           <a:xfrm>
-            <a:off x="1479664" y="247235"/>
-            <a:ext cx="10163695" cy="5041537"/>
+            <a:off x="2886987" y="767330"/>
+            <a:ext cx="6991770" cy="4793883"/>
           </a:xfrm>
           <a:prstGeom prst="rect">
             <a:avLst/>
@@ -8662,8 +8598,8 @@
         </p:nvSpPr>
         <p:spPr>
           <a:xfrm>
-            <a:off x="5756547" y="5419898"/>
-            <a:ext cx="1609928" cy="369332"/>
+            <a:off x="5564474" y="5760719"/>
+            <a:ext cx="1929503" cy="369332"/>
           </a:xfrm>
           <a:prstGeom prst="rect">
             <a:avLst/>
@@ -8677,7 +8613,7 @@
           <a:lstStyle/>
           <a:p>
             <a:r>
-              <a:rPr lang="en-US" dirty="0" smtClean="0">
+              <a:rPr lang="en-US" b="1" dirty="0">
                 <a:solidFill>
                   <a:schemeClr val="tx2">
                     <a:lumMod val="50000"/>
@@ -8685,40 +8621,157 @@
                   </a:schemeClr>
                 </a:solidFill>
               </a:rPr>
-              <a:t>USER PROFILE</a:t>
-            </a:r>
-            <a:endParaRPr lang="en-US" dirty="0">
-              <a:solidFill>
-                <a:schemeClr val="tx2">
-                  <a:lumMod val="50000"/>
-                  <a:lumOff val="50000"/>
-                </a:schemeClr>
-              </a:solidFill>
-            </a:endParaRPr>
+              <a:t>LOGIN INTERFACE</a:t>
+            </a:r>
           </a:p>
         </p:txBody>
       </p:sp>
     </p:spTree>
     <p:extLst>
       <p:ext uri="{BB962C8B-B14F-4D97-AF65-F5344CB8AC3E}">
-        <p14:creationId xmlns:p14="http://schemas.microsoft.com/office/powerpoint/2010/main" val="1394653253"/>
+        <p14:creationId xmlns:p14="http://schemas.microsoft.com/office/powerpoint/2010/main" val="1467340380"/>
       </p:ext>
     </p:extLst>
   </p:cSld>
   <p:clrMapOvr>
     <a:masterClrMapping/>
   </p:clrMapOvr>
-  <p:timing>
-    <p:tnLst>
-      <p:par>
-        <p:cTn id="1" dur="indefinite" restart="never" nodeType="tmRoot"/>
-      </p:par>
-    </p:tnLst>
-  </p:timing>
 </p:sld>
 </file>
 
 <file path=ppt/slides/slide43.xml><?xml version="1.0" encoding="utf-8"?>
+<p:sld xmlns:a="http://schemas.openxmlformats.org/drawingml/2006/main" xmlns:r="http://schemas.openxmlformats.org/officeDocument/2006/relationships" xmlns:p="http://schemas.openxmlformats.org/presentationml/2006/main">
+  <p:cSld>
+    <p:spTree>
+      <p:nvGrpSpPr>
+        <p:cNvPr id="1" name=""/>
+        <p:cNvGrpSpPr/>
+        <p:nvPr/>
+      </p:nvGrpSpPr>
+      <p:grpSpPr>
+        <a:xfrm>
+          <a:off x="0" y="0"/>
+          <a:ext cx="0" cy="0"/>
+          <a:chOff x="0" y="0"/>
+          <a:chExt cx="0" cy="0"/>
+        </a:xfrm>
+      </p:grpSpPr>
+      <p:pic>
+        <p:nvPicPr>
+          <p:cNvPr id="3" name="Picture 2">
+            <a:extLst>
+              <a:ext uri="{FF2B5EF4-FFF2-40B4-BE49-F238E27FC236}">
+                <a16:creationId xmlns:a16="http://schemas.microsoft.com/office/drawing/2014/main" id="{B219DAAB-AB6B-48A6-9118-2C6D519144F7}"/>
+              </a:ext>
+            </a:extLst>
+          </p:cNvPr>
+          <p:cNvPicPr>
+            <a:picLocks noChangeAspect="1"/>
+          </p:cNvPicPr>
+          <p:nvPr/>
+        </p:nvPicPr>
+        <p:blipFill>
+          <a:blip r:embed="rId2">
+            <a:extLst>
+              <a:ext uri="{28A0092B-C50C-407E-A947-70E740481C1C}">
+                <a14:useLocalDpi xmlns:a14="http://schemas.microsoft.com/office/drawing/2010/main" val="0"/>
+              </a:ext>
+            </a:extLst>
+          </a:blip>
+          <a:stretch>
+            <a:fillRect/>
+          </a:stretch>
+        </p:blipFill>
+        <p:spPr>
+          <a:xfrm>
+            <a:off x="1161361" y="956603"/>
+            <a:ext cx="10396523" cy="5359791"/>
+          </a:xfrm>
+          <a:prstGeom prst="rect">
+            <a:avLst/>
+          </a:prstGeom>
+        </p:spPr>
+      </p:pic>
+    </p:spTree>
+    <p:extLst>
+      <p:ext uri="{BB962C8B-B14F-4D97-AF65-F5344CB8AC3E}">
+        <p14:creationId xmlns:p14="http://schemas.microsoft.com/office/powerpoint/2010/main" val="911812731"/>
+      </p:ext>
+    </p:extLst>
+  </p:cSld>
+  <p:clrMapOvr>
+    <a:masterClrMapping/>
+  </p:clrMapOvr>
+</p:sld>
+</file>
+
+<file path=ppt/slides/slide44.xml><?xml version="1.0" encoding="utf-8"?>
+<p:sld xmlns:a="http://schemas.openxmlformats.org/drawingml/2006/main" xmlns:r="http://schemas.openxmlformats.org/officeDocument/2006/relationships" xmlns:p="http://schemas.openxmlformats.org/presentationml/2006/main">
+  <p:cSld>
+    <p:spTree>
+      <p:nvGrpSpPr>
+        <p:cNvPr id="1" name=""/>
+        <p:cNvGrpSpPr/>
+        <p:nvPr/>
+      </p:nvGrpSpPr>
+      <p:grpSpPr>
+        <a:xfrm>
+          <a:off x="0" y="0"/>
+          <a:ext cx="0" cy="0"/>
+          <a:chOff x="0" y="0"/>
+          <a:chExt cx="0" cy="0"/>
+        </a:xfrm>
+      </p:grpSpPr>
+      <p:pic>
+        <p:nvPicPr>
+          <p:cNvPr id="3" name="Picture 2">
+            <a:extLst>
+              <a:ext uri="{FF2B5EF4-FFF2-40B4-BE49-F238E27FC236}">
+                <a16:creationId xmlns:a16="http://schemas.microsoft.com/office/drawing/2014/main" id="{737A4AB1-D46F-4580-984F-1992B5E8C653}"/>
+              </a:ext>
+            </a:extLst>
+          </p:cNvPr>
+          <p:cNvPicPr>
+            <a:picLocks noChangeAspect="1"/>
+          </p:cNvPicPr>
+          <p:nvPr/>
+        </p:nvPicPr>
+        <p:blipFill>
+          <a:blip r:embed="rId2">
+            <a:extLst>
+              <a:ext uri="{28A0092B-C50C-407E-A947-70E740481C1C}">
+                <a14:useLocalDpi xmlns:a14="http://schemas.microsoft.com/office/drawing/2010/main" val="0"/>
+              </a:ext>
+            </a:extLst>
+          </a:blip>
+          <a:stretch>
+            <a:fillRect/>
+          </a:stretch>
+        </p:blipFill>
+        <p:spPr>
+          <a:xfrm>
+            <a:off x="1853270" y="675249"/>
+            <a:ext cx="8753770" cy="5681648"/>
+          </a:xfrm>
+          <a:prstGeom prst="rect">
+            <a:avLst/>
+          </a:prstGeom>
+        </p:spPr>
+      </p:pic>
+    </p:spTree>
+    <p:extLst>
+      <p:ext uri="{BB962C8B-B14F-4D97-AF65-F5344CB8AC3E}">
+        <p14:creationId xmlns:p14="http://schemas.microsoft.com/office/powerpoint/2010/main" val="4156993124"/>
+      </p:ext>
+    </p:extLst>
+  </p:cSld>
+  <p:clrMapOvr>
+    <a:masterClrMapping/>
+  </p:clrMapOvr>
+</p:sld>
+</file>
+
+<file path=ppt/slides/slide45.xml><?xml version="1.0" encoding="utf-8"?>
 <p:sld xmlns:a="http://schemas.openxmlformats.org/drawingml/2006/main" xmlns:r="http://schemas.openxmlformats.org/officeDocument/2006/relationships" xmlns:p="http://schemas.openxmlformats.org/presentationml/2006/main">
   <p:cSld>
     <p:spTree>
@@ -8757,8 +8810,8 @@
         </p:blipFill>
         <p:spPr>
           <a:xfrm>
-            <a:off x="1945178" y="113545"/>
-            <a:ext cx="8753302" cy="3568993"/>
+            <a:off x="2318481" y="497316"/>
+            <a:ext cx="8657684" cy="3891804"/>
           </a:xfrm>
           <a:prstGeom prst="rect">
             <a:avLst/>
@@ -8773,8 +8826,8 @@
         </p:nvSpPr>
         <p:spPr>
           <a:xfrm>
-            <a:off x="5394960" y="3940232"/>
-            <a:ext cx="2403415" cy="369332"/>
+            <a:off x="5843847" y="4588626"/>
+            <a:ext cx="2544223" cy="369332"/>
           </a:xfrm>
           <a:prstGeom prst="rect">
             <a:avLst/>
@@ -8788,7 +8841,199 @@
           <a:lstStyle/>
           <a:p>
             <a:r>
-              <a:rPr lang="en-US" dirty="0" smtClean="0">
+              <a:rPr lang="en-US" b="1" dirty="0">
+                <a:solidFill>
+                  <a:schemeClr val="tx2">
+                    <a:lumMod val="50000"/>
+                    <a:lumOff val="50000"/>
+                  </a:schemeClr>
+                </a:solidFill>
+              </a:rPr>
+              <a:t>ANALYTICS DASHBOARD</a:t>
+            </a:r>
+          </a:p>
+        </p:txBody>
+      </p:sp>
+    </p:spTree>
+    <p:extLst>
+      <p:ext uri="{BB962C8B-B14F-4D97-AF65-F5344CB8AC3E}">
+        <p14:creationId xmlns:p14="http://schemas.microsoft.com/office/powerpoint/2010/main" val="3851175976"/>
+      </p:ext>
+    </p:extLst>
+  </p:cSld>
+  <p:clrMapOvr>
+    <a:masterClrMapping/>
+  </p:clrMapOvr>
+</p:sld>
+</file>
+
+<file path=ppt/slides/slide46.xml><?xml version="1.0" encoding="utf-8"?>
+<p:sld xmlns:a="http://schemas.openxmlformats.org/drawingml/2006/main" xmlns:r="http://schemas.openxmlformats.org/officeDocument/2006/relationships" xmlns:p="http://schemas.openxmlformats.org/presentationml/2006/main">
+  <p:cSld>
+    <p:spTree>
+      <p:nvGrpSpPr>
+        <p:cNvPr id="1" name=""/>
+        <p:cNvGrpSpPr/>
+        <p:nvPr/>
+      </p:nvGrpSpPr>
+      <p:grpSpPr>
+        <a:xfrm>
+          <a:off x="0" y="0"/>
+          <a:ext cx="0" cy="0"/>
+          <a:chOff x="0" y="0"/>
+          <a:chExt cx="0" cy="0"/>
+        </a:xfrm>
+      </p:grpSpPr>
+      <p:pic>
+        <p:nvPicPr>
+          <p:cNvPr id="4" name="Picture 3"/>
+          <p:cNvPicPr>
+            <a:picLocks noChangeAspect="1"/>
+          </p:cNvPicPr>
+          <p:nvPr/>
+        </p:nvPicPr>
+        <p:blipFill>
+          <a:blip r:embed="rId2">
+            <a:extLst>
+              <a:ext uri="{28A0092B-C50C-407E-A947-70E740481C1C}">
+                <a14:useLocalDpi xmlns:a14="http://schemas.microsoft.com/office/drawing/2010/main" val="0"/>
+              </a:ext>
+            </a:extLst>
+          </a:blip>
+          <a:stretch>
+            <a:fillRect/>
+          </a:stretch>
+        </p:blipFill>
+        <p:spPr>
+          <a:xfrm>
+            <a:off x="1479664" y="247235"/>
+            <a:ext cx="10163695" cy="5041537"/>
+          </a:xfrm>
+          <a:prstGeom prst="rect">
+            <a:avLst/>
+          </a:prstGeom>
+        </p:spPr>
+      </p:pic>
+      <p:sp>
+        <p:nvSpPr>
+          <p:cNvPr id="5" name="TextBox 4"/>
+          <p:cNvSpPr txBox="1"/>
+          <p:nvPr/>
+        </p:nvSpPr>
+        <p:spPr>
+          <a:xfrm>
+            <a:off x="5756547" y="5419898"/>
+            <a:ext cx="1609928" cy="369332"/>
+          </a:xfrm>
+          <a:prstGeom prst="rect">
+            <a:avLst/>
+          </a:prstGeom>
+          <a:noFill/>
+        </p:spPr>
+        <p:txBody>
+          <a:bodyPr wrap="none" rtlCol="0">
+            <a:spAutoFit/>
+          </a:bodyPr>
+          <a:lstStyle/>
+          <a:p>
+            <a:r>
+              <a:rPr lang="en-US" dirty="0">
+                <a:solidFill>
+                  <a:schemeClr val="tx2">
+                    <a:lumMod val="50000"/>
+                    <a:lumOff val="50000"/>
+                  </a:schemeClr>
+                </a:solidFill>
+              </a:rPr>
+              <a:t>USER PROFILE</a:t>
+            </a:r>
+          </a:p>
+        </p:txBody>
+      </p:sp>
+    </p:spTree>
+    <p:extLst>
+      <p:ext uri="{BB962C8B-B14F-4D97-AF65-F5344CB8AC3E}">
+        <p14:creationId xmlns:p14="http://schemas.microsoft.com/office/powerpoint/2010/main" val="1394653253"/>
+      </p:ext>
+    </p:extLst>
+  </p:cSld>
+  <p:clrMapOvr>
+    <a:masterClrMapping/>
+  </p:clrMapOvr>
+</p:sld>
+</file>
+
+<file path=ppt/slides/slide47.xml><?xml version="1.0" encoding="utf-8"?>
+<p:sld xmlns:a="http://schemas.openxmlformats.org/drawingml/2006/main" xmlns:r="http://schemas.openxmlformats.org/officeDocument/2006/relationships" xmlns:p="http://schemas.openxmlformats.org/presentationml/2006/main">
+  <p:cSld>
+    <p:spTree>
+      <p:nvGrpSpPr>
+        <p:cNvPr id="1" name=""/>
+        <p:cNvGrpSpPr/>
+        <p:nvPr/>
+      </p:nvGrpSpPr>
+      <p:grpSpPr>
+        <a:xfrm>
+          <a:off x="0" y="0"/>
+          <a:ext cx="0" cy="0"/>
+          <a:chOff x="0" y="0"/>
+          <a:chExt cx="0" cy="0"/>
+        </a:xfrm>
+      </p:grpSpPr>
+      <p:pic>
+        <p:nvPicPr>
+          <p:cNvPr id="4" name="Picture 3"/>
+          <p:cNvPicPr>
+            <a:picLocks noChangeAspect="1"/>
+          </p:cNvPicPr>
+          <p:nvPr/>
+        </p:nvPicPr>
+        <p:blipFill>
+          <a:blip r:embed="rId2">
+            <a:extLst>
+              <a:ext uri="{28A0092B-C50C-407E-A947-70E740481C1C}">
+                <a14:useLocalDpi xmlns:a14="http://schemas.microsoft.com/office/drawing/2010/main" val="0"/>
+              </a:ext>
+            </a:extLst>
+          </a:blip>
+          <a:stretch>
+            <a:fillRect/>
+          </a:stretch>
+        </p:blipFill>
+        <p:spPr>
+          <a:xfrm>
+            <a:off x="1945178" y="113545"/>
+            <a:ext cx="8753302" cy="3568993"/>
+          </a:xfrm>
+          <a:prstGeom prst="rect">
+            <a:avLst/>
+          </a:prstGeom>
+        </p:spPr>
+      </p:pic>
+      <p:sp>
+        <p:nvSpPr>
+          <p:cNvPr id="5" name="TextBox 4"/>
+          <p:cNvSpPr txBox="1"/>
+          <p:nvPr/>
+        </p:nvSpPr>
+        <p:spPr>
+          <a:xfrm>
+            <a:off x="5394960" y="3940232"/>
+            <a:ext cx="2403415" cy="369332"/>
+          </a:xfrm>
+          <a:prstGeom prst="rect">
+            <a:avLst/>
+          </a:prstGeom>
+          <a:noFill/>
+        </p:spPr>
+        <p:txBody>
+          <a:bodyPr wrap="none" rtlCol="0">
+            <a:spAutoFit/>
+          </a:bodyPr>
+          <a:lstStyle/>
+          <a:p>
+            <a:r>
+              <a:rPr lang="en-US" dirty="0">
                 <a:solidFill>
                   <a:schemeClr val="tx2">
                     <a:lumMod val="50000"/>
@@ -8798,14 +9043,6 @@
               </a:rPr>
               <a:t>STUDENT MARKSHEET</a:t>
             </a:r>
-            <a:endParaRPr lang="en-US" dirty="0">
-              <a:solidFill>
-                <a:schemeClr val="tx2">
-                  <a:lumMod val="50000"/>
-                  <a:lumOff val="50000"/>
-                </a:schemeClr>
-              </a:solidFill>
-            </a:endParaRPr>
           </a:p>
         </p:txBody>
       </p:sp>
@@ -8819,13 +9056,112 @@
   <p:clrMapOvr>
     <a:masterClrMapping/>
   </p:clrMapOvr>
-  <p:timing>
-    <p:tnLst>
-      <p:par>
-        <p:cTn id="1" dur="indefinite" restart="never" nodeType="tmRoot"/>
-      </p:par>
-    </p:tnLst>
-  </p:timing>
+</p:sld>
+</file>
+
+<file path=ppt/slides/slide48.xml><?xml version="1.0" encoding="utf-8"?>
+<p:sld xmlns:a="http://schemas.openxmlformats.org/drawingml/2006/main" xmlns:r="http://schemas.openxmlformats.org/officeDocument/2006/relationships" xmlns:p="http://schemas.openxmlformats.org/presentationml/2006/main">
+  <p:cSld>
+    <p:spTree>
+      <p:nvGrpSpPr>
+        <p:cNvPr id="1" name=""/>
+        <p:cNvGrpSpPr/>
+        <p:nvPr/>
+      </p:nvGrpSpPr>
+      <p:grpSpPr>
+        <a:xfrm>
+          <a:off x="0" y="0"/>
+          <a:ext cx="0" cy="0"/>
+          <a:chOff x="0" y="0"/>
+          <a:chExt cx="0" cy="0"/>
+        </a:xfrm>
+      </p:grpSpPr>
+      <p:sp>
+        <p:nvSpPr>
+          <p:cNvPr id="2" name="Title 1">
+            <a:extLst>
+              <a:ext uri="{FF2B5EF4-FFF2-40B4-BE49-F238E27FC236}">
+                <a16:creationId xmlns:a16="http://schemas.microsoft.com/office/drawing/2014/main" id="{5FFB0ED7-2AF1-476C-9C60-A000635BA4A7}"/>
+              </a:ext>
+            </a:extLst>
+          </p:cNvPr>
+          <p:cNvSpPr>
+            <a:spLocks noGrp="1"/>
+          </p:cNvSpPr>
+          <p:nvPr>
+            <p:ph type="ctrTitle"/>
+          </p:nvPr>
+        </p:nvSpPr>
+        <p:spPr/>
+        <p:txBody>
+          <a:bodyPr/>
+          <a:lstStyle/>
+          <a:p>
+            <a:r>
+              <a:rPr lang="en-US" sz="1800" b="1" kern="100" dirty="0">
+                <a:effectLst/>
+                <a:latin typeface="Arial" panose="020B0604020202020204" pitchFamily="34" charset="0"/>
+                <a:ea typeface="Noto Serif CJK SC"/>
+                <a:cs typeface="Lohit Devanagari"/>
+              </a:rPr>
+              <a:t>CHAPTER 5</a:t>
+            </a:r>
+            <a:br>
+              <a:rPr lang="en-US" sz="1800" kern="100" dirty="0">
+                <a:effectLst/>
+                <a:latin typeface="Arial" panose="020B0604020202020204" pitchFamily="34" charset="0"/>
+                <a:ea typeface="Noto Serif CJK SC"/>
+                <a:cs typeface="Lohit Devanagari"/>
+              </a:rPr>
+            </a:br>
+            <a:endParaRPr lang="en-US" dirty="0"/>
+          </a:p>
+        </p:txBody>
+      </p:sp>
+      <p:sp>
+        <p:nvSpPr>
+          <p:cNvPr id="3" name="Subtitle 2">
+            <a:extLst>
+              <a:ext uri="{FF2B5EF4-FFF2-40B4-BE49-F238E27FC236}">
+                <a16:creationId xmlns:a16="http://schemas.microsoft.com/office/drawing/2014/main" id="{2E04C689-99B5-42B6-B4BE-661898DB0B73}"/>
+              </a:ext>
+            </a:extLst>
+          </p:cNvPr>
+          <p:cNvSpPr>
+            <a:spLocks noGrp="1"/>
+          </p:cNvSpPr>
+          <p:nvPr>
+            <p:ph type="subTitle" idx="1"/>
+          </p:nvPr>
+        </p:nvSpPr>
+        <p:spPr/>
+        <p:txBody>
+          <a:bodyPr/>
+          <a:lstStyle/>
+          <a:p>
+            <a:r>
+              <a:rPr lang="en-US" sz="2400" b="1" kern="100" dirty="0">
+                <a:effectLst/>
+                <a:latin typeface="Arial" panose="020B0604020202020204" pitchFamily="34" charset="0"/>
+                <a:ea typeface="Noto Serif CJK SC"/>
+                <a:cs typeface="Lohit Devanagari"/>
+              </a:rPr>
+              <a:t>CONCLUSION</a:t>
+            </a:r>
+            <a:endParaRPr lang="en-US" dirty="0"/>
+          </a:p>
+        </p:txBody>
+      </p:sp>
+    </p:spTree>
+    <p:extLst>
+      <p:ext uri="{BB962C8B-B14F-4D97-AF65-F5344CB8AC3E}">
+        <p14:creationId xmlns:p14="http://schemas.microsoft.com/office/powerpoint/2010/main" val="992736471"/>
+      </p:ext>
+    </p:extLst>
+  </p:cSld>
+  <p:clrMapOvr>
+    <a:masterClrMapping/>
+  </p:clrMapOvr>
 </p:sld>
 </file>
 
@@ -8863,20 +9199,12 @@
           </a:bodyPr>
           <a:lstStyle/>
           <a:p>
-            <a:r>
-              <a:rPr lang="en-US" sz="3600" b="1" dirty="0"/>
-              <a:t>Chapter 2: Requirement Analysis</a:t>
-            </a:r>
             <a:br>
               <a:rPr lang="en-US" sz="3600" b="1" dirty="0"/>
             </a:br>
             <a:r>
               <a:rPr lang="en-US" sz="3600" b="1" dirty="0"/>
               <a:t>RICH PICTURE (AS-IS)</a:t>
-            </a:r>
-            <a:r>
-              <a:rPr lang="en-US" b="1" dirty="0"/>
-              <a:t/>
             </a:r>
             <a:br>
               <a:rPr lang="en-US" b="1" dirty="0"/>
@@ -8953,13 +9281,6 @@
   <p:clrMapOvr>
     <a:masterClrMapping/>
   </p:clrMapOvr>
-  <p:timing>
-    <p:tnLst>
-      <p:par>
-        <p:cTn id="1" dur="indefinite" restart="never" nodeType="tmRoot"/>
-      </p:par>
-    </p:tnLst>
-  </p:timing>
 </p:sld>
 </file>
 
@@ -9010,7 +9331,7 @@
               </a:spcAft>
             </a:pPr>
             <a:r>
-              <a:rPr lang="en-US" b="1" kern="100" dirty="0" smtClean="0">
+              <a:rPr lang="en-US" b="1" kern="100" dirty="0">
                 <a:solidFill>
                   <a:srgbClr val="000000"/>
                 </a:solidFill>
@@ -9021,15 +9342,6 @@
               </a:rPr>
               <a:t>SIX ELEMENTS (AS-IS)</a:t>
             </a:r>
-            <a:endParaRPr lang="en-US" b="1" kern="100" dirty="0">
-              <a:solidFill>
-                <a:srgbClr val="000000"/>
-              </a:solidFill>
-              <a:effectLst/>
-              <a:latin typeface="Arial" panose="020B0604020202020204" pitchFamily="34" charset="0"/>
-              <a:ea typeface="Times New Roman" panose="02020603050405020304" pitchFamily="18" charset="0"/>
-              <a:cs typeface="Mangal"/>
-            </a:endParaRPr>
           </a:p>
         </p:txBody>
       </p:sp>
@@ -9073,13 +9385,6 @@
   <p:clrMapOvr>
     <a:masterClrMapping/>
   </p:clrMapOvr>
-  <p:timing>
-    <p:tnLst>
-      <p:par>
-        <p:cTn id="1" dur="indefinite" restart="never" nodeType="tmRoot"/>
-      </p:par>
-    </p:tnLst>
-  </p:timing>
 </p:sld>
 </file>
 
@@ -9140,13 +9445,6 @@
   <p:clrMapOvr>
     <a:masterClrMapping/>
   </p:clrMapOvr>
-  <p:timing>
-    <p:tnLst>
-      <p:par>
-        <p:cTn id="1" dur="indefinite" restart="never" nodeType="tmRoot"/>
-      </p:par>
-    </p:tnLst>
-  </p:timing>
 </p:sld>
 </file>
 
@@ -9207,13 +9505,6 @@
   <p:clrMapOvr>
     <a:masterClrMapping/>
   </p:clrMapOvr>
-  <p:timing>
-    <p:tnLst>
-      <p:par>
-        <p:cTn id="1" dur="indefinite" restart="never" nodeType="tmRoot"/>
-      </p:par>
-    </p:tnLst>
-  </p:timing>
 </p:sld>
 </file>
 
@@ -9274,13 +9565,6 @@
   <p:clrMapOvr>
     <a:masterClrMapping/>
   </p:clrMapOvr>
-  <p:timing>
-    <p:tnLst>
-      <p:par>
-        <p:cTn id="1" dur="indefinite" restart="never" nodeType="tmRoot"/>
-      </p:par>
-    </p:tnLst>
-  </p:timing>
 </p:sld>
 </file>
 

--- a/Report/PRESENTATION/New Microsoft PowerPoint Presentation.pptx
+++ b/Report/PRESENTATION/New Microsoft PowerPoint Presentation.pptx
@@ -328,7 +328,7 @@
           <a:p>
             <a:fld id="{A840CD70-04EB-4289-BDC9-6FC404C6E220}" type="datetimeFigureOut">
               <a:rPr lang="en-US" smtClean="0"/>
-              <a:t>5/20/2021</a:t>
+              <a:t>20-May-21</a:t>
             </a:fld>
             <a:endParaRPr lang="en-US"/>
           </a:p>
@@ -658,7 +658,7 @@
           <a:p>
             <a:fld id="{A840CD70-04EB-4289-BDC9-6FC404C6E220}" type="datetimeFigureOut">
               <a:rPr lang="en-US" smtClean="0"/>
-              <a:t>5/20/2021</a:t>
+              <a:t>20-May-21</a:t>
             </a:fld>
             <a:endParaRPr lang="en-US"/>
           </a:p>
@@ -838,7 +838,7 @@
           <a:p>
             <a:fld id="{A840CD70-04EB-4289-BDC9-6FC404C6E220}" type="datetimeFigureOut">
               <a:rPr lang="en-US" smtClean="0"/>
-              <a:t>5/20/2021</a:t>
+              <a:t>20-May-21</a:t>
             </a:fld>
             <a:endParaRPr lang="en-US"/>
           </a:p>
@@ -1008,7 +1008,7 @@
           <a:p>
             <a:fld id="{A840CD70-04EB-4289-BDC9-6FC404C6E220}" type="datetimeFigureOut">
               <a:rPr lang="en-US" smtClean="0"/>
-              <a:t>5/20/2021</a:t>
+              <a:t>20-May-21</a:t>
             </a:fld>
             <a:endParaRPr lang="en-US"/>
           </a:p>
@@ -1285,7 +1285,7 @@
           <a:p>
             <a:fld id="{A840CD70-04EB-4289-BDC9-6FC404C6E220}" type="datetimeFigureOut">
               <a:rPr lang="en-US" smtClean="0"/>
-              <a:t>5/20/2021</a:t>
+              <a:t>20-May-21</a:t>
             </a:fld>
             <a:endParaRPr lang="en-US"/>
           </a:p>
@@ -1679,7 +1679,7 @@
           <a:p>
             <a:fld id="{A840CD70-04EB-4289-BDC9-6FC404C6E220}" type="datetimeFigureOut">
               <a:rPr lang="en-US" smtClean="0"/>
-              <a:t>5/20/2021</a:t>
+              <a:t>20-May-21</a:t>
             </a:fld>
             <a:endParaRPr lang="en-US"/>
           </a:p>
@@ -2156,7 +2156,7 @@
           <a:p>
             <a:fld id="{A840CD70-04EB-4289-BDC9-6FC404C6E220}" type="datetimeFigureOut">
               <a:rPr lang="en-US" smtClean="0"/>
-              <a:t>5/20/2021</a:t>
+              <a:t>20-May-21</a:t>
             </a:fld>
             <a:endParaRPr lang="en-US"/>
           </a:p>
@@ -2274,7 +2274,7 @@
           <a:p>
             <a:fld id="{A840CD70-04EB-4289-BDC9-6FC404C6E220}" type="datetimeFigureOut">
               <a:rPr lang="en-US" smtClean="0"/>
-              <a:t>5/20/2021</a:t>
+              <a:t>20-May-21</a:t>
             </a:fld>
             <a:endParaRPr lang="en-US"/>
           </a:p>
@@ -2369,7 +2369,7 @@
           <a:p>
             <a:fld id="{A840CD70-04EB-4289-BDC9-6FC404C6E220}" type="datetimeFigureOut">
               <a:rPr lang="en-US" smtClean="0"/>
-              <a:t>5/20/2021</a:t>
+              <a:t>20-May-21</a:t>
             </a:fld>
             <a:endParaRPr lang="en-US"/>
           </a:p>
@@ -2715,7 +2715,7 @@
           <a:p>
             <a:fld id="{A840CD70-04EB-4289-BDC9-6FC404C6E220}" type="datetimeFigureOut">
               <a:rPr lang="en-US" smtClean="0"/>
-              <a:t>5/20/2021</a:t>
+              <a:t>20-May-21</a:t>
             </a:fld>
             <a:endParaRPr lang="en-US"/>
           </a:p>
@@ -3103,7 +3103,7 @@
           <a:p>
             <a:fld id="{A840CD70-04EB-4289-BDC9-6FC404C6E220}" type="datetimeFigureOut">
               <a:rPr lang="en-US" smtClean="0"/>
-              <a:t>5/20/2021</a:t>
+              <a:t>20-May-21</a:t>
             </a:fld>
             <a:endParaRPr lang="en-US"/>
           </a:p>
@@ -3381,7 +3381,7 @@
           <a:p>
             <a:fld id="{A840CD70-04EB-4289-BDC9-6FC404C6E220}" type="datetimeFigureOut">
               <a:rPr lang="en-US" smtClean="0"/>
-              <a:t>5/20/2021</a:t>
+              <a:t>20-May-21</a:t>
             </a:fld>
             <a:endParaRPr lang="en-US"/>
           </a:p>
@@ -3925,6 +3925,10 @@
               <a:rPr lang="en-US" sz="2800" b="1" dirty="0"/>
               <a:t>PERFORMANCE MONITORING SYSTEM</a:t>
             </a:r>
+            <a:r>
+              <a:rPr lang="en-US" b="1" dirty="0"/>
+              <a:t/>
+            </a:r>
             <a:br>
               <a:rPr lang="en-US" b="1" dirty="0"/>
             </a:br>
@@ -5993,7 +5997,7 @@
           <p:cNvPr id="2" name="Title 1">
             <a:extLst>
               <a:ext uri="{FF2B5EF4-FFF2-40B4-BE49-F238E27FC236}">
-                <a16:creationId xmlns:a16="http://schemas.microsoft.com/office/drawing/2014/main" id="{FA6C5C99-C5CC-4128-AEC1-BB01CFA19E4C}"/>
+                <a16:creationId xmlns:a16="http://schemas.microsoft.com/office/drawing/2014/main" xmlns="" id="{FA6C5C99-C5CC-4128-AEC1-BB01CFA19E4C}"/>
               </a:ext>
             </a:extLst>
           </p:cNvPr>
@@ -6025,7 +6029,7 @@
           <p:cNvPr id="3" name="Content Placeholder 2">
             <a:extLst>
               <a:ext uri="{FF2B5EF4-FFF2-40B4-BE49-F238E27FC236}">
-                <a16:creationId xmlns:a16="http://schemas.microsoft.com/office/drawing/2014/main" id="{DF74281C-C057-4929-9F65-962EA3ABC64D}"/>
+                <a16:creationId xmlns:a16="http://schemas.microsoft.com/office/drawing/2014/main" xmlns="" id="{DF74281C-C057-4929-9F65-962EA3ABC64D}"/>
               </a:ext>
             </a:extLst>
           </p:cNvPr>
@@ -6439,6 +6443,13 @@
   <p:clrMapOvr>
     <a:masterClrMapping/>
   </p:clrMapOvr>
+  <p:timing>
+    <p:tnLst>
+      <p:par>
+        <p:cTn id="1" dur="indefinite" restart="never" nodeType="tmRoot"/>
+      </p:par>
+    </p:tnLst>
+  </p:timing>
 </p:sld>
 </file>
 
@@ -6464,7 +6475,7 @@
           <p:cNvPr id="8" name="Picture 7">
             <a:extLst>
               <a:ext uri="{FF2B5EF4-FFF2-40B4-BE49-F238E27FC236}">
-                <a16:creationId xmlns:a16="http://schemas.microsoft.com/office/drawing/2014/main" id="{40341967-EDB8-4740-8E70-5B1E27690509}"/>
+                <a16:creationId xmlns:a16="http://schemas.microsoft.com/office/drawing/2014/main" xmlns="" id="{40341967-EDB8-4740-8E70-5B1E27690509}"/>
               </a:ext>
             </a:extLst>
           </p:cNvPr>
@@ -6487,8 +6498,8 @@
         </p:blipFill>
         <p:spPr>
           <a:xfrm>
-            <a:off x="2124222" y="0"/>
-            <a:ext cx="8243667" cy="6858000"/>
+            <a:off x="748145" y="0"/>
+            <a:ext cx="11443855" cy="6741622"/>
           </a:xfrm>
           <a:prstGeom prst="rect">
             <a:avLst/>
@@ -6505,6 +6516,13 @@
   <p:clrMapOvr>
     <a:masterClrMapping/>
   </p:clrMapOvr>
+  <p:timing>
+    <p:tnLst>
+      <p:par>
+        <p:cTn id="1" dur="indefinite" restart="never" nodeType="tmRoot"/>
+      </p:par>
+    </p:tnLst>
+  </p:timing>
 </p:sld>
 </file>
 
@@ -6533,7 +6551,7 @@
         </p:nvSpPr>
         <p:spPr>
           <a:xfrm rot="16200000">
-            <a:off x="348040" y="3094706"/>
+            <a:off x="-1040183" y="3044830"/>
             <a:ext cx="2619603" cy="369332"/>
           </a:xfrm>
           <a:prstGeom prst="rect">
@@ -6558,7 +6576,7 @@
           <p:cNvPr id="5" name="Picture 4">
             <a:extLst>
               <a:ext uri="{FF2B5EF4-FFF2-40B4-BE49-F238E27FC236}">
-                <a16:creationId xmlns:a16="http://schemas.microsoft.com/office/drawing/2014/main" id="{EF85605A-3E1D-4E90-B105-02687B8EC017}"/>
+                <a16:creationId xmlns:a16="http://schemas.microsoft.com/office/drawing/2014/main" xmlns="" id="{EF85605A-3E1D-4E90-B105-02687B8EC017}"/>
               </a:ext>
             </a:extLst>
           </p:cNvPr>
@@ -6581,8 +6599,8 @@
         </p:blipFill>
         <p:spPr>
           <a:xfrm>
-            <a:off x="1842508" y="0"/>
-            <a:ext cx="10287000" cy="6858000"/>
+            <a:off x="731520" y="0"/>
+            <a:ext cx="11460479" cy="6716684"/>
           </a:xfrm>
           <a:prstGeom prst="rect">
             <a:avLst/>
@@ -6599,6 +6617,13 @@
   <p:clrMapOvr>
     <a:masterClrMapping/>
   </p:clrMapOvr>
+  <p:timing>
+    <p:tnLst>
+      <p:par>
+        <p:cTn id="1" dur="indefinite" restart="never" nodeType="tmRoot"/>
+      </p:par>
+    </p:tnLst>
+  </p:timing>
 </p:sld>
 </file>
 
@@ -7109,6 +7134,13 @@
   <p:clrMapOvr>
     <a:masterClrMapping/>
   </p:clrMapOvr>
+  <p:timing>
+    <p:tnLst>
+      <p:par>
+        <p:cTn id="1" dur="indefinite" restart="never" nodeType="tmRoot"/>
+      </p:par>
+    </p:tnLst>
+  </p:timing>
 </p:sld>
 </file>
 
@@ -8469,7 +8501,7 @@
           <p:cNvPr id="2" name="Title 1">
             <a:extLst>
               <a:ext uri="{FF2B5EF4-FFF2-40B4-BE49-F238E27FC236}">
-                <a16:creationId xmlns:a16="http://schemas.microsoft.com/office/drawing/2014/main" id="{81B75A47-2FB1-446D-804D-1B6EBE28C474}"/>
+                <a16:creationId xmlns:a16="http://schemas.microsoft.com/office/drawing/2014/main" xmlns="" id="{81B75A47-2FB1-446D-804D-1B6EBE28C474}"/>
               </a:ext>
             </a:extLst>
           </p:cNvPr>
@@ -8501,7 +8533,7 @@
           <p:cNvPr id="3" name="Content Placeholder 2">
             <a:extLst>
               <a:ext uri="{FF2B5EF4-FFF2-40B4-BE49-F238E27FC236}">
-                <a16:creationId xmlns:a16="http://schemas.microsoft.com/office/drawing/2014/main" id="{AC16DA37-B59D-4666-B78D-B3E8130BAC99}"/>
+                <a16:creationId xmlns:a16="http://schemas.microsoft.com/office/drawing/2014/main" xmlns="" id="{AC16DA37-B59D-4666-B78D-B3E8130BAC99}"/>
               </a:ext>
             </a:extLst>
           </p:cNvPr>
@@ -8661,7 +8693,7 @@
           <p:cNvPr id="3" name="Picture 2">
             <a:extLst>
               <a:ext uri="{FF2B5EF4-FFF2-40B4-BE49-F238E27FC236}">
-                <a16:creationId xmlns:a16="http://schemas.microsoft.com/office/drawing/2014/main" id="{B219DAAB-AB6B-48A6-9118-2C6D519144F7}"/>
+                <a16:creationId xmlns:a16="http://schemas.microsoft.com/office/drawing/2014/main" xmlns="" id="{B219DAAB-AB6B-48A6-9118-2C6D519144F7}"/>
               </a:ext>
             </a:extLst>
           </p:cNvPr>
@@ -8727,7 +8759,7 @@
           <p:cNvPr id="3" name="Picture 2">
             <a:extLst>
               <a:ext uri="{FF2B5EF4-FFF2-40B4-BE49-F238E27FC236}">
-                <a16:creationId xmlns:a16="http://schemas.microsoft.com/office/drawing/2014/main" id="{737A4AB1-D46F-4580-984F-1992B5E8C653}"/>
+                <a16:creationId xmlns:a16="http://schemas.microsoft.com/office/drawing/2014/main" xmlns="" id="{737A4AB1-D46F-4580-984F-1992B5E8C653}"/>
               </a:ext>
             </a:extLst>
           </p:cNvPr>
@@ -9081,7 +9113,7 @@
           <p:cNvPr id="2" name="Title 1">
             <a:extLst>
               <a:ext uri="{FF2B5EF4-FFF2-40B4-BE49-F238E27FC236}">
-                <a16:creationId xmlns:a16="http://schemas.microsoft.com/office/drawing/2014/main" id="{5FFB0ED7-2AF1-476C-9C60-A000635BA4A7}"/>
+                <a16:creationId xmlns:a16="http://schemas.microsoft.com/office/drawing/2014/main" xmlns="" id="{5FFB0ED7-2AF1-476C-9C60-A000635BA4A7}"/>
               </a:ext>
             </a:extLst>
           </p:cNvPr>
@@ -9106,6 +9138,15 @@
               </a:rPr>
               <a:t>CHAPTER 5</a:t>
             </a:r>
+            <a:r>
+              <a:rPr lang="en-US" sz="1800" kern="100" dirty="0">
+                <a:effectLst/>
+                <a:latin typeface="Arial" panose="020B0604020202020204" pitchFamily="34" charset="0"/>
+                <a:ea typeface="Noto Serif CJK SC"/>
+                <a:cs typeface="Lohit Devanagari"/>
+              </a:rPr>
+              <a:t/>
+            </a:r>
             <a:br>
               <a:rPr lang="en-US" sz="1800" kern="100" dirty="0">
                 <a:effectLst/>
@@ -9123,7 +9164,7 @@
           <p:cNvPr id="3" name="Subtitle 2">
             <a:extLst>
               <a:ext uri="{FF2B5EF4-FFF2-40B4-BE49-F238E27FC236}">
-                <a16:creationId xmlns:a16="http://schemas.microsoft.com/office/drawing/2014/main" id="{2E04C689-99B5-42B6-B4BE-661898DB0B73}"/>
+                <a16:creationId xmlns:a16="http://schemas.microsoft.com/office/drawing/2014/main" xmlns="" id="{2E04C689-99B5-42B6-B4BE-661898DB0B73}"/>
               </a:ext>
             </a:extLst>
           </p:cNvPr>
@@ -9199,12 +9240,20 @@
           </a:bodyPr>
           <a:lstStyle/>
           <a:p>
+            <a:r>
+              <a:rPr lang="en-US" sz="3600" b="1" dirty="0"/>
+              <a:t/>
+            </a:r>
             <a:br>
               <a:rPr lang="en-US" sz="3600" b="1" dirty="0"/>
             </a:br>
             <a:r>
               <a:rPr lang="en-US" sz="3600" b="1" dirty="0"/>
               <a:t>RICH PICTURE (AS-IS)</a:t>
+            </a:r>
+            <a:r>
+              <a:rPr lang="en-US" b="1" dirty="0"/>
+              <a:t/>
             </a:r>
             <a:br>
               <a:rPr lang="en-US" b="1" dirty="0"/>

--- a/Report/PRESENTATION/New Microsoft PowerPoint Presentation.pptx
+++ b/Report/PRESENTATION/New Microsoft PowerPoint Presentation.pptx
@@ -53,6 +53,7 @@
     <p:sldId id="301" r:id="rId47"/>
     <p:sldId id="302" r:id="rId48"/>
     <p:sldId id="307" r:id="rId49"/>
+    <p:sldId id="308" r:id="rId50"/>
   </p:sldIdLst>
   <p:sldSz cx="12192000" cy="6858000"/>
   <p:notesSz cx="6858000" cy="9144000"/>
@@ -328,7 +329,7 @@
           <a:p>
             <a:fld id="{A840CD70-04EB-4289-BDC9-6FC404C6E220}" type="datetimeFigureOut">
               <a:rPr lang="en-US" smtClean="0"/>
-              <a:t>20-May-21</a:t>
+              <a:t>5/21/2021</a:t>
             </a:fld>
             <a:endParaRPr lang="en-US"/>
           </a:p>
@@ -658,7 +659,7 @@
           <a:p>
             <a:fld id="{A840CD70-04EB-4289-BDC9-6FC404C6E220}" type="datetimeFigureOut">
               <a:rPr lang="en-US" smtClean="0"/>
-              <a:t>20-May-21</a:t>
+              <a:t>5/21/2021</a:t>
             </a:fld>
             <a:endParaRPr lang="en-US"/>
           </a:p>
@@ -838,7 +839,7 @@
           <a:p>
             <a:fld id="{A840CD70-04EB-4289-BDC9-6FC404C6E220}" type="datetimeFigureOut">
               <a:rPr lang="en-US" smtClean="0"/>
-              <a:t>20-May-21</a:t>
+              <a:t>5/21/2021</a:t>
             </a:fld>
             <a:endParaRPr lang="en-US"/>
           </a:p>
@@ -1008,7 +1009,7 @@
           <a:p>
             <a:fld id="{A840CD70-04EB-4289-BDC9-6FC404C6E220}" type="datetimeFigureOut">
               <a:rPr lang="en-US" smtClean="0"/>
-              <a:t>20-May-21</a:t>
+              <a:t>5/21/2021</a:t>
             </a:fld>
             <a:endParaRPr lang="en-US"/>
           </a:p>
@@ -1285,7 +1286,7 @@
           <a:p>
             <a:fld id="{A840CD70-04EB-4289-BDC9-6FC404C6E220}" type="datetimeFigureOut">
               <a:rPr lang="en-US" smtClean="0"/>
-              <a:t>20-May-21</a:t>
+              <a:t>5/21/2021</a:t>
             </a:fld>
             <a:endParaRPr lang="en-US"/>
           </a:p>
@@ -1679,7 +1680,7 @@
           <a:p>
             <a:fld id="{A840CD70-04EB-4289-BDC9-6FC404C6E220}" type="datetimeFigureOut">
               <a:rPr lang="en-US" smtClean="0"/>
-              <a:t>20-May-21</a:t>
+              <a:t>5/21/2021</a:t>
             </a:fld>
             <a:endParaRPr lang="en-US"/>
           </a:p>
@@ -2156,7 +2157,7 @@
           <a:p>
             <a:fld id="{A840CD70-04EB-4289-BDC9-6FC404C6E220}" type="datetimeFigureOut">
               <a:rPr lang="en-US" smtClean="0"/>
-              <a:t>20-May-21</a:t>
+              <a:t>5/21/2021</a:t>
             </a:fld>
             <a:endParaRPr lang="en-US"/>
           </a:p>
@@ -2274,7 +2275,7 @@
           <a:p>
             <a:fld id="{A840CD70-04EB-4289-BDC9-6FC404C6E220}" type="datetimeFigureOut">
               <a:rPr lang="en-US" smtClean="0"/>
-              <a:t>20-May-21</a:t>
+              <a:t>5/21/2021</a:t>
             </a:fld>
             <a:endParaRPr lang="en-US"/>
           </a:p>
@@ -2369,7 +2370,7 @@
           <a:p>
             <a:fld id="{A840CD70-04EB-4289-BDC9-6FC404C6E220}" type="datetimeFigureOut">
               <a:rPr lang="en-US" smtClean="0"/>
-              <a:t>20-May-21</a:t>
+              <a:t>5/21/2021</a:t>
             </a:fld>
             <a:endParaRPr lang="en-US"/>
           </a:p>
@@ -2715,7 +2716,7 @@
           <a:p>
             <a:fld id="{A840CD70-04EB-4289-BDC9-6FC404C6E220}" type="datetimeFigureOut">
               <a:rPr lang="en-US" smtClean="0"/>
-              <a:t>20-May-21</a:t>
+              <a:t>5/21/2021</a:t>
             </a:fld>
             <a:endParaRPr lang="en-US"/>
           </a:p>
@@ -3103,7 +3104,7 @@
           <a:p>
             <a:fld id="{A840CD70-04EB-4289-BDC9-6FC404C6E220}" type="datetimeFigureOut">
               <a:rPr lang="en-US" smtClean="0"/>
-              <a:t>20-May-21</a:t>
+              <a:t>5/21/2021</a:t>
             </a:fld>
             <a:endParaRPr lang="en-US"/>
           </a:p>
@@ -3381,7 +3382,7 @@
           <a:p>
             <a:fld id="{A840CD70-04EB-4289-BDC9-6FC404C6E220}" type="datetimeFigureOut">
               <a:rPr lang="en-US" smtClean="0"/>
-              <a:t>20-May-21</a:t>
+              <a:t>5/21/2021</a:t>
             </a:fld>
             <a:endParaRPr lang="en-US"/>
           </a:p>
@@ -3925,10 +3926,6 @@
               <a:rPr lang="en-US" sz="2800" b="1" dirty="0"/>
               <a:t>PERFORMANCE MONITORING SYSTEM</a:t>
             </a:r>
-            <a:r>
-              <a:rPr lang="en-US" b="1" dirty="0"/>
-              <a:t/>
-            </a:r>
             <a:br>
               <a:rPr lang="en-US" b="1" dirty="0"/>
             </a:br>
@@ -4177,8 +4174,8 @@
         </p:blipFill>
         <p:spPr>
           <a:xfrm>
-            <a:off x="943342" y="600425"/>
-            <a:ext cx="7928994" cy="2535926"/>
+            <a:off x="943342" y="600424"/>
+            <a:ext cx="9553970" cy="2828576"/>
           </a:xfrm>
           <a:prstGeom prst="rect">
             <a:avLst/>
@@ -4193,7 +4190,7 @@
         </p:nvSpPr>
         <p:spPr>
           <a:xfrm>
-            <a:off x="943342" y="3197906"/>
+            <a:off x="943342" y="3366315"/>
             <a:ext cx="3288977" cy="246221"/>
           </a:xfrm>
           <a:prstGeom prst="rect">
@@ -4241,7 +4238,7 @@
         <p:spPr>
           <a:xfrm>
             <a:off x="943342" y="3918857"/>
-            <a:ext cx="7928994" cy="1691865"/>
+            <a:ext cx="9553970" cy="2338719"/>
           </a:xfrm>
           <a:prstGeom prst="rect">
             <a:avLst/>
@@ -4256,7 +4253,7 @@
         </p:nvSpPr>
         <p:spPr>
           <a:xfrm>
-            <a:off x="943342" y="5733832"/>
+            <a:off x="943342" y="6208563"/>
             <a:ext cx="6096000" cy="246221"/>
           </a:xfrm>
           <a:prstGeom prst="rect">
@@ -4333,8 +4330,8 @@
         </p:blipFill>
         <p:spPr>
           <a:xfrm>
-            <a:off x="1238877" y="378414"/>
-            <a:ext cx="7583576" cy="1792030"/>
+            <a:off x="1238876" y="378413"/>
+            <a:ext cx="9843651" cy="1991713"/>
           </a:xfrm>
           <a:prstGeom prst="rect">
             <a:avLst/>
@@ -4382,28 +4379,6 @@
           </a:p>
         </p:txBody>
       </p:sp>
-      <p:pic>
-        <p:nvPicPr>
-          <p:cNvPr id="6" name="Picture 5" descr="bpmn as-is-4.jpg"/>
-          <p:cNvPicPr/>
-          <p:nvPr/>
-        </p:nvPicPr>
-        <p:blipFill>
-          <a:blip r:embed="rId3" cstate="print"/>
-          <a:stretch>
-            <a:fillRect/>
-          </a:stretch>
-        </p:blipFill>
-        <p:spPr>
-          <a:xfrm>
-            <a:off x="1238876" y="2884516"/>
-            <a:ext cx="7583577" cy="2481303"/>
-          </a:xfrm>
-          <a:prstGeom prst="rect">
-            <a:avLst/>
-          </a:prstGeom>
-        </p:spPr>
-      </p:pic>
       <p:sp>
         <p:nvSpPr>
           <p:cNvPr id="7" name="Rectangle 6"/>
@@ -4412,7 +4387,7 @@
         </p:nvSpPr>
         <p:spPr>
           <a:xfrm>
-            <a:off x="1238877" y="5595648"/>
+            <a:off x="1238876" y="6479586"/>
             <a:ext cx="3466077" cy="246221"/>
           </a:xfrm>
           <a:prstGeom prst="rect">
@@ -4445,6 +4420,40 @@
           </a:p>
         </p:txBody>
       </p:sp>
+      <p:pic>
+        <p:nvPicPr>
+          <p:cNvPr id="8" name="Picture 7">
+            <a:extLst>
+              <a:ext uri="{FF2B5EF4-FFF2-40B4-BE49-F238E27FC236}">
+                <a16:creationId xmlns:a16="http://schemas.microsoft.com/office/drawing/2014/main" id="{8EA94497-2991-4E7F-8C8C-6DC3F2B14251}"/>
+              </a:ext>
+            </a:extLst>
+          </p:cNvPr>
+          <p:cNvPicPr/>
+          <p:nvPr/>
+        </p:nvPicPr>
+        <p:blipFill>
+          <a:blip r:embed="rId3">
+            <a:extLst>
+              <a:ext uri="{28A0092B-C50C-407E-A947-70E740481C1C}">
+                <a14:useLocalDpi xmlns:a14="http://schemas.microsoft.com/office/drawing/2010/main" val="0"/>
+              </a:ext>
+            </a:extLst>
+          </a:blip>
+          <a:stretch>
+            <a:fillRect/>
+          </a:stretch>
+        </p:blipFill>
+        <p:spPr>
+          <a:xfrm>
+            <a:off x="1238876" y="2806158"/>
+            <a:ext cx="10684900" cy="3673428"/>
+          </a:xfrm>
+          <a:prstGeom prst="rect">
+            <a:avLst/>
+          </a:prstGeom>
+        </p:spPr>
+      </p:pic>
     </p:spTree>
     <p:extLst>
       <p:ext uri="{BB962C8B-B14F-4D97-AF65-F5344CB8AC3E}">
@@ -4475,45 +4484,23 @@
           <a:chExt cx="0" cy="0"/>
         </a:xfrm>
       </p:grpSpPr>
-      <p:pic>
-        <p:nvPicPr>
-          <p:cNvPr id="4" name="Picture 3" descr="bpmn as-is-5.jpg"/>
-          <p:cNvPicPr/>
+      <p:sp>
+        <p:nvSpPr>
+          <p:cNvPr id="5" name="Rectangle 4"/>
+          <p:cNvSpPr/>
           <p:nvPr/>
-        </p:nvPicPr>
-        <p:blipFill>
-          <a:blip r:embed="rId2"/>
-          <a:stretch>
-            <a:fillRect/>
-          </a:stretch>
-        </p:blipFill>
-        <p:spPr>
-          <a:xfrm>
-            <a:off x="3173491" y="2160396"/>
-            <a:ext cx="6819900" cy="1919235"/>
+        </p:nvSpPr>
+        <p:spPr>
+          <a:xfrm>
+            <a:off x="5230493" y="5394960"/>
+            <a:ext cx="2578483" cy="400110"/>
           </a:xfrm>
           <a:prstGeom prst="rect">
             <a:avLst/>
           </a:prstGeom>
         </p:spPr>
-      </p:pic>
-      <p:sp>
-        <p:nvSpPr>
-          <p:cNvPr id="5" name="Rectangle 4"/>
-          <p:cNvSpPr/>
-          <p:nvPr/>
-        </p:nvSpPr>
-        <p:spPr>
-          <a:xfrm>
-            <a:off x="5248781" y="4249169"/>
-            <a:ext cx="2669320" cy="246221"/>
-          </a:xfrm>
-          <a:prstGeom prst="rect">
-            <a:avLst/>
-          </a:prstGeom>
-        </p:spPr>
-        <p:txBody>
-          <a:bodyPr wrap="none">
+        <p:txBody>
+          <a:bodyPr wrap="square">
             <a:spAutoFit/>
           </a:bodyPr>
           <a:lstStyle/>
@@ -4538,6 +4525,40 @@
           </a:p>
         </p:txBody>
       </p:sp>
+      <p:pic>
+        <p:nvPicPr>
+          <p:cNvPr id="6" name="Picture 5">
+            <a:extLst>
+              <a:ext uri="{FF2B5EF4-FFF2-40B4-BE49-F238E27FC236}">
+                <a16:creationId xmlns:a16="http://schemas.microsoft.com/office/drawing/2014/main" id="{F2F99D93-7103-4FA0-AA46-06E63C94BEA2}"/>
+              </a:ext>
+            </a:extLst>
+          </p:cNvPr>
+          <p:cNvPicPr/>
+          <p:nvPr/>
+        </p:nvPicPr>
+        <p:blipFill>
+          <a:blip r:embed="rId2">
+            <a:extLst>
+              <a:ext uri="{28A0092B-C50C-407E-A947-70E740481C1C}">
+                <a14:useLocalDpi xmlns:a14="http://schemas.microsoft.com/office/drawing/2010/main" val="0"/>
+              </a:ext>
+            </a:extLst>
+          </a:blip>
+          <a:stretch>
+            <a:fillRect/>
+          </a:stretch>
+        </p:blipFill>
+        <p:spPr>
+          <a:xfrm>
+            <a:off x="2855912" y="1408176"/>
+            <a:ext cx="7787704" cy="3986784"/>
+          </a:xfrm>
+          <a:prstGeom prst="rect">
+            <a:avLst/>
+          </a:prstGeom>
+        </p:spPr>
+      </p:pic>
     </p:spTree>
     <p:extLst>
       <p:ext uri="{BB962C8B-B14F-4D97-AF65-F5344CB8AC3E}">
@@ -4790,8 +4811,8 @@
         </p:blipFill>
         <p:spPr>
           <a:xfrm>
-            <a:off x="2889348" y="806077"/>
-            <a:ext cx="6204410" cy="4780808"/>
+            <a:off x="1609344" y="806076"/>
+            <a:ext cx="10003536" cy="5671769"/>
           </a:xfrm>
           <a:prstGeom prst="rect">
             <a:avLst/>
@@ -4806,7 +4827,7 @@
         </p:nvSpPr>
         <p:spPr>
           <a:xfrm>
-            <a:off x="2889348" y="5764614"/>
+            <a:off x="5075629" y="6477846"/>
             <a:ext cx="1831848" cy="246221"/>
           </a:xfrm>
           <a:prstGeom prst="rect">
@@ -5392,9 +5413,95 @@
           </a:p>
         </p:txBody>
       </p:sp>
+      <p:sp>
+        <p:nvSpPr>
+          <p:cNvPr id="6" name="Rectangle 5"/>
+          <p:cNvSpPr/>
+          <p:nvPr/>
+        </p:nvSpPr>
+        <p:spPr>
+          <a:xfrm>
+            <a:off x="997961" y="2746525"/>
+            <a:ext cx="3447675" cy="246221"/>
+          </a:xfrm>
+          <a:prstGeom prst="rect">
+            <a:avLst/>
+          </a:prstGeom>
+        </p:spPr>
+        <p:txBody>
+          <a:bodyPr wrap="none">
+            <a:spAutoFit/>
+          </a:bodyPr>
+          <a:lstStyle/>
+          <a:p>
+            <a:pPr>
+              <a:spcAft>
+                <a:spcPts val="1000"/>
+              </a:spcAft>
+            </a:pPr>
+            <a:r>
+              <a:rPr lang="en-US" sz="1000" b="1" kern="100" dirty="0">
+                <a:solidFill>
+                  <a:srgbClr val="5B9BD5"/>
+                </a:solidFill>
+                <a:effectLst/>
+                <a:latin typeface="Arial" panose="020B0604020202020204" pitchFamily="34" charset="0"/>
+                <a:ea typeface="Noto Serif CJK SC"/>
+                <a:cs typeface="Mangal"/>
+              </a:rPr>
+              <a:t>BPMN (TO-</a:t>
+            </a:r>
+            <a:r>
+              <a:rPr lang="en-US" sz="1000" b="0" kern="100" dirty="0">
+                <a:solidFill>
+                  <a:srgbClr val="5B9BD5"/>
+                </a:solidFill>
+                <a:effectLst/>
+                <a:latin typeface="Arial" panose="020B0604020202020204" pitchFamily="34" charset="0"/>
+                <a:ea typeface="Noto Serif CJK SC"/>
+                <a:cs typeface="Mangal"/>
+              </a:rPr>
+              <a:t>BE</a:t>
+            </a:r>
+            <a:r>
+              <a:rPr lang="en-US" sz="1000" b="1" kern="100" dirty="0">
+                <a:solidFill>
+                  <a:srgbClr val="5B9BD5"/>
+                </a:solidFill>
+                <a:effectLst/>
+                <a:latin typeface="Arial" panose="020B0604020202020204" pitchFamily="34" charset="0"/>
+                <a:ea typeface="Noto Serif CJK SC"/>
+                <a:cs typeface="Mangal"/>
+              </a:rPr>
+              <a:t>) FIGURE 1: Create new </a:t>
+            </a:r>
+            <a:r>
+              <a:rPr lang="en-US" sz="1000" b="1" kern="100" dirty="0" err="1">
+                <a:solidFill>
+                  <a:srgbClr val="5B9BD5"/>
+                </a:solidFill>
+                <a:effectLst/>
+                <a:latin typeface="Arial" panose="020B0604020202020204" pitchFamily="34" charset="0"/>
+                <a:ea typeface="Noto Serif CJK SC"/>
+                <a:cs typeface="Mangal"/>
+              </a:rPr>
+              <a:t>studentaccount</a:t>
+            </a:r>
+            <a:endParaRPr lang="en-US" sz="1000" b="1" kern="100" dirty="0">
+              <a:solidFill>
+                <a:srgbClr val="5B9BD5"/>
+              </a:solidFill>
+              <a:effectLst/>
+              <a:latin typeface="Arial" panose="020B0604020202020204" pitchFamily="34" charset="0"/>
+              <a:ea typeface="Noto Serif CJK SC"/>
+              <a:cs typeface="Mangal"/>
+            </a:endParaRPr>
+          </a:p>
+        </p:txBody>
+      </p:sp>
       <p:pic>
         <p:nvPicPr>
-          <p:cNvPr id="5" name="Picture 4"/>
+          <p:cNvPr id="7" name="Picture 6"/>
           <p:cNvPicPr/>
           <p:nvPr/>
         </p:nvPicPr>
@@ -5412,8 +5519,8 @@
         </p:blipFill>
         <p:spPr>
           <a:xfrm>
-            <a:off x="924274" y="866522"/>
-            <a:ext cx="7134503" cy="1329412"/>
+            <a:off x="924273" y="3422295"/>
+            <a:ext cx="10088731" cy="3000000"/>
           </a:xfrm>
           <a:prstGeom prst="rect">
             <a:avLst/>
@@ -5422,14 +5529,14 @@
       </p:pic>
       <p:sp>
         <p:nvSpPr>
-          <p:cNvPr id="6" name="Rectangle 5"/>
+          <p:cNvPr id="8" name="Rectangle 7"/>
           <p:cNvSpPr/>
           <p:nvPr/>
         </p:nvSpPr>
         <p:spPr>
           <a:xfrm>
-            <a:off x="924273" y="2533819"/>
-            <a:ext cx="3447675" cy="246221"/>
+            <a:off x="924273" y="6422295"/>
+            <a:ext cx="3236079" cy="246221"/>
           </a:xfrm>
           <a:prstGeom prst="rect">
             <a:avLst/>
@@ -5480,35 +5587,20 @@
                 <a:ea typeface="Noto Serif CJK SC"/>
                 <a:cs typeface="Mangal"/>
               </a:rPr>
-              <a:t>) FIGURE 1: Create new </a:t>
-            </a:r>
-            <a:r>
-              <a:rPr lang="en-US" sz="1000" b="1" kern="100" dirty="0" err="1">
-                <a:solidFill>
-                  <a:srgbClr val="5B9BD5"/>
-                </a:solidFill>
-                <a:effectLst/>
-                <a:latin typeface="Arial" panose="020B0604020202020204" pitchFamily="34" charset="0"/>
-                <a:ea typeface="Noto Serif CJK SC"/>
-                <a:cs typeface="Mangal"/>
-              </a:rPr>
-              <a:t>studentaccount</a:t>
-            </a:r>
-            <a:endParaRPr lang="en-US" sz="1000" b="1" kern="100" dirty="0">
-              <a:solidFill>
-                <a:srgbClr val="5B9BD5"/>
-              </a:solidFill>
-              <a:effectLst/>
-              <a:latin typeface="Arial" panose="020B0604020202020204" pitchFamily="34" charset="0"/>
-              <a:ea typeface="Noto Serif CJK SC"/>
-              <a:cs typeface="Mangal"/>
-            </a:endParaRPr>
+              <a:t>) FIGURE 2: Update PLO on SPM DB</a:t>
+            </a:r>
           </a:p>
         </p:txBody>
       </p:sp>
       <p:pic>
         <p:nvPicPr>
-          <p:cNvPr id="7" name="Picture 6"/>
+          <p:cNvPr id="9" name="Picture 8">
+            <a:extLst>
+              <a:ext uri="{FF2B5EF4-FFF2-40B4-BE49-F238E27FC236}">
+                <a16:creationId xmlns:a16="http://schemas.microsoft.com/office/drawing/2014/main" id="{293669F3-F46B-4CC1-A591-93DA96C1D8E5}"/>
+              </a:ext>
+            </a:extLst>
+          </p:cNvPr>
           <p:cNvPicPr/>
           <p:nvPr/>
         </p:nvPicPr>
@@ -5526,79 +5618,14 @@
         </p:blipFill>
         <p:spPr>
           <a:xfrm>
-            <a:off x="924273" y="3422295"/>
-            <a:ext cx="7134503" cy="2172531"/>
+            <a:off x="975509" y="636024"/>
+            <a:ext cx="10088731" cy="2110501"/>
           </a:xfrm>
           <a:prstGeom prst="rect">
             <a:avLst/>
           </a:prstGeom>
         </p:spPr>
       </p:pic>
-      <p:sp>
-        <p:nvSpPr>
-          <p:cNvPr id="8" name="Rectangle 7"/>
-          <p:cNvSpPr/>
-          <p:nvPr/>
-        </p:nvSpPr>
-        <p:spPr>
-          <a:xfrm>
-            <a:off x="924273" y="5932711"/>
-            <a:ext cx="3236079" cy="246221"/>
-          </a:xfrm>
-          <a:prstGeom prst="rect">
-            <a:avLst/>
-          </a:prstGeom>
-        </p:spPr>
-        <p:txBody>
-          <a:bodyPr wrap="none">
-            <a:spAutoFit/>
-          </a:bodyPr>
-          <a:lstStyle/>
-          <a:p>
-            <a:pPr>
-              <a:spcAft>
-                <a:spcPts val="1000"/>
-              </a:spcAft>
-            </a:pPr>
-            <a:r>
-              <a:rPr lang="en-US" sz="1000" b="1" kern="100" dirty="0">
-                <a:solidFill>
-                  <a:srgbClr val="5B9BD5"/>
-                </a:solidFill>
-                <a:effectLst/>
-                <a:latin typeface="Arial" panose="020B0604020202020204" pitchFamily="34" charset="0"/>
-                <a:ea typeface="Noto Serif CJK SC"/>
-                <a:cs typeface="Mangal"/>
-              </a:rPr>
-              <a:t>BPMN (TO-</a:t>
-            </a:r>
-            <a:r>
-              <a:rPr lang="en-US" sz="1000" b="0" kern="100" dirty="0">
-                <a:solidFill>
-                  <a:srgbClr val="5B9BD5"/>
-                </a:solidFill>
-                <a:effectLst/>
-                <a:latin typeface="Arial" panose="020B0604020202020204" pitchFamily="34" charset="0"/>
-                <a:ea typeface="Noto Serif CJK SC"/>
-                <a:cs typeface="Mangal"/>
-              </a:rPr>
-              <a:t>BE</a:t>
-            </a:r>
-            <a:r>
-              <a:rPr lang="en-US" sz="1000" b="1" kern="100" dirty="0">
-                <a:solidFill>
-                  <a:srgbClr val="5B9BD5"/>
-                </a:solidFill>
-                <a:effectLst/>
-                <a:latin typeface="Arial" panose="020B0604020202020204" pitchFamily="34" charset="0"/>
-                <a:ea typeface="Noto Serif CJK SC"/>
-                <a:cs typeface="Mangal"/>
-              </a:rPr>
-              <a:t>) FIGURE 2: Update PLO on SPM DB</a:t>
-            </a:r>
-          </a:p>
-        </p:txBody>
-      </p:sp>
     </p:spTree>
     <p:extLst>
       <p:ext uri="{BB962C8B-B14F-4D97-AF65-F5344CB8AC3E}">
@@ -5629,14 +5656,64 @@
           <a:chExt cx="0" cy="0"/>
         </a:xfrm>
       </p:grpSpPr>
+      <p:sp>
+        <p:nvSpPr>
+          <p:cNvPr id="6" name="Rectangle 5"/>
+          <p:cNvSpPr/>
+          <p:nvPr/>
+        </p:nvSpPr>
+        <p:spPr>
+          <a:xfrm>
+            <a:off x="927379" y="3805105"/>
+            <a:ext cx="6096000" cy="246221"/>
+          </a:xfrm>
+          <a:prstGeom prst="rect">
+            <a:avLst/>
+          </a:prstGeom>
+        </p:spPr>
+        <p:txBody>
+          <a:bodyPr>
+            <a:spAutoFit/>
+          </a:bodyPr>
+          <a:lstStyle/>
+          <a:p>
+            <a:pPr algn="just">
+              <a:spcBef>
+                <a:spcPts val="150"/>
+              </a:spcBef>
+              <a:spcAft>
+                <a:spcPts val="600"/>
+              </a:spcAft>
+            </a:pPr>
+            <a:r>
+              <a:rPr lang="en-US" sz="1000" b="1" kern="100" dirty="0">
+                <a:solidFill>
+                  <a:srgbClr val="5B9BD5"/>
+                </a:solidFill>
+                <a:effectLst/>
+                <a:latin typeface="Arial" panose="020B0604020202020204" pitchFamily="34" charset="0"/>
+                <a:ea typeface="Noto Serif CJK SC"/>
+                <a:cs typeface="Lohit Devanagari"/>
+              </a:rPr>
+              <a:t>BPMN (TO-BE) FIGURE 3: Record student assessment and submit mark-sheet</a:t>
+            </a:r>
+            <a:endParaRPr lang="en-US" sz="1000" kern="100" dirty="0">
+              <a:effectLst/>
+              <a:latin typeface="Arial" panose="020B0604020202020204" pitchFamily="34" charset="0"/>
+              <a:ea typeface="Noto Serif CJK SC"/>
+              <a:cs typeface="Lohit Devanagari"/>
+            </a:endParaRPr>
+          </a:p>
+        </p:txBody>
+      </p:sp>
       <p:pic>
         <p:nvPicPr>
-          <p:cNvPr id="5" name="Picture 4"/>
+          <p:cNvPr id="7" name="Picture 6"/>
           <p:cNvPicPr/>
           <p:nvPr/>
         </p:nvPicPr>
         <p:blipFill>
-          <a:blip r:embed="rId2" cstate="print">
+          <a:blip r:embed="rId2">
             <a:extLst>
               <a:ext uri="{28A0092B-C50C-407E-A947-70E740481C1C}">
                 <a14:useLocalDpi xmlns:a14="http://schemas.microsoft.com/office/drawing/2010/main" val="0"/>
@@ -5649,8 +5726,8 @@
         </p:blipFill>
         <p:spPr>
           <a:xfrm>
-            <a:off x="927379" y="748733"/>
-            <a:ext cx="7503188" cy="2778238"/>
+            <a:off x="927378" y="4334256"/>
+            <a:ext cx="9185885" cy="1955388"/>
           </a:xfrm>
           <a:prstGeom prst="rect">
             <a:avLst/>
@@ -5659,13 +5736,13 @@
       </p:pic>
       <p:sp>
         <p:nvSpPr>
-          <p:cNvPr id="6" name="Rectangle 5"/>
+          <p:cNvPr id="8" name="Rectangle 7"/>
           <p:cNvSpPr/>
           <p:nvPr/>
         </p:nvSpPr>
         <p:spPr>
           <a:xfrm>
-            <a:off x="927379" y="3805105"/>
+            <a:off x="927378" y="6289644"/>
             <a:ext cx="6096000" cy="246221"/>
           </a:xfrm>
           <a:prstGeom prst="rect">
@@ -5678,12 +5755,9 @@
           </a:bodyPr>
           <a:lstStyle/>
           <a:p>
-            <a:pPr algn="just">
-              <a:spcBef>
-                <a:spcPts val="150"/>
-              </a:spcBef>
+            <a:pPr>
               <a:spcAft>
-                <a:spcPts val="600"/>
+                <a:spcPts val="1000"/>
               </a:spcAft>
             </a:pPr>
             <a:r>
@@ -5694,22 +5768,22 @@
                 <a:effectLst/>
                 <a:latin typeface="Arial" panose="020B0604020202020204" pitchFamily="34" charset="0"/>
                 <a:ea typeface="Noto Serif CJK SC"/>
-                <a:cs typeface="Lohit Devanagari"/>
+                <a:cs typeface="Mangal"/>
               </a:rPr>
-              <a:t>BPMN (TO-BE) FIGURE 3: Record student assessment and submit mark-sheet</a:t>
-            </a:r>
-            <a:endParaRPr lang="en-US" sz="1000" kern="100" dirty="0">
-              <a:effectLst/>
-              <a:latin typeface="Arial" panose="020B0604020202020204" pitchFamily="34" charset="0"/>
-              <a:ea typeface="Noto Serif CJK SC"/>
-              <a:cs typeface="Lohit Devanagari"/>
-            </a:endParaRPr>
+              <a:t>BPMN (TO-BE) FIGURE 4: Update PLO-CO mapping to SPM DB</a:t>
+            </a:r>
           </a:p>
         </p:txBody>
       </p:sp>
       <p:pic>
         <p:nvPicPr>
-          <p:cNvPr id="7" name="Picture 6"/>
+          <p:cNvPr id="9" name="Picture 8">
+            <a:extLst>
+              <a:ext uri="{FF2B5EF4-FFF2-40B4-BE49-F238E27FC236}">
+                <a16:creationId xmlns:a16="http://schemas.microsoft.com/office/drawing/2014/main" id="{F6C69FF0-605C-416E-A81D-355493B36C23}"/>
+              </a:ext>
+            </a:extLst>
+          </p:cNvPr>
           <p:cNvPicPr/>
           <p:nvPr/>
         </p:nvPicPr>
@@ -5727,55 +5801,14 @@
         </p:blipFill>
         <p:spPr>
           <a:xfrm>
-            <a:off x="927379" y="4821830"/>
-            <a:ext cx="7503188" cy="966020"/>
+            <a:off x="988339" y="322135"/>
+            <a:ext cx="10972013" cy="3482970"/>
           </a:xfrm>
           <a:prstGeom prst="rect">
             <a:avLst/>
           </a:prstGeom>
         </p:spPr>
       </p:pic>
-      <p:sp>
-        <p:nvSpPr>
-          <p:cNvPr id="8" name="Rectangle 7"/>
-          <p:cNvSpPr/>
-          <p:nvPr/>
-        </p:nvSpPr>
-        <p:spPr>
-          <a:xfrm>
-            <a:off x="927379" y="5927077"/>
-            <a:ext cx="6096000" cy="246221"/>
-          </a:xfrm>
-          <a:prstGeom prst="rect">
-            <a:avLst/>
-          </a:prstGeom>
-        </p:spPr>
-        <p:txBody>
-          <a:bodyPr>
-            <a:spAutoFit/>
-          </a:bodyPr>
-          <a:lstStyle/>
-          <a:p>
-            <a:pPr>
-              <a:spcAft>
-                <a:spcPts val="1000"/>
-              </a:spcAft>
-            </a:pPr>
-            <a:r>
-              <a:rPr lang="en-US" sz="1000" b="1" kern="100" dirty="0">
-                <a:solidFill>
-                  <a:srgbClr val="5B9BD5"/>
-                </a:solidFill>
-                <a:effectLst/>
-                <a:latin typeface="Arial" panose="020B0604020202020204" pitchFamily="34" charset="0"/>
-                <a:ea typeface="Noto Serif CJK SC"/>
-                <a:cs typeface="Mangal"/>
-              </a:rPr>
-              <a:t>BPMN (TO-BE) FIGURE 4: Update PLO-CO mapping to SPM DB</a:t>
-            </a:r>
-          </a:p>
-        </p:txBody>
-      </p:sp>
     </p:spTree>
     <p:extLst>
       <p:ext uri="{BB962C8B-B14F-4D97-AF65-F5344CB8AC3E}">
@@ -5826,8 +5859,8 @@
         </p:blipFill>
         <p:spPr>
           <a:xfrm>
-            <a:off x="1007764" y="940096"/>
-            <a:ext cx="8055847" cy="1498671"/>
+            <a:off x="1007764" y="542142"/>
+            <a:ext cx="9050636" cy="1896626"/>
           </a:xfrm>
           <a:prstGeom prst="rect">
             <a:avLst/>
@@ -5904,8 +5937,8 @@
         </p:blipFill>
         <p:spPr>
           <a:xfrm>
-            <a:off x="1007764" y="3985095"/>
-            <a:ext cx="8055847" cy="1340531"/>
+            <a:off x="1007764" y="3429001"/>
+            <a:ext cx="9050636" cy="1896626"/>
           </a:xfrm>
           <a:prstGeom prst="rect">
             <a:avLst/>
@@ -5997,7 +6030,7 @@
           <p:cNvPr id="2" name="Title 1">
             <a:extLst>
               <a:ext uri="{FF2B5EF4-FFF2-40B4-BE49-F238E27FC236}">
-                <a16:creationId xmlns:a16="http://schemas.microsoft.com/office/drawing/2014/main" xmlns="" id="{FA6C5C99-C5CC-4128-AEC1-BB01CFA19E4C}"/>
+                <a16:creationId xmlns:a16="http://schemas.microsoft.com/office/drawing/2014/main" id="{FA6C5C99-C5CC-4128-AEC1-BB01CFA19E4C}"/>
               </a:ext>
             </a:extLst>
           </p:cNvPr>
@@ -6029,7 +6062,7 @@
           <p:cNvPr id="3" name="Content Placeholder 2">
             <a:extLst>
               <a:ext uri="{FF2B5EF4-FFF2-40B4-BE49-F238E27FC236}">
-                <a16:creationId xmlns:a16="http://schemas.microsoft.com/office/drawing/2014/main" xmlns="" id="{DF74281C-C057-4929-9F65-962EA3ABC64D}"/>
+                <a16:creationId xmlns:a16="http://schemas.microsoft.com/office/drawing/2014/main" id="{DF74281C-C057-4929-9F65-962EA3ABC64D}"/>
               </a:ext>
             </a:extLst>
           </p:cNvPr>
@@ -6443,13 +6476,6 @@
   <p:clrMapOvr>
     <a:masterClrMapping/>
   </p:clrMapOvr>
-  <p:timing>
-    <p:tnLst>
-      <p:par>
-        <p:cTn id="1" dur="indefinite" restart="never" nodeType="tmRoot"/>
-      </p:par>
-    </p:tnLst>
-  </p:timing>
 </p:sld>
 </file>
 
@@ -6475,7 +6501,7 @@
           <p:cNvPr id="8" name="Picture 7">
             <a:extLst>
               <a:ext uri="{FF2B5EF4-FFF2-40B4-BE49-F238E27FC236}">
-                <a16:creationId xmlns:a16="http://schemas.microsoft.com/office/drawing/2014/main" xmlns="" id="{40341967-EDB8-4740-8E70-5B1E27690509}"/>
+                <a16:creationId xmlns:a16="http://schemas.microsoft.com/office/drawing/2014/main" id="{40341967-EDB8-4740-8E70-5B1E27690509}"/>
               </a:ext>
             </a:extLst>
           </p:cNvPr>
@@ -6516,13 +6542,6 @@
   <p:clrMapOvr>
     <a:masterClrMapping/>
   </p:clrMapOvr>
-  <p:timing>
-    <p:tnLst>
-      <p:par>
-        <p:cTn id="1" dur="indefinite" restart="never" nodeType="tmRoot"/>
-      </p:par>
-    </p:tnLst>
-  </p:timing>
 </p:sld>
 </file>
 
@@ -6576,7 +6595,7 @@
           <p:cNvPr id="5" name="Picture 4">
             <a:extLst>
               <a:ext uri="{FF2B5EF4-FFF2-40B4-BE49-F238E27FC236}">
-                <a16:creationId xmlns:a16="http://schemas.microsoft.com/office/drawing/2014/main" xmlns="" id="{EF85605A-3E1D-4E90-B105-02687B8EC017}"/>
+                <a16:creationId xmlns:a16="http://schemas.microsoft.com/office/drawing/2014/main" id="{EF85605A-3E1D-4E90-B105-02687B8EC017}"/>
               </a:ext>
             </a:extLst>
           </p:cNvPr>
@@ -6617,13 +6636,6 @@
   <p:clrMapOvr>
     <a:masterClrMapping/>
   </p:clrMapOvr>
-  <p:timing>
-    <p:tnLst>
-      <p:par>
-        <p:cTn id="1" dur="indefinite" restart="never" nodeType="tmRoot"/>
-      </p:par>
-    </p:tnLst>
-  </p:timing>
 </p:sld>
 </file>
 
@@ -6847,7 +6859,7 @@
         </p:nvSpPr>
         <p:spPr>
           <a:xfrm>
-            <a:off x="5013868" y="812632"/>
+            <a:off x="5044013" y="135976"/>
             <a:ext cx="2103974" cy="369332"/>
           </a:xfrm>
           <a:prstGeom prst="rect">
@@ -6873,257 +6885,40 @@
           </a:p>
         </p:txBody>
       </p:sp>
-      <p:sp>
-        <p:nvSpPr>
-          <p:cNvPr id="5" name="Rectangle 4"/>
-          <p:cNvSpPr/>
+      <p:pic>
+        <p:nvPicPr>
+          <p:cNvPr id="6" name="Picture 5">
+            <a:extLst>
+              <a:ext uri="{FF2B5EF4-FFF2-40B4-BE49-F238E27FC236}">
+                <a16:creationId xmlns:a16="http://schemas.microsoft.com/office/drawing/2014/main" id="{E026896A-1354-4F70-8C0C-F33DB160A25C}"/>
+              </a:ext>
+            </a:extLst>
+          </p:cNvPr>
+          <p:cNvPicPr/>
           <p:nvPr/>
-        </p:nvSpPr>
-        <p:spPr>
-          <a:xfrm>
-            <a:off x="1959428" y="2061852"/>
-            <a:ext cx="9234435" cy="2646878"/>
+        </p:nvPicPr>
+        <p:blipFill>
+          <a:blip r:embed="rId2" cstate="print">
+            <a:extLst>
+              <a:ext uri="{28A0092B-C50C-407E-A947-70E740481C1C}">
+                <a14:useLocalDpi xmlns:a14="http://schemas.microsoft.com/office/drawing/2010/main" val="0"/>
+              </a:ext>
+            </a:extLst>
+          </a:blip>
+          <a:stretch>
+            <a:fillRect/>
+          </a:stretch>
+        </p:blipFill>
+        <p:spPr>
+          <a:xfrm>
+            <a:off x="1261872" y="505309"/>
+            <a:ext cx="9820656" cy="6216715"/>
           </a:xfrm>
           <a:prstGeom prst="rect">
             <a:avLst/>
           </a:prstGeom>
         </p:spPr>
-        <p:txBody>
-          <a:bodyPr wrap="square">
-            <a:spAutoFit/>
-          </a:bodyPr>
-          <a:lstStyle/>
-          <a:p>
-            <a:pPr algn="just">
-              <a:spcBef>
-                <a:spcPts val="150"/>
-              </a:spcBef>
-              <a:spcAft>
-                <a:spcPts val="600"/>
-              </a:spcAft>
-            </a:pPr>
-            <a:r>
-              <a:rPr lang="en-US" b="1" kern="100" dirty="0">
-                <a:effectLst/>
-                <a:latin typeface="Arial" panose="020B0604020202020204" pitchFamily="34" charset="0"/>
-                <a:ea typeface="Noto Serif CJK SC"/>
-                <a:cs typeface="Lohit Devanagari"/>
-              </a:rPr>
-              <a:t>1NF: </a:t>
-            </a:r>
-            <a:r>
-              <a:rPr lang="en-US" kern="100" dirty="0">
-                <a:effectLst/>
-                <a:latin typeface="Arial" panose="020B0604020202020204" pitchFamily="34" charset="0"/>
-                <a:ea typeface="Noto Serif CJK SC"/>
-                <a:cs typeface="Lohit Devanagari"/>
-              </a:rPr>
-              <a:t>In the schema we need to remove all the multivalued attributes. </a:t>
-            </a:r>
-            <a:endParaRPr lang="en-US" sz="1100" kern="100" dirty="0">
-              <a:effectLst/>
-              <a:latin typeface="Arial" panose="020B0604020202020204" pitchFamily="34" charset="0"/>
-              <a:ea typeface="Noto Serif CJK SC"/>
-              <a:cs typeface="Lohit Devanagari"/>
-            </a:endParaRPr>
-          </a:p>
-          <a:p>
-            <a:pPr algn="just">
-              <a:spcBef>
-                <a:spcPts val="150"/>
-              </a:spcBef>
-              <a:spcAft>
-                <a:spcPts val="600"/>
-              </a:spcAft>
-            </a:pPr>
-            <a:r>
-              <a:rPr lang="en-US" b="1" kern="100" dirty="0">
-                <a:effectLst/>
-                <a:latin typeface="Arial" panose="020B0604020202020204" pitchFamily="34" charset="0"/>
-                <a:ea typeface="Noto Serif CJK SC"/>
-                <a:cs typeface="Lohit Devanagari"/>
-              </a:rPr>
-              <a:t> </a:t>
-            </a:r>
-            <a:endParaRPr lang="en-US" sz="1100" kern="100" dirty="0">
-              <a:effectLst/>
-              <a:latin typeface="Arial" panose="020B0604020202020204" pitchFamily="34" charset="0"/>
-              <a:ea typeface="Noto Serif CJK SC"/>
-              <a:cs typeface="Lohit Devanagari"/>
-            </a:endParaRPr>
-          </a:p>
-          <a:p>
-            <a:pPr algn="just">
-              <a:spcBef>
-                <a:spcPts val="150"/>
-              </a:spcBef>
-              <a:spcAft>
-                <a:spcPts val="600"/>
-              </a:spcAft>
-            </a:pPr>
-            <a:r>
-              <a:rPr lang="en-US" b="1" kern="100" dirty="0">
-                <a:effectLst/>
-                <a:latin typeface="Arial" panose="020B0604020202020204" pitchFamily="34" charset="0"/>
-                <a:ea typeface="Noto Serif CJK SC"/>
-                <a:cs typeface="Lohit Devanagari"/>
-              </a:rPr>
-              <a:t>2NF: </a:t>
-            </a:r>
-            <a:r>
-              <a:rPr lang="en-US" kern="100" dirty="0">
-                <a:effectLst/>
-                <a:latin typeface="Arial" panose="020B0604020202020204" pitchFamily="34" charset="0"/>
-                <a:ea typeface="Noto Serif CJK SC"/>
-                <a:cs typeface="Lohit Devanagari"/>
-              </a:rPr>
-              <a:t>In this</a:t>
-            </a:r>
-            <a:r>
-              <a:rPr lang="en-US" b="1" kern="100" dirty="0">
-                <a:effectLst/>
-                <a:latin typeface="Arial" panose="020B0604020202020204" pitchFamily="34" charset="0"/>
-                <a:ea typeface="Noto Serif CJK SC"/>
-                <a:cs typeface="Lohit Devanagari"/>
-              </a:rPr>
-              <a:t> </a:t>
-            </a:r>
-            <a:r>
-              <a:rPr lang="en-US" kern="100" dirty="0">
-                <a:effectLst/>
-                <a:latin typeface="Arial" panose="020B0604020202020204" pitchFamily="34" charset="0"/>
-                <a:ea typeface="Noto Serif CJK SC"/>
-                <a:cs typeface="Lohit Devanagari"/>
-              </a:rPr>
-              <a:t>schema there will be no partial dependencies.</a:t>
-            </a:r>
-            <a:endParaRPr lang="en-US" sz="1100" kern="100" dirty="0">
-              <a:effectLst/>
-              <a:latin typeface="Arial" panose="020B0604020202020204" pitchFamily="34" charset="0"/>
-              <a:ea typeface="Noto Serif CJK SC"/>
-              <a:cs typeface="Lohit Devanagari"/>
-            </a:endParaRPr>
-          </a:p>
-          <a:p>
-            <a:pPr algn="just">
-              <a:spcBef>
-                <a:spcPts val="150"/>
-              </a:spcBef>
-              <a:spcAft>
-                <a:spcPts val="600"/>
-              </a:spcAft>
-            </a:pPr>
-            <a:r>
-              <a:rPr lang="en-US" kern="100" dirty="0">
-                <a:effectLst/>
-                <a:latin typeface="Arial" panose="020B0604020202020204" pitchFamily="34" charset="0"/>
-                <a:ea typeface="Noto Serif CJK SC"/>
-                <a:cs typeface="Lohit Devanagari"/>
-              </a:rPr>
-              <a:t> </a:t>
-            </a:r>
-            <a:endParaRPr lang="en-US" sz="1100" kern="100" dirty="0">
-              <a:effectLst/>
-              <a:latin typeface="Arial" panose="020B0604020202020204" pitchFamily="34" charset="0"/>
-              <a:ea typeface="Noto Serif CJK SC"/>
-              <a:cs typeface="Lohit Devanagari"/>
-            </a:endParaRPr>
-          </a:p>
-          <a:p>
-            <a:pPr algn="just">
-              <a:spcBef>
-                <a:spcPts val="150"/>
-              </a:spcBef>
-              <a:spcAft>
-                <a:spcPts val="600"/>
-              </a:spcAft>
-            </a:pPr>
-            <a:r>
-              <a:rPr lang="en-US" b="1" kern="100" dirty="0">
-                <a:effectLst/>
-                <a:latin typeface="Arial" panose="020B0604020202020204" pitchFamily="34" charset="0"/>
-                <a:ea typeface="Noto Serif CJK SC"/>
-                <a:cs typeface="Lohit Devanagari"/>
-              </a:rPr>
-              <a:t>3NF: </a:t>
-            </a:r>
-            <a:r>
-              <a:rPr lang="en-US" kern="100" dirty="0">
-                <a:effectLst/>
-                <a:latin typeface="Arial" panose="020B0604020202020204" pitchFamily="34" charset="0"/>
-                <a:ea typeface="Noto Serif CJK SC"/>
-                <a:cs typeface="Lohit Devanagari"/>
-              </a:rPr>
-              <a:t>In this schema we have to remove transitive dependencies. </a:t>
-            </a:r>
-            <a:endParaRPr lang="en-US" sz="1100" kern="100" dirty="0">
-              <a:effectLst/>
-              <a:latin typeface="Arial" panose="020B0604020202020204" pitchFamily="34" charset="0"/>
-              <a:ea typeface="Noto Serif CJK SC"/>
-              <a:cs typeface="Lohit Devanagari"/>
-            </a:endParaRPr>
-          </a:p>
-          <a:p>
-            <a:pPr algn="just">
-              <a:spcBef>
-                <a:spcPts val="150"/>
-              </a:spcBef>
-              <a:spcAft>
-                <a:spcPts val="600"/>
-              </a:spcAft>
-            </a:pPr>
-            <a:r>
-              <a:rPr lang="en-US" kern="100" dirty="0">
-                <a:effectLst/>
-                <a:latin typeface="Arial" panose="020B0604020202020204" pitchFamily="34" charset="0"/>
-                <a:ea typeface="Noto Serif CJK SC"/>
-                <a:cs typeface="Lohit Devanagari"/>
-              </a:rPr>
-              <a:t> </a:t>
-            </a:r>
-            <a:endParaRPr lang="en-US" sz="1100" kern="100" dirty="0">
-              <a:effectLst/>
-              <a:latin typeface="Arial" panose="020B0604020202020204" pitchFamily="34" charset="0"/>
-              <a:ea typeface="Noto Serif CJK SC"/>
-              <a:cs typeface="Lohit Devanagari"/>
-            </a:endParaRPr>
-          </a:p>
-          <a:p>
-            <a:pPr algn="just">
-              <a:spcBef>
-                <a:spcPts val="150"/>
-              </a:spcBef>
-              <a:spcAft>
-                <a:spcPts val="600"/>
-              </a:spcAft>
-            </a:pPr>
-            <a:r>
-              <a:rPr lang="en-US" b="1" kern="100" dirty="0">
-                <a:effectLst/>
-                <a:latin typeface="Arial" panose="020B0604020202020204" pitchFamily="34" charset="0"/>
-                <a:ea typeface="Noto Serif CJK SC"/>
-                <a:cs typeface="Lohit Devanagari"/>
-              </a:rPr>
-              <a:t>BCNF: </a:t>
-            </a:r>
-            <a:r>
-              <a:rPr lang="en-US" kern="100" dirty="0">
-                <a:effectLst/>
-                <a:latin typeface="Arial" panose="020B0604020202020204" pitchFamily="34" charset="0"/>
-                <a:ea typeface="Noto Serif CJK SC"/>
-                <a:cs typeface="Lohit Devanagari"/>
-              </a:rPr>
-              <a:t>Remove remaining anomalies resulting from multiple candidate keys.</a:t>
-            </a:r>
-            <a:endParaRPr lang="en-US" sz="1100" kern="100" dirty="0">
-              <a:effectLst/>
-              <a:latin typeface="Arial" panose="020B0604020202020204" pitchFamily="34" charset="0"/>
-              <a:ea typeface="Noto Serif CJK SC"/>
-              <a:cs typeface="Lohit Devanagari"/>
-            </a:endParaRPr>
-          </a:p>
-        </p:txBody>
-      </p:sp>
+      </p:pic>
     </p:spTree>
     <p:extLst>
       <p:ext uri="{BB962C8B-B14F-4D97-AF65-F5344CB8AC3E}">
@@ -7134,13 +6929,6 @@
   <p:clrMapOvr>
     <a:masterClrMapping/>
   </p:clrMapOvr>
-  <p:timing>
-    <p:tnLst>
-      <p:par>
-        <p:cTn id="1" dur="indefinite" restart="never" nodeType="tmRoot"/>
-      </p:par>
-    </p:tnLst>
-  </p:timing>
 </p:sld>
 </file>
 
@@ -8501,7 +8289,7 @@
           <p:cNvPr id="2" name="Title 1">
             <a:extLst>
               <a:ext uri="{FF2B5EF4-FFF2-40B4-BE49-F238E27FC236}">
-                <a16:creationId xmlns:a16="http://schemas.microsoft.com/office/drawing/2014/main" xmlns="" id="{81B75A47-2FB1-446D-804D-1B6EBE28C474}"/>
+                <a16:creationId xmlns:a16="http://schemas.microsoft.com/office/drawing/2014/main" id="{81B75A47-2FB1-446D-804D-1B6EBE28C474}"/>
               </a:ext>
             </a:extLst>
           </p:cNvPr>
@@ -8533,7 +8321,7 @@
           <p:cNvPr id="3" name="Content Placeholder 2">
             <a:extLst>
               <a:ext uri="{FF2B5EF4-FFF2-40B4-BE49-F238E27FC236}">
-                <a16:creationId xmlns:a16="http://schemas.microsoft.com/office/drawing/2014/main" xmlns="" id="{AC16DA37-B59D-4666-B78D-B3E8130BAC99}"/>
+                <a16:creationId xmlns:a16="http://schemas.microsoft.com/office/drawing/2014/main" id="{AC16DA37-B59D-4666-B78D-B3E8130BAC99}"/>
               </a:ext>
             </a:extLst>
           </p:cNvPr>
@@ -8693,7 +8481,7 @@
           <p:cNvPr id="3" name="Picture 2">
             <a:extLst>
               <a:ext uri="{FF2B5EF4-FFF2-40B4-BE49-F238E27FC236}">
-                <a16:creationId xmlns:a16="http://schemas.microsoft.com/office/drawing/2014/main" xmlns="" id="{B219DAAB-AB6B-48A6-9118-2C6D519144F7}"/>
+                <a16:creationId xmlns:a16="http://schemas.microsoft.com/office/drawing/2014/main" id="{B219DAAB-AB6B-48A6-9118-2C6D519144F7}"/>
               </a:ext>
             </a:extLst>
           </p:cNvPr>
@@ -8759,7 +8547,7 @@
           <p:cNvPr id="3" name="Picture 2">
             <a:extLst>
               <a:ext uri="{FF2B5EF4-FFF2-40B4-BE49-F238E27FC236}">
-                <a16:creationId xmlns:a16="http://schemas.microsoft.com/office/drawing/2014/main" xmlns="" id="{737A4AB1-D46F-4580-984F-1992B5E8C653}"/>
+                <a16:creationId xmlns:a16="http://schemas.microsoft.com/office/drawing/2014/main" id="{737A4AB1-D46F-4580-984F-1992B5E8C653}"/>
               </a:ext>
             </a:extLst>
           </p:cNvPr>
@@ -9113,7 +8901,7 @@
           <p:cNvPr id="2" name="Title 1">
             <a:extLst>
               <a:ext uri="{FF2B5EF4-FFF2-40B4-BE49-F238E27FC236}">
-                <a16:creationId xmlns:a16="http://schemas.microsoft.com/office/drawing/2014/main" xmlns="" id="{5FFB0ED7-2AF1-476C-9C60-A000635BA4A7}"/>
+                <a16:creationId xmlns:a16="http://schemas.microsoft.com/office/drawing/2014/main" id="{5FFB0ED7-2AF1-476C-9C60-A000635BA4A7}"/>
               </a:ext>
             </a:extLst>
           </p:cNvPr>
@@ -9138,15 +8926,6 @@
               </a:rPr>
               <a:t>CHAPTER 5</a:t>
             </a:r>
-            <a:r>
-              <a:rPr lang="en-US" sz="1800" kern="100" dirty="0">
-                <a:effectLst/>
-                <a:latin typeface="Arial" panose="020B0604020202020204" pitchFamily="34" charset="0"/>
-                <a:ea typeface="Noto Serif CJK SC"/>
-                <a:cs typeface="Lohit Devanagari"/>
-              </a:rPr>
-              <a:t/>
-            </a:r>
             <a:br>
               <a:rPr lang="en-US" sz="1800" kern="100" dirty="0">
                 <a:effectLst/>
@@ -9164,7 +8943,7 @@
           <p:cNvPr id="3" name="Subtitle 2">
             <a:extLst>
               <a:ext uri="{FF2B5EF4-FFF2-40B4-BE49-F238E27FC236}">
-                <a16:creationId xmlns:a16="http://schemas.microsoft.com/office/drawing/2014/main" xmlns="" id="{2E04C689-99B5-42B6-B4BE-661898DB0B73}"/>
+                <a16:creationId xmlns:a16="http://schemas.microsoft.com/office/drawing/2014/main" id="{2E04C689-99B5-42B6-B4BE-661898DB0B73}"/>
               </a:ext>
             </a:extLst>
           </p:cNvPr>
@@ -9197,6 +8976,345 @@
     <p:extLst>
       <p:ext uri="{BB962C8B-B14F-4D97-AF65-F5344CB8AC3E}">
         <p14:creationId xmlns:p14="http://schemas.microsoft.com/office/powerpoint/2010/main" val="992736471"/>
+      </p:ext>
+    </p:extLst>
+  </p:cSld>
+  <p:clrMapOvr>
+    <a:masterClrMapping/>
+  </p:clrMapOvr>
+</p:sld>
+</file>
+
+<file path=ppt/slides/slide49.xml><?xml version="1.0" encoding="utf-8"?>
+<p:sld xmlns:a="http://schemas.openxmlformats.org/drawingml/2006/main" xmlns:r="http://schemas.openxmlformats.org/officeDocument/2006/relationships" xmlns:p="http://schemas.openxmlformats.org/presentationml/2006/main">
+  <p:cSld>
+    <p:spTree>
+      <p:nvGrpSpPr>
+        <p:cNvPr id="1" name=""/>
+        <p:cNvGrpSpPr/>
+        <p:nvPr/>
+      </p:nvGrpSpPr>
+      <p:grpSpPr>
+        <a:xfrm>
+          <a:off x="0" y="0"/>
+          <a:ext cx="0" cy="0"/>
+          <a:chOff x="0" y="0"/>
+          <a:chExt cx="0" cy="0"/>
+        </a:xfrm>
+      </p:grpSpPr>
+      <p:sp>
+        <p:nvSpPr>
+          <p:cNvPr id="2" name="Title 1">
+            <a:extLst>
+              <a:ext uri="{FF2B5EF4-FFF2-40B4-BE49-F238E27FC236}">
+                <a16:creationId xmlns:a16="http://schemas.microsoft.com/office/drawing/2014/main" id="{4D9ADA70-27D5-43EF-A236-BEDD52013370}"/>
+              </a:ext>
+            </a:extLst>
+          </p:cNvPr>
+          <p:cNvSpPr>
+            <a:spLocks noGrp="1"/>
+          </p:cNvSpPr>
+          <p:nvPr>
+            <p:ph type="title"/>
+          </p:nvPr>
+        </p:nvSpPr>
+        <p:spPr>
+          <a:xfrm>
+            <a:off x="1371600" y="685800"/>
+            <a:ext cx="9601200" cy="685800"/>
+          </a:xfrm>
+        </p:spPr>
+        <p:txBody>
+          <a:bodyPr>
+            <a:normAutofit fontScale="90000"/>
+          </a:bodyPr>
+          <a:lstStyle/>
+          <a:p>
+            <a:r>
+              <a:rPr lang="en-US" sz="3200" b="1" kern="100" dirty="0">
+                <a:effectLst/>
+                <a:latin typeface="Arial" panose="020B0604020202020204" pitchFamily="34" charset="0"/>
+                <a:ea typeface="Noto Serif CJK SC"/>
+                <a:cs typeface="Arial" panose="020B0604020202020204" pitchFamily="34" charset="0"/>
+              </a:rPr>
+              <a:t>                             Problem &amp; Solution</a:t>
+            </a:r>
+            <a:br>
+              <a:rPr lang="en-US" sz="1800" kern="100" dirty="0">
+                <a:effectLst/>
+                <a:latin typeface="Arial" panose="020B0604020202020204" pitchFamily="34" charset="0"/>
+                <a:ea typeface="Noto Serif CJK SC"/>
+                <a:cs typeface="Lohit Devanagari"/>
+              </a:rPr>
+            </a:br>
+            <a:endParaRPr lang="en-US" dirty="0"/>
+          </a:p>
+        </p:txBody>
+      </p:sp>
+      <p:sp>
+        <p:nvSpPr>
+          <p:cNvPr id="3" name="Content Placeholder 2">
+            <a:extLst>
+              <a:ext uri="{FF2B5EF4-FFF2-40B4-BE49-F238E27FC236}">
+                <a16:creationId xmlns:a16="http://schemas.microsoft.com/office/drawing/2014/main" id="{FE1370AA-CE66-4DE5-86EC-473F0B38AB91}"/>
+              </a:ext>
+            </a:extLst>
+          </p:cNvPr>
+          <p:cNvSpPr>
+            <a:spLocks noGrp="1"/>
+          </p:cNvSpPr>
+          <p:nvPr>
+            <p:ph idx="1"/>
+          </p:nvPr>
+        </p:nvSpPr>
+        <p:spPr>
+          <a:xfrm>
+            <a:off x="1371600" y="1371600"/>
+            <a:ext cx="9601200" cy="5047488"/>
+          </a:xfrm>
+        </p:spPr>
+        <p:txBody>
+          <a:bodyPr>
+            <a:normAutofit fontScale="92500" lnSpcReduction="10000"/>
+          </a:bodyPr>
+          <a:lstStyle/>
+          <a:p>
+            <a:pPr marL="0" marR="0" indent="0" algn="l">
+              <a:spcBef>
+                <a:spcPts val="150"/>
+              </a:spcBef>
+              <a:spcAft>
+                <a:spcPts val="600"/>
+              </a:spcAft>
+              <a:buNone/>
+              <a:tabLst>
+                <a:tab pos="2510155" algn="l"/>
+              </a:tabLst>
+            </a:pPr>
+            <a:r>
+              <a:rPr lang="en-US" kern="100" dirty="0">
+                <a:effectLst/>
+                <a:latin typeface="Arial" panose="020B0604020202020204" pitchFamily="34" charset="0"/>
+                <a:ea typeface="Noto Serif CJK SC"/>
+                <a:cs typeface="Arial" panose="020B0604020202020204" pitchFamily="34" charset="0"/>
+              </a:rPr>
+              <a:t>1.When drawing the Rich Picture, we had to face the challenge of keeping the sequence in the right order.</a:t>
+            </a:r>
+          </a:p>
+          <a:p>
+            <a:pPr marL="0" marR="0" indent="0" algn="l">
+              <a:spcBef>
+                <a:spcPts val="150"/>
+              </a:spcBef>
+              <a:spcAft>
+                <a:spcPts val="600"/>
+              </a:spcAft>
+              <a:buNone/>
+              <a:tabLst>
+                <a:tab pos="2510155" algn="l"/>
+              </a:tabLst>
+            </a:pPr>
+            <a:endParaRPr lang="en-US" kern="100" dirty="0">
+              <a:effectLst/>
+              <a:latin typeface="Arial" panose="020B0604020202020204" pitchFamily="34" charset="0"/>
+              <a:ea typeface="Noto Serif CJK SC"/>
+              <a:cs typeface="Lohit Devanagari"/>
+            </a:endParaRPr>
+          </a:p>
+          <a:p>
+            <a:pPr marL="0" marR="0" indent="0" algn="l">
+              <a:spcBef>
+                <a:spcPts val="150"/>
+              </a:spcBef>
+              <a:spcAft>
+                <a:spcPts val="600"/>
+              </a:spcAft>
+              <a:buNone/>
+              <a:tabLst>
+                <a:tab pos="2510155" algn="l"/>
+              </a:tabLst>
+            </a:pPr>
+            <a:r>
+              <a:rPr lang="en-US" kern="100" dirty="0">
+                <a:effectLst/>
+                <a:latin typeface="Arial" panose="020B0604020202020204" pitchFamily="34" charset="0"/>
+                <a:ea typeface="Noto Serif CJK SC"/>
+                <a:cs typeface="Arial" panose="020B0604020202020204" pitchFamily="34" charset="0"/>
+              </a:rPr>
+              <a:t>2.Had to take decisions on groups meetings for the BCNF part in Normalizations as we were not sure that it will exist or not.</a:t>
+            </a:r>
+          </a:p>
+          <a:p>
+            <a:pPr marL="0" marR="0" indent="0" algn="l">
+              <a:spcBef>
+                <a:spcPts val="150"/>
+              </a:spcBef>
+              <a:spcAft>
+                <a:spcPts val="600"/>
+              </a:spcAft>
+              <a:buNone/>
+              <a:tabLst>
+                <a:tab pos="2510155" algn="l"/>
+              </a:tabLst>
+            </a:pPr>
+            <a:endParaRPr lang="en-US" kern="100" dirty="0">
+              <a:effectLst/>
+              <a:latin typeface="Arial" panose="020B0604020202020204" pitchFamily="34" charset="0"/>
+              <a:ea typeface="Noto Serif CJK SC"/>
+              <a:cs typeface="Lohit Devanagari"/>
+            </a:endParaRPr>
+          </a:p>
+          <a:p>
+            <a:pPr marL="0" marR="0" indent="0" algn="l">
+              <a:spcBef>
+                <a:spcPts val="150"/>
+              </a:spcBef>
+              <a:spcAft>
+                <a:spcPts val="600"/>
+              </a:spcAft>
+              <a:buNone/>
+              <a:tabLst>
+                <a:tab pos="2510155" algn="l"/>
+              </a:tabLst>
+            </a:pPr>
+            <a:r>
+              <a:rPr lang="en-US" kern="100" dirty="0">
+                <a:effectLst/>
+                <a:latin typeface="Arial" panose="020B0604020202020204" pitchFamily="34" charset="0"/>
+                <a:ea typeface="Noto Serif CJK SC"/>
+                <a:cs typeface="Arial" panose="020B0604020202020204" pitchFamily="34" charset="0"/>
+              </a:rPr>
+              <a:t>3.</a:t>
+            </a:r>
+            <a:r>
+              <a:rPr lang="en-US" kern="100" dirty="0">
+                <a:effectLst/>
+                <a:latin typeface="Arial" panose="020B0604020202020204" pitchFamily="34" charset="0"/>
+                <a:ea typeface="Noto Serif CJK SC"/>
+                <a:cs typeface="Lohit Devanagari"/>
+              </a:rPr>
+              <a:t> </a:t>
+            </a:r>
+            <a:r>
+              <a:rPr lang="en-US" kern="100" dirty="0">
+                <a:effectLst/>
+                <a:latin typeface="Arial" panose="020B0604020202020204" pitchFamily="34" charset="0"/>
+                <a:ea typeface="Noto Serif CJK SC"/>
+                <a:cs typeface="Arial" panose="020B0604020202020204" pitchFamily="34" charset="0"/>
+              </a:rPr>
+              <a:t>We used draw.io for BPMN and had difficulties understanding the sequence.</a:t>
+            </a:r>
+          </a:p>
+          <a:p>
+            <a:pPr marL="0" marR="0" indent="0" algn="l">
+              <a:spcBef>
+                <a:spcPts val="150"/>
+              </a:spcBef>
+              <a:spcAft>
+                <a:spcPts val="600"/>
+              </a:spcAft>
+              <a:buNone/>
+              <a:tabLst>
+                <a:tab pos="2510155" algn="l"/>
+              </a:tabLst>
+            </a:pPr>
+            <a:endParaRPr lang="en-US" kern="100" dirty="0">
+              <a:effectLst/>
+              <a:latin typeface="Arial" panose="020B0604020202020204" pitchFamily="34" charset="0"/>
+              <a:ea typeface="Noto Serif CJK SC"/>
+              <a:cs typeface="Lohit Devanagari"/>
+            </a:endParaRPr>
+          </a:p>
+          <a:p>
+            <a:pPr marL="0" marR="0" indent="0" algn="l">
+              <a:spcBef>
+                <a:spcPts val="150"/>
+              </a:spcBef>
+              <a:spcAft>
+                <a:spcPts val="600"/>
+              </a:spcAft>
+              <a:buNone/>
+              <a:tabLst>
+                <a:tab pos="2510155" algn="l"/>
+              </a:tabLst>
+            </a:pPr>
+            <a:r>
+              <a:rPr lang="en-US" kern="100" dirty="0">
+                <a:effectLst/>
+                <a:latin typeface="Arial" panose="020B0604020202020204" pitchFamily="34" charset="0"/>
+                <a:ea typeface="Noto Serif CJK SC"/>
+                <a:cs typeface="Arial" panose="020B0604020202020204" pitchFamily="34" charset="0"/>
+              </a:rPr>
+              <a:t>4.When creating the database, we had to find the exact entity and attributes but we were not sure to include it from our report that we already created or the project templates which had been provided. We still have confusions in this specific part but we think it is perfect as the project template is only for data entry and our report is based on overall SPEMS system...  </a:t>
+            </a:r>
+          </a:p>
+          <a:p>
+            <a:pPr marL="0" marR="0" indent="0" algn="l">
+              <a:spcBef>
+                <a:spcPts val="150"/>
+              </a:spcBef>
+              <a:spcAft>
+                <a:spcPts val="600"/>
+              </a:spcAft>
+              <a:buNone/>
+              <a:tabLst>
+                <a:tab pos="2510155" algn="l"/>
+              </a:tabLst>
+            </a:pPr>
+            <a:r>
+              <a:rPr lang="en-US" kern="100" dirty="0">
+                <a:effectLst/>
+                <a:latin typeface="Arial" panose="020B0604020202020204" pitchFamily="34" charset="0"/>
+                <a:ea typeface="Noto Serif CJK SC"/>
+                <a:cs typeface="Arial" panose="020B0604020202020204" pitchFamily="34" charset="0"/>
+              </a:rPr>
+              <a:t>    </a:t>
+            </a:r>
+            <a:endParaRPr lang="en-US" kern="100" dirty="0">
+              <a:effectLst/>
+              <a:latin typeface="Arial" panose="020B0604020202020204" pitchFamily="34" charset="0"/>
+              <a:ea typeface="Noto Serif CJK SC"/>
+              <a:cs typeface="Lohit Devanagari"/>
+            </a:endParaRPr>
+          </a:p>
+          <a:p>
+            <a:pPr marL="0" marR="0" indent="0" algn="l">
+              <a:spcBef>
+                <a:spcPts val="150"/>
+              </a:spcBef>
+              <a:spcAft>
+                <a:spcPts val="600"/>
+              </a:spcAft>
+              <a:buNone/>
+              <a:tabLst>
+                <a:tab pos="2510155" algn="l"/>
+              </a:tabLst>
+            </a:pPr>
+            <a:r>
+              <a:rPr lang="en-US" kern="100" dirty="0">
+                <a:effectLst/>
+                <a:latin typeface="Arial" panose="020B0604020202020204" pitchFamily="34" charset="0"/>
+                <a:ea typeface="Noto Serif CJK SC"/>
+                <a:cs typeface="Arial" panose="020B0604020202020204" pitchFamily="34" charset="0"/>
+              </a:rPr>
+              <a:t>5.We had problems understanding the exact relation for the Entity in ERD. We had to go through our class sides to get an idea.</a:t>
+            </a:r>
+            <a:endParaRPr lang="en-US" kern="100" dirty="0">
+              <a:effectLst/>
+              <a:latin typeface="Arial" panose="020B0604020202020204" pitchFamily="34" charset="0"/>
+              <a:ea typeface="Noto Serif CJK SC"/>
+              <a:cs typeface="Lohit Devanagari"/>
+            </a:endParaRPr>
+          </a:p>
+          <a:p>
+            <a:endParaRPr lang="en-US" dirty="0"/>
+          </a:p>
+        </p:txBody>
+      </p:sp>
+    </p:spTree>
+    <p:extLst>
+      <p:ext uri="{BB962C8B-B14F-4D97-AF65-F5344CB8AC3E}">
+        <p14:creationId xmlns:p14="http://schemas.microsoft.com/office/powerpoint/2010/main" val="593802018"/>
       </p:ext>
     </p:extLst>
   </p:cSld>
@@ -9233,7 +9351,12 @@
             <p:ph type="title"/>
           </p:nvPr>
         </p:nvSpPr>
-        <p:spPr/>
+        <p:spPr>
+          <a:xfrm>
+            <a:off x="1371600" y="685800"/>
+            <a:ext cx="9460523" cy="622495"/>
+          </a:xfrm>
+        </p:spPr>
         <p:txBody>
           <a:bodyPr>
             <a:normAutofit fontScale="90000"/>
@@ -9242,18 +9365,7 @@
           <a:p>
             <a:r>
               <a:rPr lang="en-US" sz="3600" b="1" dirty="0"/>
-              <a:t/>
-            </a:r>
-            <a:br>
-              <a:rPr lang="en-US" sz="3600" b="1" dirty="0"/>
-            </a:br>
-            <a:r>
-              <a:rPr lang="en-US" sz="3600" b="1" dirty="0"/>
               <a:t>RICH PICTURE (AS-IS)</a:t>
-            </a:r>
-            <a:r>
-              <a:rPr lang="en-US" b="1" dirty="0"/>
-              <a:t/>
             </a:r>
             <a:br>
               <a:rPr lang="en-US" b="1" dirty="0"/>
@@ -9280,8 +9392,8 @@
         </p:blipFill>
         <p:spPr>
           <a:xfrm>
-            <a:off x="3604846" y="1798655"/>
-            <a:ext cx="5134708" cy="4149970"/>
+            <a:off x="2883877" y="1308294"/>
+            <a:ext cx="7936523" cy="5189325"/>
           </a:xfrm>
           <a:prstGeom prst="rect">
             <a:avLst/>
@@ -9296,7 +9408,7 @@
         </p:nvSpPr>
         <p:spPr>
           <a:xfrm>
-            <a:off x="4963887" y="6049108"/>
+            <a:off x="5653204" y="6468012"/>
             <a:ext cx="3386294" cy="646331"/>
           </a:xfrm>
           <a:prstGeom prst="rect">

--- a/Report/PRESENTATION/New Microsoft PowerPoint Presentation.pptx
+++ b/Report/PRESENTATION/New Microsoft PowerPoint Presentation.pptx
@@ -4,6 +4,9 @@
   <p:sldMasterIdLst>
     <p:sldMasterId id="2147483660" r:id="rId1"/>
   </p:sldMasterIdLst>
+  <p:notesMasterIdLst>
+    <p:notesMasterId r:id="rId55"/>
+  </p:notesMasterIdLst>
   <p:sldIdLst>
     <p:sldId id="256" r:id="rId2"/>
     <p:sldId id="257" r:id="rId3"/>
@@ -49,11 +52,15 @@
     <p:sldId id="299" r:id="rId43"/>
     <p:sldId id="305" r:id="rId44"/>
     <p:sldId id="306" r:id="rId45"/>
-    <p:sldId id="300" r:id="rId46"/>
-    <p:sldId id="301" r:id="rId47"/>
-    <p:sldId id="302" r:id="rId48"/>
-    <p:sldId id="307" r:id="rId49"/>
-    <p:sldId id="308" r:id="rId50"/>
+    <p:sldId id="309" r:id="rId46"/>
+    <p:sldId id="310" r:id="rId47"/>
+    <p:sldId id="311" r:id="rId48"/>
+    <p:sldId id="312" r:id="rId49"/>
+    <p:sldId id="300" r:id="rId50"/>
+    <p:sldId id="301" r:id="rId51"/>
+    <p:sldId id="302" r:id="rId52"/>
+    <p:sldId id="307" r:id="rId53"/>
+    <p:sldId id="308" r:id="rId54"/>
   </p:sldIdLst>
   <p:sldSz cx="12192000" cy="6858000"/>
   <p:notesSz cx="6858000" cy="9144000"/>
@@ -160,6 +167,440 @@
 </p:presentation>
 </file>
 
+<file path=ppt/notesMasters/notesMaster1.xml><?xml version="1.0" encoding="utf-8"?>
+<p:notesMaster xmlns:a="http://schemas.openxmlformats.org/drawingml/2006/main" xmlns:r="http://schemas.openxmlformats.org/officeDocument/2006/relationships" xmlns:p="http://schemas.openxmlformats.org/presentationml/2006/main">
+  <p:cSld>
+    <p:bg>
+      <p:bgRef idx="1001">
+        <a:schemeClr val="bg1"/>
+      </p:bgRef>
+    </p:bg>
+    <p:spTree>
+      <p:nvGrpSpPr>
+        <p:cNvPr id="1" name=""/>
+        <p:cNvGrpSpPr/>
+        <p:nvPr/>
+      </p:nvGrpSpPr>
+      <p:grpSpPr>
+        <a:xfrm>
+          <a:off x="0" y="0"/>
+          <a:ext cx="0" cy="0"/>
+          <a:chOff x="0" y="0"/>
+          <a:chExt cx="0" cy="0"/>
+        </a:xfrm>
+      </p:grpSpPr>
+      <p:sp>
+        <p:nvSpPr>
+          <p:cNvPr id="2" name="Header Placeholder 1"/>
+          <p:cNvSpPr>
+            <a:spLocks noGrp="1"/>
+          </p:cNvSpPr>
+          <p:nvPr>
+            <p:ph type="hdr" sz="quarter"/>
+          </p:nvPr>
+        </p:nvSpPr>
+        <p:spPr>
+          <a:xfrm>
+            <a:off x="0" y="0"/>
+            <a:ext cx="2971800" cy="458788"/>
+          </a:xfrm>
+          <a:prstGeom prst="rect">
+            <a:avLst/>
+          </a:prstGeom>
+        </p:spPr>
+        <p:txBody>
+          <a:bodyPr vert="horz" lIns="91440" tIns="45720" rIns="91440" bIns="45720" rtlCol="0"/>
+          <a:lstStyle>
+            <a:lvl1pPr algn="l">
+              <a:defRPr sz="1200"/>
+            </a:lvl1pPr>
+          </a:lstStyle>
+          <a:p>
+            <a:endParaRPr lang="en-US"/>
+          </a:p>
+        </p:txBody>
+      </p:sp>
+      <p:sp>
+        <p:nvSpPr>
+          <p:cNvPr id="3" name="Date Placeholder 2"/>
+          <p:cNvSpPr>
+            <a:spLocks noGrp="1"/>
+          </p:cNvSpPr>
+          <p:nvPr>
+            <p:ph type="dt" idx="1"/>
+          </p:nvPr>
+        </p:nvSpPr>
+        <p:spPr>
+          <a:xfrm>
+            <a:off x="3884613" y="0"/>
+            <a:ext cx="2971800" cy="458788"/>
+          </a:xfrm>
+          <a:prstGeom prst="rect">
+            <a:avLst/>
+          </a:prstGeom>
+        </p:spPr>
+        <p:txBody>
+          <a:bodyPr vert="horz" lIns="91440" tIns="45720" rIns="91440" bIns="45720" rtlCol="0"/>
+          <a:lstStyle>
+            <a:lvl1pPr algn="r">
+              <a:defRPr sz="1200"/>
+            </a:lvl1pPr>
+          </a:lstStyle>
+          <a:p>
+            <a:fld id="{381D5D0D-F422-4396-8541-E0077353BAF0}" type="datetimeFigureOut">
+              <a:rPr lang="en-US" smtClean="0"/>
+              <a:t>22-May-21</a:t>
+            </a:fld>
+            <a:endParaRPr lang="en-US"/>
+          </a:p>
+        </p:txBody>
+      </p:sp>
+      <p:sp>
+        <p:nvSpPr>
+          <p:cNvPr id="4" name="Slide Image Placeholder 3"/>
+          <p:cNvSpPr>
+            <a:spLocks noGrp="1" noRot="1" noChangeAspect="1"/>
+          </p:cNvSpPr>
+          <p:nvPr>
+            <p:ph type="sldImg" idx="2"/>
+          </p:nvPr>
+        </p:nvSpPr>
+        <p:spPr>
+          <a:xfrm>
+            <a:off x="685800" y="1143000"/>
+            <a:ext cx="5486400" cy="3086100"/>
+          </a:xfrm>
+          <a:prstGeom prst="rect">
+            <a:avLst/>
+          </a:prstGeom>
+          <a:noFill/>
+          <a:ln w="12700">
+            <a:solidFill>
+              <a:prstClr val="black"/>
+            </a:solidFill>
+          </a:ln>
+        </p:spPr>
+        <p:txBody>
+          <a:bodyPr vert="horz" lIns="91440" tIns="45720" rIns="91440" bIns="45720" rtlCol="0" anchor="ctr"/>
+          <a:lstStyle/>
+          <a:p>
+            <a:endParaRPr lang="en-US"/>
+          </a:p>
+        </p:txBody>
+      </p:sp>
+      <p:sp>
+        <p:nvSpPr>
+          <p:cNvPr id="5" name="Notes Placeholder 4"/>
+          <p:cNvSpPr>
+            <a:spLocks noGrp="1"/>
+          </p:cNvSpPr>
+          <p:nvPr>
+            <p:ph type="body" sz="quarter" idx="3"/>
+          </p:nvPr>
+        </p:nvSpPr>
+        <p:spPr>
+          <a:xfrm>
+            <a:off x="685800" y="4400550"/>
+            <a:ext cx="5486400" cy="3600450"/>
+          </a:xfrm>
+          <a:prstGeom prst="rect">
+            <a:avLst/>
+          </a:prstGeom>
+        </p:spPr>
+        <p:txBody>
+          <a:bodyPr vert="horz" lIns="91440" tIns="45720" rIns="91440" bIns="45720" rtlCol="0"/>
+          <a:lstStyle/>
+          <a:p>
+            <a:pPr lvl="0"/>
+            <a:r>
+              <a:rPr lang="en-US" smtClean="0"/>
+              <a:t>Click to edit Master text styles</a:t>
+            </a:r>
+          </a:p>
+          <a:p>
+            <a:pPr lvl="1"/>
+            <a:r>
+              <a:rPr lang="en-US" smtClean="0"/>
+              <a:t>Second level</a:t>
+            </a:r>
+          </a:p>
+          <a:p>
+            <a:pPr lvl="2"/>
+            <a:r>
+              <a:rPr lang="en-US" smtClean="0"/>
+              <a:t>Third level</a:t>
+            </a:r>
+          </a:p>
+          <a:p>
+            <a:pPr lvl="3"/>
+            <a:r>
+              <a:rPr lang="en-US" smtClean="0"/>
+              <a:t>Fourth level</a:t>
+            </a:r>
+          </a:p>
+          <a:p>
+            <a:pPr lvl="4"/>
+            <a:r>
+              <a:rPr lang="en-US" smtClean="0"/>
+              <a:t>Fifth level</a:t>
+            </a:r>
+            <a:endParaRPr lang="en-US"/>
+          </a:p>
+        </p:txBody>
+      </p:sp>
+      <p:sp>
+        <p:nvSpPr>
+          <p:cNvPr id="6" name="Footer Placeholder 5"/>
+          <p:cNvSpPr>
+            <a:spLocks noGrp="1"/>
+          </p:cNvSpPr>
+          <p:nvPr>
+            <p:ph type="ftr" sz="quarter" idx="4"/>
+          </p:nvPr>
+        </p:nvSpPr>
+        <p:spPr>
+          <a:xfrm>
+            <a:off x="0" y="8685213"/>
+            <a:ext cx="2971800" cy="458787"/>
+          </a:xfrm>
+          <a:prstGeom prst="rect">
+            <a:avLst/>
+          </a:prstGeom>
+        </p:spPr>
+        <p:txBody>
+          <a:bodyPr vert="horz" lIns="91440" tIns="45720" rIns="91440" bIns="45720" rtlCol="0" anchor="b"/>
+          <a:lstStyle>
+            <a:lvl1pPr algn="l">
+              <a:defRPr sz="1200"/>
+            </a:lvl1pPr>
+          </a:lstStyle>
+          <a:p>
+            <a:endParaRPr lang="en-US"/>
+          </a:p>
+        </p:txBody>
+      </p:sp>
+      <p:sp>
+        <p:nvSpPr>
+          <p:cNvPr id="7" name="Slide Number Placeholder 6"/>
+          <p:cNvSpPr>
+            <a:spLocks noGrp="1"/>
+          </p:cNvSpPr>
+          <p:nvPr>
+            <p:ph type="sldNum" sz="quarter" idx="5"/>
+          </p:nvPr>
+        </p:nvSpPr>
+        <p:spPr>
+          <a:xfrm>
+            <a:off x="3884613" y="8685213"/>
+            <a:ext cx="2971800" cy="458787"/>
+          </a:xfrm>
+          <a:prstGeom prst="rect">
+            <a:avLst/>
+          </a:prstGeom>
+        </p:spPr>
+        <p:txBody>
+          <a:bodyPr vert="horz" lIns="91440" tIns="45720" rIns="91440" bIns="45720" rtlCol="0" anchor="b"/>
+          <a:lstStyle>
+            <a:lvl1pPr algn="r">
+              <a:defRPr sz="1200"/>
+            </a:lvl1pPr>
+          </a:lstStyle>
+          <a:p>
+            <a:fld id="{E1F7A5ED-A8A3-4206-8F88-CCE84DF85A56}" type="slidenum">
+              <a:rPr lang="en-US" smtClean="0"/>
+              <a:t>‹#›</a:t>
+            </a:fld>
+            <a:endParaRPr lang="en-US"/>
+          </a:p>
+        </p:txBody>
+      </p:sp>
+    </p:spTree>
+    <p:extLst>
+      <p:ext uri="{BB962C8B-B14F-4D97-AF65-F5344CB8AC3E}">
+        <p14:creationId xmlns:p14="http://schemas.microsoft.com/office/powerpoint/2010/main" val="1830792409"/>
+      </p:ext>
+    </p:extLst>
+  </p:cSld>
+  <p:clrMap bg1="lt1" tx1="dk1" bg2="lt2" tx2="dk2" accent1="accent1" accent2="accent2" accent3="accent3" accent4="accent4" accent5="accent5" accent6="accent6" hlink="hlink" folHlink="folHlink"/>
+  <p:notesStyle>
+    <a:lvl1pPr marL="0" algn="l" defTabSz="914400" rtl="0" eaLnBrk="1" latinLnBrk="0" hangingPunct="1">
+      <a:defRPr sz="1200" kern="1200">
+        <a:solidFill>
+          <a:schemeClr val="tx1"/>
+        </a:solidFill>
+        <a:latin typeface="+mn-lt"/>
+        <a:ea typeface="+mn-ea"/>
+        <a:cs typeface="+mn-cs"/>
+      </a:defRPr>
+    </a:lvl1pPr>
+    <a:lvl2pPr marL="457200" algn="l" defTabSz="914400" rtl="0" eaLnBrk="1" latinLnBrk="0" hangingPunct="1">
+      <a:defRPr sz="1200" kern="1200">
+        <a:solidFill>
+          <a:schemeClr val="tx1"/>
+        </a:solidFill>
+        <a:latin typeface="+mn-lt"/>
+        <a:ea typeface="+mn-ea"/>
+        <a:cs typeface="+mn-cs"/>
+      </a:defRPr>
+    </a:lvl2pPr>
+    <a:lvl3pPr marL="914400" algn="l" defTabSz="914400" rtl="0" eaLnBrk="1" latinLnBrk="0" hangingPunct="1">
+      <a:defRPr sz="1200" kern="1200">
+        <a:solidFill>
+          <a:schemeClr val="tx1"/>
+        </a:solidFill>
+        <a:latin typeface="+mn-lt"/>
+        <a:ea typeface="+mn-ea"/>
+        <a:cs typeface="+mn-cs"/>
+      </a:defRPr>
+    </a:lvl3pPr>
+    <a:lvl4pPr marL="1371600" algn="l" defTabSz="914400" rtl="0" eaLnBrk="1" latinLnBrk="0" hangingPunct="1">
+      <a:defRPr sz="1200" kern="1200">
+        <a:solidFill>
+          <a:schemeClr val="tx1"/>
+        </a:solidFill>
+        <a:latin typeface="+mn-lt"/>
+        <a:ea typeface="+mn-ea"/>
+        <a:cs typeface="+mn-cs"/>
+      </a:defRPr>
+    </a:lvl4pPr>
+    <a:lvl5pPr marL="1828800" algn="l" defTabSz="914400" rtl="0" eaLnBrk="1" latinLnBrk="0" hangingPunct="1">
+      <a:defRPr sz="1200" kern="1200">
+        <a:solidFill>
+          <a:schemeClr val="tx1"/>
+        </a:solidFill>
+        <a:latin typeface="+mn-lt"/>
+        <a:ea typeface="+mn-ea"/>
+        <a:cs typeface="+mn-cs"/>
+      </a:defRPr>
+    </a:lvl5pPr>
+    <a:lvl6pPr marL="2286000" algn="l" defTabSz="914400" rtl="0" eaLnBrk="1" latinLnBrk="0" hangingPunct="1">
+      <a:defRPr sz="1200" kern="1200">
+        <a:solidFill>
+          <a:schemeClr val="tx1"/>
+        </a:solidFill>
+        <a:latin typeface="+mn-lt"/>
+        <a:ea typeface="+mn-ea"/>
+        <a:cs typeface="+mn-cs"/>
+      </a:defRPr>
+    </a:lvl6pPr>
+    <a:lvl7pPr marL="2743200" algn="l" defTabSz="914400" rtl="0" eaLnBrk="1" latinLnBrk="0" hangingPunct="1">
+      <a:defRPr sz="1200" kern="1200">
+        <a:solidFill>
+          <a:schemeClr val="tx1"/>
+        </a:solidFill>
+        <a:latin typeface="+mn-lt"/>
+        <a:ea typeface="+mn-ea"/>
+        <a:cs typeface="+mn-cs"/>
+      </a:defRPr>
+    </a:lvl7pPr>
+    <a:lvl8pPr marL="3200400" algn="l" defTabSz="914400" rtl="0" eaLnBrk="1" latinLnBrk="0" hangingPunct="1">
+      <a:defRPr sz="1200" kern="1200">
+        <a:solidFill>
+          <a:schemeClr val="tx1"/>
+        </a:solidFill>
+        <a:latin typeface="+mn-lt"/>
+        <a:ea typeface="+mn-ea"/>
+        <a:cs typeface="+mn-cs"/>
+      </a:defRPr>
+    </a:lvl8pPr>
+    <a:lvl9pPr marL="3657600" algn="l" defTabSz="914400" rtl="0" eaLnBrk="1" latinLnBrk="0" hangingPunct="1">
+      <a:defRPr sz="1200" kern="1200">
+        <a:solidFill>
+          <a:schemeClr val="tx1"/>
+        </a:solidFill>
+        <a:latin typeface="+mn-lt"/>
+        <a:ea typeface="+mn-ea"/>
+        <a:cs typeface="+mn-cs"/>
+      </a:defRPr>
+    </a:lvl9pPr>
+  </p:notesStyle>
+</p:notesMaster>
+</file>
+
+<file path=ppt/notesSlides/notesSlide1.xml><?xml version="1.0" encoding="utf-8"?>
+<p:notes xmlns:a="http://schemas.openxmlformats.org/drawingml/2006/main" xmlns:r="http://schemas.openxmlformats.org/officeDocument/2006/relationships" xmlns:p="http://schemas.openxmlformats.org/presentationml/2006/main">
+  <p:cSld>
+    <p:spTree>
+      <p:nvGrpSpPr>
+        <p:cNvPr id="1" name=""/>
+        <p:cNvGrpSpPr/>
+        <p:nvPr/>
+      </p:nvGrpSpPr>
+      <p:grpSpPr>
+        <a:xfrm>
+          <a:off x="0" y="0"/>
+          <a:ext cx="0" cy="0"/>
+          <a:chOff x="0" y="0"/>
+          <a:chExt cx="0" cy="0"/>
+        </a:xfrm>
+      </p:grpSpPr>
+      <p:sp>
+        <p:nvSpPr>
+          <p:cNvPr id="2" name="Slide Image Placeholder 1"/>
+          <p:cNvSpPr>
+            <a:spLocks noGrp="1" noRot="1" noChangeAspect="1"/>
+          </p:cNvSpPr>
+          <p:nvPr>
+            <p:ph type="sldImg"/>
+          </p:nvPr>
+        </p:nvSpPr>
+        <p:spPr/>
+      </p:sp>
+      <p:sp>
+        <p:nvSpPr>
+          <p:cNvPr id="3" name="Notes Placeholder 2"/>
+          <p:cNvSpPr>
+            <a:spLocks noGrp="1"/>
+          </p:cNvSpPr>
+          <p:nvPr>
+            <p:ph type="body" idx="1"/>
+          </p:nvPr>
+        </p:nvSpPr>
+        <p:spPr/>
+        <p:txBody>
+          <a:bodyPr/>
+          <a:lstStyle/>
+          <a:p>
+            <a:endParaRPr lang="en-US" dirty="0"/>
+          </a:p>
+        </p:txBody>
+      </p:sp>
+      <p:sp>
+        <p:nvSpPr>
+          <p:cNvPr id="4" name="Slide Number Placeholder 3"/>
+          <p:cNvSpPr>
+            <a:spLocks noGrp="1"/>
+          </p:cNvSpPr>
+          <p:nvPr>
+            <p:ph type="sldNum" sz="quarter" idx="10"/>
+          </p:nvPr>
+        </p:nvSpPr>
+        <p:spPr/>
+        <p:txBody>
+          <a:bodyPr/>
+          <a:lstStyle/>
+          <a:p>
+            <a:fld id="{E1F7A5ED-A8A3-4206-8F88-CCE84DF85A56}" type="slidenum">
+              <a:rPr lang="en-US" smtClean="0"/>
+              <a:t>48</a:t>
+            </a:fld>
+            <a:endParaRPr lang="en-US"/>
+          </a:p>
+        </p:txBody>
+      </p:sp>
+    </p:spTree>
+    <p:extLst>
+      <p:ext uri="{BB962C8B-B14F-4D97-AF65-F5344CB8AC3E}">
+        <p14:creationId xmlns:p14="http://schemas.microsoft.com/office/powerpoint/2010/main" val="1154209133"/>
+      </p:ext>
+    </p:extLst>
+  </p:cSld>
+  <p:clrMapOvr>
+    <a:masterClrMapping/>
+  </p:clrMapOvr>
+</p:notes>
+</file>
+
 <file path=ppt/slideLayouts/slideLayout1.xml><?xml version="1.0" encoding="utf-8"?>
 <p:sldLayout xmlns:a="http://schemas.openxmlformats.org/drawingml/2006/main" xmlns:r="http://schemas.openxmlformats.org/officeDocument/2006/relationships" xmlns:p="http://schemas.openxmlformats.org/presentationml/2006/main" showMasterSp="0" type="title" preserve="1">
   <p:cSld name="Title Slide">
@@ -329,7 +770,7 @@
           <a:p>
             <a:fld id="{A840CD70-04EB-4289-BDC9-6FC404C6E220}" type="datetimeFigureOut">
               <a:rPr lang="en-US" smtClean="0"/>
-              <a:t>5/21/2021</a:t>
+              <a:t>22-May-21</a:t>
             </a:fld>
             <a:endParaRPr lang="en-US"/>
           </a:p>
@@ -659,7 +1100,7 @@
           <a:p>
             <a:fld id="{A840CD70-04EB-4289-BDC9-6FC404C6E220}" type="datetimeFigureOut">
               <a:rPr lang="en-US" smtClean="0"/>
-              <a:t>5/21/2021</a:t>
+              <a:t>22-May-21</a:t>
             </a:fld>
             <a:endParaRPr lang="en-US"/>
           </a:p>
@@ -839,7 +1280,7 @@
           <a:p>
             <a:fld id="{A840CD70-04EB-4289-BDC9-6FC404C6E220}" type="datetimeFigureOut">
               <a:rPr lang="en-US" smtClean="0"/>
-              <a:t>5/21/2021</a:t>
+              <a:t>22-May-21</a:t>
             </a:fld>
             <a:endParaRPr lang="en-US"/>
           </a:p>
@@ -1009,7 +1450,7 @@
           <a:p>
             <a:fld id="{A840CD70-04EB-4289-BDC9-6FC404C6E220}" type="datetimeFigureOut">
               <a:rPr lang="en-US" smtClean="0"/>
-              <a:t>5/21/2021</a:t>
+              <a:t>22-May-21</a:t>
             </a:fld>
             <a:endParaRPr lang="en-US"/>
           </a:p>
@@ -1286,7 +1727,7 @@
           <a:p>
             <a:fld id="{A840CD70-04EB-4289-BDC9-6FC404C6E220}" type="datetimeFigureOut">
               <a:rPr lang="en-US" smtClean="0"/>
-              <a:t>5/21/2021</a:t>
+              <a:t>22-May-21</a:t>
             </a:fld>
             <a:endParaRPr lang="en-US"/>
           </a:p>
@@ -1680,7 +2121,7 @@
           <a:p>
             <a:fld id="{A840CD70-04EB-4289-BDC9-6FC404C6E220}" type="datetimeFigureOut">
               <a:rPr lang="en-US" smtClean="0"/>
-              <a:t>5/21/2021</a:t>
+              <a:t>22-May-21</a:t>
             </a:fld>
             <a:endParaRPr lang="en-US"/>
           </a:p>
@@ -2157,7 +2598,7 @@
           <a:p>
             <a:fld id="{A840CD70-04EB-4289-BDC9-6FC404C6E220}" type="datetimeFigureOut">
               <a:rPr lang="en-US" smtClean="0"/>
-              <a:t>5/21/2021</a:t>
+              <a:t>22-May-21</a:t>
             </a:fld>
             <a:endParaRPr lang="en-US"/>
           </a:p>
@@ -2275,7 +2716,7 @@
           <a:p>
             <a:fld id="{A840CD70-04EB-4289-BDC9-6FC404C6E220}" type="datetimeFigureOut">
               <a:rPr lang="en-US" smtClean="0"/>
-              <a:t>5/21/2021</a:t>
+              <a:t>22-May-21</a:t>
             </a:fld>
             <a:endParaRPr lang="en-US"/>
           </a:p>
@@ -2370,7 +2811,7 @@
           <a:p>
             <a:fld id="{A840CD70-04EB-4289-BDC9-6FC404C6E220}" type="datetimeFigureOut">
               <a:rPr lang="en-US" smtClean="0"/>
-              <a:t>5/21/2021</a:t>
+              <a:t>22-May-21</a:t>
             </a:fld>
             <a:endParaRPr lang="en-US"/>
           </a:p>
@@ -2716,7 +3157,7 @@
           <a:p>
             <a:fld id="{A840CD70-04EB-4289-BDC9-6FC404C6E220}" type="datetimeFigureOut">
               <a:rPr lang="en-US" smtClean="0"/>
-              <a:t>5/21/2021</a:t>
+              <a:t>22-May-21</a:t>
             </a:fld>
             <a:endParaRPr lang="en-US"/>
           </a:p>
@@ -3104,7 +3545,7 @@
           <a:p>
             <a:fld id="{A840CD70-04EB-4289-BDC9-6FC404C6E220}" type="datetimeFigureOut">
               <a:rPr lang="en-US" smtClean="0"/>
-              <a:t>5/21/2021</a:t>
+              <a:t>22-May-21</a:t>
             </a:fld>
             <a:endParaRPr lang="en-US"/>
           </a:p>
@@ -3382,7 +3823,7 @@
           <a:p>
             <a:fld id="{A840CD70-04EB-4289-BDC9-6FC404C6E220}" type="datetimeFigureOut">
               <a:rPr lang="en-US" smtClean="0"/>
-              <a:t>5/21/2021</a:t>
+              <a:t>22-May-21</a:t>
             </a:fld>
             <a:endParaRPr lang="en-US"/>
           </a:p>
@@ -3926,6 +4367,10 @@
               <a:rPr lang="en-US" sz="2800" b="1" dirty="0"/>
               <a:t>PERFORMANCE MONITORING SYSTEM</a:t>
             </a:r>
+            <a:r>
+              <a:rPr lang="en-US" b="1" dirty="0"/>
+              <a:t/>
+            </a:r>
             <a:br>
               <a:rPr lang="en-US" b="1" dirty="0"/>
             </a:br>
@@ -4425,7 +4870,7 @@
           <p:cNvPr id="8" name="Picture 7">
             <a:extLst>
               <a:ext uri="{FF2B5EF4-FFF2-40B4-BE49-F238E27FC236}">
-                <a16:creationId xmlns:a16="http://schemas.microsoft.com/office/drawing/2014/main" id="{8EA94497-2991-4E7F-8C8C-6DC3F2B14251}"/>
+                <a16:creationId xmlns:a16="http://schemas.microsoft.com/office/drawing/2014/main" xmlns="" id="{8EA94497-2991-4E7F-8C8C-6DC3F2B14251}"/>
               </a:ext>
             </a:extLst>
           </p:cNvPr>
@@ -4492,7 +4937,7 @@
         </p:nvSpPr>
         <p:spPr>
           <a:xfrm>
-            <a:off x="5230493" y="5394960"/>
+            <a:off x="5178060" y="5602778"/>
             <a:ext cx="2578483" cy="400110"/>
           </a:xfrm>
           <a:prstGeom prst="rect">
@@ -4530,7 +4975,7 @@
           <p:cNvPr id="6" name="Picture 5">
             <a:extLst>
               <a:ext uri="{FF2B5EF4-FFF2-40B4-BE49-F238E27FC236}">
-                <a16:creationId xmlns:a16="http://schemas.microsoft.com/office/drawing/2014/main" id="{F2F99D93-7103-4FA0-AA46-06E63C94BEA2}"/>
+                <a16:creationId xmlns:a16="http://schemas.microsoft.com/office/drawing/2014/main" xmlns="" id="{F2F99D93-7103-4FA0-AA46-06E63C94BEA2}"/>
               </a:ext>
             </a:extLst>
           </p:cNvPr>
@@ -4551,8 +4996,8 @@
         </p:blipFill>
         <p:spPr>
           <a:xfrm>
-            <a:off x="2855912" y="1408176"/>
-            <a:ext cx="7787704" cy="3986784"/>
+            <a:off x="1188720" y="980902"/>
+            <a:ext cx="10557164" cy="4414058"/>
           </a:xfrm>
           <a:prstGeom prst="rect">
             <a:avLst/>
@@ -4715,8 +5160,8 @@
         </p:blipFill>
         <p:spPr>
           <a:xfrm>
-            <a:off x="3076867" y="401934"/>
-            <a:ext cx="6289628" cy="6049107"/>
+            <a:off x="2513531" y="418263"/>
+            <a:ext cx="7708154" cy="6049107"/>
           </a:xfrm>
           <a:prstGeom prst="rect">
             <a:avLst/>
@@ -4827,7 +5272,7 @@
         </p:nvSpPr>
         <p:spPr>
           <a:xfrm>
-            <a:off x="5075629" y="6477846"/>
+            <a:off x="5807149" y="6480075"/>
             <a:ext cx="1831848" cy="246221"/>
           </a:xfrm>
           <a:prstGeom prst="rect">
@@ -5016,8 +5461,8 @@
         </p:blipFill>
         <p:spPr>
           <a:xfrm>
-            <a:off x="3436536" y="271305"/>
-            <a:ext cx="5164853" cy="6329382"/>
+            <a:off x="3159580" y="222319"/>
+            <a:ext cx="6470510" cy="6329382"/>
           </a:xfrm>
           <a:prstGeom prst="rect">
             <a:avLst/>
@@ -5211,8 +5656,8 @@
         </p:blipFill>
         <p:spPr>
           <a:xfrm>
-            <a:off x="3074797" y="291402"/>
-            <a:ext cx="6429037" cy="6295292"/>
+            <a:off x="2824842" y="299566"/>
+            <a:ext cx="7185177" cy="6295292"/>
           </a:xfrm>
           <a:prstGeom prst="rect">
             <a:avLst/>
@@ -5271,8 +5716,8 @@
         </p:blipFill>
         <p:spPr>
           <a:xfrm>
-            <a:off x="3486778" y="221063"/>
-            <a:ext cx="5777803" cy="6430945"/>
+            <a:off x="2914650" y="245556"/>
+            <a:ext cx="6864281" cy="6430945"/>
           </a:xfrm>
           <a:prstGeom prst="rect">
             <a:avLst/>
@@ -5331,8 +5776,8 @@
         </p:blipFill>
         <p:spPr>
           <a:xfrm>
-            <a:off x="3336053" y="261257"/>
-            <a:ext cx="5888334" cy="6410848"/>
+            <a:off x="2784022" y="269421"/>
+            <a:ext cx="7060851" cy="6410848"/>
           </a:xfrm>
           <a:prstGeom prst="rect">
             <a:avLst/>
@@ -5597,7 +6042,7 @@
           <p:cNvPr id="9" name="Picture 8">
             <a:extLst>
               <a:ext uri="{FF2B5EF4-FFF2-40B4-BE49-F238E27FC236}">
-                <a16:creationId xmlns:a16="http://schemas.microsoft.com/office/drawing/2014/main" id="{293669F3-F46B-4CC1-A591-93DA96C1D8E5}"/>
+                <a16:creationId xmlns:a16="http://schemas.microsoft.com/office/drawing/2014/main" xmlns="" id="{293669F3-F46B-4CC1-A591-93DA96C1D8E5}"/>
               </a:ext>
             </a:extLst>
           </p:cNvPr>
@@ -5780,7 +6225,7 @@
           <p:cNvPr id="9" name="Picture 8">
             <a:extLst>
               <a:ext uri="{FF2B5EF4-FFF2-40B4-BE49-F238E27FC236}">
-                <a16:creationId xmlns:a16="http://schemas.microsoft.com/office/drawing/2014/main" id="{F6C69FF0-605C-416E-A81D-355493B36C23}"/>
+                <a16:creationId xmlns:a16="http://schemas.microsoft.com/office/drawing/2014/main" xmlns="" id="{F6C69FF0-605C-416E-A81D-355493B36C23}"/>
               </a:ext>
             </a:extLst>
           </p:cNvPr>
@@ -6030,7 +6475,7 @@
           <p:cNvPr id="2" name="Title 1">
             <a:extLst>
               <a:ext uri="{FF2B5EF4-FFF2-40B4-BE49-F238E27FC236}">
-                <a16:creationId xmlns:a16="http://schemas.microsoft.com/office/drawing/2014/main" id="{FA6C5C99-C5CC-4128-AEC1-BB01CFA19E4C}"/>
+                <a16:creationId xmlns:a16="http://schemas.microsoft.com/office/drawing/2014/main" xmlns="" id="{FA6C5C99-C5CC-4128-AEC1-BB01CFA19E4C}"/>
               </a:ext>
             </a:extLst>
           </p:cNvPr>
@@ -6062,7 +6507,7 @@
           <p:cNvPr id="3" name="Content Placeholder 2">
             <a:extLst>
               <a:ext uri="{FF2B5EF4-FFF2-40B4-BE49-F238E27FC236}">
-                <a16:creationId xmlns:a16="http://schemas.microsoft.com/office/drawing/2014/main" id="{DF74281C-C057-4929-9F65-962EA3ABC64D}"/>
+                <a16:creationId xmlns:a16="http://schemas.microsoft.com/office/drawing/2014/main" xmlns="" id="{DF74281C-C057-4929-9F65-962EA3ABC64D}"/>
               </a:ext>
             </a:extLst>
           </p:cNvPr>
@@ -6147,7 +6592,7 @@
         </p:nvSpPr>
         <p:spPr>
           <a:xfrm>
-            <a:off x="847133" y="243440"/>
+            <a:off x="5852462" y="243440"/>
             <a:ext cx="1619739" cy="369332"/>
           </a:xfrm>
           <a:prstGeom prst="rect">
@@ -6175,8 +6620,8 @@
         </p:nvSpPr>
         <p:spPr>
           <a:xfrm>
-            <a:off x="1446415" y="1202974"/>
-            <a:ext cx="10398582" cy="5477846"/>
+            <a:off x="1463041" y="612772"/>
+            <a:ext cx="10398582" cy="6340197"/>
           </a:xfrm>
           <a:prstGeom prst="rect">
             <a:avLst/>
@@ -6188,277 +6633,107 @@
           </a:bodyPr>
           <a:lstStyle/>
           <a:p>
-            <a:pPr marL="0" marR="0">
-              <a:lnSpc>
-                <a:spcPct val="107000"/>
-              </a:lnSpc>
-              <a:spcBef>
-                <a:spcPts val="0"/>
-              </a:spcBef>
-              <a:spcAft>
-                <a:spcPts val="800"/>
-              </a:spcAft>
-            </a:pPr>
-            <a:r>
-              <a:rPr lang="en-US" sz="1600" dirty="0">
-                <a:effectLst/>
-                <a:latin typeface="Calibri" panose="020F0502020204030204" pitchFamily="34" charset="0"/>
-                <a:ea typeface="Calibri" panose="020F0502020204030204" pitchFamily="34" charset="0"/>
-                <a:cs typeface="Times New Roman" panose="02020603050405020304" pitchFamily="18" charset="0"/>
-              </a:rPr>
-              <a:t>A university must assign many employee. Each employee is assigned by exactly one university. A university must consist of  many school. Each school is belongs to exactly one </a:t>
-            </a:r>
-            <a:r>
-              <a:rPr lang="en-US" sz="1600" dirty="0" err="1">
-                <a:effectLst/>
-                <a:latin typeface="Calibri" panose="020F0502020204030204" pitchFamily="34" charset="0"/>
-                <a:ea typeface="Calibri" panose="020F0502020204030204" pitchFamily="34" charset="0"/>
-                <a:cs typeface="Times New Roman" panose="02020603050405020304" pitchFamily="18" charset="0"/>
-              </a:rPr>
-              <a:t>university.An</a:t>
-            </a:r>
-            <a:r>
-              <a:rPr lang="en-US" sz="1600" dirty="0">
-                <a:effectLst/>
-                <a:latin typeface="Calibri" panose="020F0502020204030204" pitchFamily="34" charset="0"/>
-                <a:ea typeface="Calibri" panose="020F0502020204030204" pitchFamily="34" charset="0"/>
-                <a:cs typeface="Times New Roman" panose="02020603050405020304" pitchFamily="18" charset="0"/>
-              </a:rPr>
-              <a:t> employee can be faculty or VC. And a faculty can be dean of school or department </a:t>
-            </a:r>
-            <a:r>
-              <a:rPr lang="en-US" sz="1600" dirty="0" err="1">
-                <a:effectLst/>
-                <a:latin typeface="Calibri" panose="020F0502020204030204" pitchFamily="34" charset="0"/>
-                <a:ea typeface="Calibri" panose="020F0502020204030204" pitchFamily="34" charset="0"/>
-                <a:cs typeface="Times New Roman" panose="02020603050405020304" pitchFamily="18" charset="0"/>
-              </a:rPr>
-              <a:t>head.A</a:t>
-            </a:r>
-            <a:r>
-              <a:rPr lang="en-US" sz="1600" dirty="0">
-                <a:effectLst/>
-                <a:latin typeface="Calibri" panose="020F0502020204030204" pitchFamily="34" charset="0"/>
-                <a:ea typeface="Calibri" panose="020F0502020204030204" pitchFamily="34" charset="0"/>
-                <a:cs typeface="Times New Roman" panose="02020603050405020304" pitchFamily="18" charset="0"/>
-              </a:rPr>
-              <a:t> university must assign exactly one VC. Each VC is assigned by exactly one university. A faculty must assign to a section. Each section must have a faculty. A department must employee many faculty. Each faculty is employed by exactly one department.  a semester must consist of many faculty. Each faculty is assigned to exactly one semester. A dean of school is belongs to exactly one school. Each school must have exactly one dean of school. A department head is belongs to exactly one department. each department must have exactly one department </a:t>
-            </a:r>
-            <a:r>
-              <a:rPr lang="en-US" sz="1600" dirty="0" err="1">
-                <a:effectLst/>
-                <a:latin typeface="Calibri" panose="020F0502020204030204" pitchFamily="34" charset="0"/>
-                <a:ea typeface="Calibri" panose="020F0502020204030204" pitchFamily="34" charset="0"/>
-                <a:cs typeface="Times New Roman" panose="02020603050405020304" pitchFamily="18" charset="0"/>
-              </a:rPr>
-              <a:t>head.A</a:t>
-            </a:r>
-            <a:r>
-              <a:rPr lang="en-US" sz="1600" dirty="0">
-                <a:effectLst/>
-                <a:latin typeface="Calibri" panose="020F0502020204030204" pitchFamily="34" charset="0"/>
-                <a:ea typeface="Calibri" panose="020F0502020204030204" pitchFamily="34" charset="0"/>
-                <a:cs typeface="Times New Roman" panose="02020603050405020304" pitchFamily="18" charset="0"/>
-              </a:rPr>
-              <a:t> school is consist of many department. each department must belongs to exactly one </a:t>
-            </a:r>
-            <a:r>
-              <a:rPr lang="en-US" sz="1600" dirty="0" err="1">
-                <a:effectLst/>
-                <a:latin typeface="Calibri" panose="020F0502020204030204" pitchFamily="34" charset="0"/>
-                <a:ea typeface="Calibri" panose="020F0502020204030204" pitchFamily="34" charset="0"/>
-                <a:cs typeface="Times New Roman" panose="02020603050405020304" pitchFamily="18" charset="0"/>
-              </a:rPr>
-              <a:t>school.A</a:t>
-            </a:r>
-            <a:r>
-              <a:rPr lang="en-US" sz="1600" dirty="0">
-                <a:effectLst/>
-                <a:latin typeface="Calibri" panose="020F0502020204030204" pitchFamily="34" charset="0"/>
-                <a:ea typeface="Calibri" panose="020F0502020204030204" pitchFamily="34" charset="0"/>
-                <a:cs typeface="Times New Roman" panose="02020603050405020304" pitchFamily="18" charset="0"/>
-              </a:rPr>
-              <a:t> department must enrolls many student. Each student is enrolled by exactly one department. a department is consist of many program. Each program must belongs to exactly one </a:t>
-            </a:r>
-            <a:r>
-              <a:rPr lang="en-US" sz="1600" dirty="0" err="1">
-                <a:effectLst/>
-                <a:latin typeface="Calibri" panose="020F0502020204030204" pitchFamily="34" charset="0"/>
-                <a:ea typeface="Calibri" panose="020F0502020204030204" pitchFamily="34" charset="0"/>
-                <a:cs typeface="Times New Roman" panose="02020603050405020304" pitchFamily="18" charset="0"/>
-              </a:rPr>
-              <a:t>department.A</a:t>
-            </a:r>
-            <a:r>
-              <a:rPr lang="en-US" sz="1600" dirty="0">
-                <a:effectLst/>
-                <a:latin typeface="Calibri" panose="020F0502020204030204" pitchFamily="34" charset="0"/>
-                <a:ea typeface="Calibri" panose="020F0502020204030204" pitchFamily="34" charset="0"/>
-                <a:cs typeface="Times New Roman" panose="02020603050405020304" pitchFamily="18" charset="0"/>
-              </a:rPr>
-              <a:t> program must enrolls many student. Each student is enrolled by exactly one program. A program must provide many course. Each course is provided by exactly one program. A program is consist of many </a:t>
-            </a:r>
-            <a:r>
-              <a:rPr lang="en-US" sz="1600" dirty="0" err="1">
-                <a:effectLst/>
-                <a:latin typeface="Calibri" panose="020F0502020204030204" pitchFamily="34" charset="0"/>
-                <a:ea typeface="Calibri" panose="020F0502020204030204" pitchFamily="34" charset="0"/>
-                <a:cs typeface="Times New Roman" panose="02020603050405020304" pitchFamily="18" charset="0"/>
-              </a:rPr>
+            <a:r>
+              <a:rPr lang="en-US" sz="1600" dirty="0"/>
+              <a:t>A university must assign many employee. Each employee is assigned by exactly one university. A university must consist of  many school. Each school is belongs to exactly one university.</a:t>
+            </a:r>
+          </a:p>
+          <a:p>
+            <a:r>
+              <a:rPr lang="en-US" sz="1600" dirty="0"/>
+              <a:t> An employee can be faculty or VC. And a faculty can be dean of school or department head.</a:t>
+            </a:r>
+          </a:p>
+          <a:p>
+            <a:r>
+              <a:rPr lang="en-US" sz="1600" dirty="0"/>
+              <a:t>A university must assign exactly one VC. Each VC is assigned by exactly one university. A faculty must assign to a section. Each section must have a faculty. A department must employee many faculty. Each faculty is employed by exactly one department.  a semester must consist of many faculty. Each faculty is assigned to exactly one semester. A dean of school is belongs to exactly one school. Each school must have exactly one dean of school. A department head is belongs to exactly one department. each department must have exactly one department head.</a:t>
+            </a:r>
+          </a:p>
+          <a:p>
+            <a:r>
+              <a:rPr lang="en-US" sz="1600" dirty="0"/>
+              <a:t>A school is consist of many department. each department must belongs to exactly one school.</a:t>
+            </a:r>
+          </a:p>
+          <a:p>
+            <a:r>
+              <a:rPr lang="en-US" sz="1600" dirty="0"/>
+              <a:t>A department must enrolls many student. Each student is enrolled by exactly one department. a department is consist of many program. Each program must belongs to exactly one department.</a:t>
+            </a:r>
+          </a:p>
+          <a:p>
+            <a:r>
+              <a:rPr lang="en-US" sz="1600" dirty="0"/>
+              <a:t>A program must enrolls many student. Each student is enrolled by exactly one program. A program must provide many course. Each course is provided by exactly one program. A program is consist of many </a:t>
+            </a:r>
+            <a:r>
+              <a:rPr lang="en-US" sz="1600" dirty="0" err="1"/>
               <a:t>plo</a:t>
             </a:r>
             <a:r>
-              <a:rPr lang="en-US" sz="1600" dirty="0">
-                <a:effectLst/>
-                <a:latin typeface="Calibri" panose="020F0502020204030204" pitchFamily="34" charset="0"/>
-                <a:ea typeface="Calibri" panose="020F0502020204030204" pitchFamily="34" charset="0"/>
-                <a:cs typeface="Times New Roman" panose="02020603050405020304" pitchFamily="18" charset="0"/>
-              </a:rPr>
+              <a:rPr lang="en-US" sz="1600" dirty="0"/>
               <a:t>. Each </a:t>
             </a:r>
             <a:r>
-              <a:rPr lang="en-US" sz="1600" dirty="0" err="1">
-                <a:effectLst/>
-                <a:latin typeface="Calibri" panose="020F0502020204030204" pitchFamily="34" charset="0"/>
-                <a:ea typeface="Calibri" panose="020F0502020204030204" pitchFamily="34" charset="0"/>
-                <a:cs typeface="Times New Roman" panose="02020603050405020304" pitchFamily="18" charset="0"/>
-              </a:rPr>
+              <a:rPr lang="en-US" sz="1600" dirty="0" err="1"/>
               <a:t>plo</a:t>
             </a:r>
             <a:r>
-              <a:rPr lang="en-US" sz="1600" dirty="0">
-                <a:effectLst/>
-                <a:latin typeface="Calibri" panose="020F0502020204030204" pitchFamily="34" charset="0"/>
-                <a:ea typeface="Calibri" panose="020F0502020204030204" pitchFamily="34" charset="0"/>
-                <a:cs typeface="Times New Roman" panose="02020603050405020304" pitchFamily="18" charset="0"/>
-              </a:rPr>
-              <a:t> is contain by exactly one </a:t>
-            </a:r>
-            <a:r>
-              <a:rPr lang="en-US" sz="1600" dirty="0" err="1">
-                <a:effectLst/>
-                <a:latin typeface="Calibri" panose="020F0502020204030204" pitchFamily="34" charset="0"/>
-                <a:ea typeface="Calibri" panose="020F0502020204030204" pitchFamily="34" charset="0"/>
-                <a:cs typeface="Times New Roman" panose="02020603050405020304" pitchFamily="18" charset="0"/>
-              </a:rPr>
-              <a:t>program.A</a:t>
-            </a:r>
-            <a:r>
-              <a:rPr lang="en-US" sz="1600" dirty="0">
-                <a:effectLst/>
-                <a:latin typeface="Calibri" panose="020F0502020204030204" pitchFamily="34" charset="0"/>
-                <a:ea typeface="Calibri" panose="020F0502020204030204" pitchFamily="34" charset="0"/>
-                <a:cs typeface="Times New Roman" panose="02020603050405020304" pitchFamily="18" charset="0"/>
-              </a:rPr>
-              <a:t> semester must contain many student. Each student enrolled to exactly one semester. A semester must contain many courses. Each course is assign to exactly one semester. A semester must consist of many section. Each section is assign to exactly one </a:t>
-            </a:r>
-            <a:r>
-              <a:rPr lang="en-US" sz="1600" dirty="0" err="1">
-                <a:effectLst/>
-                <a:latin typeface="Calibri" panose="020F0502020204030204" pitchFamily="34" charset="0"/>
-                <a:ea typeface="Calibri" panose="020F0502020204030204" pitchFamily="34" charset="0"/>
-                <a:cs typeface="Times New Roman" panose="02020603050405020304" pitchFamily="18" charset="0"/>
-              </a:rPr>
-              <a:t>semester.A</a:t>
-            </a:r>
-            <a:r>
-              <a:rPr lang="en-US" sz="1600" dirty="0">
-                <a:effectLst/>
-                <a:latin typeface="Calibri" panose="020F0502020204030204" pitchFamily="34" charset="0"/>
-                <a:ea typeface="Calibri" panose="020F0502020204030204" pitchFamily="34" charset="0"/>
-                <a:cs typeface="Times New Roman" panose="02020603050405020304" pitchFamily="18" charset="0"/>
-              </a:rPr>
-              <a:t> course is consist of many cos. Each co belongs to exactly one course. A course is assign to many sections. Each section assigned by exactly one </a:t>
-            </a:r>
-            <a:r>
-              <a:rPr lang="en-US" sz="1600" dirty="0" err="1">
-                <a:effectLst/>
-                <a:latin typeface="Calibri" panose="020F0502020204030204" pitchFamily="34" charset="0"/>
-                <a:ea typeface="Calibri" panose="020F0502020204030204" pitchFamily="34" charset="0"/>
-                <a:cs typeface="Times New Roman" panose="02020603050405020304" pitchFamily="18" charset="0"/>
-              </a:rPr>
-              <a:t>course.A</a:t>
-            </a:r>
-            <a:r>
-              <a:rPr lang="en-US" sz="1600" dirty="0">
-                <a:effectLst/>
-                <a:latin typeface="Calibri" panose="020F0502020204030204" pitchFamily="34" charset="0"/>
-                <a:ea typeface="Calibri" panose="020F0502020204030204" pitchFamily="34" charset="0"/>
-                <a:cs typeface="Times New Roman" panose="02020603050405020304" pitchFamily="18" charset="0"/>
-              </a:rPr>
-              <a:t> assessment must provide many assessment submission. A assessment submission is provided by exactly one assessment. A section may assign many assessment. Each assessment is assigned by exactly one </a:t>
-            </a:r>
-            <a:r>
-              <a:rPr lang="en-US" sz="1600" dirty="0" err="1">
-                <a:effectLst/>
-                <a:latin typeface="Calibri" panose="020F0502020204030204" pitchFamily="34" charset="0"/>
-                <a:ea typeface="Calibri" panose="020F0502020204030204" pitchFamily="34" charset="0"/>
-                <a:cs typeface="Times New Roman" panose="02020603050405020304" pitchFamily="18" charset="0"/>
-              </a:rPr>
-              <a:t>section.A</a:t>
-            </a:r>
-            <a:r>
-              <a:rPr lang="en-US" sz="1600" dirty="0">
-                <a:effectLst/>
-                <a:latin typeface="Calibri" panose="020F0502020204030204" pitchFamily="34" charset="0"/>
-                <a:ea typeface="Calibri" panose="020F0502020204030204" pitchFamily="34" charset="0"/>
-                <a:cs typeface="Times New Roman" panose="02020603050405020304" pitchFamily="18" charset="0"/>
-              </a:rPr>
-              <a:t> student may submit many assessment submission. Each assessment submission is submitted by exactly one </a:t>
-            </a:r>
-            <a:r>
-              <a:rPr lang="en-US" sz="1600" dirty="0" err="1">
-                <a:effectLst/>
-                <a:latin typeface="Calibri" panose="020F0502020204030204" pitchFamily="34" charset="0"/>
-                <a:ea typeface="Calibri" panose="020F0502020204030204" pitchFamily="34" charset="0"/>
-                <a:cs typeface="Times New Roman" panose="02020603050405020304" pitchFamily="18" charset="0"/>
-              </a:rPr>
-              <a:t>student.A</a:t>
-            </a:r>
-            <a:r>
-              <a:rPr lang="en-US" sz="1600" dirty="0">
-                <a:effectLst/>
-                <a:latin typeface="Calibri" panose="020F0502020204030204" pitchFamily="34" charset="0"/>
-                <a:ea typeface="Calibri" panose="020F0502020204030204" pitchFamily="34" charset="0"/>
-                <a:cs typeface="Times New Roman" panose="02020603050405020304" pitchFamily="18" charset="0"/>
-              </a:rPr>
-              <a:t> </a:t>
-            </a:r>
-            <a:r>
-              <a:rPr lang="en-US" sz="1600" dirty="0" err="1">
-                <a:effectLst/>
-                <a:latin typeface="Calibri" panose="020F0502020204030204" pitchFamily="34" charset="0"/>
-                <a:ea typeface="Calibri" panose="020F0502020204030204" pitchFamily="34" charset="0"/>
-                <a:cs typeface="Times New Roman" panose="02020603050405020304" pitchFamily="18" charset="0"/>
-              </a:rPr>
+              <a:rPr lang="en-US" sz="1600" dirty="0"/>
+              <a:t> is contain by exactly one program.</a:t>
+            </a:r>
+          </a:p>
+          <a:p>
+            <a:r>
+              <a:rPr lang="en-US" sz="1600" dirty="0"/>
+              <a:t>A semester must contain many student. Each student enrolled to exactly one semester. A semester must contain many courses. Each course is assign to exactly one semester. A semester must consist of many section. Each section is assign to exactly one semester.</a:t>
+            </a:r>
+          </a:p>
+          <a:p>
+            <a:r>
+              <a:rPr lang="en-US" sz="1600" dirty="0"/>
+              <a:t>A course is consist of many cos. Each co belongs to exactly one course. A course is assign to many sections. Each section assigned by exactly one course.</a:t>
+            </a:r>
+          </a:p>
+          <a:p>
+            <a:r>
+              <a:rPr lang="en-US" sz="1600" dirty="0"/>
+              <a:t>A assessment must provide many assessment submission. A assessment submission is provided by exactly one assessment. A section may assign many assessment. Each assessment is assigned by exactly one section.</a:t>
+            </a:r>
+          </a:p>
+          <a:p>
+            <a:r>
+              <a:rPr lang="en-US" sz="1600" dirty="0"/>
+              <a:t>A student may submit many assessment submission. Each assessment submission is submitted by exactly one student.</a:t>
+            </a:r>
+          </a:p>
+          <a:p>
+            <a:r>
+              <a:rPr lang="en-US" sz="1600" dirty="0"/>
+              <a:t>A </a:t>
+            </a:r>
+            <a:r>
+              <a:rPr lang="en-US" sz="1600" dirty="0" err="1"/>
               <a:t>plo</a:t>
             </a:r>
             <a:r>
-              <a:rPr lang="en-US" sz="1600" dirty="0">
-                <a:effectLst/>
-                <a:latin typeface="Calibri" panose="020F0502020204030204" pitchFamily="34" charset="0"/>
-                <a:ea typeface="Calibri" panose="020F0502020204030204" pitchFamily="34" charset="0"/>
-                <a:cs typeface="Times New Roman" panose="02020603050405020304" pitchFamily="18" charset="0"/>
-              </a:rPr>
+              <a:rPr lang="en-US" sz="1600" dirty="0"/>
               <a:t> must have many cos. Each co is belongs to exactly one </a:t>
             </a:r>
             <a:r>
-              <a:rPr lang="en-US" sz="1600" dirty="0" err="1">
-                <a:effectLst/>
-                <a:latin typeface="Calibri" panose="020F0502020204030204" pitchFamily="34" charset="0"/>
-                <a:ea typeface="Calibri" panose="020F0502020204030204" pitchFamily="34" charset="0"/>
-                <a:cs typeface="Times New Roman" panose="02020603050405020304" pitchFamily="18" charset="0"/>
-              </a:rPr>
-              <a:t>plo.A</a:t>
-            </a:r>
-            <a:r>
-              <a:rPr lang="en-US" sz="1600" dirty="0">
-                <a:effectLst/>
-                <a:latin typeface="Calibri" panose="020F0502020204030204" pitchFamily="34" charset="0"/>
-                <a:ea typeface="Calibri" panose="020F0502020204030204" pitchFamily="34" charset="0"/>
-                <a:cs typeface="Times New Roman" panose="02020603050405020304" pitchFamily="18" charset="0"/>
-              </a:rPr>
-              <a:t> co must have many assessment. Each assessment is belongs to exactly one co.</a:t>
+              <a:rPr lang="en-US" sz="1600" dirty="0" err="1"/>
+              <a:t>plo</a:t>
+            </a:r>
+            <a:r>
+              <a:rPr lang="en-US" sz="1600" dirty="0"/>
+              <a:t>.</a:t>
+            </a:r>
+          </a:p>
+          <a:p>
+            <a:r>
+              <a:rPr lang="en-US" sz="1600" dirty="0"/>
+              <a:t>A co must have many assessment. Each assessment is belongs to exactly one co.</a:t>
             </a:r>
           </a:p>
           <a:p>
@@ -6501,7 +6776,7 @@
           <p:cNvPr id="8" name="Picture 7">
             <a:extLst>
               <a:ext uri="{FF2B5EF4-FFF2-40B4-BE49-F238E27FC236}">
-                <a16:creationId xmlns:a16="http://schemas.microsoft.com/office/drawing/2014/main" id="{40341967-EDB8-4740-8E70-5B1E27690509}"/>
+                <a16:creationId xmlns:a16="http://schemas.microsoft.com/office/drawing/2014/main" xmlns="" id="{40341967-EDB8-4740-8E70-5B1E27690509}"/>
               </a:ext>
             </a:extLst>
           </p:cNvPr>
@@ -6570,7 +6845,7 @@
         </p:nvSpPr>
         <p:spPr>
           <a:xfrm rot="16200000">
-            <a:off x="-1040183" y="3044830"/>
+            <a:off x="-1032019" y="3173676"/>
             <a:ext cx="2619603" cy="369332"/>
           </a:xfrm>
           <a:prstGeom prst="rect">
@@ -6584,7 +6859,7 @@
           <a:lstStyle/>
           <a:p>
             <a:r>
-              <a:rPr lang="en-US" b="1" dirty="0"/>
+              <a:rPr lang="en-US" dirty="0"/>
               <a:t>RELATIONAL SCHEMA</a:t>
             </a:r>
           </a:p>
@@ -6595,7 +6870,7 @@
           <p:cNvPr id="5" name="Picture 4">
             <a:extLst>
               <a:ext uri="{FF2B5EF4-FFF2-40B4-BE49-F238E27FC236}">
-                <a16:creationId xmlns:a16="http://schemas.microsoft.com/office/drawing/2014/main" id="{EF85605A-3E1D-4E90-B105-02687B8EC017}"/>
+                <a16:creationId xmlns:a16="http://schemas.microsoft.com/office/drawing/2014/main" xmlns="" id="{EF85605A-3E1D-4E90-B105-02687B8EC017}"/>
               </a:ext>
             </a:extLst>
           </p:cNvPr>
@@ -6858,8 +7133,8 @@
           <p:nvPr/>
         </p:nvSpPr>
         <p:spPr>
-          <a:xfrm>
-            <a:off x="5044013" y="135976"/>
+          <a:xfrm rot="16200000">
+            <a:off x="-791225" y="3264232"/>
             <a:ext cx="2103974" cy="369332"/>
           </a:xfrm>
           <a:prstGeom prst="rect">
@@ -6873,7 +7148,7 @@
           <a:lstStyle/>
           <a:p>
             <a:r>
-              <a:rPr lang="en-US" b="1" kern="100" dirty="0">
+              <a:rPr lang="en-US" kern="100" dirty="0">
                 <a:effectLst/>
                 <a:latin typeface="Arial" panose="020B0604020202020204" pitchFamily="34" charset="0"/>
                 <a:ea typeface="Noto Serif CJK SC"/>
@@ -6890,7 +7165,7 @@
           <p:cNvPr id="6" name="Picture 5">
             <a:extLst>
               <a:ext uri="{FF2B5EF4-FFF2-40B4-BE49-F238E27FC236}">
-                <a16:creationId xmlns:a16="http://schemas.microsoft.com/office/drawing/2014/main" id="{E026896A-1354-4F70-8C0C-F33DB160A25C}"/>
+                <a16:creationId xmlns:a16="http://schemas.microsoft.com/office/drawing/2014/main" xmlns="" id="{E026896A-1354-4F70-8C0C-F33DB160A25C}"/>
               </a:ext>
             </a:extLst>
           </p:cNvPr>
@@ -6911,8 +7186,8 @@
         </p:blipFill>
         <p:spPr>
           <a:xfrm>
-            <a:off x="1261872" y="505309"/>
-            <a:ext cx="9820656" cy="6216715"/>
+            <a:off x="783771" y="197738"/>
+            <a:ext cx="11291207" cy="6502320"/>
           </a:xfrm>
           <a:prstGeom prst="rect">
             <a:avLst/>
@@ -6929,6 +7204,13 @@
   <p:clrMapOvr>
     <a:masterClrMapping/>
   </p:clrMapOvr>
+  <p:timing>
+    <p:tnLst>
+      <p:par>
+        <p:cTn id="1" dur="indefinite" restart="never" nodeType="tmRoot"/>
+      </p:par>
+    </p:tnLst>
+  </p:timing>
 </p:sld>
 </file>
 
@@ -7004,7 +7286,7 @@
         </p:nvSpPr>
         <p:spPr>
           <a:xfrm>
-            <a:off x="5924721" y="950893"/>
+            <a:off x="5985862" y="729789"/>
             <a:ext cx="1120820" cy="369332"/>
           </a:xfrm>
           <a:prstGeom prst="rect">
@@ -7026,13 +7308,385 @@
               </a:spcAft>
             </a:pPr>
             <a:r>
-              <a:rPr lang="en-US" kern="100" dirty="0" err="1">
+              <a:rPr lang="en-US" kern="100" dirty="0">
                 <a:effectLst/>
                 <a:latin typeface="Arial" panose="020B0604020202020204" pitchFamily="34" charset="0"/>
                 <a:ea typeface="Noto Serif CJK SC"/>
                 <a:cs typeface="Lohit Devanagari"/>
               </a:rPr>
               <a:t>tblcourse</a:t>
+            </a:r>
+          </a:p>
+        </p:txBody>
+      </p:sp>
+      <p:sp>
+        <p:nvSpPr>
+          <p:cNvPr id="3" name="Rectangle 2"/>
+          <p:cNvSpPr/>
+          <p:nvPr/>
+        </p:nvSpPr>
+        <p:spPr>
+          <a:xfrm>
+            <a:off x="5872998" y="3373180"/>
+            <a:ext cx="1402948" cy="369332"/>
+          </a:xfrm>
+          <a:prstGeom prst="rect">
+            <a:avLst/>
+          </a:prstGeom>
+        </p:spPr>
+        <p:txBody>
+          <a:bodyPr wrap="none">
+            <a:spAutoFit/>
+          </a:bodyPr>
+          <a:lstStyle/>
+          <a:p>
+            <a:pPr algn="just">
+              <a:spcBef>
+                <a:spcPts val="150"/>
+              </a:spcBef>
+              <a:spcAft>
+                <a:spcPts val="600"/>
+              </a:spcAft>
+            </a:pPr>
+            <a:r>
+              <a:rPr lang="en-US" kern="100" dirty="0">
+                <a:latin typeface="Arial" panose="020B0604020202020204" pitchFamily="34" charset="0"/>
+                <a:ea typeface="Noto Serif CJK SC"/>
+                <a:cs typeface="Lohit Devanagari"/>
+              </a:rPr>
+              <a:t>tbluniversity</a:t>
+            </a:r>
+            <a:endParaRPr lang="en-US" kern="100" dirty="0">
+              <a:effectLst/>
+              <a:latin typeface="Arial" panose="020B0604020202020204" pitchFamily="34" charset="0"/>
+              <a:ea typeface="Noto Serif CJK SC"/>
+              <a:cs typeface="Lohit Devanagari"/>
+            </a:endParaRPr>
+          </a:p>
+        </p:txBody>
+      </p:sp>
+      <p:pic>
+        <p:nvPicPr>
+          <p:cNvPr id="7" name="Picture 6"/>
+          <p:cNvPicPr>
+            <a:picLocks noChangeAspect="1"/>
+          </p:cNvPicPr>
+          <p:nvPr/>
+        </p:nvPicPr>
+        <p:blipFill>
+          <a:blip r:embed="rId2">
+            <a:extLst>
+              <a:ext uri="{28A0092B-C50C-407E-A947-70E740481C1C}">
+                <a14:useLocalDpi xmlns:a14="http://schemas.microsoft.com/office/drawing/2010/main" val="0"/>
+              </a:ext>
+            </a:extLst>
+          </a:blip>
+          <a:stretch>
+            <a:fillRect/>
+          </a:stretch>
+        </p:blipFill>
+        <p:spPr>
+          <a:xfrm>
+            <a:off x="2646709" y="1157167"/>
+            <a:ext cx="7855527" cy="2031347"/>
+          </a:xfrm>
+          <a:prstGeom prst="rect">
+            <a:avLst/>
+          </a:prstGeom>
+        </p:spPr>
+      </p:pic>
+      <p:pic>
+        <p:nvPicPr>
+          <p:cNvPr id="9" name="Picture 8"/>
+          <p:cNvPicPr>
+            <a:picLocks noChangeAspect="1"/>
+          </p:cNvPicPr>
+          <p:nvPr/>
+        </p:nvPicPr>
+        <p:blipFill>
+          <a:blip r:embed="rId3">
+            <a:extLst>
+              <a:ext uri="{28A0092B-C50C-407E-A947-70E740481C1C}">
+                <a14:useLocalDpi xmlns:a14="http://schemas.microsoft.com/office/drawing/2010/main" val="0"/>
+              </a:ext>
+            </a:extLst>
+          </a:blip>
+          <a:stretch>
+            <a:fillRect/>
+          </a:stretch>
+        </p:blipFill>
+        <p:spPr>
+          <a:xfrm>
+            <a:off x="2646708" y="3740727"/>
+            <a:ext cx="7855527" cy="2909455"/>
+          </a:xfrm>
+          <a:prstGeom prst="rect">
+            <a:avLst/>
+          </a:prstGeom>
+        </p:spPr>
+      </p:pic>
+    </p:spTree>
+    <p:extLst>
+      <p:ext uri="{BB962C8B-B14F-4D97-AF65-F5344CB8AC3E}">
+        <p14:creationId xmlns:p14="http://schemas.microsoft.com/office/powerpoint/2010/main" val="1847833255"/>
+      </p:ext>
+    </p:extLst>
+  </p:cSld>
+  <p:clrMapOvr>
+    <a:masterClrMapping/>
+  </p:clrMapOvr>
+  <p:timing>
+    <p:tnLst>
+      <p:par>
+        <p:cTn id="1" dur="indefinite" restart="never" nodeType="tmRoot"/>
+      </p:par>
+    </p:tnLst>
+  </p:timing>
+</p:sld>
+</file>
+
+<file path=ppt/slides/slide32.xml><?xml version="1.0" encoding="utf-8"?>
+<p:sld xmlns:a="http://schemas.openxmlformats.org/drawingml/2006/main" xmlns:r="http://schemas.openxmlformats.org/officeDocument/2006/relationships" xmlns:p="http://schemas.openxmlformats.org/presentationml/2006/main">
+  <p:cSld>
+    <p:spTree>
+      <p:nvGrpSpPr>
+        <p:cNvPr id="1" name=""/>
+        <p:cNvGrpSpPr/>
+        <p:nvPr/>
+      </p:nvGrpSpPr>
+      <p:grpSpPr>
+        <a:xfrm>
+          <a:off x="0" y="0"/>
+          <a:ext cx="0" cy="0"/>
+          <a:chOff x="0" y="0"/>
+          <a:chExt cx="0" cy="0"/>
+        </a:xfrm>
+      </p:grpSpPr>
+      <p:sp>
+        <p:nvSpPr>
+          <p:cNvPr id="4" name="Rectangle 3"/>
+          <p:cNvSpPr/>
+          <p:nvPr/>
+        </p:nvSpPr>
+        <p:spPr>
+          <a:xfrm>
+            <a:off x="5987707" y="280869"/>
+            <a:ext cx="1095172" cy="369332"/>
+          </a:xfrm>
+          <a:prstGeom prst="rect">
+            <a:avLst/>
+          </a:prstGeom>
+        </p:spPr>
+        <p:txBody>
+          <a:bodyPr wrap="none">
+            <a:spAutoFit/>
+          </a:bodyPr>
+          <a:lstStyle/>
+          <a:p>
+            <a:pPr algn="ctr">
+              <a:spcBef>
+                <a:spcPts val="150"/>
+              </a:spcBef>
+              <a:spcAft>
+                <a:spcPts val="600"/>
+              </a:spcAft>
+            </a:pPr>
+            <a:r>
+              <a:rPr lang="en-US" kern="100" dirty="0">
+                <a:latin typeface="Arial" panose="020B0604020202020204" pitchFamily="34" charset="0"/>
+                <a:ea typeface="Noto Serif CJK SC"/>
+                <a:cs typeface="Lohit Devanagari"/>
+              </a:rPr>
+              <a:t>tblschool</a:t>
+            </a:r>
+            <a:endParaRPr lang="en-US" kern="100" dirty="0">
+              <a:effectLst/>
+              <a:latin typeface="Arial" panose="020B0604020202020204" pitchFamily="34" charset="0"/>
+              <a:ea typeface="Noto Serif CJK SC"/>
+              <a:cs typeface="Lohit Devanagari"/>
+            </a:endParaRPr>
+          </a:p>
+        </p:txBody>
+      </p:sp>
+      <p:sp>
+        <p:nvSpPr>
+          <p:cNvPr id="6" name="Rectangle 5"/>
+          <p:cNvSpPr/>
+          <p:nvPr/>
+        </p:nvSpPr>
+        <p:spPr>
+          <a:xfrm>
+            <a:off x="5737635" y="3459395"/>
+            <a:ext cx="1595309" cy="369332"/>
+          </a:xfrm>
+          <a:prstGeom prst="rect">
+            <a:avLst/>
+          </a:prstGeom>
+        </p:spPr>
+        <p:txBody>
+          <a:bodyPr wrap="none">
+            <a:spAutoFit/>
+          </a:bodyPr>
+          <a:lstStyle/>
+          <a:p>
+            <a:pPr algn="just">
+              <a:spcBef>
+                <a:spcPts val="150"/>
+              </a:spcBef>
+              <a:spcAft>
+                <a:spcPts val="600"/>
+              </a:spcAft>
+            </a:pPr>
+            <a:r>
+              <a:rPr lang="en-US" kern="100" dirty="0">
+                <a:latin typeface="Arial" panose="020B0604020202020204" pitchFamily="34" charset="0"/>
+                <a:ea typeface="Noto Serif CJK SC"/>
+                <a:cs typeface="Lohit Devanagari"/>
+              </a:rPr>
+              <a:t>tbldepartment</a:t>
+            </a:r>
+            <a:endParaRPr lang="en-US" kern="100" dirty="0">
+              <a:effectLst/>
+              <a:latin typeface="Arial" panose="020B0604020202020204" pitchFamily="34" charset="0"/>
+              <a:ea typeface="Noto Serif CJK SC"/>
+              <a:cs typeface="Lohit Devanagari"/>
+            </a:endParaRPr>
+          </a:p>
+        </p:txBody>
+      </p:sp>
+      <p:pic>
+        <p:nvPicPr>
+          <p:cNvPr id="3" name="Picture 2"/>
+          <p:cNvPicPr>
+            <a:picLocks noChangeAspect="1"/>
+          </p:cNvPicPr>
+          <p:nvPr/>
+        </p:nvPicPr>
+        <p:blipFill>
+          <a:blip r:embed="rId2">
+            <a:extLst>
+              <a:ext uri="{28A0092B-C50C-407E-A947-70E740481C1C}">
+                <a14:useLocalDpi xmlns:a14="http://schemas.microsoft.com/office/drawing/2010/main" val="0"/>
+              </a:ext>
+            </a:extLst>
+          </a:blip>
+          <a:stretch>
+            <a:fillRect/>
+          </a:stretch>
+        </p:blipFill>
+        <p:spPr>
+          <a:xfrm>
+            <a:off x="2976681" y="3835976"/>
+            <a:ext cx="7117219" cy="2564823"/>
+          </a:xfrm>
+          <a:prstGeom prst="rect">
+            <a:avLst/>
+          </a:prstGeom>
+        </p:spPr>
+      </p:pic>
+      <p:pic>
+        <p:nvPicPr>
+          <p:cNvPr id="8" name="Picture 7"/>
+          <p:cNvPicPr>
+            <a:picLocks noChangeAspect="1"/>
+          </p:cNvPicPr>
+          <p:nvPr/>
+        </p:nvPicPr>
+        <p:blipFill>
+          <a:blip r:embed="rId3">
+            <a:extLst>
+              <a:ext uri="{28A0092B-C50C-407E-A947-70E740481C1C}">
+                <a14:useLocalDpi xmlns:a14="http://schemas.microsoft.com/office/drawing/2010/main" val="0"/>
+              </a:ext>
+            </a:extLst>
+          </a:blip>
+          <a:stretch>
+            <a:fillRect/>
+          </a:stretch>
+        </p:blipFill>
+        <p:spPr>
+          <a:xfrm>
+            <a:off x="2976681" y="874763"/>
+            <a:ext cx="7117219" cy="2360070"/>
+          </a:xfrm>
+          <a:prstGeom prst="rect">
+            <a:avLst/>
+          </a:prstGeom>
+        </p:spPr>
+      </p:pic>
+    </p:spTree>
+    <p:extLst>
+      <p:ext uri="{BB962C8B-B14F-4D97-AF65-F5344CB8AC3E}">
+        <p14:creationId xmlns:p14="http://schemas.microsoft.com/office/powerpoint/2010/main" val="4071642362"/>
+      </p:ext>
+    </p:extLst>
+  </p:cSld>
+  <p:clrMapOvr>
+    <a:masterClrMapping/>
+  </p:clrMapOvr>
+  <p:timing>
+    <p:tnLst>
+      <p:par>
+        <p:cTn id="1" dur="indefinite" restart="never" nodeType="tmRoot"/>
+      </p:par>
+    </p:tnLst>
+  </p:timing>
+</p:sld>
+</file>
+
+<file path=ppt/slides/slide33.xml><?xml version="1.0" encoding="utf-8"?>
+<p:sld xmlns:a="http://schemas.openxmlformats.org/drawingml/2006/main" xmlns:r="http://schemas.openxmlformats.org/officeDocument/2006/relationships" xmlns:p="http://schemas.openxmlformats.org/presentationml/2006/main">
+  <p:cSld>
+    <p:spTree>
+      <p:nvGrpSpPr>
+        <p:cNvPr id="1" name=""/>
+        <p:cNvGrpSpPr/>
+        <p:nvPr/>
+      </p:nvGrpSpPr>
+      <p:grpSpPr>
+        <a:xfrm>
+          <a:off x="0" y="0"/>
+          <a:ext cx="0" cy="0"/>
+          <a:chOff x="0" y="0"/>
+          <a:chExt cx="0" cy="0"/>
+        </a:xfrm>
+      </p:grpSpPr>
+      <p:sp>
+        <p:nvSpPr>
+          <p:cNvPr id="4" name="Rectangle 3"/>
+          <p:cNvSpPr/>
+          <p:nvPr/>
+        </p:nvSpPr>
+        <p:spPr>
+          <a:xfrm>
+            <a:off x="5551987" y="1285654"/>
+            <a:ext cx="1287532" cy="369332"/>
+          </a:xfrm>
+          <a:prstGeom prst="rect">
+            <a:avLst/>
+          </a:prstGeom>
+        </p:spPr>
+        <p:txBody>
+          <a:bodyPr wrap="none">
+            <a:spAutoFit/>
+          </a:bodyPr>
+          <a:lstStyle/>
+          <a:p>
+            <a:pPr algn="just">
+              <a:spcBef>
+                <a:spcPts val="150"/>
+              </a:spcBef>
+              <a:spcAft>
+                <a:spcPts val="600"/>
+              </a:spcAft>
+            </a:pPr>
+            <a:r>
+              <a:rPr lang="en-US" kern="100" dirty="0">
+                <a:latin typeface="Arial" panose="020B0604020202020204" pitchFamily="34" charset="0"/>
+                <a:ea typeface="Noto Serif CJK SC"/>
+                <a:cs typeface="Lohit Devanagari"/>
+              </a:rPr>
+              <a:t>tblprogram</a:t>
             </a:r>
             <a:endParaRPr lang="en-US" kern="100" dirty="0">
               <a:effectLst/>
@@ -7065,84 +7719,8 @@
         </p:blipFill>
         <p:spPr>
           <a:xfrm>
-            <a:off x="3209855" y="1386727"/>
-            <a:ext cx="6550553" cy="1950015"/>
-          </a:xfrm>
-          <a:prstGeom prst="rect">
-            <a:avLst/>
-          </a:prstGeom>
-        </p:spPr>
-      </p:pic>
-      <p:sp>
-        <p:nvSpPr>
-          <p:cNvPr id="3" name="Rectangle 2"/>
-          <p:cNvSpPr/>
-          <p:nvPr/>
-        </p:nvSpPr>
-        <p:spPr>
-          <a:xfrm>
-            <a:off x="5872999" y="3557846"/>
-            <a:ext cx="1402948" cy="369332"/>
-          </a:xfrm>
-          <a:prstGeom prst="rect">
-            <a:avLst/>
-          </a:prstGeom>
-        </p:spPr>
-        <p:txBody>
-          <a:bodyPr wrap="none">
-            <a:spAutoFit/>
-          </a:bodyPr>
-          <a:lstStyle/>
-          <a:p>
-            <a:pPr algn="just">
-              <a:spcBef>
-                <a:spcPts val="150"/>
-              </a:spcBef>
-              <a:spcAft>
-                <a:spcPts val="600"/>
-              </a:spcAft>
-            </a:pPr>
-            <a:r>
-              <a:rPr lang="en-US" kern="100" dirty="0" err="1">
-                <a:latin typeface="Arial" panose="020B0604020202020204" pitchFamily="34" charset="0"/>
-                <a:ea typeface="Noto Serif CJK SC"/>
-                <a:cs typeface="Lohit Devanagari"/>
-              </a:rPr>
-              <a:t>tbluniversity</a:t>
-            </a:r>
-            <a:endParaRPr lang="en-US" kern="100" dirty="0">
-              <a:effectLst/>
-              <a:latin typeface="Arial" panose="020B0604020202020204" pitchFamily="34" charset="0"/>
-              <a:ea typeface="Noto Serif CJK SC"/>
-              <a:cs typeface="Lohit Devanagari"/>
-            </a:endParaRPr>
-          </a:p>
-        </p:txBody>
-      </p:sp>
-      <p:pic>
-        <p:nvPicPr>
-          <p:cNvPr id="6" name="Picture 5"/>
-          <p:cNvPicPr>
-            <a:picLocks noChangeAspect="1"/>
-          </p:cNvPicPr>
-          <p:nvPr/>
-        </p:nvPicPr>
-        <p:blipFill>
-          <a:blip r:embed="rId3">
-            <a:extLst>
-              <a:ext uri="{28A0092B-C50C-407E-A947-70E740481C1C}">
-                <a14:useLocalDpi xmlns:a14="http://schemas.microsoft.com/office/drawing/2010/main" val="0"/>
-              </a:ext>
-            </a:extLst>
-          </a:blip>
-          <a:stretch>
-            <a:fillRect/>
-          </a:stretch>
-        </p:blipFill>
-        <p:spPr>
-          <a:xfrm>
-            <a:off x="3209855" y="3993680"/>
-            <a:ext cx="6550553" cy="2706378"/>
+            <a:off x="1022956" y="1811193"/>
+            <a:ext cx="10345594" cy="3442449"/>
           </a:xfrm>
           <a:prstGeom prst="rect">
             <a:avLst/>
@@ -7152,17 +7730,24 @@
     </p:spTree>
     <p:extLst>
       <p:ext uri="{BB962C8B-B14F-4D97-AF65-F5344CB8AC3E}">
-        <p14:creationId xmlns:p14="http://schemas.microsoft.com/office/powerpoint/2010/main" val="1847833255"/>
+        <p14:creationId xmlns:p14="http://schemas.microsoft.com/office/powerpoint/2010/main" val="1877683200"/>
       </p:ext>
     </p:extLst>
   </p:cSld>
   <p:clrMapOvr>
     <a:masterClrMapping/>
   </p:clrMapOvr>
+  <p:timing>
+    <p:tnLst>
+      <p:par>
+        <p:cTn id="1" dur="indefinite" restart="never" nodeType="tmRoot"/>
+      </p:par>
+    </p:tnLst>
+  </p:timing>
 </p:sld>
 </file>
 
-<file path=ppt/slides/slide32.xml><?xml version="1.0" encoding="utf-8"?>
+<file path=ppt/slides/slide34.xml><?xml version="1.0" encoding="utf-8"?>
 <p:sld xmlns:a="http://schemas.openxmlformats.org/drawingml/2006/main" xmlns:r="http://schemas.openxmlformats.org/officeDocument/2006/relationships" xmlns:p="http://schemas.openxmlformats.org/presentationml/2006/main">
   <p:cSld>
     <p:spTree>
@@ -7187,8 +7772,8 @@
         </p:nvSpPr>
         <p:spPr>
           <a:xfrm>
-            <a:off x="785222" y="77185"/>
-            <a:ext cx="1095172" cy="369332"/>
+            <a:off x="5808331" y="226814"/>
+            <a:ext cx="1184940" cy="369332"/>
           </a:xfrm>
           <a:prstGeom prst="rect">
             <a:avLst/>
@@ -7209,12 +7794,12 @@
               </a:spcAft>
             </a:pPr>
             <a:r>
-              <a:rPr lang="en-US" kern="100" dirty="0" err="1">
+              <a:rPr lang="en-US" kern="100" dirty="0">
                 <a:latin typeface="Arial" panose="020B0604020202020204" pitchFamily="34" charset="0"/>
                 <a:ea typeface="Noto Serif CJK SC"/>
                 <a:cs typeface="Lohit Devanagari"/>
               </a:rPr>
-              <a:t>tblschool</a:t>
+              <a:t>tblstudent</a:t>
             </a:r>
             <a:endParaRPr lang="en-US" kern="100" dirty="0">
               <a:effectLst/>
@@ -7222,6 +7807,327 @@
               <a:ea typeface="Noto Serif CJK SC"/>
               <a:cs typeface="Lohit Devanagari"/>
             </a:endParaRPr>
+          </a:p>
+        </p:txBody>
+      </p:sp>
+      <p:pic>
+        <p:nvPicPr>
+          <p:cNvPr id="2" name="Picture 1"/>
+          <p:cNvPicPr>
+            <a:picLocks noChangeAspect="1"/>
+          </p:cNvPicPr>
+          <p:nvPr/>
+        </p:nvPicPr>
+        <p:blipFill>
+          <a:blip r:embed="rId2">
+            <a:extLst>
+              <a:ext uri="{28A0092B-C50C-407E-A947-70E740481C1C}">
+                <a14:useLocalDpi xmlns:a14="http://schemas.microsoft.com/office/drawing/2010/main" val="0"/>
+              </a:ext>
+            </a:extLst>
+          </a:blip>
+          <a:stretch>
+            <a:fillRect/>
+          </a:stretch>
+        </p:blipFill>
+        <p:spPr>
+          <a:xfrm>
+            <a:off x="1763671" y="761275"/>
+            <a:ext cx="9274259" cy="5947095"/>
+          </a:xfrm>
+          <a:prstGeom prst="rect">
+            <a:avLst/>
+          </a:prstGeom>
+        </p:spPr>
+      </p:pic>
+    </p:spTree>
+    <p:extLst>
+      <p:ext uri="{BB962C8B-B14F-4D97-AF65-F5344CB8AC3E}">
+        <p14:creationId xmlns:p14="http://schemas.microsoft.com/office/powerpoint/2010/main" val="4150201559"/>
+      </p:ext>
+    </p:extLst>
+  </p:cSld>
+  <p:clrMapOvr>
+    <a:masterClrMapping/>
+  </p:clrMapOvr>
+  <p:timing>
+    <p:tnLst>
+      <p:par>
+        <p:cTn id="1" dur="indefinite" restart="never" nodeType="tmRoot"/>
+      </p:par>
+    </p:tnLst>
+  </p:timing>
+</p:sld>
+</file>
+
+<file path=ppt/slides/slide35.xml><?xml version="1.0" encoding="utf-8"?>
+<p:sld xmlns:a="http://schemas.openxmlformats.org/drawingml/2006/main" xmlns:r="http://schemas.openxmlformats.org/officeDocument/2006/relationships" xmlns:p="http://schemas.openxmlformats.org/presentationml/2006/main">
+  <p:cSld>
+    <p:spTree>
+      <p:nvGrpSpPr>
+        <p:cNvPr id="1" name=""/>
+        <p:cNvGrpSpPr/>
+        <p:nvPr/>
+      </p:nvGrpSpPr>
+      <p:grpSpPr>
+        <a:xfrm>
+          <a:off x="0" y="0"/>
+          <a:ext cx="0" cy="0"/>
+          <a:chOff x="0" y="0"/>
+          <a:chExt cx="0" cy="0"/>
+        </a:xfrm>
+      </p:grpSpPr>
+      <p:sp>
+        <p:nvSpPr>
+          <p:cNvPr id="4" name="Rectangle 3"/>
+          <p:cNvSpPr/>
+          <p:nvPr/>
+        </p:nvSpPr>
+        <p:spPr>
+          <a:xfrm>
+            <a:off x="5869543" y="227226"/>
+            <a:ext cx="1095172" cy="369332"/>
+          </a:xfrm>
+          <a:prstGeom prst="rect">
+            <a:avLst/>
+          </a:prstGeom>
+        </p:spPr>
+        <p:txBody>
+          <a:bodyPr wrap="none">
+            <a:spAutoFit/>
+          </a:bodyPr>
+          <a:lstStyle/>
+          <a:p>
+            <a:pPr algn="just">
+              <a:spcBef>
+                <a:spcPts val="150"/>
+              </a:spcBef>
+              <a:spcAft>
+                <a:spcPts val="600"/>
+              </a:spcAft>
+            </a:pPr>
+            <a:r>
+              <a:rPr lang="en-US" kern="100" dirty="0">
+                <a:latin typeface="Arial" panose="020B0604020202020204" pitchFamily="34" charset="0"/>
+                <a:ea typeface="Noto Serif CJK SC"/>
+                <a:cs typeface="Lohit Devanagari"/>
+              </a:rPr>
+              <a:t>tblfaculty</a:t>
+            </a:r>
+            <a:endParaRPr lang="en-US" kern="100" dirty="0">
+              <a:effectLst/>
+              <a:latin typeface="Arial" panose="020B0604020202020204" pitchFamily="34" charset="0"/>
+              <a:ea typeface="Noto Serif CJK SC"/>
+              <a:cs typeface="Lohit Devanagari"/>
+            </a:endParaRPr>
+          </a:p>
+        </p:txBody>
+      </p:sp>
+      <p:pic>
+        <p:nvPicPr>
+          <p:cNvPr id="2" name="Picture 1"/>
+          <p:cNvPicPr>
+            <a:picLocks noChangeAspect="1"/>
+          </p:cNvPicPr>
+          <p:nvPr/>
+        </p:nvPicPr>
+        <p:blipFill>
+          <a:blip r:embed="rId2">
+            <a:extLst>
+              <a:ext uri="{28A0092B-C50C-407E-A947-70E740481C1C}">
+                <a14:useLocalDpi xmlns:a14="http://schemas.microsoft.com/office/drawing/2010/main" val="0"/>
+              </a:ext>
+            </a:extLst>
+          </a:blip>
+          <a:stretch>
+            <a:fillRect/>
+          </a:stretch>
+        </p:blipFill>
+        <p:spPr>
+          <a:xfrm>
+            <a:off x="1845129" y="596558"/>
+            <a:ext cx="9144000" cy="6187963"/>
+          </a:xfrm>
+          <a:prstGeom prst="rect">
+            <a:avLst/>
+          </a:prstGeom>
+        </p:spPr>
+      </p:pic>
+    </p:spTree>
+    <p:extLst>
+      <p:ext uri="{BB962C8B-B14F-4D97-AF65-F5344CB8AC3E}">
+        <p14:creationId xmlns:p14="http://schemas.microsoft.com/office/powerpoint/2010/main" val="1449441562"/>
+      </p:ext>
+    </p:extLst>
+  </p:cSld>
+  <p:clrMapOvr>
+    <a:masterClrMapping/>
+  </p:clrMapOvr>
+  <p:timing>
+    <p:tnLst>
+      <p:par>
+        <p:cTn id="1" dur="indefinite" restart="never" nodeType="tmRoot"/>
+      </p:par>
+    </p:tnLst>
+  </p:timing>
+</p:sld>
+</file>
+
+<file path=ppt/slides/slide36.xml><?xml version="1.0" encoding="utf-8"?>
+<p:sld xmlns:a="http://schemas.openxmlformats.org/drawingml/2006/main" xmlns:r="http://schemas.openxmlformats.org/officeDocument/2006/relationships" xmlns:p="http://schemas.openxmlformats.org/presentationml/2006/main">
+  <p:cSld>
+    <p:spTree>
+      <p:nvGrpSpPr>
+        <p:cNvPr id="1" name=""/>
+        <p:cNvGrpSpPr/>
+        <p:nvPr/>
+      </p:nvGrpSpPr>
+      <p:grpSpPr>
+        <a:xfrm>
+          <a:off x="0" y="0"/>
+          <a:ext cx="0" cy="0"/>
+          <a:chOff x="0" y="0"/>
+          <a:chExt cx="0" cy="0"/>
+        </a:xfrm>
+      </p:grpSpPr>
+      <p:sp>
+        <p:nvSpPr>
+          <p:cNvPr id="4" name="Rectangle 3"/>
+          <p:cNvSpPr/>
+          <p:nvPr/>
+        </p:nvSpPr>
+        <p:spPr>
+          <a:xfrm>
+            <a:off x="5780332" y="420975"/>
+            <a:ext cx="1159292" cy="369332"/>
+          </a:xfrm>
+          <a:prstGeom prst="rect">
+            <a:avLst/>
+          </a:prstGeom>
+        </p:spPr>
+        <p:txBody>
+          <a:bodyPr wrap="none">
+            <a:spAutoFit/>
+          </a:bodyPr>
+          <a:lstStyle/>
+          <a:p>
+            <a:pPr algn="just">
+              <a:spcBef>
+                <a:spcPts val="150"/>
+              </a:spcBef>
+              <a:spcAft>
+                <a:spcPts val="600"/>
+              </a:spcAft>
+            </a:pPr>
+            <a:r>
+              <a:rPr lang="en-US" kern="100" dirty="0">
+                <a:latin typeface="Arial" panose="020B0604020202020204" pitchFamily="34" charset="0"/>
+                <a:ea typeface="Noto Serif CJK SC"/>
+                <a:cs typeface="Lohit Devanagari"/>
+              </a:rPr>
+              <a:t>tblsection</a:t>
+            </a:r>
+            <a:endParaRPr lang="en-US" kern="100" dirty="0">
+              <a:effectLst/>
+              <a:latin typeface="Arial" panose="020B0604020202020204" pitchFamily="34" charset="0"/>
+              <a:ea typeface="Noto Serif CJK SC"/>
+              <a:cs typeface="Lohit Devanagari"/>
+            </a:endParaRPr>
+          </a:p>
+        </p:txBody>
+      </p:sp>
+      <p:pic>
+        <p:nvPicPr>
+          <p:cNvPr id="2" name="Picture 1"/>
+          <p:cNvPicPr>
+            <a:picLocks noChangeAspect="1"/>
+          </p:cNvPicPr>
+          <p:nvPr/>
+        </p:nvPicPr>
+        <p:blipFill>
+          <a:blip r:embed="rId2">
+            <a:extLst>
+              <a:ext uri="{28A0092B-C50C-407E-A947-70E740481C1C}">
+                <a14:useLocalDpi xmlns:a14="http://schemas.microsoft.com/office/drawing/2010/main" val="0"/>
+              </a:ext>
+            </a:extLst>
+          </a:blip>
+          <a:stretch>
+            <a:fillRect/>
+          </a:stretch>
+        </p:blipFill>
+        <p:spPr>
+          <a:xfrm>
+            <a:off x="1608365" y="1027071"/>
+            <a:ext cx="9503227" cy="5537014"/>
+          </a:xfrm>
+          <a:prstGeom prst="rect">
+            <a:avLst/>
+          </a:prstGeom>
+        </p:spPr>
+      </p:pic>
+    </p:spTree>
+    <p:extLst>
+      <p:ext uri="{BB962C8B-B14F-4D97-AF65-F5344CB8AC3E}">
+        <p14:creationId xmlns:p14="http://schemas.microsoft.com/office/powerpoint/2010/main" val="1469288846"/>
+      </p:ext>
+    </p:extLst>
+  </p:cSld>
+  <p:clrMapOvr>
+    <a:masterClrMapping/>
+  </p:clrMapOvr>
+  <p:timing>
+    <p:tnLst>
+      <p:par>
+        <p:cTn id="1" dur="indefinite" restart="never" nodeType="tmRoot"/>
+      </p:par>
+    </p:tnLst>
+  </p:timing>
+</p:sld>
+</file>
+
+<file path=ppt/slides/slide37.xml><?xml version="1.0" encoding="utf-8"?>
+<p:sld xmlns:a="http://schemas.openxmlformats.org/drawingml/2006/main" xmlns:r="http://schemas.openxmlformats.org/officeDocument/2006/relationships" xmlns:p="http://schemas.openxmlformats.org/presentationml/2006/main">
+  <p:cSld>
+    <p:spTree>
+      <p:nvGrpSpPr>
+        <p:cNvPr id="1" name=""/>
+        <p:cNvGrpSpPr/>
+        <p:nvPr/>
+      </p:nvGrpSpPr>
+      <p:grpSpPr>
+        <a:xfrm>
+          <a:off x="0" y="0"/>
+          <a:ext cx="0" cy="0"/>
+          <a:chOff x="0" y="0"/>
+          <a:chExt cx="0" cy="0"/>
+        </a:xfrm>
+      </p:grpSpPr>
+      <p:sp>
+        <p:nvSpPr>
+          <p:cNvPr id="4" name="Rectangle 3"/>
+          <p:cNvSpPr/>
+          <p:nvPr/>
+        </p:nvSpPr>
+        <p:spPr>
+          <a:xfrm>
+            <a:off x="5681317" y="775454"/>
+            <a:ext cx="728084" cy="369332"/>
+          </a:xfrm>
+          <a:prstGeom prst="rect">
+            <a:avLst/>
+          </a:prstGeom>
+        </p:spPr>
+        <p:txBody>
+          <a:bodyPr wrap="none">
+            <a:spAutoFit/>
+          </a:bodyPr>
+          <a:lstStyle/>
+          <a:p>
+            <a:r>
+              <a:rPr lang="en-US" dirty="0"/>
+              <a:t>tblplo</a:t>
+            </a:r>
           </a:p>
         </p:txBody>
       </p:sp>
@@ -7247,655 +8153,6 @@
         </p:blipFill>
         <p:spPr>
           <a:xfrm>
-            <a:off x="785222" y="446517"/>
-            <a:ext cx="5239481" cy="2114845"/>
-          </a:xfrm>
-          <a:prstGeom prst="rect">
-            <a:avLst/>
-          </a:prstGeom>
-        </p:spPr>
-      </p:pic>
-      <p:sp>
-        <p:nvSpPr>
-          <p:cNvPr id="6" name="Rectangle 5"/>
-          <p:cNvSpPr/>
-          <p:nvPr/>
-        </p:nvSpPr>
-        <p:spPr>
-          <a:xfrm>
-            <a:off x="785222" y="2930694"/>
-            <a:ext cx="1595309" cy="369332"/>
-          </a:xfrm>
-          <a:prstGeom prst="rect">
-            <a:avLst/>
-          </a:prstGeom>
-        </p:spPr>
-        <p:txBody>
-          <a:bodyPr wrap="none">
-            <a:spAutoFit/>
-          </a:bodyPr>
-          <a:lstStyle/>
-          <a:p>
-            <a:pPr algn="just">
-              <a:spcBef>
-                <a:spcPts val="150"/>
-              </a:spcBef>
-              <a:spcAft>
-                <a:spcPts val="600"/>
-              </a:spcAft>
-            </a:pPr>
-            <a:r>
-              <a:rPr lang="en-US" kern="100" dirty="0" err="1">
-                <a:latin typeface="Arial" panose="020B0604020202020204" pitchFamily="34" charset="0"/>
-                <a:ea typeface="Noto Serif CJK SC"/>
-                <a:cs typeface="Lohit Devanagari"/>
-              </a:rPr>
-              <a:t>tbldepartment</a:t>
-            </a:r>
-            <a:endParaRPr lang="en-US" kern="100" dirty="0">
-              <a:effectLst/>
-              <a:latin typeface="Arial" panose="020B0604020202020204" pitchFamily="34" charset="0"/>
-              <a:ea typeface="Noto Serif CJK SC"/>
-              <a:cs typeface="Lohit Devanagari"/>
-            </a:endParaRPr>
-          </a:p>
-        </p:txBody>
-      </p:sp>
-      <p:pic>
-        <p:nvPicPr>
-          <p:cNvPr id="7" name="Picture 6"/>
-          <p:cNvPicPr>
-            <a:picLocks noChangeAspect="1"/>
-          </p:cNvPicPr>
-          <p:nvPr/>
-        </p:nvPicPr>
-        <p:blipFill>
-          <a:blip r:embed="rId3">
-            <a:extLst>
-              <a:ext uri="{28A0092B-C50C-407E-A947-70E740481C1C}">
-                <a14:useLocalDpi xmlns:a14="http://schemas.microsoft.com/office/drawing/2010/main" val="0"/>
-              </a:ext>
-            </a:extLst>
-          </a:blip>
-          <a:stretch>
-            <a:fillRect/>
-          </a:stretch>
-        </p:blipFill>
-        <p:spPr>
-          <a:xfrm>
-            <a:off x="785221" y="3396834"/>
-            <a:ext cx="6469557" cy="2230882"/>
-          </a:xfrm>
-          <a:prstGeom prst="rect">
-            <a:avLst/>
-          </a:prstGeom>
-        </p:spPr>
-      </p:pic>
-    </p:spTree>
-    <p:extLst>
-      <p:ext uri="{BB962C8B-B14F-4D97-AF65-F5344CB8AC3E}">
-        <p14:creationId xmlns:p14="http://schemas.microsoft.com/office/powerpoint/2010/main" val="4071642362"/>
-      </p:ext>
-    </p:extLst>
-  </p:cSld>
-  <p:clrMapOvr>
-    <a:masterClrMapping/>
-  </p:clrMapOvr>
-</p:sld>
-</file>
-
-<file path=ppt/slides/slide33.xml><?xml version="1.0" encoding="utf-8"?>
-<p:sld xmlns:a="http://schemas.openxmlformats.org/drawingml/2006/main" xmlns:r="http://schemas.openxmlformats.org/officeDocument/2006/relationships" xmlns:p="http://schemas.openxmlformats.org/presentationml/2006/main">
-  <p:cSld>
-    <p:spTree>
-      <p:nvGrpSpPr>
-        <p:cNvPr id="1" name=""/>
-        <p:cNvGrpSpPr/>
-        <p:nvPr/>
-      </p:nvGrpSpPr>
-      <p:grpSpPr>
-        <a:xfrm>
-          <a:off x="0" y="0"/>
-          <a:ext cx="0" cy="0"/>
-          <a:chOff x="0" y="0"/>
-          <a:chExt cx="0" cy="0"/>
-        </a:xfrm>
-      </p:grpSpPr>
-      <p:sp>
-        <p:nvSpPr>
-          <p:cNvPr id="4" name="Rectangle 3"/>
-          <p:cNvSpPr/>
-          <p:nvPr/>
-        </p:nvSpPr>
-        <p:spPr>
-          <a:xfrm>
-            <a:off x="5743180" y="911582"/>
-            <a:ext cx="1287532" cy="369332"/>
-          </a:xfrm>
-          <a:prstGeom prst="rect">
-            <a:avLst/>
-          </a:prstGeom>
-        </p:spPr>
-        <p:txBody>
-          <a:bodyPr wrap="none">
-            <a:spAutoFit/>
-          </a:bodyPr>
-          <a:lstStyle/>
-          <a:p>
-            <a:pPr algn="just">
-              <a:spcBef>
-                <a:spcPts val="150"/>
-              </a:spcBef>
-              <a:spcAft>
-                <a:spcPts val="600"/>
-              </a:spcAft>
-            </a:pPr>
-            <a:r>
-              <a:rPr lang="en-US" kern="100" dirty="0" err="1">
-                <a:latin typeface="Arial" panose="020B0604020202020204" pitchFamily="34" charset="0"/>
-                <a:ea typeface="Noto Serif CJK SC"/>
-                <a:cs typeface="Lohit Devanagari"/>
-              </a:rPr>
-              <a:t>tblprogram</a:t>
-            </a:r>
-            <a:endParaRPr lang="en-US" kern="100" dirty="0">
-              <a:effectLst/>
-              <a:latin typeface="Arial" panose="020B0604020202020204" pitchFamily="34" charset="0"/>
-              <a:ea typeface="Noto Serif CJK SC"/>
-              <a:cs typeface="Lohit Devanagari"/>
-            </a:endParaRPr>
-          </a:p>
-        </p:txBody>
-      </p:sp>
-      <p:pic>
-        <p:nvPicPr>
-          <p:cNvPr id="5" name="Picture 4"/>
-          <p:cNvPicPr>
-            <a:picLocks noChangeAspect="1"/>
-          </p:cNvPicPr>
-          <p:nvPr/>
-        </p:nvPicPr>
-        <p:blipFill>
-          <a:blip r:embed="rId2">
-            <a:extLst>
-              <a:ext uri="{28A0092B-C50C-407E-A947-70E740481C1C}">
-                <a14:useLocalDpi xmlns:a14="http://schemas.microsoft.com/office/drawing/2010/main" val="0"/>
-              </a:ext>
-            </a:extLst>
-          </a:blip>
-          <a:stretch>
-            <a:fillRect/>
-          </a:stretch>
-        </p:blipFill>
-        <p:spPr>
-          <a:xfrm>
-            <a:off x="2950104" y="1704109"/>
-            <a:ext cx="7021900" cy="2593393"/>
-          </a:xfrm>
-          <a:prstGeom prst="rect">
-            <a:avLst/>
-          </a:prstGeom>
-        </p:spPr>
-      </p:pic>
-      <p:pic>
-        <p:nvPicPr>
-          <p:cNvPr id="6" name="Picture 5"/>
-          <p:cNvPicPr>
-            <a:picLocks noChangeAspect="1"/>
-          </p:cNvPicPr>
-          <p:nvPr/>
-        </p:nvPicPr>
-        <p:blipFill>
-          <a:blip r:embed="rId3">
-            <a:extLst>
-              <a:ext uri="{28A0092B-C50C-407E-A947-70E740481C1C}">
-                <a14:useLocalDpi xmlns:a14="http://schemas.microsoft.com/office/drawing/2010/main" val="0"/>
-              </a:ext>
-            </a:extLst>
-          </a:blip>
-          <a:stretch>
-            <a:fillRect/>
-          </a:stretch>
-        </p:blipFill>
-        <p:spPr>
-          <a:xfrm>
-            <a:off x="2950104" y="4187230"/>
-            <a:ext cx="7021900" cy="533467"/>
-          </a:xfrm>
-          <a:prstGeom prst="rect">
-            <a:avLst/>
-          </a:prstGeom>
-        </p:spPr>
-      </p:pic>
-    </p:spTree>
-    <p:extLst>
-      <p:ext uri="{BB962C8B-B14F-4D97-AF65-F5344CB8AC3E}">
-        <p14:creationId xmlns:p14="http://schemas.microsoft.com/office/powerpoint/2010/main" val="1877683200"/>
-      </p:ext>
-    </p:extLst>
-  </p:cSld>
-  <p:clrMapOvr>
-    <a:masterClrMapping/>
-  </p:clrMapOvr>
-</p:sld>
-</file>
-
-<file path=ppt/slides/slide34.xml><?xml version="1.0" encoding="utf-8"?>
-<p:sld xmlns:a="http://schemas.openxmlformats.org/drawingml/2006/main" xmlns:r="http://schemas.openxmlformats.org/officeDocument/2006/relationships" xmlns:p="http://schemas.openxmlformats.org/presentationml/2006/main">
-  <p:cSld>
-    <p:spTree>
-      <p:nvGrpSpPr>
-        <p:cNvPr id="1" name=""/>
-        <p:cNvGrpSpPr/>
-        <p:nvPr/>
-      </p:nvGrpSpPr>
-      <p:grpSpPr>
-        <a:xfrm>
-          <a:off x="0" y="0"/>
-          <a:ext cx="0" cy="0"/>
-          <a:chOff x="0" y="0"/>
-          <a:chExt cx="0" cy="0"/>
-        </a:xfrm>
-      </p:grpSpPr>
-      <p:sp>
-        <p:nvSpPr>
-          <p:cNvPr id="4" name="Rectangle 3"/>
-          <p:cNvSpPr/>
-          <p:nvPr/>
-        </p:nvSpPr>
-        <p:spPr>
-          <a:xfrm>
-            <a:off x="5351385" y="243440"/>
-            <a:ext cx="1184940" cy="369332"/>
-          </a:xfrm>
-          <a:prstGeom prst="rect">
-            <a:avLst/>
-          </a:prstGeom>
-        </p:spPr>
-        <p:txBody>
-          <a:bodyPr wrap="none">
-            <a:spAutoFit/>
-          </a:bodyPr>
-          <a:lstStyle/>
-          <a:p>
-            <a:pPr algn="just">
-              <a:spcBef>
-                <a:spcPts val="150"/>
-              </a:spcBef>
-              <a:spcAft>
-                <a:spcPts val="600"/>
-              </a:spcAft>
-            </a:pPr>
-            <a:r>
-              <a:rPr lang="en-US" kern="100" dirty="0" err="1">
-                <a:latin typeface="Arial" panose="020B0604020202020204" pitchFamily="34" charset="0"/>
-                <a:ea typeface="Noto Serif CJK SC"/>
-                <a:cs typeface="Lohit Devanagari"/>
-              </a:rPr>
-              <a:t>tblstudent</a:t>
-            </a:r>
-            <a:endParaRPr lang="en-US" kern="100" dirty="0">
-              <a:effectLst/>
-              <a:latin typeface="Arial" panose="020B0604020202020204" pitchFamily="34" charset="0"/>
-              <a:ea typeface="Noto Serif CJK SC"/>
-              <a:cs typeface="Lohit Devanagari"/>
-            </a:endParaRPr>
-          </a:p>
-        </p:txBody>
-      </p:sp>
-      <p:pic>
-        <p:nvPicPr>
-          <p:cNvPr id="5" name="Picture 4"/>
-          <p:cNvPicPr>
-            <a:picLocks noChangeAspect="1"/>
-          </p:cNvPicPr>
-          <p:nvPr/>
-        </p:nvPicPr>
-        <p:blipFill>
-          <a:blip r:embed="rId2">
-            <a:extLst>
-              <a:ext uri="{28A0092B-C50C-407E-A947-70E740481C1C}">
-                <a14:useLocalDpi xmlns:a14="http://schemas.microsoft.com/office/drawing/2010/main" val="0"/>
-              </a:ext>
-            </a:extLst>
-          </a:blip>
-          <a:stretch>
-            <a:fillRect/>
-          </a:stretch>
-        </p:blipFill>
-        <p:spPr>
-          <a:xfrm>
-            <a:off x="3106949" y="612772"/>
-            <a:ext cx="5795982" cy="5869883"/>
-          </a:xfrm>
-          <a:prstGeom prst="rect">
-            <a:avLst/>
-          </a:prstGeom>
-        </p:spPr>
-      </p:pic>
-    </p:spTree>
-    <p:extLst>
-      <p:ext uri="{BB962C8B-B14F-4D97-AF65-F5344CB8AC3E}">
-        <p14:creationId xmlns:p14="http://schemas.microsoft.com/office/powerpoint/2010/main" val="4150201559"/>
-      </p:ext>
-    </p:extLst>
-  </p:cSld>
-  <p:clrMapOvr>
-    <a:masterClrMapping/>
-  </p:clrMapOvr>
-</p:sld>
-</file>
-
-<file path=ppt/slides/slide35.xml><?xml version="1.0" encoding="utf-8"?>
-<p:sld xmlns:a="http://schemas.openxmlformats.org/drawingml/2006/main" xmlns:r="http://schemas.openxmlformats.org/officeDocument/2006/relationships" xmlns:p="http://schemas.openxmlformats.org/presentationml/2006/main">
-  <p:cSld>
-    <p:spTree>
-      <p:nvGrpSpPr>
-        <p:cNvPr id="1" name=""/>
-        <p:cNvGrpSpPr/>
-        <p:nvPr/>
-      </p:nvGrpSpPr>
-      <p:grpSpPr>
-        <a:xfrm>
-          <a:off x="0" y="0"/>
-          <a:ext cx="0" cy="0"/>
-          <a:chOff x="0" y="0"/>
-          <a:chExt cx="0" cy="0"/>
-        </a:xfrm>
-      </p:grpSpPr>
-      <p:sp>
-        <p:nvSpPr>
-          <p:cNvPr id="4" name="Rectangle 3"/>
-          <p:cNvSpPr/>
-          <p:nvPr/>
-        </p:nvSpPr>
-        <p:spPr>
-          <a:xfrm>
-            <a:off x="5930800" y="343604"/>
-            <a:ext cx="1095172" cy="369332"/>
-          </a:xfrm>
-          <a:prstGeom prst="rect">
-            <a:avLst/>
-          </a:prstGeom>
-        </p:spPr>
-        <p:txBody>
-          <a:bodyPr wrap="none">
-            <a:spAutoFit/>
-          </a:bodyPr>
-          <a:lstStyle/>
-          <a:p>
-            <a:pPr algn="just">
-              <a:spcBef>
-                <a:spcPts val="150"/>
-              </a:spcBef>
-              <a:spcAft>
-                <a:spcPts val="600"/>
-              </a:spcAft>
-            </a:pPr>
-            <a:r>
-              <a:rPr lang="en-US" kern="100" dirty="0" err="1">
-                <a:latin typeface="Arial" panose="020B0604020202020204" pitchFamily="34" charset="0"/>
-                <a:ea typeface="Noto Serif CJK SC"/>
-                <a:cs typeface="Lohit Devanagari"/>
-              </a:rPr>
-              <a:t>tblfaculty</a:t>
-            </a:r>
-            <a:endParaRPr lang="en-US" kern="100" dirty="0">
-              <a:effectLst/>
-              <a:latin typeface="Arial" panose="020B0604020202020204" pitchFamily="34" charset="0"/>
-              <a:ea typeface="Noto Serif CJK SC"/>
-              <a:cs typeface="Lohit Devanagari"/>
-            </a:endParaRPr>
-          </a:p>
-        </p:txBody>
-      </p:sp>
-      <p:pic>
-        <p:nvPicPr>
-          <p:cNvPr id="5" name="Picture 4"/>
-          <p:cNvPicPr>
-            <a:picLocks noChangeAspect="1"/>
-          </p:cNvPicPr>
-          <p:nvPr/>
-        </p:nvPicPr>
-        <p:blipFill>
-          <a:blip r:embed="rId2">
-            <a:extLst>
-              <a:ext uri="{28A0092B-C50C-407E-A947-70E740481C1C}">
-                <a14:useLocalDpi xmlns:a14="http://schemas.microsoft.com/office/drawing/2010/main" val="0"/>
-              </a:ext>
-            </a:extLst>
-          </a:blip>
-          <a:stretch>
-            <a:fillRect/>
-          </a:stretch>
-        </p:blipFill>
-        <p:spPr>
-          <a:xfrm>
-            <a:off x="3375667" y="712936"/>
-            <a:ext cx="6674420" cy="5681131"/>
-          </a:xfrm>
-          <a:prstGeom prst="rect">
-            <a:avLst/>
-          </a:prstGeom>
-        </p:spPr>
-      </p:pic>
-    </p:spTree>
-    <p:extLst>
-      <p:ext uri="{BB962C8B-B14F-4D97-AF65-F5344CB8AC3E}">
-        <p14:creationId xmlns:p14="http://schemas.microsoft.com/office/powerpoint/2010/main" val="1449441562"/>
-      </p:ext>
-    </p:extLst>
-  </p:cSld>
-  <p:clrMapOvr>
-    <a:masterClrMapping/>
-  </p:clrMapOvr>
-</p:sld>
-</file>
-
-<file path=ppt/slides/slide36.xml><?xml version="1.0" encoding="utf-8"?>
-<p:sld xmlns:a="http://schemas.openxmlformats.org/drawingml/2006/main" xmlns:r="http://schemas.openxmlformats.org/officeDocument/2006/relationships" xmlns:p="http://schemas.openxmlformats.org/presentationml/2006/main">
-  <p:cSld>
-    <p:spTree>
-      <p:nvGrpSpPr>
-        <p:cNvPr id="1" name=""/>
-        <p:cNvGrpSpPr/>
-        <p:nvPr/>
-      </p:nvGrpSpPr>
-      <p:grpSpPr>
-        <a:xfrm>
-          <a:off x="0" y="0"/>
-          <a:ext cx="0" cy="0"/>
-          <a:chOff x="0" y="0"/>
-          <a:chExt cx="0" cy="0"/>
-        </a:xfrm>
-      </p:grpSpPr>
-      <p:sp>
-        <p:nvSpPr>
-          <p:cNvPr id="4" name="Rectangle 3"/>
-          <p:cNvSpPr/>
-          <p:nvPr/>
-        </p:nvSpPr>
-        <p:spPr>
-          <a:xfrm>
-            <a:off x="5508041" y="127061"/>
-            <a:ext cx="1159292" cy="369332"/>
-          </a:xfrm>
-          <a:prstGeom prst="rect">
-            <a:avLst/>
-          </a:prstGeom>
-        </p:spPr>
-        <p:txBody>
-          <a:bodyPr wrap="none">
-            <a:spAutoFit/>
-          </a:bodyPr>
-          <a:lstStyle/>
-          <a:p>
-            <a:pPr algn="just">
-              <a:spcBef>
-                <a:spcPts val="150"/>
-              </a:spcBef>
-              <a:spcAft>
-                <a:spcPts val="600"/>
-              </a:spcAft>
-            </a:pPr>
-            <a:r>
-              <a:rPr lang="en-US" kern="100" dirty="0" err="1">
-                <a:latin typeface="Arial" panose="020B0604020202020204" pitchFamily="34" charset="0"/>
-                <a:ea typeface="Noto Serif CJK SC"/>
-                <a:cs typeface="Lohit Devanagari"/>
-              </a:rPr>
-              <a:t>tblsection</a:t>
-            </a:r>
-            <a:endParaRPr lang="en-US" kern="100" dirty="0">
-              <a:effectLst/>
-              <a:latin typeface="Arial" panose="020B0604020202020204" pitchFamily="34" charset="0"/>
-              <a:ea typeface="Noto Serif CJK SC"/>
-              <a:cs typeface="Lohit Devanagari"/>
-            </a:endParaRPr>
-          </a:p>
-        </p:txBody>
-      </p:sp>
-      <p:pic>
-        <p:nvPicPr>
-          <p:cNvPr id="5" name="Picture 4"/>
-          <p:cNvPicPr>
-            <a:picLocks noChangeAspect="1"/>
-          </p:cNvPicPr>
-          <p:nvPr/>
-        </p:nvPicPr>
-        <p:blipFill>
-          <a:blip r:embed="rId2">
-            <a:extLst>
-              <a:ext uri="{28A0092B-C50C-407E-A947-70E740481C1C}">
-                <a14:useLocalDpi xmlns:a14="http://schemas.microsoft.com/office/drawing/2010/main" val="0"/>
-              </a:ext>
-            </a:extLst>
-          </a:blip>
-          <a:stretch>
-            <a:fillRect/>
-          </a:stretch>
-        </p:blipFill>
-        <p:spPr>
-          <a:xfrm>
-            <a:off x="2292926" y="496393"/>
-            <a:ext cx="7906789" cy="2122116"/>
-          </a:xfrm>
-          <a:prstGeom prst="rect">
-            <a:avLst/>
-          </a:prstGeom>
-        </p:spPr>
-      </p:pic>
-      <p:pic>
-        <p:nvPicPr>
-          <p:cNvPr id="6" name="Picture 5"/>
-          <p:cNvPicPr>
-            <a:picLocks noChangeAspect="1"/>
-          </p:cNvPicPr>
-          <p:nvPr/>
-        </p:nvPicPr>
-        <p:blipFill>
-          <a:blip r:embed="rId3">
-            <a:extLst>
-              <a:ext uri="{28A0092B-C50C-407E-A947-70E740481C1C}">
-                <a14:useLocalDpi xmlns:a14="http://schemas.microsoft.com/office/drawing/2010/main" val="0"/>
-              </a:ext>
-            </a:extLst>
-          </a:blip>
-          <a:stretch>
-            <a:fillRect/>
-          </a:stretch>
-        </p:blipFill>
-        <p:spPr>
-          <a:xfrm>
-            <a:off x="2292926" y="3642274"/>
-            <a:ext cx="7906789" cy="2417703"/>
-          </a:xfrm>
-          <a:prstGeom prst="rect">
-            <a:avLst/>
-          </a:prstGeom>
-        </p:spPr>
-      </p:pic>
-    </p:spTree>
-    <p:extLst>
-      <p:ext uri="{BB962C8B-B14F-4D97-AF65-F5344CB8AC3E}">
-        <p14:creationId xmlns:p14="http://schemas.microsoft.com/office/powerpoint/2010/main" val="1469288846"/>
-      </p:ext>
-    </p:extLst>
-  </p:cSld>
-  <p:clrMapOvr>
-    <a:masterClrMapping/>
-  </p:clrMapOvr>
-</p:sld>
-</file>
-
-<file path=ppt/slides/slide37.xml><?xml version="1.0" encoding="utf-8"?>
-<p:sld xmlns:a="http://schemas.openxmlformats.org/drawingml/2006/main" xmlns:r="http://schemas.openxmlformats.org/officeDocument/2006/relationships" xmlns:p="http://schemas.openxmlformats.org/presentationml/2006/main">
-  <p:cSld>
-    <p:spTree>
-      <p:nvGrpSpPr>
-        <p:cNvPr id="1" name=""/>
-        <p:cNvGrpSpPr/>
-        <p:nvPr/>
-      </p:nvGrpSpPr>
-      <p:grpSpPr>
-        <a:xfrm>
-          <a:off x="0" y="0"/>
-          <a:ext cx="0" cy="0"/>
-          <a:chOff x="0" y="0"/>
-          <a:chExt cx="0" cy="0"/>
-        </a:xfrm>
-      </p:grpSpPr>
-      <p:sp>
-        <p:nvSpPr>
-          <p:cNvPr id="4" name="Rectangle 3"/>
-          <p:cNvSpPr/>
-          <p:nvPr/>
-        </p:nvSpPr>
-        <p:spPr>
-          <a:xfrm>
-            <a:off x="5681317" y="775454"/>
-            <a:ext cx="728084" cy="369332"/>
-          </a:xfrm>
-          <a:prstGeom prst="rect">
-            <a:avLst/>
-          </a:prstGeom>
-        </p:spPr>
-        <p:txBody>
-          <a:bodyPr wrap="none">
-            <a:spAutoFit/>
-          </a:bodyPr>
-          <a:lstStyle/>
-          <a:p>
-            <a:r>
-              <a:rPr lang="en-US" dirty="0" err="1"/>
-              <a:t>tblplo</a:t>
-            </a:r>
-            <a:endParaRPr lang="en-US" dirty="0"/>
-          </a:p>
-        </p:txBody>
-      </p:sp>
-      <p:pic>
-        <p:nvPicPr>
-          <p:cNvPr id="5" name="Picture 4"/>
-          <p:cNvPicPr>
-            <a:picLocks noChangeAspect="1"/>
-          </p:cNvPicPr>
-          <p:nvPr/>
-        </p:nvPicPr>
-        <p:blipFill>
-          <a:blip r:embed="rId2">
-            <a:extLst>
-              <a:ext uri="{28A0092B-C50C-407E-A947-70E740481C1C}">
-                <a14:useLocalDpi xmlns:a14="http://schemas.microsoft.com/office/drawing/2010/main" val="0"/>
-              </a:ext>
-            </a:extLst>
-          </a:blip>
-          <a:stretch>
-            <a:fillRect/>
-          </a:stretch>
-        </p:blipFill>
-        <p:spPr>
-          <a:xfrm>
             <a:off x="1241367" y="1298834"/>
             <a:ext cx="10336067" cy="4143953"/>
           </a:xfrm>
@@ -7914,6 +8171,13 @@
   <p:clrMapOvr>
     <a:masterClrMapping/>
   </p:clrMapOvr>
+  <p:timing>
+    <p:tnLst>
+      <p:par>
+        <p:cTn id="1" dur="indefinite" restart="never" nodeType="tmRoot"/>
+      </p:par>
+    </p:tnLst>
+  </p:timing>
 </p:sld>
 </file>
 
@@ -7986,10 +8250,9 @@
           <a:lstStyle/>
           <a:p>
             <a:r>
-              <a:rPr lang="en-US" dirty="0" err="1"/>
+              <a:rPr lang="en-US" dirty="0"/>
               <a:t>tblco</a:t>
             </a:r>
-            <a:endParaRPr lang="en-US" dirty="0"/>
           </a:p>
         </p:txBody>
       </p:sp>
@@ -8031,7 +8294,7 @@
         </p:nvSpPr>
         <p:spPr>
           <a:xfrm>
-            <a:off x="5513536" y="850268"/>
+            <a:off x="5763563" y="964568"/>
             <a:ext cx="1813317" cy="369332"/>
           </a:xfrm>
           <a:prstGeom prst="rect">
@@ -8045,16 +8308,15 @@
           <a:lstStyle/>
           <a:p>
             <a:r>
-              <a:rPr lang="en-US" dirty="0" err="1"/>
+              <a:rPr lang="en-US" dirty="0"/>
               <a:t>tblassessmentID</a:t>
             </a:r>
-            <a:endParaRPr lang="en-US" dirty="0"/>
           </a:p>
         </p:txBody>
       </p:sp>
       <p:pic>
         <p:nvPicPr>
-          <p:cNvPr id="5" name="Picture 4"/>
+          <p:cNvPr id="2" name="Picture 1"/>
           <p:cNvPicPr>
             <a:picLocks noChangeAspect="1"/>
           </p:cNvPicPr>
@@ -8074,8 +8336,8 @@
         </p:blipFill>
         <p:spPr>
           <a:xfrm>
-            <a:off x="1256925" y="1364305"/>
-            <a:ext cx="10326541" cy="4180284"/>
+            <a:off x="1951265" y="1560500"/>
+            <a:ext cx="9437914" cy="4660685"/>
           </a:xfrm>
           <a:prstGeom prst="rect">
             <a:avLst/>
@@ -8214,19 +8476,15 @@
           <a:lstStyle/>
           <a:p>
             <a:r>
-              <a:rPr lang="en-US" dirty="0" err="1"/>
-              <a:t>tblassessment</a:t>
-            </a:r>
-            <a:r>
               <a:rPr lang="en-US" dirty="0"/>
-              <a:t> submission </a:t>
+              <a:t>tblassessment submission </a:t>
             </a:r>
           </a:p>
         </p:txBody>
       </p:sp>
       <p:pic>
         <p:nvPicPr>
-          <p:cNvPr id="5" name="Picture 4"/>
+          <p:cNvPr id="2" name="Picture 1"/>
           <p:cNvPicPr>
             <a:picLocks noChangeAspect="1"/>
           </p:cNvPicPr>
@@ -8246,8 +8504,8 @@
         </p:blipFill>
         <p:spPr>
           <a:xfrm>
-            <a:off x="1326977" y="1477198"/>
-            <a:ext cx="10336067" cy="3784759"/>
+            <a:off x="1714821" y="1466663"/>
+            <a:ext cx="9560378" cy="4525922"/>
           </a:xfrm>
           <a:prstGeom prst="rect">
             <a:avLst/>
@@ -8264,6 +8522,13 @@
   <p:clrMapOvr>
     <a:masterClrMapping/>
   </p:clrMapOvr>
+  <p:timing>
+    <p:tnLst>
+      <p:par>
+        <p:cTn id="1" dur="indefinite" restart="never" nodeType="tmRoot"/>
+      </p:par>
+    </p:tnLst>
+  </p:timing>
 </p:sld>
 </file>
 
@@ -8289,7 +8554,7 @@
           <p:cNvPr id="2" name="Title 1">
             <a:extLst>
               <a:ext uri="{FF2B5EF4-FFF2-40B4-BE49-F238E27FC236}">
-                <a16:creationId xmlns:a16="http://schemas.microsoft.com/office/drawing/2014/main" id="{81B75A47-2FB1-446D-804D-1B6EBE28C474}"/>
+                <a16:creationId xmlns:a16="http://schemas.microsoft.com/office/drawing/2014/main" xmlns="" id="{81B75A47-2FB1-446D-804D-1B6EBE28C474}"/>
               </a:ext>
             </a:extLst>
           </p:cNvPr>
@@ -8321,7 +8586,7 @@
           <p:cNvPr id="3" name="Content Placeholder 2">
             <a:extLst>
               <a:ext uri="{FF2B5EF4-FFF2-40B4-BE49-F238E27FC236}">
-                <a16:creationId xmlns:a16="http://schemas.microsoft.com/office/drawing/2014/main" id="{AC16DA37-B59D-4666-B78D-B3E8130BAC99}"/>
+                <a16:creationId xmlns:a16="http://schemas.microsoft.com/office/drawing/2014/main" xmlns="" id="{AC16DA37-B59D-4666-B78D-B3E8130BAC99}"/>
               </a:ext>
             </a:extLst>
           </p:cNvPr>
@@ -8360,6 +8625,13 @@
   <p:clrMapOvr>
     <a:masterClrMapping/>
   </p:clrMapOvr>
+  <p:timing>
+    <p:tnLst>
+      <p:par>
+        <p:cTn id="1" dur="indefinite" restart="never" nodeType="tmRoot"/>
+      </p:par>
+    </p:tnLst>
+  </p:timing>
 </p:sld>
 </file>
 
@@ -8402,8 +8674,8 @@
         </p:blipFill>
         <p:spPr>
           <a:xfrm>
-            <a:off x="2886987" y="767330"/>
-            <a:ext cx="6991770" cy="4793883"/>
+            <a:off x="1232808" y="767330"/>
+            <a:ext cx="10531928" cy="5421199"/>
           </a:xfrm>
           <a:prstGeom prst="rect">
             <a:avLst/>
@@ -8418,7 +8690,7 @@
         </p:nvSpPr>
         <p:spPr>
           <a:xfrm>
-            <a:off x="5564474" y="5760719"/>
+            <a:off x="5534020" y="6332219"/>
             <a:ext cx="1929503" cy="369332"/>
           </a:xfrm>
           <a:prstGeom prst="rect">
@@ -8456,6 +8728,13 @@
   <p:clrMapOvr>
     <a:masterClrMapping/>
   </p:clrMapOvr>
+  <p:timing>
+    <p:tnLst>
+      <p:par>
+        <p:cTn id="1" dur="indefinite" restart="never" nodeType="tmRoot"/>
+      </p:par>
+    </p:tnLst>
+  </p:timing>
 </p:sld>
 </file>
 
@@ -8481,7 +8760,7 @@
           <p:cNvPr id="3" name="Picture 2">
             <a:extLst>
               <a:ext uri="{FF2B5EF4-FFF2-40B4-BE49-F238E27FC236}">
-                <a16:creationId xmlns:a16="http://schemas.microsoft.com/office/drawing/2014/main" id="{B219DAAB-AB6B-48A6-9118-2C6D519144F7}"/>
+                <a16:creationId xmlns:a16="http://schemas.microsoft.com/office/drawing/2014/main" xmlns="" id="{B219DAAB-AB6B-48A6-9118-2C6D519144F7}"/>
               </a:ext>
             </a:extLst>
           </p:cNvPr>
@@ -8522,6 +8801,13 @@
   <p:clrMapOvr>
     <a:masterClrMapping/>
   </p:clrMapOvr>
+  <p:timing>
+    <p:tnLst>
+      <p:par>
+        <p:cTn id="1" dur="indefinite" restart="never" nodeType="tmRoot"/>
+      </p:par>
+    </p:tnLst>
+  </p:timing>
 </p:sld>
 </file>
 
@@ -8547,7 +8833,7 @@
           <p:cNvPr id="3" name="Picture 2">
             <a:extLst>
               <a:ext uri="{FF2B5EF4-FFF2-40B4-BE49-F238E27FC236}">
-                <a16:creationId xmlns:a16="http://schemas.microsoft.com/office/drawing/2014/main" id="{737A4AB1-D46F-4580-984F-1992B5E8C653}"/>
+                <a16:creationId xmlns:a16="http://schemas.microsoft.com/office/drawing/2014/main" xmlns="" id="{737A4AB1-D46F-4580-984F-1992B5E8C653}"/>
               </a:ext>
             </a:extLst>
           </p:cNvPr>
@@ -8588,10 +8874,405 @@
   <p:clrMapOvr>
     <a:masterClrMapping/>
   </p:clrMapOvr>
+  <p:timing>
+    <p:tnLst>
+      <p:par>
+        <p:cTn id="1" dur="indefinite" restart="never" nodeType="tmRoot"/>
+      </p:par>
+    </p:tnLst>
+  </p:timing>
 </p:sld>
 </file>
 
 <file path=ppt/slides/slide45.xml><?xml version="1.0" encoding="utf-8"?>
+<p:sld xmlns:a="http://schemas.openxmlformats.org/drawingml/2006/main" xmlns:r="http://schemas.openxmlformats.org/officeDocument/2006/relationships" xmlns:p="http://schemas.openxmlformats.org/presentationml/2006/main">
+  <p:cSld>
+    <p:spTree>
+      <p:nvGrpSpPr>
+        <p:cNvPr id="1" name=""/>
+        <p:cNvGrpSpPr/>
+        <p:nvPr/>
+      </p:nvGrpSpPr>
+      <p:grpSpPr>
+        <a:xfrm>
+          <a:off x="0" y="0"/>
+          <a:ext cx="0" cy="0"/>
+          <a:chOff x="0" y="0"/>
+          <a:chExt cx="0" cy="0"/>
+        </a:xfrm>
+      </p:grpSpPr>
+      <p:pic>
+        <p:nvPicPr>
+          <p:cNvPr id="2" name="Picture 1"/>
+          <p:cNvPicPr>
+            <a:picLocks noChangeAspect="1"/>
+          </p:cNvPicPr>
+          <p:nvPr/>
+        </p:nvPicPr>
+        <p:blipFill>
+          <a:blip r:embed="rId2">
+            <a:extLst>
+              <a:ext uri="{28A0092B-C50C-407E-A947-70E740481C1C}">
+                <a14:useLocalDpi xmlns:a14="http://schemas.microsoft.com/office/drawing/2010/main" val="0"/>
+              </a:ext>
+            </a:extLst>
+          </a:blip>
+          <a:stretch>
+            <a:fillRect/>
+          </a:stretch>
+        </p:blipFill>
+        <p:spPr>
+          <a:xfrm>
+            <a:off x="775606" y="97971"/>
+            <a:ext cx="11307535" cy="2262165"/>
+          </a:xfrm>
+          <a:prstGeom prst="rect">
+            <a:avLst/>
+          </a:prstGeom>
+        </p:spPr>
+      </p:pic>
+      <p:pic>
+        <p:nvPicPr>
+          <p:cNvPr id="3" name="Picture 2"/>
+          <p:cNvPicPr>
+            <a:picLocks noChangeAspect="1"/>
+          </p:cNvPicPr>
+          <p:nvPr/>
+        </p:nvPicPr>
+        <p:blipFill>
+          <a:blip r:embed="rId3">
+            <a:extLst>
+              <a:ext uri="{28A0092B-C50C-407E-A947-70E740481C1C}">
+                <a14:useLocalDpi xmlns:a14="http://schemas.microsoft.com/office/drawing/2010/main" val="0"/>
+              </a:ext>
+            </a:extLst>
+          </a:blip>
+          <a:stretch>
+            <a:fillRect/>
+          </a:stretch>
+        </p:blipFill>
+        <p:spPr>
+          <a:xfrm>
+            <a:off x="775606" y="2360136"/>
+            <a:ext cx="11307535" cy="4338764"/>
+          </a:xfrm>
+          <a:prstGeom prst="rect">
+            <a:avLst/>
+          </a:prstGeom>
+        </p:spPr>
+      </p:pic>
+    </p:spTree>
+    <p:extLst>
+      <p:ext uri="{BB962C8B-B14F-4D97-AF65-F5344CB8AC3E}">
+        <p14:creationId xmlns:p14="http://schemas.microsoft.com/office/powerpoint/2010/main" val="1755423707"/>
+      </p:ext>
+    </p:extLst>
+  </p:cSld>
+  <p:clrMapOvr>
+    <a:masterClrMapping/>
+  </p:clrMapOvr>
+  <p:timing>
+    <p:tnLst>
+      <p:par>
+        <p:cTn id="1" dur="indefinite" restart="never" nodeType="tmRoot"/>
+      </p:par>
+    </p:tnLst>
+  </p:timing>
+</p:sld>
+</file>
+
+<file path=ppt/slides/slide46.xml><?xml version="1.0" encoding="utf-8"?>
+<p:sld xmlns:a="http://schemas.openxmlformats.org/drawingml/2006/main" xmlns:r="http://schemas.openxmlformats.org/officeDocument/2006/relationships" xmlns:p="http://schemas.openxmlformats.org/presentationml/2006/main">
+  <p:cSld>
+    <p:spTree>
+      <p:nvGrpSpPr>
+        <p:cNvPr id="1" name=""/>
+        <p:cNvGrpSpPr/>
+        <p:nvPr/>
+      </p:nvGrpSpPr>
+      <p:grpSpPr>
+        <a:xfrm>
+          <a:off x="0" y="0"/>
+          <a:ext cx="0" cy="0"/>
+          <a:chOff x="0" y="0"/>
+          <a:chExt cx="0" cy="0"/>
+        </a:xfrm>
+      </p:grpSpPr>
+      <p:pic>
+        <p:nvPicPr>
+          <p:cNvPr id="2" name="Picture 1"/>
+          <p:cNvPicPr>
+            <a:picLocks noChangeAspect="1"/>
+          </p:cNvPicPr>
+          <p:nvPr/>
+        </p:nvPicPr>
+        <p:blipFill>
+          <a:blip r:embed="rId2">
+            <a:extLst>
+              <a:ext uri="{28A0092B-C50C-407E-A947-70E740481C1C}">
+                <a14:useLocalDpi xmlns:a14="http://schemas.microsoft.com/office/drawing/2010/main" val="0"/>
+              </a:ext>
+            </a:extLst>
+          </a:blip>
+          <a:stretch>
+            <a:fillRect/>
+          </a:stretch>
+        </p:blipFill>
+        <p:spPr>
+          <a:xfrm>
+            <a:off x="723847" y="57748"/>
+            <a:ext cx="11468153" cy="3224296"/>
+          </a:xfrm>
+          <a:prstGeom prst="rect">
+            <a:avLst/>
+          </a:prstGeom>
+        </p:spPr>
+      </p:pic>
+      <p:pic>
+        <p:nvPicPr>
+          <p:cNvPr id="3" name="Picture 2"/>
+          <p:cNvPicPr>
+            <a:picLocks noChangeAspect="1"/>
+          </p:cNvPicPr>
+          <p:nvPr/>
+        </p:nvPicPr>
+        <p:blipFill>
+          <a:blip r:embed="rId3">
+            <a:extLst>
+              <a:ext uri="{28A0092B-C50C-407E-A947-70E740481C1C}">
+                <a14:useLocalDpi xmlns:a14="http://schemas.microsoft.com/office/drawing/2010/main" val="0"/>
+              </a:ext>
+            </a:extLst>
+          </a:blip>
+          <a:stretch>
+            <a:fillRect/>
+          </a:stretch>
+        </p:blipFill>
+        <p:spPr>
+          <a:xfrm>
+            <a:off x="723847" y="3282044"/>
+            <a:ext cx="11468153" cy="3517767"/>
+          </a:xfrm>
+          <a:prstGeom prst="rect">
+            <a:avLst/>
+          </a:prstGeom>
+        </p:spPr>
+      </p:pic>
+    </p:spTree>
+    <p:extLst>
+      <p:ext uri="{BB962C8B-B14F-4D97-AF65-F5344CB8AC3E}">
+        <p14:creationId xmlns:p14="http://schemas.microsoft.com/office/powerpoint/2010/main" val="2358042621"/>
+      </p:ext>
+    </p:extLst>
+  </p:cSld>
+  <p:clrMapOvr>
+    <a:masterClrMapping/>
+  </p:clrMapOvr>
+  <p:timing>
+    <p:tnLst>
+      <p:par>
+        <p:cTn id="1" dur="indefinite" restart="never" nodeType="tmRoot"/>
+      </p:par>
+    </p:tnLst>
+  </p:timing>
+</p:sld>
+</file>
+
+<file path=ppt/slides/slide47.xml><?xml version="1.0" encoding="utf-8"?>
+<p:sld xmlns:a="http://schemas.openxmlformats.org/drawingml/2006/main" xmlns:r="http://schemas.openxmlformats.org/officeDocument/2006/relationships" xmlns:p="http://schemas.openxmlformats.org/presentationml/2006/main">
+  <p:cSld>
+    <p:spTree>
+      <p:nvGrpSpPr>
+        <p:cNvPr id="1" name=""/>
+        <p:cNvGrpSpPr/>
+        <p:nvPr/>
+      </p:nvGrpSpPr>
+      <p:grpSpPr>
+        <a:xfrm>
+          <a:off x="0" y="0"/>
+          <a:ext cx="0" cy="0"/>
+          <a:chOff x="0" y="0"/>
+          <a:chExt cx="0" cy="0"/>
+        </a:xfrm>
+      </p:grpSpPr>
+      <p:pic>
+        <p:nvPicPr>
+          <p:cNvPr id="2" name="Picture 1"/>
+          <p:cNvPicPr>
+            <a:picLocks noChangeAspect="1"/>
+          </p:cNvPicPr>
+          <p:nvPr/>
+        </p:nvPicPr>
+        <p:blipFill>
+          <a:blip r:embed="rId2">
+            <a:extLst>
+              <a:ext uri="{28A0092B-C50C-407E-A947-70E740481C1C}">
+                <a14:useLocalDpi xmlns:a14="http://schemas.microsoft.com/office/drawing/2010/main" val="0"/>
+              </a:ext>
+            </a:extLst>
+          </a:blip>
+          <a:stretch>
+            <a:fillRect/>
+          </a:stretch>
+        </p:blipFill>
+        <p:spPr>
+          <a:xfrm>
+            <a:off x="723207" y="108065"/>
+            <a:ext cx="11468793" cy="3298636"/>
+          </a:xfrm>
+          <a:prstGeom prst="rect">
+            <a:avLst/>
+          </a:prstGeom>
+        </p:spPr>
+      </p:pic>
+      <p:pic>
+        <p:nvPicPr>
+          <p:cNvPr id="3" name="Picture 2"/>
+          <p:cNvPicPr>
+            <a:picLocks noChangeAspect="1"/>
+          </p:cNvPicPr>
+          <p:nvPr/>
+        </p:nvPicPr>
+        <p:blipFill>
+          <a:blip r:embed="rId3">
+            <a:extLst>
+              <a:ext uri="{28A0092B-C50C-407E-A947-70E740481C1C}">
+                <a14:useLocalDpi xmlns:a14="http://schemas.microsoft.com/office/drawing/2010/main" val="0"/>
+              </a:ext>
+            </a:extLst>
+          </a:blip>
+          <a:stretch>
+            <a:fillRect/>
+          </a:stretch>
+        </p:blipFill>
+        <p:spPr>
+          <a:xfrm>
+            <a:off x="723207" y="3406701"/>
+            <a:ext cx="11468793" cy="3359859"/>
+          </a:xfrm>
+          <a:prstGeom prst="rect">
+            <a:avLst/>
+          </a:prstGeom>
+        </p:spPr>
+      </p:pic>
+    </p:spTree>
+    <p:extLst>
+      <p:ext uri="{BB962C8B-B14F-4D97-AF65-F5344CB8AC3E}">
+        <p14:creationId xmlns:p14="http://schemas.microsoft.com/office/powerpoint/2010/main" val="478491828"/>
+      </p:ext>
+    </p:extLst>
+  </p:cSld>
+  <p:clrMapOvr>
+    <a:masterClrMapping/>
+  </p:clrMapOvr>
+  <p:timing>
+    <p:tnLst>
+      <p:par>
+        <p:cTn id="1" dur="indefinite" restart="never" nodeType="tmRoot"/>
+      </p:par>
+    </p:tnLst>
+  </p:timing>
+</p:sld>
+</file>
+
+<file path=ppt/slides/slide48.xml><?xml version="1.0" encoding="utf-8"?>
+<p:sld xmlns:a="http://schemas.openxmlformats.org/drawingml/2006/main" xmlns:r="http://schemas.openxmlformats.org/officeDocument/2006/relationships" xmlns:p="http://schemas.openxmlformats.org/presentationml/2006/main">
+  <p:cSld>
+    <p:spTree>
+      <p:nvGrpSpPr>
+        <p:cNvPr id="1" name=""/>
+        <p:cNvGrpSpPr/>
+        <p:nvPr/>
+      </p:nvGrpSpPr>
+      <p:grpSpPr>
+        <a:xfrm>
+          <a:off x="0" y="0"/>
+          <a:ext cx="0" cy="0"/>
+          <a:chOff x="0" y="0"/>
+          <a:chExt cx="0" cy="0"/>
+        </a:xfrm>
+      </p:grpSpPr>
+      <p:pic>
+        <p:nvPicPr>
+          <p:cNvPr id="2" name="Picture 1"/>
+          <p:cNvPicPr>
+            <a:picLocks noChangeAspect="1"/>
+          </p:cNvPicPr>
+          <p:nvPr/>
+        </p:nvPicPr>
+        <p:blipFill>
+          <a:blip r:embed="rId3">
+            <a:extLst>
+              <a:ext uri="{28A0092B-C50C-407E-A947-70E740481C1C}">
+                <a14:useLocalDpi xmlns:a14="http://schemas.microsoft.com/office/drawing/2010/main" val="0"/>
+              </a:ext>
+            </a:extLst>
+          </a:blip>
+          <a:stretch>
+            <a:fillRect/>
+          </a:stretch>
+        </p:blipFill>
+        <p:spPr>
+          <a:xfrm>
+            <a:off x="759279" y="155120"/>
+            <a:ext cx="11364685" cy="3045759"/>
+          </a:xfrm>
+          <a:prstGeom prst="rect">
+            <a:avLst/>
+          </a:prstGeom>
+        </p:spPr>
+      </p:pic>
+      <p:pic>
+        <p:nvPicPr>
+          <p:cNvPr id="3" name="Picture 2"/>
+          <p:cNvPicPr>
+            <a:picLocks noChangeAspect="1"/>
+          </p:cNvPicPr>
+          <p:nvPr/>
+        </p:nvPicPr>
+        <p:blipFill>
+          <a:blip r:embed="rId4">
+            <a:extLst>
+              <a:ext uri="{28A0092B-C50C-407E-A947-70E740481C1C}">
+                <a14:useLocalDpi xmlns:a14="http://schemas.microsoft.com/office/drawing/2010/main" val="0"/>
+              </a:ext>
+            </a:extLst>
+          </a:blip>
+          <a:stretch>
+            <a:fillRect/>
+          </a:stretch>
+        </p:blipFill>
+        <p:spPr>
+          <a:xfrm>
+            <a:off x="759279" y="3200878"/>
+            <a:ext cx="11364685" cy="3477507"/>
+          </a:xfrm>
+          <a:prstGeom prst="rect">
+            <a:avLst/>
+          </a:prstGeom>
+        </p:spPr>
+      </p:pic>
+    </p:spTree>
+    <p:extLst>
+      <p:ext uri="{BB962C8B-B14F-4D97-AF65-F5344CB8AC3E}">
+        <p14:creationId xmlns:p14="http://schemas.microsoft.com/office/powerpoint/2010/main" val="2214530575"/>
+      </p:ext>
+    </p:extLst>
+  </p:cSld>
+  <p:clrMapOvr>
+    <a:masterClrMapping/>
+  </p:clrMapOvr>
+  <p:timing>
+    <p:tnLst>
+      <p:par>
+        <p:cTn id="1" dur="indefinite" restart="never" nodeType="tmRoot"/>
+      </p:par>
+    </p:tnLst>
+  </p:timing>
+</p:sld>
+</file>
+
+<file path=ppt/slides/slide49.xml><?xml version="1.0" encoding="utf-8"?>
 <p:sld xmlns:a="http://schemas.openxmlformats.org/drawingml/2006/main" xmlns:r="http://schemas.openxmlformats.org/officeDocument/2006/relationships" xmlns:p="http://schemas.openxmlformats.org/presentationml/2006/main">
   <p:cSld>
     <p:spTree>
@@ -8630,8 +9311,8 @@
         </p:blipFill>
         <p:spPr>
           <a:xfrm>
-            <a:off x="2318481" y="497316"/>
-            <a:ext cx="8657684" cy="3891804"/>
+            <a:off x="1069521" y="252388"/>
+            <a:ext cx="10891157" cy="5609570"/>
           </a:xfrm>
           <a:prstGeom prst="rect">
             <a:avLst/>
@@ -8646,7 +9327,7 @@
         </p:nvSpPr>
         <p:spPr>
           <a:xfrm>
-            <a:off x="5843847" y="4588626"/>
+            <a:off x="5242987" y="5976555"/>
             <a:ext cx="2544223" cy="369332"/>
           </a:xfrm>
           <a:prstGeom prst="rect">
@@ -8684,10 +9365,142 @@
   <p:clrMapOvr>
     <a:masterClrMapping/>
   </p:clrMapOvr>
+  <p:timing>
+    <p:tnLst>
+      <p:par>
+        <p:cTn id="1" dur="indefinite" restart="never" nodeType="tmRoot"/>
+      </p:par>
+    </p:tnLst>
+  </p:timing>
 </p:sld>
 </file>
 
-<file path=ppt/slides/slide46.xml><?xml version="1.0" encoding="utf-8"?>
+<file path=ppt/slides/slide5.xml><?xml version="1.0" encoding="utf-8"?>
+<p:sld xmlns:a="http://schemas.openxmlformats.org/drawingml/2006/main" xmlns:r="http://schemas.openxmlformats.org/officeDocument/2006/relationships" xmlns:p="http://schemas.openxmlformats.org/presentationml/2006/main">
+  <p:cSld>
+    <p:spTree>
+      <p:nvGrpSpPr>
+        <p:cNvPr id="1" name=""/>
+        <p:cNvGrpSpPr/>
+        <p:nvPr/>
+      </p:nvGrpSpPr>
+      <p:grpSpPr>
+        <a:xfrm>
+          <a:off x="0" y="0"/>
+          <a:ext cx="0" cy="0"/>
+          <a:chOff x="0" y="0"/>
+          <a:chExt cx="0" cy="0"/>
+        </a:xfrm>
+      </p:grpSpPr>
+      <p:sp>
+        <p:nvSpPr>
+          <p:cNvPr id="2" name="Title 1"/>
+          <p:cNvSpPr>
+            <a:spLocks noGrp="1"/>
+          </p:cNvSpPr>
+          <p:nvPr>
+            <p:ph type="title"/>
+          </p:nvPr>
+        </p:nvSpPr>
+        <p:spPr>
+          <a:xfrm>
+            <a:off x="1371600" y="685800"/>
+            <a:ext cx="9460523" cy="622495"/>
+          </a:xfrm>
+        </p:spPr>
+        <p:txBody>
+          <a:bodyPr>
+            <a:normAutofit fontScale="90000"/>
+          </a:bodyPr>
+          <a:lstStyle/>
+          <a:p>
+            <a:r>
+              <a:rPr lang="en-US" sz="3600" b="1" dirty="0"/>
+              <a:t>RICH PICTURE (AS-IS)</a:t>
+            </a:r>
+            <a:r>
+              <a:rPr lang="en-US" b="1" dirty="0"/>
+              <a:t/>
+            </a:r>
+            <a:br>
+              <a:rPr lang="en-US" b="1" dirty="0"/>
+            </a:br>
+            <a:endParaRPr lang="en-US" dirty="0"/>
+          </a:p>
+        </p:txBody>
+      </p:sp>
+      <p:pic>
+        <p:nvPicPr>
+          <p:cNvPr id="5" name="Content Placeholder 4"/>
+          <p:cNvPicPr>
+            <a:picLocks noGrp="1" noChangeAspect="1"/>
+          </p:cNvPicPr>
+          <p:nvPr>
+            <p:ph idx="1"/>
+          </p:nvPr>
+        </p:nvPicPr>
+        <p:blipFill>
+          <a:blip r:embed="rId2"/>
+          <a:stretch>
+            <a:fillRect/>
+          </a:stretch>
+        </p:blipFill>
+        <p:spPr>
+          <a:xfrm>
+            <a:off x="2883877" y="1308294"/>
+            <a:ext cx="7936523" cy="5189325"/>
+          </a:xfrm>
+          <a:prstGeom prst="rect">
+            <a:avLst/>
+          </a:prstGeom>
+        </p:spPr>
+      </p:pic>
+      <p:sp>
+        <p:nvSpPr>
+          <p:cNvPr id="6" name="TextBox 5"/>
+          <p:cNvSpPr txBox="1"/>
+          <p:nvPr/>
+        </p:nvSpPr>
+        <p:spPr>
+          <a:xfrm>
+            <a:off x="5653204" y="6468012"/>
+            <a:ext cx="3386294" cy="646331"/>
+          </a:xfrm>
+          <a:prstGeom prst="rect">
+            <a:avLst/>
+          </a:prstGeom>
+          <a:noFill/>
+        </p:spPr>
+        <p:txBody>
+          <a:bodyPr wrap="square" rtlCol="0">
+            <a:spAutoFit/>
+          </a:bodyPr>
+          <a:lstStyle/>
+          <a:p>
+            <a:r>
+              <a:rPr lang="en-US" b="1" dirty="0"/>
+              <a:t>Figure: Rich Picture As-Is</a:t>
+            </a:r>
+          </a:p>
+          <a:p>
+            <a:endParaRPr lang="en-US" dirty="0"/>
+          </a:p>
+        </p:txBody>
+      </p:sp>
+    </p:spTree>
+    <p:extLst>
+      <p:ext uri="{BB962C8B-B14F-4D97-AF65-F5344CB8AC3E}">
+        <p14:creationId xmlns:p14="http://schemas.microsoft.com/office/powerpoint/2010/main" val="1307259978"/>
+      </p:ext>
+    </p:extLst>
+  </p:cSld>
+  <p:clrMapOvr>
+    <a:masterClrMapping/>
+  </p:clrMapOvr>
+</p:sld>
+</file>
+
+<file path=ppt/slides/slide50.xml><?xml version="1.0" encoding="utf-8"?>
 <p:sld xmlns:a="http://schemas.openxmlformats.org/drawingml/2006/main" xmlns:r="http://schemas.openxmlformats.org/officeDocument/2006/relationships" xmlns:p="http://schemas.openxmlformats.org/presentationml/2006/main">
   <p:cSld>
     <p:spTree>
@@ -8726,8 +9539,8 @@
         </p:blipFill>
         <p:spPr>
           <a:xfrm>
-            <a:off x="1479664" y="247235"/>
-            <a:ext cx="10163695" cy="5041537"/>
+            <a:off x="987879" y="344018"/>
+            <a:ext cx="11005457" cy="5802501"/>
           </a:xfrm>
           <a:prstGeom prst="rect">
             <a:avLst/>
@@ -8742,7 +9555,7 @@
         </p:nvSpPr>
         <p:spPr>
           <a:xfrm>
-            <a:off x="5756547" y="5419898"/>
+            <a:off x="5756547" y="6146519"/>
             <a:ext cx="1609928" cy="369332"/>
           </a:xfrm>
           <a:prstGeom prst="rect">
@@ -8757,7 +9570,7 @@
           <a:lstStyle/>
           <a:p>
             <a:r>
-              <a:rPr lang="en-US" dirty="0">
+              <a:rPr lang="en-US" b="1" dirty="0">
                 <a:solidFill>
                   <a:schemeClr val="tx2">
                     <a:lumMod val="50000"/>
@@ -8780,10 +9593,17 @@
   <p:clrMapOvr>
     <a:masterClrMapping/>
   </p:clrMapOvr>
+  <p:timing>
+    <p:tnLst>
+      <p:par>
+        <p:cTn id="1" dur="indefinite" restart="never" nodeType="tmRoot"/>
+      </p:par>
+    </p:tnLst>
+  </p:timing>
 </p:sld>
 </file>
 
-<file path=ppt/slides/slide47.xml><?xml version="1.0" encoding="utf-8"?>
+<file path=ppt/slides/slide51.xml><?xml version="1.0" encoding="utf-8"?>
 <p:sld xmlns:a="http://schemas.openxmlformats.org/drawingml/2006/main" xmlns:r="http://schemas.openxmlformats.org/officeDocument/2006/relationships" xmlns:p="http://schemas.openxmlformats.org/presentationml/2006/main">
   <p:cSld>
     <p:spTree>
@@ -8822,8 +9642,8 @@
         </p:blipFill>
         <p:spPr>
           <a:xfrm>
-            <a:off x="1945178" y="113545"/>
-            <a:ext cx="8753302" cy="3568993"/>
+            <a:off x="998120" y="187023"/>
+            <a:ext cx="11003380" cy="6050491"/>
           </a:xfrm>
           <a:prstGeom prst="rect">
             <a:avLst/>
@@ -8838,7 +9658,7 @@
         </p:nvSpPr>
         <p:spPr>
           <a:xfrm>
-            <a:off x="5394960" y="3940232"/>
+            <a:off x="5427617" y="6373189"/>
             <a:ext cx="2403415" cy="369332"/>
           </a:xfrm>
           <a:prstGeom prst="rect">
@@ -8853,7 +9673,7 @@
           <a:lstStyle/>
           <a:p>
             <a:r>
-              <a:rPr lang="en-US" dirty="0">
+              <a:rPr lang="en-US" b="1" dirty="0">
                 <a:solidFill>
                   <a:schemeClr val="tx2">
                     <a:lumMod val="50000"/>
@@ -8879,7 +9699,7 @@
 </p:sld>
 </file>
 
-<file path=ppt/slides/slide48.xml><?xml version="1.0" encoding="utf-8"?>
+<file path=ppt/slides/slide52.xml><?xml version="1.0" encoding="utf-8"?>
 <p:sld xmlns:a="http://schemas.openxmlformats.org/drawingml/2006/main" xmlns:r="http://schemas.openxmlformats.org/officeDocument/2006/relationships" xmlns:p="http://schemas.openxmlformats.org/presentationml/2006/main">
   <p:cSld>
     <p:spTree>
@@ -8901,7 +9721,7 @@
           <p:cNvPr id="2" name="Title 1">
             <a:extLst>
               <a:ext uri="{FF2B5EF4-FFF2-40B4-BE49-F238E27FC236}">
-                <a16:creationId xmlns:a16="http://schemas.microsoft.com/office/drawing/2014/main" id="{5FFB0ED7-2AF1-476C-9C60-A000635BA4A7}"/>
+                <a16:creationId xmlns:a16="http://schemas.microsoft.com/office/drawing/2014/main" xmlns="" id="{5FFB0ED7-2AF1-476C-9C60-A000635BA4A7}"/>
               </a:ext>
             </a:extLst>
           </p:cNvPr>
@@ -8926,6 +9746,15 @@
               </a:rPr>
               <a:t>CHAPTER 5</a:t>
             </a:r>
+            <a:r>
+              <a:rPr lang="en-US" sz="1800" kern="100" dirty="0">
+                <a:effectLst/>
+                <a:latin typeface="Arial" panose="020B0604020202020204" pitchFamily="34" charset="0"/>
+                <a:ea typeface="Noto Serif CJK SC"/>
+                <a:cs typeface="Lohit Devanagari"/>
+              </a:rPr>
+              <a:t/>
+            </a:r>
             <a:br>
               <a:rPr lang="en-US" sz="1800" kern="100" dirty="0">
                 <a:effectLst/>
@@ -8943,7 +9772,7 @@
           <p:cNvPr id="3" name="Subtitle 2">
             <a:extLst>
               <a:ext uri="{FF2B5EF4-FFF2-40B4-BE49-F238E27FC236}">
-                <a16:creationId xmlns:a16="http://schemas.microsoft.com/office/drawing/2014/main" id="{2E04C689-99B5-42B6-B4BE-661898DB0B73}"/>
+                <a16:creationId xmlns:a16="http://schemas.microsoft.com/office/drawing/2014/main" xmlns="" id="{2E04C689-99B5-42B6-B4BE-661898DB0B73}"/>
               </a:ext>
             </a:extLst>
           </p:cNvPr>
@@ -8985,7 +9814,7 @@
 </p:sld>
 </file>
 
-<file path=ppt/slides/slide49.xml><?xml version="1.0" encoding="utf-8"?>
+<file path=ppt/slides/slide53.xml><?xml version="1.0" encoding="utf-8"?>
 <p:sld xmlns:a="http://schemas.openxmlformats.org/drawingml/2006/main" xmlns:r="http://schemas.openxmlformats.org/officeDocument/2006/relationships" xmlns:p="http://schemas.openxmlformats.org/presentationml/2006/main">
   <p:cSld>
     <p:spTree>
@@ -9007,7 +9836,7 @@
           <p:cNvPr id="2" name="Title 1">
             <a:extLst>
               <a:ext uri="{FF2B5EF4-FFF2-40B4-BE49-F238E27FC236}">
-                <a16:creationId xmlns:a16="http://schemas.microsoft.com/office/drawing/2014/main" id="{4D9ADA70-27D5-43EF-A236-BEDD52013370}"/>
+                <a16:creationId xmlns:a16="http://schemas.microsoft.com/office/drawing/2014/main" xmlns="" id="{4D9ADA70-27D5-43EF-A236-BEDD52013370}"/>
               </a:ext>
             </a:extLst>
           </p:cNvPr>
@@ -9039,6 +9868,15 @@
               </a:rPr>
               <a:t>                             Problem &amp; Solution</a:t>
             </a:r>
+            <a:r>
+              <a:rPr lang="en-US" sz="1800" kern="100" dirty="0">
+                <a:effectLst/>
+                <a:latin typeface="Arial" panose="020B0604020202020204" pitchFamily="34" charset="0"/>
+                <a:ea typeface="Noto Serif CJK SC"/>
+                <a:cs typeface="Lohit Devanagari"/>
+              </a:rPr>
+              <a:t/>
+            </a:r>
             <a:br>
               <a:rPr lang="en-US" sz="1800" kern="100" dirty="0">
                 <a:effectLst/>
@@ -9056,7 +9894,7 @@
           <p:cNvPr id="3" name="Content Placeholder 2">
             <a:extLst>
               <a:ext uri="{FF2B5EF4-FFF2-40B4-BE49-F238E27FC236}">
-                <a16:creationId xmlns:a16="http://schemas.microsoft.com/office/drawing/2014/main" id="{FE1370AA-CE66-4DE5-86EC-473F0B38AB91}"/>
+                <a16:creationId xmlns:a16="http://schemas.microsoft.com/office/drawing/2014/main" xmlns="" id="{FE1370AA-CE66-4DE5-86EC-473F0B38AB91}"/>
               </a:ext>
             </a:extLst>
           </p:cNvPr>
@@ -9079,18 +9917,26 @@
           </a:bodyPr>
           <a:lstStyle/>
           <a:p>
-            <a:pPr marL="0" marR="0" indent="0" algn="l">
+            <a:pPr>
               <a:spcBef>
                 <a:spcPts val="150"/>
               </a:spcBef>
               <a:spcAft>
                 <a:spcPts val="600"/>
               </a:spcAft>
-              <a:buNone/>
               <a:tabLst>
                 <a:tab pos="2510155" algn="l"/>
               </a:tabLst>
             </a:pPr>
+            <a:r>
+              <a:rPr lang="en-US" kern="100" dirty="0" smtClean="0">
+                <a:effectLst/>
+                <a:latin typeface="Arial" panose="020B0604020202020204" pitchFamily="34" charset="0"/>
+                <a:ea typeface="Noto Serif CJK SC"/>
+                <a:cs typeface="Arial" panose="020B0604020202020204" pitchFamily="34" charset="0"/>
+              </a:rPr>
+              <a:t>When </a:t>
+            </a:r>
             <a:r>
               <a:rPr lang="en-US" kern="100" dirty="0">
                 <a:effectLst/>
@@ -9098,7 +9944,7 @@
                 <a:ea typeface="Noto Serif CJK SC"/>
                 <a:cs typeface="Arial" panose="020B0604020202020204" pitchFamily="34" charset="0"/>
               </a:rPr>
-              <a:t>1.When drawing the Rich Picture, we had to face the challenge of keeping the sequence in the right order.</a:t>
+              <a:t>drawing the Rich Picture, we had to face the challenge of keeping the sequence in the right order.</a:t>
             </a:r>
           </a:p>
           <a:p>
@@ -9122,18 +9968,26 @@
             </a:endParaRPr>
           </a:p>
           <a:p>
-            <a:pPr marL="0" marR="0" indent="0" algn="l">
+            <a:pPr>
               <a:spcBef>
                 <a:spcPts val="150"/>
               </a:spcBef>
               <a:spcAft>
                 <a:spcPts val="600"/>
               </a:spcAft>
-              <a:buNone/>
               <a:tabLst>
                 <a:tab pos="2510155" algn="l"/>
               </a:tabLst>
             </a:pPr>
+            <a:r>
+              <a:rPr lang="en-US" kern="100" dirty="0" smtClean="0">
+                <a:effectLst/>
+                <a:latin typeface="Arial" panose="020B0604020202020204" pitchFamily="34" charset="0"/>
+                <a:ea typeface="Noto Serif CJK SC"/>
+                <a:cs typeface="Arial" panose="020B0604020202020204" pitchFamily="34" charset="0"/>
+              </a:rPr>
+              <a:t>Had </a:t>
+            </a:r>
             <a:r>
               <a:rPr lang="en-US" kern="100" dirty="0">
                 <a:effectLst/>
@@ -9141,7 +9995,7 @@
                 <a:ea typeface="Noto Serif CJK SC"/>
                 <a:cs typeface="Arial" panose="020B0604020202020204" pitchFamily="34" charset="0"/>
               </a:rPr>
-              <a:t>2.Had to take decisions on groups meetings for the BCNF part in Normalizations as we were not sure that it will exist or not.</a:t>
+              <a:t>to take decisions on groups meetings for the BCNF part in Normalizations as we were not sure that it will exist or not.</a:t>
             </a:r>
           </a:p>
           <a:p>
@@ -9165,18 +10019,26 @@
             </a:endParaRPr>
           </a:p>
           <a:p>
-            <a:pPr marL="0" marR="0" indent="0" algn="l">
+            <a:pPr>
               <a:spcBef>
                 <a:spcPts val="150"/>
               </a:spcBef>
               <a:spcAft>
                 <a:spcPts val="600"/>
               </a:spcAft>
-              <a:buNone/>
               <a:tabLst>
                 <a:tab pos="2510155" algn="l"/>
               </a:tabLst>
             </a:pPr>
+            <a:r>
+              <a:rPr lang="en-US" kern="100" dirty="0" smtClean="0">
+                <a:effectLst/>
+                <a:latin typeface="Arial" panose="020B0604020202020204" pitchFamily="34" charset="0"/>
+                <a:ea typeface="Noto Serif CJK SC"/>
+                <a:cs typeface="Arial" panose="020B0604020202020204" pitchFamily="34" charset="0"/>
+              </a:rPr>
+              <a:t>We </a:t>
+            </a:r>
             <a:r>
               <a:rPr lang="en-US" kern="100" dirty="0">
                 <a:effectLst/>
@@ -9184,25 +10046,7 @@
                 <a:ea typeface="Noto Serif CJK SC"/>
                 <a:cs typeface="Arial" panose="020B0604020202020204" pitchFamily="34" charset="0"/>
               </a:rPr>
-              <a:t>3.</a:t>
-            </a:r>
-            <a:r>
-              <a:rPr lang="en-US" kern="100" dirty="0">
-                <a:effectLst/>
-                <a:latin typeface="Arial" panose="020B0604020202020204" pitchFamily="34" charset="0"/>
-                <a:ea typeface="Noto Serif CJK SC"/>
-                <a:cs typeface="Lohit Devanagari"/>
-              </a:rPr>
-              <a:t> </a:t>
-            </a:r>
-            <a:r>
-              <a:rPr lang="en-US" kern="100" dirty="0">
-                <a:effectLst/>
-                <a:latin typeface="Arial" panose="020B0604020202020204" pitchFamily="34" charset="0"/>
-                <a:ea typeface="Noto Serif CJK SC"/>
-                <a:cs typeface="Arial" panose="020B0604020202020204" pitchFamily="34" charset="0"/>
-              </a:rPr>
-              <a:t>We used draw.io for BPMN and had difficulties understanding the sequence.</a:t>
+              <a:t>used draw.io for BPMN and had difficulties understanding the sequence.</a:t>
             </a:r>
           </a:p>
           <a:p>
@@ -9226,6 +10070,37 @@
             </a:endParaRPr>
           </a:p>
           <a:p>
+            <a:pPr>
+              <a:spcBef>
+                <a:spcPts val="150"/>
+              </a:spcBef>
+              <a:spcAft>
+                <a:spcPts val="600"/>
+              </a:spcAft>
+              <a:tabLst>
+                <a:tab pos="2510155" algn="l"/>
+              </a:tabLst>
+            </a:pPr>
+            <a:r>
+              <a:rPr lang="en-US" kern="100" dirty="0" smtClean="0">
+                <a:effectLst/>
+                <a:latin typeface="Arial" panose="020B0604020202020204" pitchFamily="34" charset="0"/>
+                <a:ea typeface="Noto Serif CJK SC"/>
+                <a:cs typeface="Arial" panose="020B0604020202020204" pitchFamily="34" charset="0"/>
+              </a:rPr>
+              <a:t>When </a:t>
+            </a:r>
+            <a:r>
+              <a:rPr lang="en-US" kern="100" dirty="0">
+                <a:effectLst/>
+                <a:latin typeface="Arial" panose="020B0604020202020204" pitchFamily="34" charset="0"/>
+                <a:ea typeface="Noto Serif CJK SC"/>
+                <a:cs typeface="Arial" panose="020B0604020202020204" pitchFamily="34" charset="0"/>
+              </a:rPr>
+              <a:t>creating the database, we had to find the exact entity and attributes but we were not sure to include it from our report that we already created or the project templates which had been provided. We still have confusions in this specific part but we think it is perfect as the project template is only for data entry and our report is based on overall SPEMS system...  </a:t>
+            </a:r>
+          </a:p>
+          <a:p>
             <a:pPr marL="0" marR="0" indent="0" algn="l">
               <a:spcBef>
                 <a:spcPts val="150"/>
@@ -9245,22 +10120,36 @@
                 <a:ea typeface="Noto Serif CJK SC"/>
                 <a:cs typeface="Arial" panose="020B0604020202020204" pitchFamily="34" charset="0"/>
               </a:rPr>
-              <a:t>4.When creating the database, we had to find the exact entity and attributes but we were not sure to include it from our report that we already created or the project templates which had been provided. We still have confusions in this specific part but we think it is perfect as the project template is only for data entry and our report is based on overall SPEMS system...  </a:t>
-            </a:r>
-          </a:p>
-          <a:p>
-            <a:pPr marL="0" marR="0" indent="0" algn="l">
+              <a:t>    </a:t>
+            </a:r>
+            <a:endParaRPr lang="en-US" kern="100" dirty="0">
+              <a:effectLst/>
+              <a:latin typeface="Arial" panose="020B0604020202020204" pitchFamily="34" charset="0"/>
+              <a:ea typeface="Noto Serif CJK SC"/>
+              <a:cs typeface="Lohit Devanagari"/>
+            </a:endParaRPr>
+          </a:p>
+          <a:p>
+            <a:pPr>
               <a:spcBef>
                 <a:spcPts val="150"/>
               </a:spcBef>
               <a:spcAft>
                 <a:spcPts val="600"/>
               </a:spcAft>
-              <a:buNone/>
               <a:tabLst>
                 <a:tab pos="2510155" algn="l"/>
               </a:tabLst>
             </a:pPr>
+            <a:r>
+              <a:rPr lang="en-US" kern="100" dirty="0" smtClean="0">
+                <a:effectLst/>
+                <a:latin typeface="Arial" panose="020B0604020202020204" pitchFamily="34" charset="0"/>
+                <a:ea typeface="Noto Serif CJK SC"/>
+                <a:cs typeface="Arial" panose="020B0604020202020204" pitchFamily="34" charset="0"/>
+              </a:rPr>
+              <a:t>We </a:t>
+            </a:r>
             <a:r>
               <a:rPr lang="en-US" kern="100" dirty="0">
                 <a:effectLst/>
@@ -9268,7 +10157,7 @@
                 <a:ea typeface="Noto Serif CJK SC"/>
                 <a:cs typeface="Arial" panose="020B0604020202020204" pitchFamily="34" charset="0"/>
               </a:rPr>
-              <a:t>    </a:t>
+              <a:t>had problems understanding the exact relation for the Entity in ERD. We had to go through our class sides to get an idea.</a:t>
             </a:r>
             <a:endParaRPr lang="en-US" kern="100" dirty="0">
               <a:effectLst/>
@@ -9278,35 +10167,6 @@
             </a:endParaRPr>
           </a:p>
           <a:p>
-            <a:pPr marL="0" marR="0" indent="0" algn="l">
-              <a:spcBef>
-                <a:spcPts val="150"/>
-              </a:spcBef>
-              <a:spcAft>
-                <a:spcPts val="600"/>
-              </a:spcAft>
-              <a:buNone/>
-              <a:tabLst>
-                <a:tab pos="2510155" algn="l"/>
-              </a:tabLst>
-            </a:pPr>
-            <a:r>
-              <a:rPr lang="en-US" kern="100" dirty="0">
-                <a:effectLst/>
-                <a:latin typeface="Arial" panose="020B0604020202020204" pitchFamily="34" charset="0"/>
-                <a:ea typeface="Noto Serif CJK SC"/>
-                <a:cs typeface="Arial" panose="020B0604020202020204" pitchFamily="34" charset="0"/>
-              </a:rPr>
-              <a:t>5.We had problems understanding the exact relation for the Entity in ERD. We had to go through our class sides to get an idea.</a:t>
-            </a:r>
-            <a:endParaRPr lang="en-US" kern="100" dirty="0">
-              <a:effectLst/>
-              <a:latin typeface="Arial" panose="020B0604020202020204" pitchFamily="34" charset="0"/>
-              <a:ea typeface="Noto Serif CJK SC"/>
-              <a:cs typeface="Lohit Devanagari"/>
-            </a:endParaRPr>
-          </a:p>
-          <a:p>
             <a:endParaRPr lang="en-US" dirty="0"/>
           </a:p>
         </p:txBody>
@@ -9315,127 +10175,6 @@
     <p:extLst>
       <p:ext uri="{BB962C8B-B14F-4D97-AF65-F5344CB8AC3E}">
         <p14:creationId xmlns:p14="http://schemas.microsoft.com/office/powerpoint/2010/main" val="593802018"/>
-      </p:ext>
-    </p:extLst>
-  </p:cSld>
-  <p:clrMapOvr>
-    <a:masterClrMapping/>
-  </p:clrMapOvr>
-</p:sld>
-</file>
-
-<file path=ppt/slides/slide5.xml><?xml version="1.0" encoding="utf-8"?>
-<p:sld xmlns:a="http://schemas.openxmlformats.org/drawingml/2006/main" xmlns:r="http://schemas.openxmlformats.org/officeDocument/2006/relationships" xmlns:p="http://schemas.openxmlformats.org/presentationml/2006/main">
-  <p:cSld>
-    <p:spTree>
-      <p:nvGrpSpPr>
-        <p:cNvPr id="1" name=""/>
-        <p:cNvGrpSpPr/>
-        <p:nvPr/>
-      </p:nvGrpSpPr>
-      <p:grpSpPr>
-        <a:xfrm>
-          <a:off x="0" y="0"/>
-          <a:ext cx="0" cy="0"/>
-          <a:chOff x="0" y="0"/>
-          <a:chExt cx="0" cy="0"/>
-        </a:xfrm>
-      </p:grpSpPr>
-      <p:sp>
-        <p:nvSpPr>
-          <p:cNvPr id="2" name="Title 1"/>
-          <p:cNvSpPr>
-            <a:spLocks noGrp="1"/>
-          </p:cNvSpPr>
-          <p:nvPr>
-            <p:ph type="title"/>
-          </p:nvPr>
-        </p:nvSpPr>
-        <p:spPr>
-          <a:xfrm>
-            <a:off x="1371600" y="685800"/>
-            <a:ext cx="9460523" cy="622495"/>
-          </a:xfrm>
-        </p:spPr>
-        <p:txBody>
-          <a:bodyPr>
-            <a:normAutofit fontScale="90000"/>
-          </a:bodyPr>
-          <a:lstStyle/>
-          <a:p>
-            <a:r>
-              <a:rPr lang="en-US" sz="3600" b="1" dirty="0"/>
-              <a:t>RICH PICTURE (AS-IS)</a:t>
-            </a:r>
-            <a:br>
-              <a:rPr lang="en-US" b="1" dirty="0"/>
-            </a:br>
-            <a:endParaRPr lang="en-US" dirty="0"/>
-          </a:p>
-        </p:txBody>
-      </p:sp>
-      <p:pic>
-        <p:nvPicPr>
-          <p:cNvPr id="5" name="Content Placeholder 4"/>
-          <p:cNvPicPr>
-            <a:picLocks noGrp="1" noChangeAspect="1"/>
-          </p:cNvPicPr>
-          <p:nvPr>
-            <p:ph idx="1"/>
-          </p:nvPr>
-        </p:nvPicPr>
-        <p:blipFill>
-          <a:blip r:embed="rId2"/>
-          <a:stretch>
-            <a:fillRect/>
-          </a:stretch>
-        </p:blipFill>
-        <p:spPr>
-          <a:xfrm>
-            <a:off x="2883877" y="1308294"/>
-            <a:ext cx="7936523" cy="5189325"/>
-          </a:xfrm>
-          <a:prstGeom prst="rect">
-            <a:avLst/>
-          </a:prstGeom>
-        </p:spPr>
-      </p:pic>
-      <p:sp>
-        <p:nvSpPr>
-          <p:cNvPr id="6" name="TextBox 5"/>
-          <p:cNvSpPr txBox="1"/>
-          <p:nvPr/>
-        </p:nvSpPr>
-        <p:spPr>
-          <a:xfrm>
-            <a:off x="5653204" y="6468012"/>
-            <a:ext cx="3386294" cy="646331"/>
-          </a:xfrm>
-          <a:prstGeom prst="rect">
-            <a:avLst/>
-          </a:prstGeom>
-          <a:noFill/>
-        </p:spPr>
-        <p:txBody>
-          <a:bodyPr wrap="square" rtlCol="0">
-            <a:spAutoFit/>
-          </a:bodyPr>
-          <a:lstStyle/>
-          <a:p>
-            <a:r>
-              <a:rPr lang="en-US" b="1" dirty="0"/>
-              <a:t>Figure: Rich Picture As-Is</a:t>
-            </a:r>
-          </a:p>
-          <a:p>
-            <a:endParaRPr lang="en-US" dirty="0"/>
-          </a:p>
-        </p:txBody>
-      </p:sp>
-    </p:spTree>
-    <p:extLst>
-      <p:ext uri="{BB962C8B-B14F-4D97-AF65-F5344CB8AC3E}">
-        <p14:creationId xmlns:p14="http://schemas.microsoft.com/office/powerpoint/2010/main" val="1307259978"/>
       </p:ext>
     </p:extLst>
   </p:cSld>
@@ -9985,4 +10724,265 @@
     </a:ext>
   </a:extLst>
 </a:theme>
+</file>
+
+<file path=ppt/theme/theme2.xml><?xml version="1.0" encoding="utf-8"?>
+<a:theme xmlns:a="http://schemas.openxmlformats.org/drawingml/2006/main" name="Office Theme">
+  <a:themeElements>
+    <a:clrScheme name="Office">
+      <a:dk1>
+        <a:sysClr val="windowText" lastClr="000000"/>
+      </a:dk1>
+      <a:lt1>
+        <a:sysClr val="window" lastClr="FFFFFF"/>
+      </a:lt1>
+      <a:dk2>
+        <a:srgbClr val="44546A"/>
+      </a:dk2>
+      <a:lt2>
+        <a:srgbClr val="E7E6E6"/>
+      </a:lt2>
+      <a:accent1>
+        <a:srgbClr val="5B9BD5"/>
+      </a:accent1>
+      <a:accent2>
+        <a:srgbClr val="ED7D31"/>
+      </a:accent2>
+      <a:accent3>
+        <a:srgbClr val="A5A5A5"/>
+      </a:accent3>
+      <a:accent4>
+        <a:srgbClr val="FFC000"/>
+      </a:accent4>
+      <a:accent5>
+        <a:srgbClr val="4472C4"/>
+      </a:accent5>
+      <a:accent6>
+        <a:srgbClr val="70AD47"/>
+      </a:accent6>
+      <a:hlink>
+        <a:srgbClr val="0563C1"/>
+      </a:hlink>
+      <a:folHlink>
+        <a:srgbClr val="954F72"/>
+      </a:folHlink>
+    </a:clrScheme>
+    <a:fontScheme name="Office">
+      <a:majorFont>
+        <a:latin typeface="Calibri Light" panose="020F0302020204030204"/>
+        <a:ea typeface=""/>
+        <a:cs typeface=""/>
+        <a:font script="Jpan" typeface="ＭＳ Ｐゴシック"/>
+        <a:font script="Hang" typeface="맑은 고딕"/>
+        <a:font script="Hans" typeface="宋体"/>
+        <a:font script="Hant" typeface="新細明體"/>
+        <a:font script="Arab" typeface="Times New Roman"/>
+        <a:font script="Hebr" typeface="Times New Roman"/>
+        <a:font script="Thai" typeface="Angsana New"/>
+        <a:font script="Ethi" typeface="Nyala"/>
+        <a:font script="Beng" typeface="Vrinda"/>
+        <a:font script="Gujr" typeface="Shruti"/>
+        <a:font script="Khmr" typeface="MoolBoran"/>
+        <a:font script="Knda" typeface="Tunga"/>
+        <a:font script="Guru" typeface="Raavi"/>
+        <a:font script="Cans" typeface="Euphemia"/>
+        <a:font script="Cher" typeface="Plantagenet Cherokee"/>
+        <a:font script="Yiii" typeface="Microsoft Yi Baiti"/>
+        <a:font script="Tibt" typeface="Microsoft Himalaya"/>
+        <a:font script="Thaa" typeface="MV Boli"/>
+        <a:font script="Deva" typeface="Mangal"/>
+        <a:font script="Telu" typeface="Gautami"/>
+        <a:font script="Taml" typeface="Latha"/>
+        <a:font script="Syrc" typeface="Estrangelo Edessa"/>
+        <a:font script="Orya" typeface="Kalinga"/>
+        <a:font script="Mlym" typeface="Kartika"/>
+        <a:font script="Laoo" typeface="DokChampa"/>
+        <a:font script="Sinh" typeface="Iskoola Pota"/>
+        <a:font script="Mong" typeface="Mongolian Baiti"/>
+        <a:font script="Viet" typeface="Times New Roman"/>
+        <a:font script="Uigh" typeface="Microsoft Uighur"/>
+        <a:font script="Geor" typeface="Sylfaen"/>
+      </a:majorFont>
+      <a:minorFont>
+        <a:latin typeface="Calibri" panose="020F0502020204030204"/>
+        <a:ea typeface=""/>
+        <a:cs typeface=""/>
+        <a:font script="Jpan" typeface="ＭＳ Ｐゴシック"/>
+        <a:font script="Hang" typeface="맑은 고딕"/>
+        <a:font script="Hans" typeface="宋体"/>
+        <a:font script="Hant" typeface="新細明體"/>
+        <a:font script="Arab" typeface="Arial"/>
+        <a:font script="Hebr" typeface="Arial"/>
+        <a:font script="Thai" typeface="Cordia New"/>
+        <a:font script="Ethi" typeface="Nyala"/>
+        <a:font script="Beng" typeface="Vrinda"/>
+        <a:font script="Gujr" typeface="Shruti"/>
+        <a:font script="Khmr" typeface="DaunPenh"/>
+        <a:font script="Knda" typeface="Tunga"/>
+        <a:font script="Guru" typeface="Raavi"/>
+        <a:font script="Cans" typeface="Euphemia"/>
+        <a:font script="Cher" typeface="Plantagenet Cherokee"/>
+        <a:font script="Yiii" typeface="Microsoft Yi Baiti"/>
+        <a:font script="Tibt" typeface="Microsoft Himalaya"/>
+        <a:font script="Thaa" typeface="MV Boli"/>
+        <a:font script="Deva" typeface="Mangal"/>
+        <a:font script="Telu" typeface="Gautami"/>
+        <a:font script="Taml" typeface="Latha"/>
+        <a:font script="Syrc" typeface="Estrangelo Edessa"/>
+        <a:font script="Orya" typeface="Kalinga"/>
+        <a:font script="Mlym" typeface="Kartika"/>
+        <a:font script="Laoo" typeface="DokChampa"/>
+        <a:font script="Sinh" typeface="Iskoola Pota"/>
+        <a:font script="Mong" typeface="Mongolian Baiti"/>
+        <a:font script="Viet" typeface="Arial"/>
+        <a:font script="Uigh" typeface="Microsoft Uighur"/>
+        <a:font script="Geor" typeface="Sylfaen"/>
+      </a:minorFont>
+    </a:fontScheme>
+    <a:fmtScheme name="Office">
+      <a:fillStyleLst>
+        <a:solidFill>
+          <a:schemeClr val="phClr"/>
+        </a:solidFill>
+        <a:gradFill rotWithShape="1">
+          <a:gsLst>
+            <a:gs pos="0">
+              <a:schemeClr val="phClr">
+                <a:lumMod val="110000"/>
+                <a:satMod val="105000"/>
+                <a:tint val="67000"/>
+              </a:schemeClr>
+            </a:gs>
+            <a:gs pos="50000">
+              <a:schemeClr val="phClr">
+                <a:lumMod val="105000"/>
+                <a:satMod val="103000"/>
+                <a:tint val="73000"/>
+              </a:schemeClr>
+            </a:gs>
+            <a:gs pos="100000">
+              <a:schemeClr val="phClr">
+                <a:lumMod val="105000"/>
+                <a:satMod val="109000"/>
+                <a:tint val="81000"/>
+              </a:schemeClr>
+            </a:gs>
+          </a:gsLst>
+          <a:lin ang="5400000" scaled="0"/>
+        </a:gradFill>
+        <a:gradFill rotWithShape="1">
+          <a:gsLst>
+            <a:gs pos="0">
+              <a:schemeClr val="phClr">
+                <a:satMod val="103000"/>
+                <a:lumMod val="102000"/>
+                <a:tint val="94000"/>
+              </a:schemeClr>
+            </a:gs>
+            <a:gs pos="50000">
+              <a:schemeClr val="phClr">
+                <a:satMod val="110000"/>
+                <a:lumMod val="100000"/>
+                <a:shade val="100000"/>
+              </a:schemeClr>
+            </a:gs>
+            <a:gs pos="100000">
+              <a:schemeClr val="phClr">
+                <a:lumMod val="99000"/>
+                <a:satMod val="120000"/>
+                <a:shade val="78000"/>
+              </a:schemeClr>
+            </a:gs>
+          </a:gsLst>
+          <a:lin ang="5400000" scaled="0"/>
+        </a:gradFill>
+      </a:fillStyleLst>
+      <a:lnStyleLst>
+        <a:ln w="6350" cap="flat" cmpd="sng" algn="ctr">
+          <a:solidFill>
+            <a:schemeClr val="phClr"/>
+          </a:solidFill>
+          <a:prstDash val="solid"/>
+          <a:miter lim="800000"/>
+        </a:ln>
+        <a:ln w="12700" cap="flat" cmpd="sng" algn="ctr">
+          <a:solidFill>
+            <a:schemeClr val="phClr"/>
+          </a:solidFill>
+          <a:prstDash val="solid"/>
+          <a:miter lim="800000"/>
+        </a:ln>
+        <a:ln w="19050" cap="flat" cmpd="sng" algn="ctr">
+          <a:solidFill>
+            <a:schemeClr val="phClr"/>
+          </a:solidFill>
+          <a:prstDash val="solid"/>
+          <a:miter lim="800000"/>
+        </a:ln>
+      </a:lnStyleLst>
+      <a:effectStyleLst>
+        <a:effectStyle>
+          <a:effectLst/>
+        </a:effectStyle>
+        <a:effectStyle>
+          <a:effectLst/>
+        </a:effectStyle>
+        <a:effectStyle>
+          <a:effectLst>
+            <a:outerShdw blurRad="57150" dist="19050" dir="5400000" algn="ctr" rotWithShape="0">
+              <a:srgbClr val="000000">
+                <a:alpha val="63000"/>
+              </a:srgbClr>
+            </a:outerShdw>
+          </a:effectLst>
+        </a:effectStyle>
+      </a:effectStyleLst>
+      <a:bgFillStyleLst>
+        <a:solidFill>
+          <a:schemeClr val="phClr"/>
+        </a:solidFill>
+        <a:solidFill>
+          <a:schemeClr val="phClr">
+            <a:tint val="95000"/>
+            <a:satMod val="170000"/>
+          </a:schemeClr>
+        </a:solidFill>
+        <a:gradFill rotWithShape="1">
+          <a:gsLst>
+            <a:gs pos="0">
+              <a:schemeClr val="phClr">
+                <a:tint val="93000"/>
+                <a:satMod val="150000"/>
+                <a:shade val="98000"/>
+                <a:lumMod val="102000"/>
+              </a:schemeClr>
+            </a:gs>
+            <a:gs pos="50000">
+              <a:schemeClr val="phClr">
+                <a:tint val="98000"/>
+                <a:satMod val="130000"/>
+                <a:shade val="90000"/>
+                <a:lumMod val="103000"/>
+              </a:schemeClr>
+            </a:gs>
+            <a:gs pos="100000">
+              <a:schemeClr val="phClr">
+                <a:shade val="63000"/>
+                <a:satMod val="120000"/>
+              </a:schemeClr>
+            </a:gs>
+          </a:gsLst>
+          <a:lin ang="5400000" scaled="0"/>
+        </a:gradFill>
+      </a:bgFillStyleLst>
+    </a:fmtScheme>
+  </a:themeElements>
+  <a:objectDefaults/>
+  <a:extraClrSchemeLst/>
+  <a:extLst>
+    <a:ext uri="{05A4C25C-085E-4340-85A3-A5531E510DB2}">
+      <thm15:themeFamily xmlns:thm15="http://schemas.microsoft.com/office/thememl/2012/main" name="Office Theme" id="{62F939B6-93AF-4DB8-9C6B-D6C7DFDC589F}" vid="{4A3C46E8-61CC-4603-A589-7422A47A8E4A}"/>
+    </a:ext>
+  </a:extLst>
+</a:theme>
 </file>